--- a/Documentação final do projeto/Ppt-Final.pptx
+++ b/Documentação final do projeto/Ppt-Final.pptx
@@ -5,28 +5,29 @@
     <p:sldMasterId id="2147483672" r:id="rId1"/>
   </p:sldMasterIdLst>
   <p:notesMasterIdLst>
-    <p:notesMasterId r:id="rId21"/>
+    <p:notesMasterId r:id="rId22"/>
   </p:notesMasterIdLst>
   <p:sldIdLst>
     <p:sldId id="265" r:id="rId2"/>
-    <p:sldId id="298" r:id="rId3"/>
+    <p:sldId id="307" r:id="rId3"/>
     <p:sldId id="267" r:id="rId4"/>
-    <p:sldId id="301" r:id="rId5"/>
-    <p:sldId id="302" r:id="rId6"/>
-    <p:sldId id="266" r:id="rId7"/>
-    <p:sldId id="274" r:id="rId8"/>
-    <p:sldId id="303" r:id="rId9"/>
-    <p:sldId id="304" r:id="rId10"/>
-    <p:sldId id="297" r:id="rId11"/>
-    <p:sldId id="284" r:id="rId12"/>
-    <p:sldId id="276" r:id="rId13"/>
-    <p:sldId id="293" r:id="rId14"/>
-    <p:sldId id="294" r:id="rId15"/>
-    <p:sldId id="305" r:id="rId16"/>
-    <p:sldId id="306" r:id="rId17"/>
-    <p:sldId id="295" r:id="rId18"/>
-    <p:sldId id="296" r:id="rId19"/>
-    <p:sldId id="299" r:id="rId20"/>
+    <p:sldId id="298" r:id="rId5"/>
+    <p:sldId id="301" r:id="rId6"/>
+    <p:sldId id="302" r:id="rId7"/>
+    <p:sldId id="266" r:id="rId8"/>
+    <p:sldId id="274" r:id="rId9"/>
+    <p:sldId id="303" r:id="rId10"/>
+    <p:sldId id="304" r:id="rId11"/>
+    <p:sldId id="297" r:id="rId12"/>
+    <p:sldId id="284" r:id="rId13"/>
+    <p:sldId id="276" r:id="rId14"/>
+    <p:sldId id="293" r:id="rId15"/>
+    <p:sldId id="294" r:id="rId16"/>
+    <p:sldId id="305" r:id="rId17"/>
+    <p:sldId id="306" r:id="rId18"/>
+    <p:sldId id="295" r:id="rId19"/>
+    <p:sldId id="296" r:id="rId20"/>
+    <p:sldId id="299" r:id="rId21"/>
   </p:sldIdLst>
   <p:sldSz cx="9144000" cy="6858000" type="screen4x3"/>
   <p:notesSz cx="6858000" cy="9144000"/>
@@ -127,7 +128,7 @@
   </p:defaultTextStyle>
   <p:extLst>
     <p:ext uri="{EFAFB233-063F-42B5-8137-9DF3F51BA10A}">
-      <p15:sldGuideLst xmlns:p15="http://schemas.microsoft.com/office/powerpoint/2012/main" xmlns="">
+      <p15:sldGuideLst xmlns="" xmlns:p15="http://schemas.microsoft.com/office/powerpoint/2012/main">
         <p15:guide id="1" orient="horz" pos="2160">
           <p15:clr>
             <a:srgbClr val="A4A3A4"/>
@@ -17584,7 +17585,7 @@
           <a:p>
             <a:fld id="{3F5D9F91-5035-469D-968F-FE3C304D0282}" type="datetimeFigureOut">
               <a:rPr lang="pt-BR" smtClean="0"/>
-              <a:t>23/11/2018</a:t>
+              <a:t>29/11/2018</a:t>
             </a:fld>
             <a:endParaRPr lang="pt-BR"/>
           </a:p>
@@ -18080,6 +18081,14 @@
           <a:bodyPr/>
           <a:lstStyle/>
           <a:p>
+            <a:r>
+              <a:rPr lang="pt-BR" dirty="0" smtClean="0"/>
+              <a:t>Contextualizar</a:t>
+            </a:r>
+            <a:r>
+              <a:rPr lang="pt-BR" baseline="0" dirty="0" smtClean="0"/>
+              <a:t> </a:t>
+            </a:r>
             <a:endParaRPr lang="pt-BR" dirty="0"/>
           </a:p>
         </p:txBody>
@@ -18110,7 +18119,7 @@
     </p:spTree>
     <p:extLst>
       <p:ext uri="{BB962C8B-B14F-4D97-AF65-F5344CB8AC3E}">
-        <p14:creationId xmlns:p14="http://schemas.microsoft.com/office/powerpoint/2010/main" val="2433845687"/>
+        <p14:creationId xmlns:p14="http://schemas.microsoft.com/office/powerpoint/2010/main" val="4203072914"/>
       </p:ext>
     </p:extLst>
   </p:cSld>
@@ -18194,7 +18203,7 @@
     </p:spTree>
     <p:extLst>
       <p:ext uri="{BB962C8B-B14F-4D97-AF65-F5344CB8AC3E}">
-        <p14:creationId xmlns:p14="http://schemas.microsoft.com/office/powerpoint/2010/main" val="624504403"/>
+        <p14:creationId xmlns:p14="http://schemas.microsoft.com/office/powerpoint/2010/main" val="2433845687"/>
       </p:ext>
     </p:extLst>
   </p:cSld>
@@ -18269,7 +18278,91 @@
           <a:p>
             <a:fld id="{712E17E6-F46B-44DA-99F1-1EB897427454}" type="slidenum">
               <a:rPr lang="pt-BR" smtClean="0"/>
-              <a:t>16</a:t>
+              <a:t>6</a:t>
+            </a:fld>
+            <a:endParaRPr lang="pt-BR"/>
+          </a:p>
+        </p:txBody>
+      </p:sp>
+    </p:spTree>
+    <p:extLst>
+      <p:ext uri="{BB962C8B-B14F-4D97-AF65-F5344CB8AC3E}">
+        <p14:creationId xmlns:p14="http://schemas.microsoft.com/office/powerpoint/2010/main" val="624504403"/>
+      </p:ext>
+    </p:extLst>
+  </p:cSld>
+  <p:clrMapOvr>
+    <a:masterClrMapping/>
+  </p:clrMapOvr>
+</p:notes>
+</file>
+
+<file path=ppt/notesSlides/notesSlide6.xml><?xml version="1.0" encoding="utf-8"?>
+<p:notes xmlns:a="http://schemas.openxmlformats.org/drawingml/2006/main" xmlns:r="http://schemas.openxmlformats.org/officeDocument/2006/relationships" xmlns:p="http://schemas.openxmlformats.org/presentationml/2006/main">
+  <p:cSld>
+    <p:spTree>
+      <p:nvGrpSpPr>
+        <p:cNvPr id="1" name=""/>
+        <p:cNvGrpSpPr/>
+        <p:nvPr/>
+      </p:nvGrpSpPr>
+      <p:grpSpPr>
+        <a:xfrm>
+          <a:off x="0" y="0"/>
+          <a:ext cx="0" cy="0"/>
+          <a:chOff x="0" y="0"/>
+          <a:chExt cx="0" cy="0"/>
+        </a:xfrm>
+      </p:grpSpPr>
+      <p:sp>
+        <p:nvSpPr>
+          <p:cNvPr id="2" name="Espaço Reservado para Imagem de Slide 1"/>
+          <p:cNvSpPr>
+            <a:spLocks noGrp="1" noRot="1" noChangeAspect="1"/>
+          </p:cNvSpPr>
+          <p:nvPr>
+            <p:ph type="sldImg"/>
+          </p:nvPr>
+        </p:nvSpPr>
+        <p:spPr/>
+      </p:sp>
+      <p:sp>
+        <p:nvSpPr>
+          <p:cNvPr id="3" name="Espaço Reservado para Anotações 2"/>
+          <p:cNvSpPr>
+            <a:spLocks noGrp="1"/>
+          </p:cNvSpPr>
+          <p:nvPr>
+            <p:ph type="body" idx="1"/>
+          </p:nvPr>
+        </p:nvSpPr>
+        <p:spPr/>
+        <p:txBody>
+          <a:bodyPr/>
+          <a:lstStyle/>
+          <a:p>
+            <a:endParaRPr lang="pt-BR" dirty="0"/>
+          </a:p>
+        </p:txBody>
+      </p:sp>
+      <p:sp>
+        <p:nvSpPr>
+          <p:cNvPr id="4" name="Espaço Reservado para Número de Slide 3"/>
+          <p:cNvSpPr>
+            <a:spLocks noGrp="1"/>
+          </p:cNvSpPr>
+          <p:nvPr>
+            <p:ph type="sldNum" sz="quarter" idx="10"/>
+          </p:nvPr>
+        </p:nvSpPr>
+        <p:spPr/>
+        <p:txBody>
+          <a:bodyPr/>
+          <a:lstStyle/>
+          <a:p>
+            <a:fld id="{712E17E6-F46B-44DA-99F1-1EB897427454}" type="slidenum">
+              <a:rPr lang="pt-BR" smtClean="0"/>
+              <a:t>17</a:t>
             </a:fld>
             <a:endParaRPr lang="pt-BR"/>
           </a:p>
@@ -18480,7 +18573,7 @@
           <a:p>
             <a:fld id="{6170734A-4B5A-4F3B-B573-1E93A2DEC51B}" type="datetimeFigureOut">
               <a:rPr lang="pt-BR" smtClean="0"/>
-              <a:t>23/11/2018</a:t>
+              <a:t>29/11/2018</a:t>
             </a:fld>
             <a:endParaRPr lang="pt-BR"/>
           </a:p>
@@ -18645,7 +18738,7 @@
           <a:p>
             <a:fld id="{6170734A-4B5A-4F3B-B573-1E93A2DEC51B}" type="datetimeFigureOut">
               <a:rPr lang="pt-BR" smtClean="0"/>
-              <a:t>23/11/2018</a:t>
+              <a:t>29/11/2018</a:t>
             </a:fld>
             <a:endParaRPr lang="pt-BR"/>
           </a:p>
@@ -18820,7 +18913,7 @@
           <a:p>
             <a:fld id="{6170734A-4B5A-4F3B-B573-1E93A2DEC51B}" type="datetimeFigureOut">
               <a:rPr lang="pt-BR" smtClean="0"/>
-              <a:t>23/11/2018</a:t>
+              <a:t>29/11/2018</a:t>
             </a:fld>
             <a:endParaRPr lang="pt-BR"/>
           </a:p>
@@ -19003,7 +19096,7 @@
           <a:p>
             <a:fld id="{6170734A-4B5A-4F3B-B573-1E93A2DEC51B}" type="datetimeFigureOut">
               <a:rPr lang="pt-BR" smtClean="0"/>
-              <a:t>23/11/2018</a:t>
+              <a:t>29/11/2018</a:t>
             </a:fld>
             <a:endParaRPr lang="pt-BR"/>
           </a:p>
@@ -19265,7 +19358,7 @@
           <a:p>
             <a:fld id="{6170734A-4B5A-4F3B-B573-1E93A2DEC51B}" type="datetimeFigureOut">
               <a:rPr lang="pt-BR" smtClean="0"/>
-              <a:t>23/11/2018</a:t>
+              <a:t>29/11/2018</a:t>
             </a:fld>
             <a:endParaRPr lang="pt-BR"/>
           </a:p>
@@ -19613,7 +19706,7 @@
           <a:p>
             <a:fld id="{6170734A-4B5A-4F3B-B573-1E93A2DEC51B}" type="datetimeFigureOut">
               <a:rPr lang="pt-BR" smtClean="0"/>
-              <a:t>23/11/2018</a:t>
+              <a:t>29/11/2018</a:t>
             </a:fld>
             <a:endParaRPr lang="pt-BR"/>
           </a:p>
@@ -19921,7 +20014,7 @@
           <a:p>
             <a:fld id="{6170734A-4B5A-4F3B-B573-1E93A2DEC51B}" type="datetimeFigureOut">
               <a:rPr lang="pt-BR" smtClean="0"/>
-              <a:t>23/11/2018</a:t>
+              <a:t>29/11/2018</a:t>
             </a:fld>
             <a:endParaRPr lang="pt-BR"/>
           </a:p>
@@ -20148,7 +20241,7 @@
           <a:p>
             <a:fld id="{6170734A-4B5A-4F3B-B573-1E93A2DEC51B}" type="datetimeFigureOut">
               <a:rPr lang="pt-BR" smtClean="0"/>
-              <a:t>23/11/2018</a:t>
+              <a:t>29/11/2018</a:t>
             </a:fld>
             <a:endParaRPr lang="pt-BR"/>
           </a:p>
@@ -20238,7 +20331,7 @@
           <a:p>
             <a:fld id="{6170734A-4B5A-4F3B-B573-1E93A2DEC51B}" type="datetimeFigureOut">
               <a:rPr lang="pt-BR" smtClean="0"/>
-              <a:t>23/11/2018</a:t>
+              <a:t>29/11/2018</a:t>
             </a:fld>
             <a:endParaRPr lang="pt-BR"/>
           </a:p>
@@ -20526,7 +20619,7 @@
           <a:p>
             <a:fld id="{6170734A-4B5A-4F3B-B573-1E93A2DEC51B}" type="datetimeFigureOut">
               <a:rPr lang="pt-BR" smtClean="0"/>
-              <a:t>23/11/2018</a:t>
+              <a:t>29/11/2018</a:t>
             </a:fld>
             <a:endParaRPr lang="pt-BR"/>
           </a:p>
@@ -20795,7 +20888,7 @@
           <a:p>
             <a:fld id="{6170734A-4B5A-4F3B-B573-1E93A2DEC51B}" type="datetimeFigureOut">
               <a:rPr lang="pt-BR" smtClean="0"/>
-              <a:t>23/11/2018</a:t>
+              <a:t>29/11/2018</a:t>
             </a:fld>
             <a:endParaRPr lang="pt-BR"/>
           </a:p>
@@ -21005,7 +21098,7 @@
           <a:p>
             <a:fld id="{6170734A-4B5A-4F3B-B573-1E93A2DEC51B}" type="datetimeFigureOut">
               <a:rPr lang="pt-BR" smtClean="0"/>
-              <a:t>23/11/2018</a:t>
+              <a:t>29/11/2018</a:t>
             </a:fld>
             <a:endParaRPr lang="pt-BR"/>
           </a:p>
@@ -21888,6 +21981,1436 @@
           <a:chExt cx="0" cy="0"/>
         </a:xfrm>
       </p:grpSpPr>
+      <p:pic>
+        <p:nvPicPr>
+          <p:cNvPr id="4" name="Picture 44" descr="Resultado de imagem para windows server 2012 vector"/>
+          <p:cNvPicPr>
+            <a:picLocks noChangeAspect="1" noChangeArrowheads="1"/>
+          </p:cNvPicPr>
+          <p:nvPr/>
+        </p:nvPicPr>
+        <p:blipFill rotWithShape="1">
+          <a:blip r:embed="rId2">
+            <a:extLst>
+              <a:ext uri="{BEBA8EAE-BF5A-486C-A8C5-ECC9F3942E4B}">
+                <a14:imgProps xmlns:a14="http://schemas.microsoft.com/office/drawing/2010/main">
+                  <a14:imgLayer r:embed="rId3">
+                    <a14:imgEffect>
+                      <a14:brightnessContrast bright="40000" contrast="40000"/>
+                    </a14:imgEffect>
+                  </a14:imgLayer>
+                </a14:imgProps>
+              </a:ext>
+              <a:ext uri="{28A0092B-C50C-407E-A947-70E740481C1C}">
+                <a14:useLocalDpi xmlns:a14="http://schemas.microsoft.com/office/drawing/2010/main" val="0"/>
+              </a:ext>
+            </a:extLst>
+          </a:blip>
+          <a:srcRect l="22903" r="19888" b="41837"/>
+          <a:stretch/>
+        </p:blipFill>
+        <p:spPr bwMode="auto">
+          <a:xfrm>
+            <a:off x="5745016" y="2226536"/>
+            <a:ext cx="2664466" cy="2671414"/>
+          </a:xfrm>
+          <a:prstGeom prst="rect">
+            <a:avLst/>
+          </a:prstGeom>
+          <a:noFill/>
+          <a:extLst>
+            <a:ext uri="{909E8E84-426E-40DD-AFC4-6F175D3DCCD1}">
+              <a14:hiddenFill xmlns:a14="http://schemas.microsoft.com/office/drawing/2010/main">
+                <a:solidFill>
+                  <a:srgbClr val="FFFFFF"/>
+                </a:solidFill>
+              </a14:hiddenFill>
+            </a:ext>
+          </a:extLst>
+        </p:spPr>
+      </p:pic>
+      <p:pic>
+        <p:nvPicPr>
+          <p:cNvPr id="5" name="Picture 6" descr="Resultado de imagem para base de dados sql server vetor"/>
+          <p:cNvPicPr>
+            <a:picLocks noChangeAspect="1" noChangeArrowheads="1"/>
+          </p:cNvPicPr>
+          <p:nvPr/>
+        </p:nvPicPr>
+        <p:blipFill>
+          <a:blip r:embed="rId4" cstate="print">
+            <a:duotone>
+              <a:schemeClr val="accent3">
+                <a:shade val="45000"/>
+                <a:satMod val="135000"/>
+              </a:schemeClr>
+              <a:prstClr val="white"/>
+            </a:duotone>
+            <a:extLst>
+              <a:ext uri="{BEBA8EAE-BF5A-486C-A8C5-ECC9F3942E4B}">
+                <a14:imgProps xmlns:a14="http://schemas.microsoft.com/office/drawing/2010/main">
+                  <a14:imgLayer r:embed="rId5">
+                    <a14:imgEffect>
+                      <a14:sharpenSoften amount="36000"/>
+                    </a14:imgEffect>
+                    <a14:imgEffect>
+                      <a14:brightnessContrast bright="40000" contrast="40000"/>
+                    </a14:imgEffect>
+                  </a14:imgLayer>
+                </a14:imgProps>
+              </a:ext>
+              <a:ext uri="{28A0092B-C50C-407E-A947-70E740481C1C}">
+                <a14:useLocalDpi xmlns:a14="http://schemas.microsoft.com/office/drawing/2010/main" val="0"/>
+              </a:ext>
+            </a:extLst>
+          </a:blip>
+          <a:srcRect/>
+          <a:stretch>
+            <a:fillRect/>
+          </a:stretch>
+        </p:blipFill>
+        <p:spPr bwMode="auto">
+          <a:xfrm>
+            <a:off x="7473237" y="2564904"/>
+            <a:ext cx="1512168" cy="1512169"/>
+          </a:xfrm>
+          <a:prstGeom prst="rect">
+            <a:avLst/>
+          </a:prstGeom>
+          <a:noFill/>
+          <a:extLst>
+            <a:ext uri="{909E8E84-426E-40DD-AFC4-6F175D3DCCD1}">
+              <a14:hiddenFill xmlns:a14="http://schemas.microsoft.com/office/drawing/2010/main">
+                <a:solidFill>
+                  <a:srgbClr val="FFFFFF"/>
+                </a:solidFill>
+              </a14:hiddenFill>
+            </a:ext>
+          </a:extLst>
+        </p:spPr>
+      </p:pic>
+      <p:grpSp>
+        <p:nvGrpSpPr>
+          <p:cNvPr id="6" name="Agrupar 8"/>
+          <p:cNvGrpSpPr/>
+          <p:nvPr/>
+        </p:nvGrpSpPr>
+        <p:grpSpPr>
+          <a:xfrm>
+            <a:off x="582613" y="2820575"/>
+            <a:ext cx="1386662" cy="1256498"/>
+            <a:chOff x="2" y="1152128"/>
+            <a:chExt cx="1386662" cy="1000826"/>
+          </a:xfrm>
+        </p:grpSpPr>
+        <p:sp>
+          <p:nvSpPr>
+            <p:cNvPr id="7" name="Retângulo 6"/>
+            <p:cNvSpPr/>
+            <p:nvPr/>
+          </p:nvSpPr>
+          <p:spPr>
+            <a:xfrm>
+              <a:off x="2" y="1152128"/>
+              <a:ext cx="1386662" cy="1000826"/>
+            </a:xfrm>
+            <a:prstGeom prst="ellipse">
+              <a:avLst/>
+            </a:prstGeom>
+            <a:blipFill rotWithShape="0">
+              <a:blip r:embed="rId6"/>
+              <a:stretch>
+                <a:fillRect/>
+              </a:stretch>
+            </a:blipFill>
+          </p:spPr>
+          <p:style>
+            <a:lnRef idx="2">
+              <a:schemeClr val="lt1">
+                <a:hueOff val="0"/>
+                <a:satOff val="0"/>
+                <a:lumOff val="0"/>
+                <a:alphaOff val="0"/>
+              </a:schemeClr>
+            </a:lnRef>
+            <a:fillRef idx="1">
+              <a:scrgbClr r="0" g="0" b="0"/>
+            </a:fillRef>
+            <a:effectRef idx="0">
+              <a:schemeClr val="accent1">
+                <a:hueOff val="0"/>
+                <a:satOff val="0"/>
+                <a:lumOff val="0"/>
+                <a:alphaOff val="0"/>
+              </a:schemeClr>
+            </a:effectRef>
+            <a:fontRef idx="minor">
+              <a:schemeClr val="lt1"/>
+            </a:fontRef>
+          </p:style>
+        </p:sp>
+        <p:sp>
+          <p:nvSpPr>
+            <p:cNvPr id="8" name="CaixaDeTexto 7"/>
+            <p:cNvSpPr txBox="1"/>
+            <p:nvPr/>
+          </p:nvSpPr>
+          <p:spPr>
+            <a:xfrm>
+              <a:off x="2" y="1152128"/>
+              <a:ext cx="1386662" cy="1000826"/>
+            </a:xfrm>
+            <a:prstGeom prst="ellipse">
+              <a:avLst/>
+            </a:prstGeom>
+          </p:spPr>
+          <p:style>
+            <a:lnRef idx="0">
+              <a:scrgbClr r="0" g="0" b="0"/>
+            </a:lnRef>
+            <a:fillRef idx="0">
+              <a:scrgbClr r="0" g="0" b="0"/>
+            </a:fillRef>
+            <a:effectRef idx="0">
+              <a:scrgbClr r="0" g="0" b="0"/>
+            </a:effectRef>
+            <a:fontRef idx="minor">
+              <a:schemeClr val="lt1"/>
+            </a:fontRef>
+          </p:style>
+          <p:txBody>
+            <a:bodyPr spcFirstLastPara="0" vert="horz" wrap="square" lIns="37465" tIns="37465" rIns="37465" bIns="37465" numCol="1" spcCol="1270" anchor="ctr" anchorCtr="0">
+              <a:noAutofit/>
+            </a:bodyPr>
+            <a:lstStyle/>
+            <a:p>
+              <a:pPr lvl="0" algn="ctr" defTabSz="2622550">
+                <a:lnSpc>
+                  <a:spcPct val="90000"/>
+                </a:lnSpc>
+                <a:spcBef>
+                  <a:spcPct val="0"/>
+                </a:spcBef>
+                <a:spcAft>
+                  <a:spcPct val="35000"/>
+                </a:spcAft>
+              </a:pPr>
+              <a:r>
+                <a:rPr lang="pt-BR" sz="5900" kern="1200" dirty="0" smtClean="0"/>
+                <a:t> </a:t>
+              </a:r>
+              <a:endParaRPr lang="pt-BR" sz="5900" kern="1200" dirty="0"/>
+            </a:p>
+          </p:txBody>
+        </p:sp>
+      </p:grpSp>
+      <p:pic>
+        <p:nvPicPr>
+          <p:cNvPr id="9" name="Picture 16" descr="Imagem relacionada"/>
+          <p:cNvPicPr>
+            <a:picLocks noChangeAspect="1" noChangeArrowheads="1"/>
+          </p:cNvPicPr>
+          <p:nvPr/>
+        </p:nvPicPr>
+        <p:blipFill rotWithShape="1">
+          <a:blip r:embed="rId7" cstate="print">
+            <a:extLst>
+              <a:ext uri="{BEBA8EAE-BF5A-486C-A8C5-ECC9F3942E4B}">
+                <a14:imgProps xmlns:a14="http://schemas.microsoft.com/office/drawing/2010/main">
+                  <a14:imgLayer r:embed="rId8">
+                    <a14:imgEffect>
+                      <a14:brightnessContrast bright="-40000" contrast="40000"/>
+                    </a14:imgEffect>
+                  </a14:imgLayer>
+                </a14:imgProps>
+              </a:ext>
+              <a:ext uri="{28A0092B-C50C-407E-A947-70E740481C1C}">
+                <a14:useLocalDpi xmlns:a14="http://schemas.microsoft.com/office/drawing/2010/main" val="0"/>
+              </a:ext>
+            </a:extLst>
+          </a:blip>
+          <a:srcRect l="21166" t="1883" r="18355" b="16418"/>
+          <a:stretch/>
+        </p:blipFill>
+        <p:spPr bwMode="auto">
+          <a:xfrm>
+            <a:off x="3152757" y="1470452"/>
+            <a:ext cx="1008112" cy="756084"/>
+          </a:xfrm>
+          <a:prstGeom prst="ellipse">
+            <a:avLst/>
+          </a:prstGeom>
+          <a:ln>
+            <a:noFill/>
+          </a:ln>
+          <a:effectLst>
+            <a:softEdge rad="112500"/>
+          </a:effectLst>
+          <a:extLst>
+            <a:ext uri="{909E8E84-426E-40DD-AFC4-6F175D3DCCD1}">
+              <a14:hiddenFill xmlns:a14="http://schemas.microsoft.com/office/drawing/2010/main">
+                <a:solidFill>
+                  <a:srgbClr val="FFFFFF"/>
+                </a:solidFill>
+              </a14:hiddenFill>
+            </a:ext>
+          </a:extLst>
+        </p:spPr>
+      </p:pic>
+      <p:sp>
+        <p:nvSpPr>
+          <p:cNvPr id="10" name="Seta em Curva para Cima 2"/>
+          <p:cNvSpPr/>
+          <p:nvPr/>
+        </p:nvSpPr>
+        <p:spPr>
+          <a:xfrm>
+            <a:off x="1270652" y="4077073"/>
+            <a:ext cx="4770632" cy="619865"/>
+          </a:xfrm>
+          <a:prstGeom prst="curvedUpArrow">
+            <a:avLst/>
+          </a:prstGeom>
+          <a:solidFill>
+            <a:srgbClr val="00B0F0"/>
+          </a:solidFill>
+          <a:ln>
+            <a:noFill/>
+          </a:ln>
+        </p:spPr>
+        <p:style>
+          <a:lnRef idx="2">
+            <a:schemeClr val="accent1">
+              <a:shade val="50000"/>
+            </a:schemeClr>
+          </a:lnRef>
+          <a:fillRef idx="1">
+            <a:schemeClr val="accent1"/>
+          </a:fillRef>
+          <a:effectRef idx="0">
+            <a:schemeClr val="accent1"/>
+          </a:effectRef>
+          <a:fontRef idx="minor">
+            <a:schemeClr val="lt1"/>
+          </a:fontRef>
+        </p:style>
+        <p:txBody>
+          <a:bodyPr rtlCol="0" anchor="ctr"/>
+          <a:lstStyle/>
+          <a:p>
+            <a:pPr algn="ctr"/>
+            <a:endParaRPr lang="pt-BR">
+              <a:solidFill>
+                <a:schemeClr val="tx1"/>
+              </a:solidFill>
+            </a:endParaRPr>
+          </a:p>
+        </p:txBody>
+      </p:sp>
+      <p:sp>
+        <p:nvSpPr>
+          <p:cNvPr id="11" name="Seta em Curva para Cima 15"/>
+          <p:cNvSpPr/>
+          <p:nvPr/>
+        </p:nvSpPr>
+        <p:spPr>
+          <a:xfrm rot="10800000">
+            <a:off x="1389841" y="2204863"/>
+            <a:ext cx="4355204" cy="615711"/>
+          </a:xfrm>
+          <a:prstGeom prst="curvedUpArrow">
+            <a:avLst/>
+          </a:prstGeom>
+          <a:solidFill>
+            <a:srgbClr val="00B0F0"/>
+          </a:solidFill>
+          <a:ln>
+            <a:noFill/>
+          </a:ln>
+        </p:spPr>
+        <p:style>
+          <a:lnRef idx="2">
+            <a:schemeClr val="accent1">
+              <a:shade val="50000"/>
+            </a:schemeClr>
+          </a:lnRef>
+          <a:fillRef idx="1">
+            <a:schemeClr val="accent1"/>
+          </a:fillRef>
+          <a:effectRef idx="0">
+            <a:schemeClr val="accent1"/>
+          </a:effectRef>
+          <a:fontRef idx="minor">
+            <a:schemeClr val="lt1"/>
+          </a:fontRef>
+        </p:style>
+        <p:txBody>
+          <a:bodyPr rtlCol="0" anchor="ctr"/>
+          <a:lstStyle/>
+          <a:p>
+            <a:pPr algn="ctr"/>
+            <a:endParaRPr lang="pt-BR">
+              <a:solidFill>
+                <a:schemeClr val="tx1"/>
+              </a:solidFill>
+            </a:endParaRPr>
+          </a:p>
+        </p:txBody>
+      </p:sp>
+      <p:sp>
+        <p:nvSpPr>
+          <p:cNvPr id="12" name="Seta para a Esquerda e para a Direita 5"/>
+          <p:cNvSpPr/>
+          <p:nvPr/>
+        </p:nvSpPr>
+        <p:spPr>
+          <a:xfrm flipH="1">
+            <a:off x="6372200" y="3307075"/>
+            <a:ext cx="1217458" cy="382128"/>
+          </a:xfrm>
+          <a:prstGeom prst="leftRightArrow">
+            <a:avLst/>
+          </a:prstGeom>
+          <a:solidFill>
+            <a:srgbClr val="0070C0"/>
+          </a:solidFill>
+          <a:ln>
+            <a:noFill/>
+          </a:ln>
+        </p:spPr>
+        <p:style>
+          <a:lnRef idx="1">
+            <a:schemeClr val="accent5"/>
+          </a:lnRef>
+          <a:fillRef idx="3">
+            <a:schemeClr val="accent5"/>
+          </a:fillRef>
+          <a:effectRef idx="2">
+            <a:schemeClr val="accent5"/>
+          </a:effectRef>
+          <a:fontRef idx="minor">
+            <a:schemeClr val="lt1"/>
+          </a:fontRef>
+        </p:style>
+        <p:txBody>
+          <a:bodyPr rtlCol="0" anchor="ctr"/>
+          <a:lstStyle/>
+          <a:p>
+            <a:pPr algn="ctr"/>
+            <a:endParaRPr lang="pt-BR"/>
+          </a:p>
+        </p:txBody>
+      </p:sp>
+      <p:pic>
+        <p:nvPicPr>
+          <p:cNvPr id="13" name="Picture 40" descr="Imagem relacionada"/>
+          <p:cNvPicPr>
+            <a:picLocks noChangeAspect="1" noChangeArrowheads="1"/>
+          </p:cNvPicPr>
+          <p:nvPr/>
+        </p:nvPicPr>
+        <p:blipFill rotWithShape="1">
+          <a:blip r:embed="rId9" cstate="print">
+            <a:extLst>
+              <a:ext uri="{BEBA8EAE-BF5A-486C-A8C5-ECC9F3942E4B}">
+                <a14:imgProps xmlns:a14="http://schemas.microsoft.com/office/drawing/2010/main">
+                  <a14:imgLayer r:embed="rId10">
+                    <a14:imgEffect>
+                      <a14:brightnessContrast bright="-40000" contrast="-40000"/>
+                    </a14:imgEffect>
+                  </a14:imgLayer>
+                </a14:imgProps>
+              </a:ext>
+              <a:ext uri="{28A0092B-C50C-407E-A947-70E740481C1C}">
+                <a14:useLocalDpi xmlns:a14="http://schemas.microsoft.com/office/drawing/2010/main" val="0"/>
+              </a:ext>
+            </a:extLst>
+          </a:blip>
+          <a:srcRect l="13288" t="14766" r="17315" b="6978"/>
+          <a:stretch/>
+        </p:blipFill>
+        <p:spPr bwMode="auto">
+          <a:xfrm rot="5623161">
+            <a:off x="4919590" y="2876900"/>
+            <a:ext cx="1446497" cy="1420961"/>
+          </a:xfrm>
+          <a:prstGeom prst="rect">
+            <a:avLst/>
+          </a:prstGeom>
+          <a:noFill/>
+          <a:extLst>
+            <a:ext uri="{909E8E84-426E-40DD-AFC4-6F175D3DCCD1}">
+              <a14:hiddenFill xmlns:a14="http://schemas.microsoft.com/office/drawing/2010/main">
+                <a:solidFill>
+                  <a:srgbClr val="FFFFFF"/>
+                </a:solidFill>
+              </a14:hiddenFill>
+            </a:ext>
+          </a:extLst>
+        </p:spPr>
+      </p:pic>
+      <p:sp>
+        <p:nvSpPr>
+          <p:cNvPr id="14" name="CaixaDeTexto 13"/>
+          <p:cNvSpPr txBox="1"/>
+          <p:nvPr/>
+        </p:nvSpPr>
+        <p:spPr>
+          <a:xfrm>
+            <a:off x="4058691" y="1628344"/>
+            <a:ext cx="3168294" cy="338554"/>
+          </a:xfrm>
+          <a:prstGeom prst="rect">
+            <a:avLst/>
+          </a:prstGeom>
+          <a:noFill/>
+        </p:spPr>
+        <p:txBody>
+          <a:bodyPr wrap="square" rtlCol="0">
+            <a:spAutoFit/>
+          </a:bodyPr>
+          <a:lstStyle/>
+          <a:p>
+            <a:r>
+              <a:rPr lang="pt-BR" sz="1600" dirty="0" smtClean="0"/>
+              <a:t>Disponibilização e manutenção</a:t>
+            </a:r>
+            <a:endParaRPr lang="pt-BR" sz="1600" dirty="0"/>
+          </a:p>
+        </p:txBody>
+      </p:sp>
+      <p:sp>
+        <p:nvSpPr>
+          <p:cNvPr id="15" name="CaixaDeTexto 14"/>
+          <p:cNvSpPr txBox="1"/>
+          <p:nvPr/>
+        </p:nvSpPr>
+        <p:spPr>
+          <a:xfrm>
+            <a:off x="2431832" y="4728673"/>
+            <a:ext cx="2448272" cy="338554"/>
+          </a:xfrm>
+          <a:prstGeom prst="rect">
+            <a:avLst/>
+          </a:prstGeom>
+          <a:noFill/>
+        </p:spPr>
+        <p:txBody>
+          <a:bodyPr wrap="square" rtlCol="0">
+            <a:spAutoFit/>
+          </a:bodyPr>
+          <a:lstStyle/>
+          <a:p>
+            <a:r>
+              <a:rPr lang="pt-BR" sz="1600" dirty="0" smtClean="0"/>
+              <a:t>Interações de usuário</a:t>
+            </a:r>
+            <a:endParaRPr lang="pt-BR" sz="1600" dirty="0"/>
+          </a:p>
+        </p:txBody>
+      </p:sp>
+      <p:sp>
+        <p:nvSpPr>
+          <p:cNvPr id="16" name="CaixaDeTexto 15"/>
+          <p:cNvSpPr txBox="1"/>
+          <p:nvPr/>
+        </p:nvSpPr>
+        <p:spPr>
+          <a:xfrm>
+            <a:off x="3567442" y="3173289"/>
+            <a:ext cx="1872209" cy="338554"/>
+          </a:xfrm>
+          <a:prstGeom prst="rect">
+            <a:avLst/>
+          </a:prstGeom>
+          <a:noFill/>
+        </p:spPr>
+        <p:txBody>
+          <a:bodyPr wrap="square" rtlCol="0">
+            <a:spAutoFit/>
+          </a:bodyPr>
+          <a:lstStyle/>
+          <a:p>
+            <a:pPr algn="r"/>
+            <a:r>
+              <a:rPr lang="pt-BR" sz="1600" dirty="0"/>
+              <a:t>Web </a:t>
+            </a:r>
+            <a:r>
+              <a:rPr lang="pt-BR" sz="1600" dirty="0" smtClean="0"/>
+              <a:t>Services Java</a:t>
+            </a:r>
+            <a:endParaRPr lang="pt-BR" sz="1600" dirty="0"/>
+          </a:p>
+        </p:txBody>
+      </p:sp>
+      <p:sp>
+        <p:nvSpPr>
+          <p:cNvPr id="17" name="CaixaDeTexto 16"/>
+          <p:cNvSpPr txBox="1"/>
+          <p:nvPr/>
+        </p:nvSpPr>
+        <p:spPr>
+          <a:xfrm>
+            <a:off x="6045654" y="4725144"/>
+            <a:ext cx="2952328" cy="338554"/>
+          </a:xfrm>
+          <a:prstGeom prst="rect">
+            <a:avLst/>
+          </a:prstGeom>
+          <a:noFill/>
+        </p:spPr>
+        <p:txBody>
+          <a:bodyPr wrap="square" rtlCol="0">
+            <a:spAutoFit/>
+          </a:bodyPr>
+          <a:lstStyle/>
+          <a:p>
+            <a:r>
+              <a:rPr lang="pt-BR" sz="1600" dirty="0" smtClean="0"/>
+              <a:t>Servidor Windows server</a:t>
+            </a:r>
+            <a:endParaRPr lang="pt-BR" sz="1600" dirty="0"/>
+          </a:p>
+        </p:txBody>
+      </p:sp>
+      <p:sp>
+        <p:nvSpPr>
+          <p:cNvPr id="18" name="Título 1"/>
+          <p:cNvSpPr>
+            <a:spLocks noGrp="1"/>
+          </p:cNvSpPr>
+          <p:nvPr>
+            <p:ph type="title"/>
+          </p:nvPr>
+        </p:nvSpPr>
+        <p:spPr>
+          <a:xfrm>
+            <a:off x="683568" y="164705"/>
+            <a:ext cx="7964058" cy="777756"/>
+          </a:xfrm>
+        </p:spPr>
+        <p:txBody>
+          <a:bodyPr/>
+          <a:lstStyle/>
+          <a:p>
+            <a:pPr algn="l"/>
+            <a:r>
+              <a:rPr lang="pt-BR" sz="2800" dirty="0" smtClean="0"/>
+              <a:t>Arquitetura – integração de serviços</a:t>
+            </a:r>
+            <a:endParaRPr lang="pt-BR" sz="2800" dirty="0"/>
+          </a:p>
+        </p:txBody>
+      </p:sp>
+      <p:pic>
+        <p:nvPicPr>
+          <p:cNvPr id="19" name="Picture 2" descr="https://cdn-images-1.medium.com/max/600/1*YHKQVfSqFafrXvGcc5wUuQ.png"/>
+          <p:cNvPicPr>
+            <a:picLocks noChangeAspect="1" noChangeArrowheads="1"/>
+          </p:cNvPicPr>
+          <p:nvPr/>
+        </p:nvPicPr>
+        <p:blipFill rotWithShape="1">
+          <a:blip r:embed="rId11">
+            <a:extLst>
+              <a:ext uri="{28A0092B-C50C-407E-A947-70E740481C1C}">
+                <a14:useLocalDpi xmlns:a14="http://schemas.microsoft.com/office/drawing/2010/main" val="0"/>
+              </a:ext>
+            </a:extLst>
+          </a:blip>
+          <a:srcRect b="11346"/>
+          <a:stretch/>
+        </p:blipFill>
+        <p:spPr bwMode="auto">
+          <a:xfrm>
+            <a:off x="0" y="-60521"/>
+            <a:ext cx="827584" cy="614104"/>
+          </a:xfrm>
+          <a:prstGeom prst="rect">
+            <a:avLst/>
+          </a:prstGeom>
+          <a:ln>
+            <a:noFill/>
+          </a:ln>
+          <a:effectLst>
+            <a:softEdge rad="112500"/>
+          </a:effectLst>
+          <a:extLst>
+            <a:ext uri="{909E8E84-426E-40DD-AFC4-6F175D3DCCD1}">
+              <a14:hiddenFill xmlns:a14="http://schemas.microsoft.com/office/drawing/2010/main">
+                <a:solidFill>
+                  <a:srgbClr val="FFFFFF"/>
+                </a:solidFill>
+              </a14:hiddenFill>
+            </a:ext>
+          </a:extLst>
+        </p:spPr>
+      </p:pic>
+      <p:sp>
+        <p:nvSpPr>
+          <p:cNvPr id="20" name="CaixaDeTexto 19"/>
+          <p:cNvSpPr txBox="1"/>
+          <p:nvPr/>
+        </p:nvSpPr>
+        <p:spPr>
+          <a:xfrm>
+            <a:off x="1835697" y="3026954"/>
+            <a:ext cx="1820271" cy="830997"/>
+          </a:xfrm>
+          <a:prstGeom prst="rect">
+            <a:avLst/>
+          </a:prstGeom>
+          <a:noFill/>
+        </p:spPr>
+        <p:txBody>
+          <a:bodyPr wrap="square" rtlCol="0">
+            <a:spAutoFit/>
+          </a:bodyPr>
+          <a:lstStyle/>
+          <a:p>
+            <a:r>
+              <a:rPr lang="pt-BR" sz="1600" dirty="0" smtClean="0"/>
+              <a:t>Base de dados principal </a:t>
+            </a:r>
+            <a:r>
+              <a:rPr lang="pt-BR" sz="1600" dirty="0"/>
+              <a:t>d</a:t>
+            </a:r>
+            <a:r>
+              <a:rPr lang="pt-BR" sz="1600" dirty="0" smtClean="0"/>
+              <a:t>o sistema AC</a:t>
+            </a:r>
+            <a:endParaRPr lang="pt-BR" sz="1600" dirty="0"/>
+          </a:p>
+        </p:txBody>
+      </p:sp>
+      <p:sp>
+        <p:nvSpPr>
+          <p:cNvPr id="21" name="Elipse 20"/>
+          <p:cNvSpPr/>
+          <p:nvPr/>
+        </p:nvSpPr>
+        <p:spPr>
+          <a:xfrm>
+            <a:off x="4886936" y="1966898"/>
+            <a:ext cx="4257063" cy="4891101"/>
+          </a:xfrm>
+          <a:prstGeom prst="ellipse">
+            <a:avLst/>
+          </a:prstGeom>
+          <a:noFill/>
+          <a:ln w="76200">
+            <a:solidFill>
+              <a:srgbClr val="00B050"/>
+            </a:solidFill>
+            <a:prstDash val="sysDot"/>
+          </a:ln>
+        </p:spPr>
+        <p:style>
+          <a:lnRef idx="2">
+            <a:schemeClr val="accent1">
+              <a:shade val="50000"/>
+            </a:schemeClr>
+          </a:lnRef>
+          <a:fillRef idx="1">
+            <a:schemeClr val="accent1"/>
+          </a:fillRef>
+          <a:effectRef idx="0">
+            <a:schemeClr val="accent1"/>
+          </a:effectRef>
+          <a:fontRef idx="minor">
+            <a:schemeClr val="lt1"/>
+          </a:fontRef>
+        </p:style>
+        <p:txBody>
+          <a:bodyPr rtlCol="0" anchor="ctr"/>
+          <a:lstStyle/>
+          <a:p>
+            <a:pPr algn="ctr"/>
+            <a:endParaRPr lang="pt-BR">
+              <a:ln>
+                <a:solidFill>
+                  <a:schemeClr val="bg1">
+                    <a:lumMod val="65000"/>
+                  </a:schemeClr>
+                </a:solidFill>
+              </a:ln>
+              <a:solidFill>
+                <a:schemeClr val="accent3"/>
+              </a:solidFill>
+            </a:endParaRPr>
+          </a:p>
+        </p:txBody>
+      </p:sp>
+      <p:sp>
+        <p:nvSpPr>
+          <p:cNvPr id="22" name="CaixaDeTexto 21"/>
+          <p:cNvSpPr txBox="1"/>
+          <p:nvPr/>
+        </p:nvSpPr>
+        <p:spPr>
+          <a:xfrm>
+            <a:off x="6300192" y="6084585"/>
+            <a:ext cx="1559219" cy="584775"/>
+          </a:xfrm>
+          <a:prstGeom prst="rect">
+            <a:avLst/>
+          </a:prstGeom>
+          <a:noFill/>
+        </p:spPr>
+        <p:txBody>
+          <a:bodyPr wrap="square" rtlCol="0">
+            <a:spAutoFit/>
+          </a:bodyPr>
+          <a:lstStyle/>
+          <a:p>
+            <a:r>
+              <a:rPr lang="pt-BR" sz="1600" dirty="0" smtClean="0">
+                <a:solidFill>
+                  <a:schemeClr val="accent3"/>
+                </a:solidFill>
+              </a:rPr>
+              <a:t>Ambiente para novos clientes</a:t>
+            </a:r>
+            <a:endParaRPr lang="pt-BR" sz="1600" dirty="0">
+              <a:solidFill>
+                <a:schemeClr val="accent3"/>
+              </a:solidFill>
+            </a:endParaRPr>
+          </a:p>
+        </p:txBody>
+      </p:sp>
+      <p:sp>
+        <p:nvSpPr>
+          <p:cNvPr id="23" name="CaixaDeTexto 22"/>
+          <p:cNvSpPr txBox="1"/>
+          <p:nvPr/>
+        </p:nvSpPr>
+        <p:spPr>
+          <a:xfrm>
+            <a:off x="7633618" y="3857277"/>
+            <a:ext cx="1547665" cy="584775"/>
+          </a:xfrm>
+          <a:prstGeom prst="rect">
+            <a:avLst/>
+          </a:prstGeom>
+          <a:noFill/>
+        </p:spPr>
+        <p:txBody>
+          <a:bodyPr wrap="square" rtlCol="0">
+            <a:spAutoFit/>
+          </a:bodyPr>
+          <a:lstStyle/>
+          <a:p>
+            <a:r>
+              <a:rPr lang="pt-BR" sz="1600" dirty="0" smtClean="0"/>
+              <a:t>Base de dado da  integrada</a:t>
+            </a:r>
+            <a:endParaRPr lang="pt-BR" sz="1600" dirty="0"/>
+          </a:p>
+        </p:txBody>
+      </p:sp>
+      <p:pic>
+        <p:nvPicPr>
+          <p:cNvPr id="2050" name="Picture 2" descr="D:\Neimar\Dropbox\Projetos\Corpore\corpore\web\images\Pessoas.png"/>
+          <p:cNvPicPr>
+            <a:picLocks noChangeAspect="1" noChangeArrowheads="1"/>
+          </p:cNvPicPr>
+          <p:nvPr/>
+        </p:nvPicPr>
+        <p:blipFill rotWithShape="1">
+          <a:blip r:embed="rId12">
+            <a:extLst>
+              <a:ext uri="{28A0092B-C50C-407E-A947-70E740481C1C}">
+                <a14:useLocalDpi xmlns:a14="http://schemas.microsoft.com/office/drawing/2010/main" val="0"/>
+              </a:ext>
+            </a:extLst>
+          </a:blip>
+          <a:srcRect l="3505" t="-12875" r="-3505" b="12875"/>
+          <a:stretch/>
+        </p:blipFill>
+        <p:spPr bwMode="auto">
+          <a:xfrm>
+            <a:off x="3081668" y="4191744"/>
+            <a:ext cx="485775" cy="533400"/>
+          </a:xfrm>
+          <a:prstGeom prst="ellipse">
+            <a:avLst/>
+          </a:prstGeom>
+          <a:ln>
+            <a:noFill/>
+          </a:ln>
+          <a:effectLst>
+            <a:softEdge rad="112500"/>
+          </a:effectLst>
+          <a:extLst>
+            <a:ext uri="{909E8E84-426E-40DD-AFC4-6F175D3DCCD1}">
+              <a14:hiddenFill xmlns:a14="http://schemas.microsoft.com/office/drawing/2010/main">
+                <a:solidFill>
+                  <a:srgbClr val="FFFFFF"/>
+                </a:solidFill>
+              </a14:hiddenFill>
+            </a:ext>
+          </a:extLst>
+        </p:spPr>
+      </p:pic>
+      <p:sp>
+        <p:nvSpPr>
+          <p:cNvPr id="26" name="CaixaDeTexto 25"/>
+          <p:cNvSpPr txBox="1"/>
+          <p:nvPr/>
+        </p:nvSpPr>
+        <p:spPr>
+          <a:xfrm>
+            <a:off x="251520" y="1220245"/>
+            <a:ext cx="1386662" cy="1256498"/>
+          </a:xfrm>
+          <a:prstGeom prst="rect">
+            <a:avLst/>
+          </a:prstGeom>
+        </p:spPr>
+        <p:style>
+          <a:lnRef idx="0">
+            <a:scrgbClr r="0" g="0" b="0"/>
+          </a:lnRef>
+          <a:fillRef idx="0">
+            <a:scrgbClr r="0" g="0" b="0"/>
+          </a:fillRef>
+          <a:effectRef idx="0">
+            <a:scrgbClr r="0" g="0" b="0"/>
+          </a:effectRef>
+          <a:fontRef idx="minor">
+            <a:schemeClr val="lt1"/>
+          </a:fontRef>
+        </p:style>
+        <p:txBody>
+          <a:bodyPr spcFirstLastPara="0" vert="horz" wrap="square" lIns="37465" tIns="37465" rIns="37465" bIns="37465" numCol="1" spcCol="1270" anchor="ctr" anchorCtr="0">
+            <a:noAutofit/>
+          </a:bodyPr>
+          <a:lstStyle/>
+          <a:p>
+            <a:pPr lvl="0" algn="ctr" defTabSz="2622550">
+              <a:lnSpc>
+                <a:spcPct val="90000"/>
+              </a:lnSpc>
+              <a:spcBef>
+                <a:spcPct val="0"/>
+              </a:spcBef>
+              <a:spcAft>
+                <a:spcPct val="35000"/>
+              </a:spcAft>
+            </a:pPr>
+            <a:r>
+              <a:rPr lang="pt-BR" sz="5900" kern="1200" dirty="0" smtClean="0"/>
+              <a:t> </a:t>
+            </a:r>
+            <a:endParaRPr lang="pt-BR" sz="5900" kern="1200" dirty="0"/>
+          </a:p>
+        </p:txBody>
+      </p:sp>
+    </p:spTree>
+    <p:extLst>
+      <p:ext uri="{BB962C8B-B14F-4D97-AF65-F5344CB8AC3E}">
+        <p14:creationId xmlns:p14="http://schemas.microsoft.com/office/powerpoint/2010/main" val="4051073495"/>
+      </p:ext>
+    </p:extLst>
+  </p:cSld>
+  <p:clrMapOvr>
+    <a:masterClrMapping/>
+  </p:clrMapOvr>
+  <mc:AlternateContent xmlns:mc="http://schemas.openxmlformats.org/markup-compatibility/2006" xmlns:p14="http://schemas.microsoft.com/office/powerpoint/2010/main">
+    <mc:Choice Requires="p14">
+      <p:transition spd="slow" p14:dur="2000"/>
+    </mc:Choice>
+    <mc:Fallback xmlns="">
+      <p:transition spd="slow"/>
+    </mc:Fallback>
+  </mc:AlternateContent>
+  <p:timing>
+    <p:tnLst>
+      <p:par>
+        <p:cTn id="1" dur="indefinite" restart="never" nodeType="tmRoot">
+          <p:childTnLst>
+            <p:seq concurrent="1" nextAc="seek">
+              <p:cTn id="2" dur="indefinite" nodeType="mainSeq">
+                <p:childTnLst>
+                  <p:par>
+                    <p:cTn id="3" fill="hold">
+                      <p:stCondLst>
+                        <p:cond delay="indefinite"/>
+                      </p:stCondLst>
+                      <p:childTnLst>
+                        <p:par>
+                          <p:cTn id="4" fill="hold">
+                            <p:stCondLst>
+                              <p:cond delay="0"/>
+                            </p:stCondLst>
+                            <p:childTnLst>
+                              <p:par>
+                                <p:cTn id="5" presetID="1" presetClass="entr" presetSubtype="0" fill="hold" nodeType="clickEffect">
+                                  <p:stCondLst>
+                                    <p:cond delay="0"/>
+                                  </p:stCondLst>
+                                  <p:childTnLst>
+                                    <p:set>
+                                      <p:cBhvr>
+                                        <p:cTn id="6" dur="1" fill="hold">
+                                          <p:stCondLst>
+                                            <p:cond delay="0"/>
+                                          </p:stCondLst>
+                                        </p:cTn>
+                                        <p:tgtEl>
+                                          <p:spTgt spid="13"/>
+                                        </p:tgtEl>
+                                        <p:attrNameLst>
+                                          <p:attrName>style.visibility</p:attrName>
+                                        </p:attrNameLst>
+                                      </p:cBhvr>
+                                      <p:to>
+                                        <p:strVal val="visible"/>
+                                      </p:to>
+                                    </p:set>
+                                  </p:childTnLst>
+                                </p:cTn>
+                              </p:par>
+                              <p:par>
+                                <p:cTn id="7" presetID="1" presetClass="entr" presetSubtype="0" fill="hold" grpId="0" nodeType="withEffect">
+                                  <p:stCondLst>
+                                    <p:cond delay="0"/>
+                                  </p:stCondLst>
+                                  <p:childTnLst>
+                                    <p:set>
+                                      <p:cBhvr>
+                                        <p:cTn id="8" dur="1" fill="hold">
+                                          <p:stCondLst>
+                                            <p:cond delay="0"/>
+                                          </p:stCondLst>
+                                        </p:cTn>
+                                        <p:tgtEl>
+                                          <p:spTgt spid="12"/>
+                                        </p:tgtEl>
+                                        <p:attrNameLst>
+                                          <p:attrName>style.visibility</p:attrName>
+                                        </p:attrNameLst>
+                                      </p:cBhvr>
+                                      <p:to>
+                                        <p:strVal val="visible"/>
+                                      </p:to>
+                                    </p:set>
+                                  </p:childTnLst>
+                                </p:cTn>
+                              </p:par>
+                              <p:par>
+                                <p:cTn id="9" presetID="1" presetClass="entr" presetSubtype="0" fill="hold" nodeType="withEffect">
+                                  <p:stCondLst>
+                                    <p:cond delay="0"/>
+                                  </p:stCondLst>
+                                  <p:childTnLst>
+                                    <p:set>
+                                      <p:cBhvr>
+                                        <p:cTn id="10" dur="1" fill="hold">
+                                          <p:stCondLst>
+                                            <p:cond delay="0"/>
+                                          </p:stCondLst>
+                                        </p:cTn>
+                                        <p:tgtEl>
+                                          <p:spTgt spid="4"/>
+                                        </p:tgtEl>
+                                        <p:attrNameLst>
+                                          <p:attrName>style.visibility</p:attrName>
+                                        </p:attrNameLst>
+                                      </p:cBhvr>
+                                      <p:to>
+                                        <p:strVal val="visible"/>
+                                      </p:to>
+                                    </p:set>
+                                  </p:childTnLst>
+                                </p:cTn>
+                              </p:par>
+                              <p:par>
+                                <p:cTn id="11" presetID="1" presetClass="entr" presetSubtype="0" fill="hold" grpId="0" nodeType="withEffect">
+                                  <p:stCondLst>
+                                    <p:cond delay="0"/>
+                                  </p:stCondLst>
+                                  <p:childTnLst>
+                                    <p:set>
+                                      <p:cBhvr>
+                                        <p:cTn id="12" dur="1" fill="hold">
+                                          <p:stCondLst>
+                                            <p:cond delay="0"/>
+                                          </p:stCondLst>
+                                        </p:cTn>
+                                        <p:tgtEl>
+                                          <p:spTgt spid="16"/>
+                                        </p:tgtEl>
+                                        <p:attrNameLst>
+                                          <p:attrName>style.visibility</p:attrName>
+                                        </p:attrNameLst>
+                                      </p:cBhvr>
+                                      <p:to>
+                                        <p:strVal val="visible"/>
+                                      </p:to>
+                                    </p:set>
+                                  </p:childTnLst>
+                                </p:cTn>
+                              </p:par>
+                              <p:par>
+                                <p:cTn id="13" presetID="1" presetClass="entr" presetSubtype="0" fill="hold" grpId="0" nodeType="withEffect">
+                                  <p:stCondLst>
+                                    <p:cond delay="0"/>
+                                  </p:stCondLst>
+                                  <p:childTnLst>
+                                    <p:set>
+                                      <p:cBhvr>
+                                        <p:cTn id="14" dur="1" fill="hold">
+                                          <p:stCondLst>
+                                            <p:cond delay="0"/>
+                                          </p:stCondLst>
+                                        </p:cTn>
+                                        <p:tgtEl>
+                                          <p:spTgt spid="17"/>
+                                        </p:tgtEl>
+                                        <p:attrNameLst>
+                                          <p:attrName>style.visibility</p:attrName>
+                                        </p:attrNameLst>
+                                      </p:cBhvr>
+                                      <p:to>
+                                        <p:strVal val="visible"/>
+                                      </p:to>
+                                    </p:set>
+                                  </p:childTnLst>
+                                </p:cTn>
+                              </p:par>
+                            </p:childTnLst>
+                          </p:cTn>
+                        </p:par>
+                      </p:childTnLst>
+                    </p:cTn>
+                  </p:par>
+                  <p:par>
+                    <p:cTn id="15" fill="hold">
+                      <p:stCondLst>
+                        <p:cond delay="indefinite"/>
+                      </p:stCondLst>
+                      <p:childTnLst>
+                        <p:par>
+                          <p:cTn id="16" fill="hold">
+                            <p:stCondLst>
+                              <p:cond delay="0"/>
+                            </p:stCondLst>
+                            <p:childTnLst>
+                              <p:par>
+                                <p:cTn id="17" presetID="1" presetClass="entr" presetSubtype="0" fill="hold" nodeType="clickEffect">
+                                  <p:stCondLst>
+                                    <p:cond delay="0"/>
+                                  </p:stCondLst>
+                                  <p:childTnLst>
+                                    <p:set>
+                                      <p:cBhvr>
+                                        <p:cTn id="18" dur="1" fill="hold">
+                                          <p:stCondLst>
+                                            <p:cond delay="0"/>
+                                          </p:stCondLst>
+                                        </p:cTn>
+                                        <p:tgtEl>
+                                          <p:spTgt spid="9"/>
+                                        </p:tgtEl>
+                                        <p:attrNameLst>
+                                          <p:attrName>style.visibility</p:attrName>
+                                        </p:attrNameLst>
+                                      </p:cBhvr>
+                                      <p:to>
+                                        <p:strVal val="visible"/>
+                                      </p:to>
+                                    </p:set>
+                                  </p:childTnLst>
+                                </p:cTn>
+                              </p:par>
+                              <p:par>
+                                <p:cTn id="19" presetID="1" presetClass="entr" presetSubtype="0" fill="hold" grpId="0" nodeType="withEffect">
+                                  <p:stCondLst>
+                                    <p:cond delay="0"/>
+                                  </p:stCondLst>
+                                  <p:childTnLst>
+                                    <p:set>
+                                      <p:cBhvr>
+                                        <p:cTn id="20" dur="1" fill="hold">
+                                          <p:stCondLst>
+                                            <p:cond delay="0"/>
+                                          </p:stCondLst>
+                                        </p:cTn>
+                                        <p:tgtEl>
+                                          <p:spTgt spid="14"/>
+                                        </p:tgtEl>
+                                        <p:attrNameLst>
+                                          <p:attrName>style.visibility</p:attrName>
+                                        </p:attrNameLst>
+                                      </p:cBhvr>
+                                      <p:to>
+                                        <p:strVal val="visible"/>
+                                      </p:to>
+                                    </p:set>
+                                  </p:childTnLst>
+                                </p:cTn>
+                              </p:par>
+                              <p:par>
+                                <p:cTn id="21" presetID="1" presetClass="entr" presetSubtype="0" fill="hold" grpId="0" nodeType="withEffect">
+                                  <p:stCondLst>
+                                    <p:cond delay="0"/>
+                                  </p:stCondLst>
+                                  <p:childTnLst>
+                                    <p:set>
+                                      <p:cBhvr>
+                                        <p:cTn id="22" dur="1" fill="hold">
+                                          <p:stCondLst>
+                                            <p:cond delay="0"/>
+                                          </p:stCondLst>
+                                        </p:cTn>
+                                        <p:tgtEl>
+                                          <p:spTgt spid="11"/>
+                                        </p:tgtEl>
+                                        <p:attrNameLst>
+                                          <p:attrName>style.visibility</p:attrName>
+                                        </p:attrNameLst>
+                                      </p:cBhvr>
+                                      <p:to>
+                                        <p:strVal val="visible"/>
+                                      </p:to>
+                                    </p:set>
+                                  </p:childTnLst>
+                                </p:cTn>
+                              </p:par>
+                            </p:childTnLst>
+                          </p:cTn>
+                        </p:par>
+                      </p:childTnLst>
+                    </p:cTn>
+                  </p:par>
+                  <p:par>
+                    <p:cTn id="23" fill="hold">
+                      <p:stCondLst>
+                        <p:cond delay="indefinite"/>
+                      </p:stCondLst>
+                      <p:childTnLst>
+                        <p:par>
+                          <p:cTn id="24" fill="hold">
+                            <p:stCondLst>
+                              <p:cond delay="0"/>
+                            </p:stCondLst>
+                            <p:childTnLst>
+                              <p:par>
+                                <p:cTn id="25" presetID="1" presetClass="entr" presetSubtype="0" fill="hold" nodeType="clickEffect">
+                                  <p:stCondLst>
+                                    <p:cond delay="0"/>
+                                  </p:stCondLst>
+                                  <p:childTnLst>
+                                    <p:set>
+                                      <p:cBhvr>
+                                        <p:cTn id="26" dur="1" fill="hold">
+                                          <p:stCondLst>
+                                            <p:cond delay="0"/>
+                                          </p:stCondLst>
+                                        </p:cTn>
+                                        <p:tgtEl>
+                                          <p:spTgt spid="2050"/>
+                                        </p:tgtEl>
+                                        <p:attrNameLst>
+                                          <p:attrName>style.visibility</p:attrName>
+                                        </p:attrNameLst>
+                                      </p:cBhvr>
+                                      <p:to>
+                                        <p:strVal val="visible"/>
+                                      </p:to>
+                                    </p:set>
+                                  </p:childTnLst>
+                                </p:cTn>
+                              </p:par>
+                              <p:par>
+                                <p:cTn id="27" presetID="1" presetClass="entr" presetSubtype="0" fill="hold" grpId="0" nodeType="withEffect">
+                                  <p:stCondLst>
+                                    <p:cond delay="0"/>
+                                  </p:stCondLst>
+                                  <p:childTnLst>
+                                    <p:set>
+                                      <p:cBhvr>
+                                        <p:cTn id="28" dur="1" fill="hold">
+                                          <p:stCondLst>
+                                            <p:cond delay="0"/>
+                                          </p:stCondLst>
+                                        </p:cTn>
+                                        <p:tgtEl>
+                                          <p:spTgt spid="10"/>
+                                        </p:tgtEl>
+                                        <p:attrNameLst>
+                                          <p:attrName>style.visibility</p:attrName>
+                                        </p:attrNameLst>
+                                      </p:cBhvr>
+                                      <p:to>
+                                        <p:strVal val="visible"/>
+                                      </p:to>
+                                    </p:set>
+                                  </p:childTnLst>
+                                </p:cTn>
+                              </p:par>
+                              <p:par>
+                                <p:cTn id="29" presetID="1" presetClass="entr" presetSubtype="0" fill="hold" grpId="0" nodeType="withEffect">
+                                  <p:stCondLst>
+                                    <p:cond delay="0"/>
+                                  </p:stCondLst>
+                                  <p:childTnLst>
+                                    <p:set>
+                                      <p:cBhvr>
+                                        <p:cTn id="30" dur="1" fill="hold">
+                                          <p:stCondLst>
+                                            <p:cond delay="0"/>
+                                          </p:stCondLst>
+                                        </p:cTn>
+                                        <p:tgtEl>
+                                          <p:spTgt spid="15"/>
+                                        </p:tgtEl>
+                                        <p:attrNameLst>
+                                          <p:attrName>style.visibility</p:attrName>
+                                        </p:attrNameLst>
+                                      </p:cBhvr>
+                                      <p:to>
+                                        <p:strVal val="visible"/>
+                                      </p:to>
+                                    </p:set>
+                                  </p:childTnLst>
+                                </p:cTn>
+                              </p:par>
+                            </p:childTnLst>
+                          </p:cTn>
+                        </p:par>
+                      </p:childTnLst>
+                    </p:cTn>
+                  </p:par>
+                  <p:par>
+                    <p:cTn id="31" fill="hold">
+                      <p:stCondLst>
+                        <p:cond delay="indefinite"/>
+                      </p:stCondLst>
+                      <p:childTnLst>
+                        <p:par>
+                          <p:cTn id="32" fill="hold">
+                            <p:stCondLst>
+                              <p:cond delay="0"/>
+                            </p:stCondLst>
+                            <p:childTnLst>
+                              <p:par>
+                                <p:cTn id="33" presetID="1" presetClass="entr" presetSubtype="0" fill="hold" grpId="0" nodeType="clickEffect">
+                                  <p:stCondLst>
+                                    <p:cond delay="0"/>
+                                  </p:stCondLst>
+                                  <p:childTnLst>
+                                    <p:set>
+                                      <p:cBhvr>
+                                        <p:cTn id="34" dur="1" fill="hold">
+                                          <p:stCondLst>
+                                            <p:cond delay="0"/>
+                                          </p:stCondLst>
+                                        </p:cTn>
+                                        <p:tgtEl>
+                                          <p:spTgt spid="21"/>
+                                        </p:tgtEl>
+                                        <p:attrNameLst>
+                                          <p:attrName>style.visibility</p:attrName>
+                                        </p:attrNameLst>
+                                      </p:cBhvr>
+                                      <p:to>
+                                        <p:strVal val="visible"/>
+                                      </p:to>
+                                    </p:set>
+                                  </p:childTnLst>
+                                </p:cTn>
+                              </p:par>
+                              <p:par>
+                                <p:cTn id="35" presetID="1" presetClass="entr" presetSubtype="0" fill="hold" grpId="0" nodeType="withEffect">
+                                  <p:stCondLst>
+                                    <p:cond delay="0"/>
+                                  </p:stCondLst>
+                                  <p:childTnLst>
+                                    <p:set>
+                                      <p:cBhvr>
+                                        <p:cTn id="36" dur="1" fill="hold">
+                                          <p:stCondLst>
+                                            <p:cond delay="0"/>
+                                          </p:stCondLst>
+                                        </p:cTn>
+                                        <p:tgtEl>
+                                          <p:spTgt spid="22"/>
+                                        </p:tgtEl>
+                                        <p:attrNameLst>
+                                          <p:attrName>style.visibility</p:attrName>
+                                        </p:attrNameLst>
+                                      </p:cBhvr>
+                                      <p:to>
+                                        <p:strVal val="visible"/>
+                                      </p:to>
+                                    </p:set>
+                                  </p:childTnLst>
+                                </p:cTn>
+                              </p:par>
+                            </p:childTnLst>
+                          </p:cTn>
+                        </p:par>
+                      </p:childTnLst>
+                    </p:cTn>
+                  </p:par>
+                </p:childTnLst>
+              </p:cTn>
+              <p:prevCondLst>
+                <p:cond evt="onPrev" delay="0">
+                  <p:tgtEl>
+                    <p:sldTgt/>
+                  </p:tgtEl>
+                </p:cond>
+              </p:prevCondLst>
+              <p:nextCondLst>
+                <p:cond evt="onNext" delay="0">
+                  <p:tgtEl>
+                    <p:sldTgt/>
+                  </p:tgtEl>
+                </p:cond>
+              </p:nextCondLst>
+            </p:seq>
+          </p:childTnLst>
+        </p:cTn>
+      </p:par>
+    </p:tnLst>
+    <p:bldLst>
+      <p:bldP spid="10" grpId="0" animBg="1"/>
+      <p:bldP spid="11" grpId="0" animBg="1"/>
+      <p:bldP spid="12" grpId="0" animBg="1"/>
+      <p:bldP spid="14" grpId="0"/>
+      <p:bldP spid="15" grpId="0"/>
+      <p:bldP spid="16" grpId="0"/>
+      <p:bldP spid="17" grpId="0"/>
+      <p:bldP spid="21" grpId="0" animBg="1"/>
+      <p:bldP spid="22" grpId="0"/>
+    </p:bldLst>
+  </p:timing>
+</p:sld>
+</file>
+
+<file path=ppt/slides/slide11.xml><?xml version="1.0" encoding="utf-8"?>
+<p:sld xmlns:a="http://schemas.openxmlformats.org/drawingml/2006/main" xmlns:r="http://schemas.openxmlformats.org/officeDocument/2006/relationships" xmlns:p="http://schemas.openxmlformats.org/presentationml/2006/main">
+  <p:cSld>
+    <p:spTree>
+      <p:nvGrpSpPr>
+        <p:cNvPr id="1" name=""/>
+        <p:cNvGrpSpPr/>
+        <p:nvPr/>
+      </p:nvGrpSpPr>
+      <p:grpSpPr>
+        <a:xfrm>
+          <a:off x="0" y="0"/>
+          <a:ext cx="0" cy="0"/>
+          <a:chOff x="0" y="0"/>
+          <a:chExt cx="0" cy="0"/>
+        </a:xfrm>
+      </p:grpSpPr>
       <p:sp>
         <p:nvSpPr>
           <p:cNvPr id="2" name="Título 1"/>
@@ -21965,40 +23488,6 @@
           </a:extLst>
         </p:spPr>
       </p:pic>
-      <p:sp>
-        <p:nvSpPr>
-          <p:cNvPr id="3" name="CaixaDeTexto 2"/>
-          <p:cNvSpPr txBox="1"/>
-          <p:nvPr/>
-        </p:nvSpPr>
-        <p:spPr>
-          <a:xfrm>
-            <a:off x="5875631" y="6237312"/>
-            <a:ext cx="2045753" cy="307777"/>
-          </a:xfrm>
-          <a:prstGeom prst="rect">
-            <a:avLst/>
-          </a:prstGeom>
-          <a:noFill/>
-        </p:spPr>
-        <p:txBody>
-          <a:bodyPr wrap="none" rtlCol="0">
-            <a:spAutoFit/>
-          </a:bodyPr>
-          <a:lstStyle/>
-          <a:p>
-            <a:r>
-              <a:rPr lang="pt-BR" sz="1400" dirty="0" smtClean="0">
-                <a:latin typeface="Palatino Linotype (Corpo)"/>
-              </a:rPr>
-              <a:t>Resolução da atividade</a:t>
-            </a:r>
-            <a:endParaRPr lang="pt-BR" sz="1400" dirty="0">
-              <a:latin typeface="Palatino Linotype (Corpo)"/>
-            </a:endParaRPr>
-          </a:p>
-        </p:txBody>
-      </p:sp>
       <p:sp>
         <p:nvSpPr>
           <p:cNvPr id="5" name="Espaço Reservado para Conteúdo 4"/>
@@ -22280,7 +23769,7 @@
 </p:sld>
 </file>
 
-<file path=ppt/slides/slide11.xml><?xml version="1.0" encoding="utf-8"?>
+<file path=ppt/slides/slide12.xml><?xml version="1.0" encoding="utf-8"?>
 <p:sld xmlns:a="http://schemas.openxmlformats.org/drawingml/2006/main" xmlns:r="http://schemas.openxmlformats.org/officeDocument/2006/relationships" xmlns:p="http://schemas.openxmlformats.org/presentationml/2006/main">
   <p:cSld>
     <p:spTree>
@@ -22319,7 +23808,11 @@
           <a:p>
             <a:r>
               <a:rPr lang="pt-BR" sz="3200" dirty="0" smtClean="0"/>
-              <a:t>Demonstração</a:t>
+              <a:t>P</a:t>
+            </a:r>
+            <a:r>
+              <a:rPr lang="pt-BR" sz="3200" dirty="0" smtClean="0"/>
+              <a:t>rincipais telas da solução</a:t>
             </a:r>
             <a:endParaRPr lang="pt-BR" sz="3200" dirty="0"/>
           </a:p>
@@ -22469,7 +23962,7 @@
 </p:sld>
 </file>
 
-<file path=ppt/slides/slide12.xml><?xml version="1.0" encoding="utf-8"?>
+<file path=ppt/slides/slide13.xml><?xml version="1.0" encoding="utf-8"?>
 <p:sld xmlns:a="http://schemas.openxmlformats.org/drawingml/2006/main" xmlns:r="http://schemas.openxmlformats.org/officeDocument/2006/relationships" xmlns:p="http://schemas.openxmlformats.org/presentationml/2006/main">
   <p:cSld>
     <p:spTree>
@@ -22763,7 +24256,7 @@
 </p:sld>
 </file>
 
-<file path=ppt/slides/slide13.xml><?xml version="1.0" encoding="utf-8"?>
+<file path=ppt/slides/slide14.xml><?xml version="1.0" encoding="utf-8"?>
 <p:sld xmlns:a="http://schemas.openxmlformats.org/drawingml/2006/main" xmlns:r="http://schemas.openxmlformats.org/officeDocument/2006/relationships" xmlns:p="http://schemas.openxmlformats.org/presentationml/2006/main">
   <p:cSld>
     <p:spTree>
@@ -22914,7 +24407,7 @@
 </p:sld>
 </file>
 
-<file path=ppt/slides/slide14.xml><?xml version="1.0" encoding="utf-8"?>
+<file path=ppt/slides/slide15.xml><?xml version="1.0" encoding="utf-8"?>
 <p:sld xmlns:a="http://schemas.openxmlformats.org/drawingml/2006/main" xmlns:r="http://schemas.openxmlformats.org/officeDocument/2006/relationships" xmlns:p="http://schemas.openxmlformats.org/presentationml/2006/main">
   <p:cSld>
     <p:spTree>
@@ -23065,7 +24558,7 @@
 </p:sld>
 </file>
 
-<file path=ppt/slides/slide15.xml><?xml version="1.0" encoding="utf-8"?>
+<file path=ppt/slides/slide16.xml><?xml version="1.0" encoding="utf-8"?>
 <p:sld xmlns:a="http://schemas.openxmlformats.org/drawingml/2006/main" xmlns:r="http://schemas.openxmlformats.org/officeDocument/2006/relationships" xmlns:p="http://schemas.openxmlformats.org/presentationml/2006/main">
   <p:cSld>
     <p:spTree>
@@ -23216,7 +24709,7 @@
 </p:sld>
 </file>
 
-<file path=ppt/slides/slide16.xml><?xml version="1.0" encoding="utf-8"?>
+<file path=ppt/slides/slide17.xml><?xml version="1.0" encoding="utf-8"?>
 <p:sld xmlns:a="http://schemas.openxmlformats.org/drawingml/2006/main" xmlns:r="http://schemas.openxmlformats.org/officeDocument/2006/relationships" xmlns:p="http://schemas.openxmlformats.org/presentationml/2006/main">
   <p:cSld>
     <p:spTree>
@@ -23350,7 +24843,7 @@
 </p:sld>
 </file>
 
-<file path=ppt/slides/slide17.xml><?xml version="1.0" encoding="utf-8"?>
+<file path=ppt/slides/slide18.xml><?xml version="1.0" encoding="utf-8"?>
 <p:sld xmlns:a="http://schemas.openxmlformats.org/drawingml/2006/main" xmlns:r="http://schemas.openxmlformats.org/officeDocument/2006/relationships" xmlns:p="http://schemas.openxmlformats.org/presentationml/2006/main">
   <p:cSld>
     <p:spTree>
@@ -23542,7 +25035,7 @@
 </p:sld>
 </file>
 
-<file path=ppt/slides/slide18.xml><?xml version="1.0" encoding="utf-8"?>
+<file path=ppt/slides/slide19.xml><?xml version="1.0" encoding="utf-8"?>
 <p:sld xmlns:a="http://schemas.openxmlformats.org/drawingml/2006/main" xmlns:r="http://schemas.openxmlformats.org/officeDocument/2006/relationships" xmlns:p="http://schemas.openxmlformats.org/presentationml/2006/main">
   <p:cSld>
     <p:spTree>
@@ -23837,7 +25330,471 @@
 </p:sld>
 </file>
 
-<file path=ppt/slides/slide19.xml><?xml version="1.0" encoding="utf-8"?>
+<file path=ppt/slides/slide2.xml><?xml version="1.0" encoding="utf-8"?>
+<p:sld xmlns:a="http://schemas.openxmlformats.org/drawingml/2006/main" xmlns:r="http://schemas.openxmlformats.org/officeDocument/2006/relationships" xmlns:p="http://schemas.openxmlformats.org/presentationml/2006/main">
+  <p:cSld>
+    <p:spTree>
+      <p:nvGrpSpPr>
+        <p:cNvPr id="1" name=""/>
+        <p:cNvGrpSpPr/>
+        <p:nvPr/>
+      </p:nvGrpSpPr>
+      <p:grpSpPr>
+        <a:xfrm>
+          <a:off x="0" y="0"/>
+          <a:ext cx="0" cy="0"/>
+          <a:chOff x="0" y="0"/>
+          <a:chExt cx="0" cy="0"/>
+        </a:xfrm>
+      </p:grpSpPr>
+      <p:pic>
+        <p:nvPicPr>
+          <p:cNvPr id="1026" name="Picture 2" descr="Imagem relacionada"/>
+          <p:cNvPicPr>
+            <a:picLocks noChangeAspect="1" noChangeArrowheads="1"/>
+          </p:cNvPicPr>
+          <p:nvPr/>
+        </p:nvPicPr>
+        <p:blipFill rotWithShape="1">
+          <a:blip r:embed="rId3">
+            <a:extLst>
+              <a:ext uri="{BEBA8EAE-BF5A-486C-A8C5-ECC9F3942E4B}">
+                <a14:imgProps xmlns:a14="http://schemas.microsoft.com/office/drawing/2010/main">
+                  <a14:imgLayer r:embed="rId4">
+                    <a14:imgEffect>
+                      <a14:brightnessContrast bright="19000" contrast="100000"/>
+                    </a14:imgEffect>
+                  </a14:imgLayer>
+                </a14:imgProps>
+              </a:ext>
+              <a:ext uri="{28A0092B-C50C-407E-A947-70E740481C1C}">
+                <a14:useLocalDpi xmlns:a14="http://schemas.microsoft.com/office/drawing/2010/main" val="0"/>
+              </a:ext>
+            </a:extLst>
+          </a:blip>
+          <a:srcRect t="28436" r="33719"/>
+          <a:stretch/>
+        </p:blipFill>
+        <p:spPr bwMode="auto">
+          <a:xfrm>
+            <a:off x="0" y="1412776"/>
+            <a:ext cx="3707904" cy="5445224"/>
+          </a:xfrm>
+          <a:prstGeom prst="rect">
+            <a:avLst/>
+          </a:prstGeom>
+          <a:ln>
+            <a:noFill/>
+          </a:ln>
+          <a:effectLst>
+            <a:softEdge rad="112500"/>
+          </a:effectLst>
+          <a:extLst>
+            <a:ext uri="{909E8E84-426E-40DD-AFC4-6F175D3DCCD1}">
+              <a14:hiddenFill xmlns:a14="http://schemas.microsoft.com/office/drawing/2010/main">
+                <a:solidFill>
+                  <a:srgbClr val="FFFFFF"/>
+                </a:solidFill>
+              </a14:hiddenFill>
+            </a:ext>
+          </a:extLst>
+        </p:spPr>
+      </p:pic>
+      <p:sp>
+        <p:nvSpPr>
+          <p:cNvPr id="2" name="Título 1"/>
+          <p:cNvSpPr>
+            <a:spLocks noGrp="1"/>
+          </p:cNvSpPr>
+          <p:nvPr>
+            <p:ph type="title"/>
+          </p:nvPr>
+        </p:nvSpPr>
+        <p:spPr>
+          <a:xfrm>
+            <a:off x="827584" y="116632"/>
+            <a:ext cx="7859216" cy="936104"/>
+          </a:xfrm>
+        </p:spPr>
+        <p:txBody>
+          <a:bodyPr/>
+          <a:lstStyle/>
+          <a:p>
+            <a:pPr algn="l"/>
+            <a:r>
+              <a:rPr lang="pt-BR" sz="3200" dirty="0" smtClean="0"/>
+              <a:t>Abordagem</a:t>
+            </a:r>
+            <a:endParaRPr lang="pt-BR" sz="3200" dirty="0"/>
+          </a:p>
+        </p:txBody>
+      </p:sp>
+      <p:pic>
+        <p:nvPicPr>
+          <p:cNvPr id="4" name="Picture 2" descr="https://cdn-images-1.medium.com/max/600/1*YHKQVfSqFafrXvGcc5wUuQ.png"/>
+          <p:cNvPicPr>
+            <a:picLocks noChangeAspect="1" noChangeArrowheads="1"/>
+          </p:cNvPicPr>
+          <p:nvPr/>
+        </p:nvPicPr>
+        <p:blipFill rotWithShape="1">
+          <a:blip r:embed="rId5">
+            <a:extLst>
+              <a:ext uri="{28A0092B-C50C-407E-A947-70E740481C1C}">
+                <a14:useLocalDpi xmlns:a14="http://schemas.microsoft.com/office/drawing/2010/main" val="0"/>
+              </a:ext>
+            </a:extLst>
+          </a:blip>
+          <a:srcRect b="11346"/>
+          <a:stretch/>
+        </p:blipFill>
+        <p:spPr bwMode="auto">
+          <a:xfrm>
+            <a:off x="0" y="-60521"/>
+            <a:ext cx="827584" cy="614104"/>
+          </a:xfrm>
+          <a:prstGeom prst="rect">
+            <a:avLst/>
+          </a:prstGeom>
+          <a:ln>
+            <a:noFill/>
+          </a:ln>
+          <a:effectLst>
+            <a:softEdge rad="112500"/>
+          </a:effectLst>
+          <a:extLst>
+            <a:ext uri="{909E8E84-426E-40DD-AFC4-6F175D3DCCD1}">
+              <a14:hiddenFill xmlns:a14="http://schemas.microsoft.com/office/drawing/2010/main">
+                <a:solidFill>
+                  <a:srgbClr val="FFFFFF"/>
+                </a:solidFill>
+              </a14:hiddenFill>
+            </a:ext>
+          </a:extLst>
+        </p:spPr>
+      </p:pic>
+      <p:sp>
+        <p:nvSpPr>
+          <p:cNvPr id="3" name="Espaço Reservado para Conteúdo 2"/>
+          <p:cNvSpPr>
+            <a:spLocks noGrp="1"/>
+          </p:cNvSpPr>
+          <p:nvPr>
+            <p:ph idx="1"/>
+          </p:nvPr>
+        </p:nvSpPr>
+        <p:spPr>
+          <a:xfrm>
+            <a:off x="4572000" y="1268760"/>
+            <a:ext cx="4572000" cy="5400600"/>
+          </a:xfrm>
+        </p:spPr>
+        <p:txBody>
+          <a:bodyPr>
+            <a:normAutofit/>
+          </a:bodyPr>
+          <a:lstStyle/>
+          <a:p>
+            <a:pPr>
+              <a:lnSpc>
+                <a:spcPct val="200000"/>
+              </a:lnSpc>
+              <a:buFont typeface="Wingdings" pitchFamily="2" charset="2"/>
+              <a:buChar char="ü"/>
+            </a:pPr>
+            <a:r>
+              <a:rPr lang="pt-BR" sz="2000" b="1" dirty="0" smtClean="0">
+                <a:solidFill>
+                  <a:srgbClr val="00B050"/>
+                </a:solidFill>
+              </a:rPr>
+              <a:t>Apresentação geral</a:t>
+            </a:r>
+          </a:p>
+          <a:p>
+            <a:pPr>
+              <a:lnSpc>
+                <a:spcPct val="200000"/>
+              </a:lnSpc>
+              <a:buFont typeface="Wingdings" pitchFamily="2" charset="2"/>
+              <a:buChar char="ü"/>
+            </a:pPr>
+            <a:r>
+              <a:rPr lang="pt-BR" sz="2000" b="1" dirty="0">
+                <a:solidFill>
+                  <a:srgbClr val="00B050"/>
+                </a:solidFill>
+              </a:rPr>
+              <a:t>Descrição do </a:t>
+            </a:r>
+            <a:r>
+              <a:rPr lang="pt-BR" sz="2000" b="1" dirty="0" smtClean="0">
+                <a:solidFill>
+                  <a:srgbClr val="00B050"/>
+                </a:solidFill>
+              </a:rPr>
+              <a:t>problema</a:t>
+            </a:r>
+          </a:p>
+          <a:p>
+            <a:pPr>
+              <a:lnSpc>
+                <a:spcPct val="200000"/>
+              </a:lnSpc>
+              <a:buFont typeface="Wingdings" pitchFamily="2" charset="2"/>
+              <a:buChar char="ü"/>
+            </a:pPr>
+            <a:r>
+              <a:rPr lang="pt-BR" sz="2000" b="1" dirty="0" smtClean="0">
+                <a:solidFill>
+                  <a:srgbClr val="00B050"/>
+                </a:solidFill>
+              </a:rPr>
+              <a:t>Conceito</a:t>
+            </a:r>
+          </a:p>
+          <a:p>
+            <a:pPr>
+              <a:lnSpc>
+                <a:spcPct val="200000"/>
+              </a:lnSpc>
+              <a:buFont typeface="Wingdings" pitchFamily="2" charset="2"/>
+              <a:buChar char="ü"/>
+            </a:pPr>
+            <a:r>
+              <a:rPr lang="pt-BR" sz="2000" b="1" dirty="0">
+                <a:solidFill>
+                  <a:srgbClr val="00B050"/>
+                </a:solidFill>
+              </a:rPr>
+              <a:t>Visão geral do </a:t>
+            </a:r>
+            <a:r>
+              <a:rPr lang="pt-BR" sz="2000" b="1" dirty="0" smtClean="0">
+                <a:solidFill>
+                  <a:srgbClr val="00B050"/>
+                </a:solidFill>
+              </a:rPr>
+              <a:t>produto</a:t>
+            </a:r>
+          </a:p>
+          <a:p>
+            <a:pPr>
+              <a:lnSpc>
+                <a:spcPct val="200000"/>
+              </a:lnSpc>
+              <a:buFont typeface="Wingdings" pitchFamily="2" charset="2"/>
+              <a:buChar char="ü"/>
+            </a:pPr>
+            <a:r>
+              <a:rPr lang="pt-BR" sz="2000" b="1" dirty="0" err="1">
+                <a:solidFill>
+                  <a:srgbClr val="00B050"/>
+                </a:solidFill>
+              </a:rPr>
+              <a:t>Stak</a:t>
+            </a:r>
+            <a:r>
+              <a:rPr lang="pt-BR" sz="2000" b="1" dirty="0">
+                <a:solidFill>
+                  <a:srgbClr val="00B050"/>
+                </a:solidFill>
+              </a:rPr>
+              <a:t> tecnológico</a:t>
+            </a:r>
+          </a:p>
+          <a:p>
+            <a:pPr>
+              <a:lnSpc>
+                <a:spcPct val="200000"/>
+              </a:lnSpc>
+              <a:buFont typeface="Wingdings" pitchFamily="2" charset="2"/>
+              <a:buChar char="ü"/>
+            </a:pPr>
+            <a:r>
+              <a:rPr lang="pt-BR" sz="2000" b="1" dirty="0" smtClean="0">
+                <a:solidFill>
+                  <a:srgbClr val="00B050"/>
+                </a:solidFill>
+              </a:rPr>
+              <a:t>Arquitetura serviço</a:t>
+            </a:r>
+          </a:p>
+          <a:p>
+            <a:pPr>
+              <a:lnSpc>
+                <a:spcPct val="200000"/>
+              </a:lnSpc>
+              <a:buFont typeface="Wingdings" pitchFamily="2" charset="2"/>
+              <a:buChar char="ü"/>
+            </a:pPr>
+            <a:r>
+              <a:rPr lang="pt-BR" sz="2000" b="1" dirty="0" smtClean="0">
+                <a:solidFill>
+                  <a:srgbClr val="00B050"/>
+                </a:solidFill>
+              </a:rPr>
+              <a:t>Integração de serviços</a:t>
+            </a:r>
+          </a:p>
+          <a:p>
+            <a:pPr>
+              <a:lnSpc>
+                <a:spcPct val="200000"/>
+              </a:lnSpc>
+              <a:buFont typeface="Wingdings" pitchFamily="2" charset="2"/>
+              <a:buChar char="ü"/>
+            </a:pPr>
+            <a:r>
+              <a:rPr lang="pt-BR" sz="2000" b="1" dirty="0" smtClean="0">
+                <a:solidFill>
+                  <a:srgbClr val="00B050"/>
+                </a:solidFill>
+              </a:rPr>
+              <a:t>Demonstração </a:t>
+            </a:r>
+            <a:r>
+              <a:rPr lang="pt-BR" sz="2000" b="1" dirty="0">
+                <a:solidFill>
+                  <a:srgbClr val="00B050"/>
+                </a:solidFill>
+              </a:rPr>
+              <a:t>do MVP</a:t>
+            </a:r>
+          </a:p>
+          <a:p>
+            <a:pPr>
+              <a:lnSpc>
+                <a:spcPct val="200000"/>
+              </a:lnSpc>
+              <a:buFont typeface="Wingdings" pitchFamily="2" charset="2"/>
+              <a:buChar char="ü"/>
+            </a:pPr>
+            <a:endParaRPr lang="pt-BR" sz="2000" b="1" dirty="0" smtClean="0">
+              <a:solidFill>
+                <a:srgbClr val="00B050"/>
+              </a:solidFill>
+            </a:endParaRPr>
+          </a:p>
+          <a:p>
+            <a:pPr>
+              <a:lnSpc>
+                <a:spcPct val="200000"/>
+              </a:lnSpc>
+              <a:buFont typeface="Wingdings" pitchFamily="2" charset="2"/>
+              <a:buChar char="ü"/>
+            </a:pPr>
+            <a:endParaRPr lang="pt-BR" sz="2000" b="1" dirty="0">
+              <a:solidFill>
+                <a:srgbClr val="00B050"/>
+              </a:solidFill>
+            </a:endParaRPr>
+          </a:p>
+          <a:p>
+            <a:pPr>
+              <a:lnSpc>
+                <a:spcPct val="200000"/>
+              </a:lnSpc>
+              <a:buFont typeface="Wingdings" pitchFamily="2" charset="2"/>
+              <a:buChar char="ü"/>
+            </a:pPr>
+            <a:endParaRPr lang="pt-BR" sz="2000" b="1" dirty="0">
+              <a:solidFill>
+                <a:srgbClr val="00B050"/>
+              </a:solidFill>
+            </a:endParaRPr>
+          </a:p>
+          <a:p>
+            <a:pPr>
+              <a:lnSpc>
+                <a:spcPct val="200000"/>
+              </a:lnSpc>
+              <a:buFont typeface="Wingdings" pitchFamily="2" charset="2"/>
+              <a:buChar char="ü"/>
+            </a:pPr>
+            <a:endParaRPr lang="pt-BR" sz="2000" b="1" dirty="0">
+              <a:solidFill>
+                <a:srgbClr val="00B050"/>
+              </a:solidFill>
+            </a:endParaRPr>
+          </a:p>
+          <a:p>
+            <a:pPr>
+              <a:lnSpc>
+                <a:spcPct val="200000"/>
+              </a:lnSpc>
+              <a:buFont typeface="Wingdings" pitchFamily="2" charset="2"/>
+              <a:buChar char="ü"/>
+            </a:pPr>
+            <a:endParaRPr lang="pt-BR" sz="2000" b="1" dirty="0">
+              <a:solidFill>
+                <a:srgbClr val="00B050"/>
+              </a:solidFill>
+            </a:endParaRPr>
+          </a:p>
+          <a:p>
+            <a:pPr>
+              <a:lnSpc>
+                <a:spcPct val="200000"/>
+              </a:lnSpc>
+              <a:buFont typeface="Wingdings" pitchFamily="2" charset="2"/>
+              <a:buChar char="ü"/>
+            </a:pPr>
+            <a:endParaRPr lang="pt-BR" sz="2000" b="1" dirty="0" smtClean="0">
+              <a:solidFill>
+                <a:srgbClr val="00B050"/>
+              </a:solidFill>
+            </a:endParaRPr>
+          </a:p>
+          <a:p>
+            <a:pPr>
+              <a:lnSpc>
+                <a:spcPct val="200000"/>
+              </a:lnSpc>
+              <a:buFont typeface="Wingdings" pitchFamily="2" charset="2"/>
+              <a:buChar char="ü"/>
+            </a:pPr>
+            <a:endParaRPr lang="pt-BR" sz="2000" b="1" dirty="0" smtClean="0">
+              <a:solidFill>
+                <a:srgbClr val="00B050"/>
+              </a:solidFill>
+            </a:endParaRPr>
+          </a:p>
+          <a:p>
+            <a:pPr>
+              <a:lnSpc>
+                <a:spcPct val="200000"/>
+              </a:lnSpc>
+            </a:pPr>
+            <a:endParaRPr lang="pt-BR" sz="2000" b="1" dirty="0" smtClean="0">
+              <a:solidFill>
+                <a:srgbClr val="00B050"/>
+              </a:solidFill>
+            </a:endParaRPr>
+          </a:p>
+        </p:txBody>
+      </p:sp>
+    </p:spTree>
+    <p:extLst>
+      <p:ext uri="{BB962C8B-B14F-4D97-AF65-F5344CB8AC3E}">
+        <p14:creationId xmlns:p14="http://schemas.microsoft.com/office/powerpoint/2010/main" val="4222577906"/>
+      </p:ext>
+    </p:extLst>
+  </p:cSld>
+  <p:clrMapOvr>
+    <a:masterClrMapping/>
+  </p:clrMapOvr>
+  <p:timing>
+    <p:tnLst>
+      <p:par>
+        <p:cTn id="1" dur="indefinite" restart="never" nodeType="tmRoot"/>
+      </p:par>
+    </p:tnLst>
+  </p:timing>
+</p:sld>
+</file>
+
+<file path=ppt/slides/slide20.xml><?xml version="1.0" encoding="utf-8"?>
 <p:sld xmlns:a="http://schemas.openxmlformats.org/drawingml/2006/main" xmlns:r="http://schemas.openxmlformats.org/officeDocument/2006/relationships" xmlns:p="http://schemas.openxmlformats.org/presentationml/2006/main">
   <p:cSld>
     <p:spTree>
@@ -24012,361 +25969,6 @@
     <p:extLst>
       <p:ext uri="{BB962C8B-B14F-4D97-AF65-F5344CB8AC3E}">
         <p14:creationId xmlns:p14="http://schemas.microsoft.com/office/powerpoint/2010/main" val="1649651152"/>
-      </p:ext>
-    </p:extLst>
-  </p:cSld>
-  <p:clrMapOvr>
-    <a:masterClrMapping/>
-  </p:clrMapOvr>
-  <p:timing>
-    <p:tnLst>
-      <p:par>
-        <p:cTn id="1" dur="indefinite" restart="never" nodeType="tmRoot"/>
-      </p:par>
-    </p:tnLst>
-  </p:timing>
-</p:sld>
-</file>
-
-<file path=ppt/slides/slide2.xml><?xml version="1.0" encoding="utf-8"?>
-<p:sld xmlns:a="http://schemas.openxmlformats.org/drawingml/2006/main" xmlns:r="http://schemas.openxmlformats.org/officeDocument/2006/relationships" xmlns:p="http://schemas.openxmlformats.org/presentationml/2006/main">
-  <p:cSld>
-    <p:spTree>
-      <p:nvGrpSpPr>
-        <p:cNvPr id="1" name=""/>
-        <p:cNvGrpSpPr/>
-        <p:nvPr/>
-      </p:nvGrpSpPr>
-      <p:grpSpPr>
-        <a:xfrm>
-          <a:off x="0" y="0"/>
-          <a:ext cx="0" cy="0"/>
-          <a:chOff x="0" y="0"/>
-          <a:chExt cx="0" cy="0"/>
-        </a:xfrm>
-      </p:grpSpPr>
-      <p:pic>
-        <p:nvPicPr>
-          <p:cNvPr id="8" name="Picture 2" descr="https://cdn-images-1.medium.com/max/600/1*YHKQVfSqFafrXvGcc5wUuQ.png"/>
-          <p:cNvPicPr>
-            <a:picLocks noChangeAspect="1" noChangeArrowheads="1"/>
-          </p:cNvPicPr>
-          <p:nvPr/>
-        </p:nvPicPr>
-        <p:blipFill rotWithShape="1">
-          <a:blip r:embed="rId3">
-            <a:extLst>
-              <a:ext uri="{28A0092B-C50C-407E-A947-70E740481C1C}">
-                <a14:useLocalDpi xmlns:a14="http://schemas.microsoft.com/office/drawing/2010/main" val="0"/>
-              </a:ext>
-            </a:extLst>
-          </a:blip>
-          <a:srcRect b="11346"/>
-          <a:stretch/>
-        </p:blipFill>
-        <p:spPr bwMode="auto">
-          <a:xfrm>
-            <a:off x="617488" y="4004171"/>
-            <a:ext cx="1942004" cy="1441053"/>
-          </a:xfrm>
-          <a:prstGeom prst="rect">
-            <a:avLst/>
-          </a:prstGeom>
-          <a:ln>
-            <a:noFill/>
-          </a:ln>
-          <a:effectLst>
-            <a:softEdge rad="112500"/>
-          </a:effectLst>
-          <a:extLst>
-            <a:ext uri="{909E8E84-426E-40DD-AFC4-6F175D3DCCD1}">
-              <a14:hiddenFill xmlns:a14="http://schemas.microsoft.com/office/drawing/2010/main">
-                <a:solidFill>
-                  <a:srgbClr val="FFFFFF"/>
-                </a:solidFill>
-              </a14:hiddenFill>
-            </a:ext>
-          </a:extLst>
-        </p:spPr>
-      </p:pic>
-      <p:pic>
-        <p:nvPicPr>
-          <p:cNvPr id="7" name="Picture 4" descr="Resultado de imagem para modelagem de negocio"/>
-          <p:cNvPicPr>
-            <a:picLocks noChangeAspect="1" noChangeArrowheads="1"/>
-          </p:cNvPicPr>
-          <p:nvPr/>
-        </p:nvPicPr>
-        <p:blipFill rotWithShape="1">
-          <a:blip r:embed="rId4">
-            <a:extLst>
-              <a:ext uri="{28A0092B-C50C-407E-A947-70E740481C1C}">
-                <a14:useLocalDpi xmlns:a14="http://schemas.microsoft.com/office/drawing/2010/main" val="0"/>
-              </a:ext>
-            </a:extLst>
-          </a:blip>
-          <a:srcRect l="9501" r="34948" b="13223"/>
-          <a:stretch/>
-        </p:blipFill>
-        <p:spPr bwMode="auto">
-          <a:xfrm>
-            <a:off x="413792" y="2204864"/>
-            <a:ext cx="2349397" cy="2448272"/>
-          </a:xfrm>
-          <a:prstGeom prst="ellipse">
-            <a:avLst/>
-          </a:prstGeom>
-          <a:ln>
-            <a:noFill/>
-          </a:ln>
-          <a:effectLst>
-            <a:softEdge rad="112500"/>
-          </a:effectLst>
-          <a:extLst>
-            <a:ext uri="{909E8E84-426E-40DD-AFC4-6F175D3DCCD1}">
-              <a14:hiddenFill xmlns:a14="http://schemas.microsoft.com/office/drawing/2010/main">
-                <a:solidFill>
-                  <a:srgbClr val="FFFFFF"/>
-                </a:solidFill>
-              </a14:hiddenFill>
-            </a:ext>
-          </a:extLst>
-        </p:spPr>
-      </p:pic>
-      <p:sp>
-        <p:nvSpPr>
-          <p:cNvPr id="2" name="Título 1"/>
-          <p:cNvSpPr>
-            <a:spLocks noGrp="1"/>
-          </p:cNvSpPr>
-          <p:nvPr>
-            <p:ph type="title"/>
-          </p:nvPr>
-        </p:nvSpPr>
-        <p:spPr>
-          <a:xfrm>
-            <a:off x="827584" y="116632"/>
-            <a:ext cx="7859216" cy="936104"/>
-          </a:xfrm>
-        </p:spPr>
-        <p:txBody>
-          <a:bodyPr/>
-          <a:lstStyle/>
-          <a:p>
-            <a:pPr algn="l"/>
-            <a:r>
-              <a:rPr lang="pt-BR" sz="3200" dirty="0" smtClean="0"/>
-              <a:t>Apresentação geral</a:t>
-            </a:r>
-            <a:endParaRPr lang="pt-BR" sz="3200" dirty="0"/>
-          </a:p>
-        </p:txBody>
-      </p:sp>
-      <p:pic>
-        <p:nvPicPr>
-          <p:cNvPr id="4" name="Picture 2" descr="https://cdn-images-1.medium.com/max/600/1*YHKQVfSqFafrXvGcc5wUuQ.png"/>
-          <p:cNvPicPr>
-            <a:picLocks noChangeAspect="1" noChangeArrowheads="1"/>
-          </p:cNvPicPr>
-          <p:nvPr/>
-        </p:nvPicPr>
-        <p:blipFill rotWithShape="1">
-          <a:blip r:embed="rId3">
-            <a:extLst>
-              <a:ext uri="{28A0092B-C50C-407E-A947-70E740481C1C}">
-                <a14:useLocalDpi xmlns:a14="http://schemas.microsoft.com/office/drawing/2010/main" val="0"/>
-              </a:ext>
-            </a:extLst>
-          </a:blip>
-          <a:srcRect b="11346"/>
-          <a:stretch/>
-        </p:blipFill>
-        <p:spPr bwMode="auto">
-          <a:xfrm>
-            <a:off x="0" y="-60521"/>
-            <a:ext cx="827584" cy="614104"/>
-          </a:xfrm>
-          <a:prstGeom prst="rect">
-            <a:avLst/>
-          </a:prstGeom>
-          <a:ln>
-            <a:noFill/>
-          </a:ln>
-          <a:effectLst>
-            <a:softEdge rad="112500"/>
-          </a:effectLst>
-          <a:extLst>
-            <a:ext uri="{909E8E84-426E-40DD-AFC4-6F175D3DCCD1}">
-              <a14:hiddenFill xmlns:a14="http://schemas.microsoft.com/office/drawing/2010/main">
-                <a:solidFill>
-                  <a:srgbClr val="FFFFFF"/>
-                </a:solidFill>
-              </a14:hiddenFill>
-            </a:ext>
-          </a:extLst>
-        </p:spPr>
-      </p:pic>
-      <p:sp>
-        <p:nvSpPr>
-          <p:cNvPr id="3" name="Espaço Reservado para Conteúdo 2"/>
-          <p:cNvSpPr>
-            <a:spLocks noGrp="1"/>
-          </p:cNvSpPr>
-          <p:nvPr>
-            <p:ph idx="1"/>
-          </p:nvPr>
-        </p:nvSpPr>
-        <p:spPr>
-          <a:xfrm>
-            <a:off x="3005826" y="1484784"/>
-            <a:ext cx="6138174" cy="4824536"/>
-          </a:xfrm>
-        </p:spPr>
-        <p:txBody>
-          <a:bodyPr>
-            <a:normAutofit fontScale="92500"/>
-          </a:bodyPr>
-          <a:lstStyle/>
-          <a:p>
-            <a:pPr>
-              <a:lnSpc>
-                <a:spcPct val="300000"/>
-              </a:lnSpc>
-              <a:buFont typeface="Wingdings" pitchFamily="2" charset="2"/>
-              <a:buChar char="ü"/>
-            </a:pPr>
-            <a:r>
-              <a:rPr lang="pt-BR" sz="2000" b="1" dirty="0" smtClean="0">
-                <a:solidFill>
-                  <a:srgbClr val="00B050"/>
-                </a:solidFill>
-              </a:rPr>
-              <a:t>Sistemas de notificações interativas</a:t>
-            </a:r>
-          </a:p>
-          <a:p>
-            <a:pPr>
-              <a:lnSpc>
-                <a:spcPct val="300000"/>
-              </a:lnSpc>
-              <a:buFont typeface="Wingdings" pitchFamily="2" charset="2"/>
-              <a:buChar char="ü"/>
-            </a:pPr>
-            <a:r>
-              <a:rPr lang="pt-BR" sz="2000" b="1" dirty="0" smtClean="0">
-                <a:solidFill>
-                  <a:schemeClr val="tx1"/>
-                </a:solidFill>
-              </a:rPr>
-              <a:t>Integração</a:t>
-            </a:r>
-          </a:p>
-          <a:p>
-            <a:pPr>
-              <a:lnSpc>
-                <a:spcPct val="300000"/>
-              </a:lnSpc>
-              <a:buFont typeface="Wingdings" pitchFamily="2" charset="2"/>
-              <a:buChar char="ü"/>
-            </a:pPr>
-            <a:r>
-              <a:rPr lang="pt-BR" sz="2000" b="1" dirty="0" smtClean="0">
-                <a:solidFill>
-                  <a:schemeClr val="tx1"/>
-                </a:solidFill>
-              </a:rPr>
-              <a:t> Foco em ambientes corporativos</a:t>
-            </a:r>
-          </a:p>
-          <a:p>
-            <a:pPr>
-              <a:lnSpc>
-                <a:spcPct val="300000"/>
-              </a:lnSpc>
-              <a:buFont typeface="Wingdings" pitchFamily="2" charset="2"/>
-              <a:buChar char="ü"/>
-            </a:pPr>
-            <a:r>
-              <a:rPr lang="pt-BR" sz="2000" b="1" dirty="0" smtClean="0">
-                <a:solidFill>
-                  <a:schemeClr val="tx1"/>
-                </a:solidFill>
-              </a:rPr>
-              <a:t>Disponibilização de serviços </a:t>
-            </a:r>
-            <a:r>
-              <a:rPr lang="pt-BR" sz="1200" b="1" dirty="0" smtClean="0">
-                <a:solidFill>
-                  <a:schemeClr val="tx1"/>
-                </a:solidFill>
-              </a:rPr>
-              <a:t>(através de dados existentes)</a:t>
-            </a:r>
-          </a:p>
-          <a:p>
-            <a:pPr>
-              <a:lnSpc>
-                <a:spcPct val="300000"/>
-              </a:lnSpc>
-              <a:buFont typeface="Wingdings" pitchFamily="2" charset="2"/>
-              <a:buChar char="ü"/>
-            </a:pPr>
-            <a:r>
-              <a:rPr lang="pt-BR" sz="2000" b="1" dirty="0" smtClean="0">
-                <a:solidFill>
-                  <a:srgbClr val="00B050"/>
-                </a:solidFill>
-              </a:rPr>
-              <a:t>Solução de </a:t>
-            </a:r>
-            <a:r>
-              <a:rPr lang="pt-BR" sz="2000" b="1" dirty="0" err="1" smtClean="0">
-                <a:solidFill>
-                  <a:srgbClr val="00B050"/>
-                </a:solidFill>
-              </a:rPr>
-              <a:t>probemas</a:t>
-            </a:r>
-            <a:r>
-              <a:rPr lang="pt-BR" sz="2000" b="1" dirty="0" smtClean="0">
-                <a:solidFill>
-                  <a:srgbClr val="00B050"/>
-                </a:solidFill>
-              </a:rPr>
-              <a:t> em três clicks</a:t>
-            </a:r>
-          </a:p>
-          <a:p>
-            <a:pPr marL="0" indent="0">
-              <a:lnSpc>
-                <a:spcPct val="300000"/>
-              </a:lnSpc>
-              <a:buNone/>
-            </a:pPr>
-            <a:endParaRPr lang="pt-BR" sz="2000" b="1" dirty="0" smtClean="0">
-              <a:solidFill>
-                <a:schemeClr val="tx1"/>
-              </a:solidFill>
-            </a:endParaRPr>
-          </a:p>
-          <a:p>
-            <a:pPr>
-              <a:lnSpc>
-                <a:spcPct val="300000"/>
-              </a:lnSpc>
-            </a:pPr>
-            <a:endParaRPr lang="pt-BR" sz="2000" b="1" dirty="0" smtClean="0">
-              <a:solidFill>
-                <a:schemeClr val="tx1"/>
-              </a:solidFill>
-            </a:endParaRPr>
-          </a:p>
-        </p:txBody>
-      </p:sp>
-    </p:spTree>
-    <p:extLst>
-      <p:ext uri="{BB962C8B-B14F-4D97-AF65-F5344CB8AC3E}">
-        <p14:creationId xmlns:p14="http://schemas.microsoft.com/office/powerpoint/2010/main" val="3877824053"/>
       </p:ext>
     </p:extLst>
   </p:cSld>
@@ -24829,6 +26431,361 @@
 </file>
 
 <file path=ppt/slides/slide4.xml><?xml version="1.0" encoding="utf-8"?>
+<p:sld xmlns:a="http://schemas.openxmlformats.org/drawingml/2006/main" xmlns:r="http://schemas.openxmlformats.org/officeDocument/2006/relationships" xmlns:p="http://schemas.openxmlformats.org/presentationml/2006/main">
+  <p:cSld>
+    <p:spTree>
+      <p:nvGrpSpPr>
+        <p:cNvPr id="1" name=""/>
+        <p:cNvGrpSpPr/>
+        <p:nvPr/>
+      </p:nvGrpSpPr>
+      <p:grpSpPr>
+        <a:xfrm>
+          <a:off x="0" y="0"/>
+          <a:ext cx="0" cy="0"/>
+          <a:chOff x="0" y="0"/>
+          <a:chExt cx="0" cy="0"/>
+        </a:xfrm>
+      </p:grpSpPr>
+      <p:pic>
+        <p:nvPicPr>
+          <p:cNvPr id="8" name="Picture 2" descr="https://cdn-images-1.medium.com/max/600/1*YHKQVfSqFafrXvGcc5wUuQ.png"/>
+          <p:cNvPicPr>
+            <a:picLocks noChangeAspect="1" noChangeArrowheads="1"/>
+          </p:cNvPicPr>
+          <p:nvPr/>
+        </p:nvPicPr>
+        <p:blipFill rotWithShape="1">
+          <a:blip r:embed="rId3">
+            <a:extLst>
+              <a:ext uri="{28A0092B-C50C-407E-A947-70E740481C1C}">
+                <a14:useLocalDpi xmlns:a14="http://schemas.microsoft.com/office/drawing/2010/main" val="0"/>
+              </a:ext>
+            </a:extLst>
+          </a:blip>
+          <a:srcRect b="11346"/>
+          <a:stretch/>
+        </p:blipFill>
+        <p:spPr bwMode="auto">
+          <a:xfrm>
+            <a:off x="617488" y="4004171"/>
+            <a:ext cx="1942004" cy="1441053"/>
+          </a:xfrm>
+          <a:prstGeom prst="rect">
+            <a:avLst/>
+          </a:prstGeom>
+          <a:ln>
+            <a:noFill/>
+          </a:ln>
+          <a:effectLst>
+            <a:softEdge rad="112500"/>
+          </a:effectLst>
+          <a:extLst>
+            <a:ext uri="{909E8E84-426E-40DD-AFC4-6F175D3DCCD1}">
+              <a14:hiddenFill xmlns:a14="http://schemas.microsoft.com/office/drawing/2010/main">
+                <a:solidFill>
+                  <a:srgbClr val="FFFFFF"/>
+                </a:solidFill>
+              </a14:hiddenFill>
+            </a:ext>
+          </a:extLst>
+        </p:spPr>
+      </p:pic>
+      <p:pic>
+        <p:nvPicPr>
+          <p:cNvPr id="7" name="Picture 4" descr="Resultado de imagem para modelagem de negocio"/>
+          <p:cNvPicPr>
+            <a:picLocks noChangeAspect="1" noChangeArrowheads="1"/>
+          </p:cNvPicPr>
+          <p:nvPr/>
+        </p:nvPicPr>
+        <p:blipFill rotWithShape="1">
+          <a:blip r:embed="rId4">
+            <a:extLst>
+              <a:ext uri="{28A0092B-C50C-407E-A947-70E740481C1C}">
+                <a14:useLocalDpi xmlns:a14="http://schemas.microsoft.com/office/drawing/2010/main" val="0"/>
+              </a:ext>
+            </a:extLst>
+          </a:blip>
+          <a:srcRect l="9501" r="34948" b="13223"/>
+          <a:stretch/>
+        </p:blipFill>
+        <p:spPr bwMode="auto">
+          <a:xfrm>
+            <a:off x="413792" y="2204864"/>
+            <a:ext cx="2349397" cy="2448272"/>
+          </a:xfrm>
+          <a:prstGeom prst="ellipse">
+            <a:avLst/>
+          </a:prstGeom>
+          <a:ln>
+            <a:noFill/>
+          </a:ln>
+          <a:effectLst>
+            <a:softEdge rad="112500"/>
+          </a:effectLst>
+          <a:extLst>
+            <a:ext uri="{909E8E84-426E-40DD-AFC4-6F175D3DCCD1}">
+              <a14:hiddenFill xmlns:a14="http://schemas.microsoft.com/office/drawing/2010/main">
+                <a:solidFill>
+                  <a:srgbClr val="FFFFFF"/>
+                </a:solidFill>
+              </a14:hiddenFill>
+            </a:ext>
+          </a:extLst>
+        </p:spPr>
+      </p:pic>
+      <p:sp>
+        <p:nvSpPr>
+          <p:cNvPr id="2" name="Título 1"/>
+          <p:cNvSpPr>
+            <a:spLocks noGrp="1"/>
+          </p:cNvSpPr>
+          <p:nvPr>
+            <p:ph type="title"/>
+          </p:nvPr>
+        </p:nvSpPr>
+        <p:spPr>
+          <a:xfrm>
+            <a:off x="827584" y="116632"/>
+            <a:ext cx="7859216" cy="936104"/>
+          </a:xfrm>
+        </p:spPr>
+        <p:txBody>
+          <a:bodyPr/>
+          <a:lstStyle/>
+          <a:p>
+            <a:pPr algn="l"/>
+            <a:r>
+              <a:rPr lang="pt-BR" sz="3200" dirty="0" smtClean="0"/>
+              <a:t>Apresentação geral</a:t>
+            </a:r>
+            <a:endParaRPr lang="pt-BR" sz="3200" dirty="0"/>
+          </a:p>
+        </p:txBody>
+      </p:sp>
+      <p:pic>
+        <p:nvPicPr>
+          <p:cNvPr id="4" name="Picture 2" descr="https://cdn-images-1.medium.com/max/600/1*YHKQVfSqFafrXvGcc5wUuQ.png"/>
+          <p:cNvPicPr>
+            <a:picLocks noChangeAspect="1" noChangeArrowheads="1"/>
+          </p:cNvPicPr>
+          <p:nvPr/>
+        </p:nvPicPr>
+        <p:blipFill rotWithShape="1">
+          <a:blip r:embed="rId3">
+            <a:extLst>
+              <a:ext uri="{28A0092B-C50C-407E-A947-70E740481C1C}">
+                <a14:useLocalDpi xmlns:a14="http://schemas.microsoft.com/office/drawing/2010/main" val="0"/>
+              </a:ext>
+            </a:extLst>
+          </a:blip>
+          <a:srcRect b="11346"/>
+          <a:stretch/>
+        </p:blipFill>
+        <p:spPr bwMode="auto">
+          <a:xfrm>
+            <a:off x="0" y="-60521"/>
+            <a:ext cx="827584" cy="614104"/>
+          </a:xfrm>
+          <a:prstGeom prst="rect">
+            <a:avLst/>
+          </a:prstGeom>
+          <a:ln>
+            <a:noFill/>
+          </a:ln>
+          <a:effectLst>
+            <a:softEdge rad="112500"/>
+          </a:effectLst>
+          <a:extLst>
+            <a:ext uri="{909E8E84-426E-40DD-AFC4-6F175D3DCCD1}">
+              <a14:hiddenFill xmlns:a14="http://schemas.microsoft.com/office/drawing/2010/main">
+                <a:solidFill>
+                  <a:srgbClr val="FFFFFF"/>
+                </a:solidFill>
+              </a14:hiddenFill>
+            </a:ext>
+          </a:extLst>
+        </p:spPr>
+      </p:pic>
+      <p:sp>
+        <p:nvSpPr>
+          <p:cNvPr id="3" name="Espaço Reservado para Conteúdo 2"/>
+          <p:cNvSpPr>
+            <a:spLocks noGrp="1"/>
+          </p:cNvSpPr>
+          <p:nvPr>
+            <p:ph idx="1"/>
+          </p:nvPr>
+        </p:nvSpPr>
+        <p:spPr>
+          <a:xfrm>
+            <a:off x="3005826" y="1484784"/>
+            <a:ext cx="6138174" cy="4824536"/>
+          </a:xfrm>
+        </p:spPr>
+        <p:txBody>
+          <a:bodyPr>
+            <a:normAutofit fontScale="70000" lnSpcReduction="20000"/>
+          </a:bodyPr>
+          <a:lstStyle/>
+          <a:p>
+            <a:pPr>
+              <a:lnSpc>
+                <a:spcPct val="300000"/>
+              </a:lnSpc>
+              <a:buFont typeface="Wingdings" pitchFamily="2" charset="2"/>
+              <a:buChar char="ü"/>
+            </a:pPr>
+            <a:r>
+              <a:rPr lang="pt-BR" sz="2600" b="1" dirty="0" smtClean="0">
+                <a:solidFill>
+                  <a:srgbClr val="00B050"/>
+                </a:solidFill>
+              </a:rPr>
+              <a:t>Disponibilização de serviços </a:t>
+            </a:r>
+            <a:r>
+              <a:rPr lang="pt-BR" sz="1900" b="1" dirty="0" smtClean="0">
+                <a:solidFill>
+                  <a:schemeClr val="tx1"/>
+                </a:solidFill>
+              </a:rPr>
+              <a:t>(através de dados existentes)</a:t>
+            </a:r>
+          </a:p>
+          <a:p>
+            <a:pPr>
+              <a:lnSpc>
+                <a:spcPct val="300000"/>
+              </a:lnSpc>
+              <a:buFont typeface="Wingdings" pitchFamily="2" charset="2"/>
+              <a:buChar char="ü"/>
+            </a:pPr>
+            <a:r>
+              <a:rPr lang="pt-BR" sz="2600" b="1" dirty="0" smtClean="0">
+                <a:solidFill>
+                  <a:srgbClr val="00B050"/>
+                </a:solidFill>
+              </a:rPr>
+              <a:t>Sistemas de notificações interativas</a:t>
+            </a:r>
+          </a:p>
+          <a:p>
+            <a:pPr>
+              <a:lnSpc>
+                <a:spcPct val="300000"/>
+              </a:lnSpc>
+              <a:buFont typeface="Wingdings" pitchFamily="2" charset="2"/>
+              <a:buChar char="ü"/>
+            </a:pPr>
+            <a:r>
+              <a:rPr lang="pt-BR" sz="2600" b="1" dirty="0" smtClean="0">
+                <a:solidFill>
+                  <a:schemeClr val="tx1"/>
+                </a:solidFill>
+              </a:rPr>
+              <a:t>Integração</a:t>
+            </a:r>
+          </a:p>
+          <a:p>
+            <a:pPr>
+              <a:lnSpc>
+                <a:spcPct val="300000"/>
+              </a:lnSpc>
+              <a:buFont typeface="Wingdings" pitchFamily="2" charset="2"/>
+              <a:buChar char="ü"/>
+            </a:pPr>
+            <a:r>
+              <a:rPr lang="pt-BR" sz="2600" b="1" dirty="0" smtClean="0">
+                <a:solidFill>
+                  <a:schemeClr val="tx1"/>
+                </a:solidFill>
+              </a:rPr>
+              <a:t> Foco em ambientes corporativos</a:t>
+            </a:r>
+          </a:p>
+          <a:p>
+            <a:pPr>
+              <a:lnSpc>
+                <a:spcPct val="300000"/>
+              </a:lnSpc>
+              <a:buFont typeface="Wingdings" pitchFamily="2" charset="2"/>
+              <a:buChar char="ü"/>
+            </a:pPr>
+            <a:r>
+              <a:rPr lang="pt-BR" sz="2600" b="1" dirty="0" smtClean="0">
+                <a:solidFill>
+                  <a:srgbClr val="00B050"/>
+                </a:solidFill>
+              </a:rPr>
+              <a:t>Solução de </a:t>
+            </a:r>
+            <a:r>
+              <a:rPr lang="pt-BR" sz="2600" b="1" dirty="0" err="1" smtClean="0">
+                <a:solidFill>
+                  <a:srgbClr val="00B050"/>
+                </a:solidFill>
+              </a:rPr>
+              <a:t>probemas</a:t>
+            </a:r>
+            <a:r>
+              <a:rPr lang="pt-BR" sz="2600" b="1" dirty="0" smtClean="0">
+                <a:solidFill>
+                  <a:srgbClr val="00B050"/>
+                </a:solidFill>
+              </a:rPr>
+              <a:t> em três clicks</a:t>
+            </a:r>
+          </a:p>
+          <a:p>
+            <a:pPr marL="0" indent="0">
+              <a:lnSpc>
+                <a:spcPct val="300000"/>
+              </a:lnSpc>
+              <a:buNone/>
+            </a:pPr>
+            <a:endParaRPr lang="pt-BR" sz="2000" b="1" dirty="0" smtClean="0">
+              <a:solidFill>
+                <a:schemeClr val="tx1"/>
+              </a:solidFill>
+            </a:endParaRPr>
+          </a:p>
+          <a:p>
+            <a:pPr>
+              <a:lnSpc>
+                <a:spcPct val="300000"/>
+              </a:lnSpc>
+            </a:pPr>
+            <a:endParaRPr lang="pt-BR" sz="2000" b="1" dirty="0" smtClean="0">
+              <a:solidFill>
+                <a:schemeClr val="tx1"/>
+              </a:solidFill>
+            </a:endParaRPr>
+          </a:p>
+        </p:txBody>
+      </p:sp>
+    </p:spTree>
+    <p:extLst>
+      <p:ext uri="{BB962C8B-B14F-4D97-AF65-F5344CB8AC3E}">
+        <p14:creationId xmlns:p14="http://schemas.microsoft.com/office/powerpoint/2010/main" val="3877824053"/>
+      </p:ext>
+    </p:extLst>
+  </p:cSld>
+  <p:clrMapOvr>
+    <a:masterClrMapping/>
+  </p:clrMapOvr>
+  <p:timing>
+    <p:tnLst>
+      <p:par>
+        <p:cTn id="1" dur="indefinite" restart="never" nodeType="tmRoot"/>
+      </p:par>
+    </p:tnLst>
+  </p:timing>
+</p:sld>
+</file>
+
+<file path=ppt/slides/slide5.xml><?xml version="1.0" encoding="utf-8"?>
 <p:sld xmlns:a="http://schemas.openxmlformats.org/drawingml/2006/main" xmlns:r="http://schemas.openxmlformats.org/officeDocument/2006/relationships" xmlns:p="http://schemas.openxmlformats.org/presentationml/2006/main">
   <p:cSld>
     <p:spTree>
@@ -25770,6 +27727,54 @@
           </a:p>
         </p:txBody>
       </p:sp>
+      <p:pic>
+        <p:nvPicPr>
+          <p:cNvPr id="26" name="Picture 2" descr="https://cdn-images-1.medium.com/max/800/1*YCjV7aYY8cJyq2u1yzoNlA.png"/>
+          <p:cNvPicPr>
+            <a:picLocks noChangeAspect="1" noChangeArrowheads="1"/>
+          </p:cNvPicPr>
+          <p:nvPr/>
+        </p:nvPicPr>
+        <p:blipFill>
+          <a:blip r:embed="rId13">
+            <a:duotone>
+              <a:prstClr val="black"/>
+              <a:schemeClr val="accent2">
+                <a:tint val="45000"/>
+                <a:satMod val="400000"/>
+              </a:schemeClr>
+            </a:duotone>
+            <a:extLst>
+              <a:ext uri="{28A0092B-C50C-407E-A947-70E740481C1C}">
+                <a14:useLocalDpi xmlns:a14="http://schemas.microsoft.com/office/drawing/2010/main" val="0"/>
+              </a:ext>
+            </a:extLst>
+          </a:blip>
+          <a:srcRect/>
+          <a:stretch>
+            <a:fillRect/>
+          </a:stretch>
+        </p:blipFill>
+        <p:spPr bwMode="auto">
+          <a:xfrm>
+            <a:off x="5329483" y="5642186"/>
+            <a:ext cx="2720829" cy="891159"/>
+          </a:xfrm>
+          <a:prstGeom prst="rect">
+            <a:avLst/>
+          </a:prstGeom>
+          <a:noFill/>
+          <a:extLst>
+            <a:ext uri="{909E8E84-426E-40DD-AFC4-6F175D3DCCD1}">
+              <a14:hiddenFill xmlns:a14="http://schemas.microsoft.com/office/drawing/2010/main">
+                <a:solidFill>
+                  <a:srgbClr val="FFFFFF"/>
+                </a:solidFill>
+              </a14:hiddenFill>
+            </a:ext>
+          </a:extLst>
+        </p:spPr>
+      </p:pic>
     </p:spTree>
     <p:extLst>
       <p:ext uri="{BB962C8B-B14F-4D97-AF65-F5344CB8AC3E}">
@@ -25968,30 +27973,66 @@
                             </p:childTnLst>
                           </p:cTn>
                         </p:par>
+                        <p:par>
+                          <p:cTn id="18" fill="hold">
+                            <p:stCondLst>
+                              <p:cond delay="14000"/>
+                            </p:stCondLst>
+                            <p:childTnLst>
+                              <p:par>
+                                <p:cTn id="19" presetID="1" presetClass="entr" presetSubtype="0" fill="hold" nodeType="afterEffect">
+                                  <p:stCondLst>
+                                    <p:cond delay="10000"/>
+                                  </p:stCondLst>
+                                  <p:childTnLst>
+                                    <p:set>
+                                      <p:cBhvr>
+                                        <p:cTn id="20" dur="1" fill="hold">
+                                          <p:stCondLst>
+                                            <p:cond delay="0"/>
+                                          </p:stCondLst>
+                                        </p:cTn>
+                                        <p:tgtEl>
+                                          <p:spTgt spid="26"/>
+                                        </p:tgtEl>
+                                        <p:attrNameLst>
+                                          <p:attrName>style.visibility</p:attrName>
+                                        </p:attrNameLst>
+                                      </p:cBhvr>
+                                      <p:to>
+                                        <p:strVal val="visible"/>
+                                      </p:to>
+                                    </p:set>
+                                  </p:childTnLst>
+                                </p:cTn>
+                              </p:par>
+                            </p:childTnLst>
+                          </p:cTn>
+                        </p:par>
                       </p:childTnLst>
                     </p:cTn>
                   </p:par>
                   <p:par>
-                    <p:cTn id="18" fill="hold">
+                    <p:cTn id="21" fill="hold">
                       <p:stCondLst>
                         <p:cond delay="indefinite"/>
                       </p:stCondLst>
                       <p:childTnLst>
                         <p:par>
-                          <p:cTn id="19" fill="hold">
+                          <p:cTn id="22" fill="hold">
                             <p:stCondLst>
                               <p:cond delay="0"/>
                             </p:stCondLst>
                             <p:childTnLst>
                               <p:par>
-                                <p:cTn id="20" presetID="1" presetClass="entr" presetSubtype="0" fill="hold" nodeType="clickEffect">
+                                <p:cTn id="23" presetID="1" presetClass="entr" presetSubtype="0" fill="hold" nodeType="clickEffect">
                                   <p:stCondLst>
                                     <p:cond delay="0"/>
                                   </p:stCondLst>
                                   <p:childTnLst>
                                     <p:set>
                                       <p:cBhvr>
-                                        <p:cTn id="21" dur="1" fill="hold">
+                                        <p:cTn id="24" dur="1" fill="hold">
                                           <p:stCondLst>
                                             <p:cond delay="0"/>
                                           </p:stCondLst>
@@ -26014,20 +28055,20 @@
                           </p:cTn>
                         </p:par>
                         <p:par>
-                          <p:cTn id="22" fill="hold">
+                          <p:cTn id="25" fill="hold">
                             <p:stCondLst>
                               <p:cond delay="0"/>
                             </p:stCondLst>
                             <p:childTnLst>
                               <p:par>
-                                <p:cTn id="23" presetID="1" presetClass="entr" presetSubtype="0" fill="hold" grpId="0" nodeType="afterEffect">
+                                <p:cTn id="26" presetID="1" presetClass="entr" presetSubtype="0" fill="hold" grpId="0" nodeType="afterEffect">
                                   <p:stCondLst>
                                     <p:cond delay="0"/>
                                   </p:stCondLst>
                                   <p:childTnLst>
                                     <p:set>
                                       <p:cBhvr>
-                                        <p:cTn id="24" dur="1" fill="hold">
+                                        <p:cTn id="27" dur="1" fill="hold">
                                           <p:stCondLst>
                                             <p:cond delay="0"/>
                                           </p:stCondLst>
@@ -26047,14 +28088,14 @@
                                 </p:cTn>
                               </p:par>
                               <p:par>
-                                <p:cTn id="25" presetID="1" presetClass="entr" presetSubtype="0" fill="hold" nodeType="withEffect">
+                                <p:cTn id="28" presetID="1" presetClass="entr" presetSubtype="0" fill="hold" nodeType="withEffect">
                                   <p:stCondLst>
                                     <p:cond delay="5000"/>
                                   </p:stCondLst>
                                   <p:childTnLst>
                                     <p:set>
                                       <p:cBhvr>
-                                        <p:cTn id="26" dur="1" fill="hold">
+                                        <p:cTn id="29" dur="1" fill="hold">
                                           <p:stCondLst>
                                             <p:cond delay="0"/>
                                           </p:stCondLst>
@@ -26080,26 +28121,26 @@
                     </p:cTn>
                   </p:par>
                   <p:par>
-                    <p:cTn id="27" fill="hold">
+                    <p:cTn id="30" fill="hold">
                       <p:stCondLst>
                         <p:cond delay="indefinite"/>
                       </p:stCondLst>
                       <p:childTnLst>
                         <p:par>
-                          <p:cTn id="28" fill="hold">
+                          <p:cTn id="31" fill="hold">
                             <p:stCondLst>
                               <p:cond delay="0"/>
                             </p:stCondLst>
                             <p:childTnLst>
                               <p:par>
-                                <p:cTn id="29" presetID="1" presetClass="entr" presetSubtype="0" fill="hold" nodeType="clickEffect">
+                                <p:cTn id="32" presetID="1" presetClass="entr" presetSubtype="0" fill="hold" nodeType="clickEffect">
                                   <p:stCondLst>
                                     <p:cond delay="0"/>
                                   </p:stCondLst>
                                   <p:childTnLst>
                                     <p:set>
                                       <p:cBhvr>
-                                        <p:cTn id="30" dur="1" fill="hold">
+                                        <p:cTn id="33" dur="1" fill="hold">
                                           <p:stCondLst>
                                             <p:cond delay="0"/>
                                           </p:stCondLst>
@@ -26119,14 +28160,14 @@
                                 </p:cTn>
                               </p:par>
                               <p:par>
-                                <p:cTn id="31" presetID="1" presetClass="entr" presetSubtype="0" fill="hold" grpId="0" nodeType="withEffect">
+                                <p:cTn id="34" presetID="1" presetClass="entr" presetSubtype="0" fill="hold" grpId="0" nodeType="withEffect">
                                   <p:stCondLst>
                                     <p:cond delay="0"/>
                                   </p:stCondLst>
                                   <p:childTnLst>
                                     <p:set>
                                       <p:cBhvr>
-                                        <p:cTn id="32" dur="1" fill="hold">
+                                        <p:cTn id="35" dur="1" fill="hold">
                                           <p:stCondLst>
                                             <p:cond delay="0"/>
                                           </p:stCondLst>
@@ -26152,26 +28193,26 @@
                     </p:cTn>
                   </p:par>
                   <p:par>
-                    <p:cTn id="33" fill="hold">
+                    <p:cTn id="36" fill="hold">
                       <p:stCondLst>
                         <p:cond delay="indefinite"/>
                       </p:stCondLst>
                       <p:childTnLst>
                         <p:par>
-                          <p:cTn id="34" fill="hold">
+                          <p:cTn id="37" fill="hold">
                             <p:stCondLst>
                               <p:cond delay="0"/>
                             </p:stCondLst>
                             <p:childTnLst>
                               <p:par>
-                                <p:cTn id="35" presetID="1" presetClass="entr" presetSubtype="0" fill="hold" nodeType="clickEffect">
+                                <p:cTn id="38" presetID="1" presetClass="entr" presetSubtype="0" fill="hold" nodeType="clickEffect">
                                   <p:stCondLst>
                                     <p:cond delay="0"/>
                                   </p:stCondLst>
                                   <p:childTnLst>
                                     <p:set>
                                       <p:cBhvr>
-                                        <p:cTn id="36" dur="1" fill="hold">
+                                        <p:cTn id="39" dur="1" fill="hold">
                                           <p:stCondLst>
                                             <p:cond delay="0"/>
                                           </p:stCondLst>
@@ -26191,14 +28232,14 @@
                                 </p:cTn>
                               </p:par>
                               <p:par>
-                                <p:cTn id="37" presetID="1" presetClass="entr" presetSubtype="0" fill="hold" grpId="0" nodeType="withEffect">
+                                <p:cTn id="40" presetID="1" presetClass="entr" presetSubtype="0" fill="hold" grpId="0" nodeType="withEffect">
                                   <p:stCondLst>
                                     <p:cond delay="0"/>
                                   </p:stCondLst>
                                   <p:childTnLst>
                                     <p:set>
                                       <p:cBhvr>
-                                        <p:cTn id="38" dur="1" fill="hold">
+                                        <p:cTn id="41" dur="1" fill="hold">
                                           <p:stCondLst>
                                             <p:cond delay="0"/>
                                           </p:stCondLst>
@@ -26224,26 +28265,26 @@
                     </p:cTn>
                   </p:par>
                   <p:par>
-                    <p:cTn id="39" fill="hold">
+                    <p:cTn id="42" fill="hold">
                       <p:stCondLst>
                         <p:cond delay="indefinite"/>
                       </p:stCondLst>
                       <p:childTnLst>
                         <p:par>
-                          <p:cTn id="40" fill="hold">
+                          <p:cTn id="43" fill="hold">
                             <p:stCondLst>
                               <p:cond delay="0"/>
                             </p:stCondLst>
                             <p:childTnLst>
                               <p:par>
-                                <p:cTn id="41" presetID="1" presetClass="entr" presetSubtype="0" fill="hold" nodeType="clickEffect">
+                                <p:cTn id="44" presetID="1" presetClass="entr" presetSubtype="0" fill="hold" nodeType="clickEffect">
                                   <p:stCondLst>
                                     <p:cond delay="0"/>
                                   </p:stCondLst>
                                   <p:childTnLst>
                                     <p:set>
                                       <p:cBhvr>
-                                        <p:cTn id="42" dur="1" fill="hold">
+                                        <p:cTn id="45" dur="1" fill="hold">
                                           <p:stCondLst>
                                             <p:cond delay="0"/>
                                           </p:stCondLst>
@@ -26263,14 +28304,14 @@
                                 </p:cTn>
                               </p:par>
                               <p:par>
-                                <p:cTn id="43" presetID="1" presetClass="entr" presetSubtype="0" fill="hold" grpId="0" nodeType="withEffect">
+                                <p:cTn id="46" presetID="1" presetClass="entr" presetSubtype="0" fill="hold" grpId="0" nodeType="withEffect">
                                   <p:stCondLst>
                                     <p:cond delay="0"/>
                                   </p:stCondLst>
                                   <p:childTnLst>
                                     <p:set>
                                       <p:cBhvr>
-                                        <p:cTn id="44" dur="1" fill="hold">
+                                        <p:cTn id="47" dur="1" fill="hold">
                                           <p:stCondLst>
                                             <p:cond delay="0"/>
                                           </p:stCondLst>
@@ -26293,20 +28334,20 @@
                           </p:cTn>
                         </p:par>
                         <p:par>
-                          <p:cTn id="45" fill="hold">
+                          <p:cTn id="48" fill="hold">
                             <p:stCondLst>
                               <p:cond delay="0"/>
                             </p:stCondLst>
                             <p:childTnLst>
                               <p:par>
-                                <p:cTn id="46" presetID="1" presetClass="entr" presetSubtype="0" fill="hold" nodeType="afterEffect">
+                                <p:cTn id="49" presetID="1" presetClass="entr" presetSubtype="0" fill="hold" nodeType="afterEffect">
                                   <p:stCondLst>
                                     <p:cond delay="5000"/>
                                   </p:stCondLst>
                                   <p:childTnLst>
                                     <p:set>
                                       <p:cBhvr>
-                                        <p:cTn id="47" dur="1" fill="hold">
+                                        <p:cTn id="50" dur="1" fill="hold">
                                           <p:stCondLst>
                                             <p:cond delay="0"/>
                                           </p:stCondLst>
@@ -26364,7 +28405,7 @@
 </p:sld>
 </file>
 
-<file path=ppt/slides/slide5.xml><?xml version="1.0" encoding="utf-8"?>
+<file path=ppt/slides/slide6.xml><?xml version="1.0" encoding="utf-8"?>
 <p:sld xmlns:a="http://schemas.openxmlformats.org/drawingml/2006/main" xmlns:r="http://schemas.openxmlformats.org/officeDocument/2006/relationships" xmlns:p="http://schemas.openxmlformats.org/presentationml/2006/main">
   <p:cSld>
     <p:spTree>
@@ -26404,10 +28445,10 @@
           <a:lstStyle/>
           <a:p>
             <a:r>
-              <a:rPr lang="pt-BR" sz="1400" dirty="0" smtClean="0"/>
+              <a:rPr lang="pt-BR" sz="2800" dirty="0" smtClean="0"/>
               <a:t>Visão geral do produto</a:t>
             </a:r>
-            <a:endParaRPr lang="pt-BR" sz="1400" dirty="0"/>
+            <a:endParaRPr lang="pt-BR" sz="2800" dirty="0"/>
           </a:p>
         </p:txBody>
       </p:sp>
@@ -26909,7 +28950,7 @@
 </p:sld>
 </file>
 
-<file path=ppt/slides/slide6.xml><?xml version="1.0" encoding="utf-8"?>
+<file path=ppt/slides/slide7.xml><?xml version="1.0" encoding="utf-8"?>
 <p:sld xmlns:a="http://schemas.openxmlformats.org/drawingml/2006/main" xmlns:r="http://schemas.openxmlformats.org/officeDocument/2006/relationships" xmlns:p="http://schemas.openxmlformats.org/presentationml/2006/main">
   <p:cSld>
     <p:spTree>
@@ -27608,7 +29649,7 @@
 </p:sld>
 </file>
 
-<file path=ppt/slides/slide7.xml><?xml version="1.0" encoding="utf-8"?>
+<file path=ppt/slides/slide8.xml><?xml version="1.0" encoding="utf-8"?>
 <p:sld xmlns:a="http://schemas.openxmlformats.org/drawingml/2006/main" xmlns:r="http://schemas.openxmlformats.org/officeDocument/2006/relationships" xmlns:p="http://schemas.openxmlformats.org/presentationml/2006/main">
   <p:cSld>
     <p:spTree>
@@ -27892,7 +29933,7 @@
 </p:sld>
 </file>
 
-<file path=ppt/slides/slide8.xml><?xml version="1.0" encoding="utf-8"?>
+<file path=ppt/slides/slide9.xml><?xml version="1.0" encoding="utf-8"?>
 <p:sld xmlns:a="http://schemas.openxmlformats.org/drawingml/2006/main" xmlns:r="http://schemas.openxmlformats.org/officeDocument/2006/relationships" xmlns:p="http://schemas.openxmlformats.org/presentationml/2006/main">
   <p:cSld>
     <p:spTree>
@@ -28342,1440 +30383,6 @@
     </p:tnLst>
     <p:bldLst>
       <p:bldP spid="12" grpId="0" animBg="1"/>
-    </p:bldLst>
-  </p:timing>
-</p:sld>
-</file>
-
-<file path=ppt/slides/slide9.xml><?xml version="1.0" encoding="utf-8"?>
-<p:sld xmlns:a="http://schemas.openxmlformats.org/drawingml/2006/main" xmlns:r="http://schemas.openxmlformats.org/officeDocument/2006/relationships" xmlns:p="http://schemas.openxmlformats.org/presentationml/2006/main">
-  <p:cSld>
-    <p:spTree>
-      <p:nvGrpSpPr>
-        <p:cNvPr id="1" name=""/>
-        <p:cNvGrpSpPr/>
-        <p:nvPr/>
-      </p:nvGrpSpPr>
-      <p:grpSpPr>
-        <a:xfrm>
-          <a:off x="0" y="0"/>
-          <a:ext cx="0" cy="0"/>
-          <a:chOff x="0" y="0"/>
-          <a:chExt cx="0" cy="0"/>
-        </a:xfrm>
-      </p:grpSpPr>
-      <p:pic>
-        <p:nvPicPr>
-          <p:cNvPr id="4" name="Picture 44" descr="Resultado de imagem para windows server 2012 vector"/>
-          <p:cNvPicPr>
-            <a:picLocks noChangeAspect="1" noChangeArrowheads="1"/>
-          </p:cNvPicPr>
-          <p:nvPr/>
-        </p:nvPicPr>
-        <p:blipFill rotWithShape="1">
-          <a:blip r:embed="rId2">
-            <a:extLst>
-              <a:ext uri="{BEBA8EAE-BF5A-486C-A8C5-ECC9F3942E4B}">
-                <a14:imgProps xmlns:a14="http://schemas.microsoft.com/office/drawing/2010/main">
-                  <a14:imgLayer r:embed="rId3">
-                    <a14:imgEffect>
-                      <a14:brightnessContrast bright="40000" contrast="40000"/>
-                    </a14:imgEffect>
-                  </a14:imgLayer>
-                </a14:imgProps>
-              </a:ext>
-              <a:ext uri="{28A0092B-C50C-407E-A947-70E740481C1C}">
-                <a14:useLocalDpi xmlns:a14="http://schemas.microsoft.com/office/drawing/2010/main" val="0"/>
-              </a:ext>
-            </a:extLst>
-          </a:blip>
-          <a:srcRect l="22903" r="19888" b="41837"/>
-          <a:stretch/>
-        </p:blipFill>
-        <p:spPr bwMode="auto">
-          <a:xfrm>
-            <a:off x="5745016" y="2226536"/>
-            <a:ext cx="2664466" cy="2671414"/>
-          </a:xfrm>
-          <a:prstGeom prst="rect">
-            <a:avLst/>
-          </a:prstGeom>
-          <a:noFill/>
-          <a:extLst>
-            <a:ext uri="{909E8E84-426E-40DD-AFC4-6F175D3DCCD1}">
-              <a14:hiddenFill xmlns:a14="http://schemas.microsoft.com/office/drawing/2010/main">
-                <a:solidFill>
-                  <a:srgbClr val="FFFFFF"/>
-                </a:solidFill>
-              </a14:hiddenFill>
-            </a:ext>
-          </a:extLst>
-        </p:spPr>
-      </p:pic>
-      <p:pic>
-        <p:nvPicPr>
-          <p:cNvPr id="5" name="Picture 6" descr="Resultado de imagem para base de dados sql server vetor"/>
-          <p:cNvPicPr>
-            <a:picLocks noChangeAspect="1" noChangeArrowheads="1"/>
-          </p:cNvPicPr>
-          <p:nvPr/>
-        </p:nvPicPr>
-        <p:blipFill>
-          <a:blip r:embed="rId4" cstate="print">
-            <a:duotone>
-              <a:schemeClr val="accent3">
-                <a:shade val="45000"/>
-                <a:satMod val="135000"/>
-              </a:schemeClr>
-              <a:prstClr val="white"/>
-            </a:duotone>
-            <a:extLst>
-              <a:ext uri="{BEBA8EAE-BF5A-486C-A8C5-ECC9F3942E4B}">
-                <a14:imgProps xmlns:a14="http://schemas.microsoft.com/office/drawing/2010/main">
-                  <a14:imgLayer r:embed="rId5">
-                    <a14:imgEffect>
-                      <a14:sharpenSoften amount="36000"/>
-                    </a14:imgEffect>
-                    <a14:imgEffect>
-                      <a14:brightnessContrast bright="40000" contrast="40000"/>
-                    </a14:imgEffect>
-                  </a14:imgLayer>
-                </a14:imgProps>
-              </a:ext>
-              <a:ext uri="{28A0092B-C50C-407E-A947-70E740481C1C}">
-                <a14:useLocalDpi xmlns:a14="http://schemas.microsoft.com/office/drawing/2010/main" val="0"/>
-              </a:ext>
-            </a:extLst>
-          </a:blip>
-          <a:srcRect/>
-          <a:stretch>
-            <a:fillRect/>
-          </a:stretch>
-        </p:blipFill>
-        <p:spPr bwMode="auto">
-          <a:xfrm>
-            <a:off x="7473237" y="2564904"/>
-            <a:ext cx="1512168" cy="1512169"/>
-          </a:xfrm>
-          <a:prstGeom prst="rect">
-            <a:avLst/>
-          </a:prstGeom>
-          <a:noFill/>
-          <a:extLst>
-            <a:ext uri="{909E8E84-426E-40DD-AFC4-6F175D3DCCD1}">
-              <a14:hiddenFill xmlns:a14="http://schemas.microsoft.com/office/drawing/2010/main">
-                <a:solidFill>
-                  <a:srgbClr val="FFFFFF"/>
-                </a:solidFill>
-              </a14:hiddenFill>
-            </a:ext>
-          </a:extLst>
-        </p:spPr>
-      </p:pic>
-      <p:grpSp>
-        <p:nvGrpSpPr>
-          <p:cNvPr id="6" name="Agrupar 8"/>
-          <p:cNvGrpSpPr/>
-          <p:nvPr/>
-        </p:nvGrpSpPr>
-        <p:grpSpPr>
-          <a:xfrm>
-            <a:off x="582613" y="2820575"/>
-            <a:ext cx="1386662" cy="1256498"/>
-            <a:chOff x="2" y="1152128"/>
-            <a:chExt cx="1386662" cy="1000826"/>
-          </a:xfrm>
-        </p:grpSpPr>
-        <p:sp>
-          <p:nvSpPr>
-            <p:cNvPr id="7" name="Retângulo 6"/>
-            <p:cNvSpPr/>
-            <p:nvPr/>
-          </p:nvSpPr>
-          <p:spPr>
-            <a:xfrm>
-              <a:off x="2" y="1152128"/>
-              <a:ext cx="1386662" cy="1000826"/>
-            </a:xfrm>
-            <a:prstGeom prst="ellipse">
-              <a:avLst/>
-            </a:prstGeom>
-            <a:blipFill rotWithShape="0">
-              <a:blip r:embed="rId6"/>
-              <a:stretch>
-                <a:fillRect/>
-              </a:stretch>
-            </a:blipFill>
-          </p:spPr>
-          <p:style>
-            <a:lnRef idx="2">
-              <a:schemeClr val="lt1">
-                <a:hueOff val="0"/>
-                <a:satOff val="0"/>
-                <a:lumOff val="0"/>
-                <a:alphaOff val="0"/>
-              </a:schemeClr>
-            </a:lnRef>
-            <a:fillRef idx="1">
-              <a:scrgbClr r="0" g="0" b="0"/>
-            </a:fillRef>
-            <a:effectRef idx="0">
-              <a:schemeClr val="accent1">
-                <a:hueOff val="0"/>
-                <a:satOff val="0"/>
-                <a:lumOff val="0"/>
-                <a:alphaOff val="0"/>
-              </a:schemeClr>
-            </a:effectRef>
-            <a:fontRef idx="minor">
-              <a:schemeClr val="lt1"/>
-            </a:fontRef>
-          </p:style>
-        </p:sp>
-        <p:sp>
-          <p:nvSpPr>
-            <p:cNvPr id="8" name="CaixaDeTexto 7"/>
-            <p:cNvSpPr txBox="1"/>
-            <p:nvPr/>
-          </p:nvSpPr>
-          <p:spPr>
-            <a:xfrm>
-              <a:off x="2" y="1152128"/>
-              <a:ext cx="1386662" cy="1000826"/>
-            </a:xfrm>
-            <a:prstGeom prst="ellipse">
-              <a:avLst/>
-            </a:prstGeom>
-          </p:spPr>
-          <p:style>
-            <a:lnRef idx="0">
-              <a:scrgbClr r="0" g="0" b="0"/>
-            </a:lnRef>
-            <a:fillRef idx="0">
-              <a:scrgbClr r="0" g="0" b="0"/>
-            </a:fillRef>
-            <a:effectRef idx="0">
-              <a:scrgbClr r="0" g="0" b="0"/>
-            </a:effectRef>
-            <a:fontRef idx="minor">
-              <a:schemeClr val="lt1"/>
-            </a:fontRef>
-          </p:style>
-          <p:txBody>
-            <a:bodyPr spcFirstLastPara="0" vert="horz" wrap="square" lIns="37465" tIns="37465" rIns="37465" bIns="37465" numCol="1" spcCol="1270" anchor="ctr" anchorCtr="0">
-              <a:noAutofit/>
-            </a:bodyPr>
-            <a:lstStyle/>
-            <a:p>
-              <a:pPr lvl="0" algn="ctr" defTabSz="2622550">
-                <a:lnSpc>
-                  <a:spcPct val="90000"/>
-                </a:lnSpc>
-                <a:spcBef>
-                  <a:spcPct val="0"/>
-                </a:spcBef>
-                <a:spcAft>
-                  <a:spcPct val="35000"/>
-                </a:spcAft>
-              </a:pPr>
-              <a:r>
-                <a:rPr lang="pt-BR" sz="5900" kern="1200" dirty="0" smtClean="0"/>
-                <a:t> </a:t>
-              </a:r>
-              <a:endParaRPr lang="pt-BR" sz="5900" kern="1200" dirty="0"/>
-            </a:p>
-          </p:txBody>
-        </p:sp>
-      </p:grpSp>
-      <p:pic>
-        <p:nvPicPr>
-          <p:cNvPr id="9" name="Picture 16" descr="Imagem relacionada"/>
-          <p:cNvPicPr>
-            <a:picLocks noChangeAspect="1" noChangeArrowheads="1"/>
-          </p:cNvPicPr>
-          <p:nvPr/>
-        </p:nvPicPr>
-        <p:blipFill rotWithShape="1">
-          <a:blip r:embed="rId7" cstate="print">
-            <a:extLst>
-              <a:ext uri="{BEBA8EAE-BF5A-486C-A8C5-ECC9F3942E4B}">
-                <a14:imgProps xmlns:a14="http://schemas.microsoft.com/office/drawing/2010/main">
-                  <a14:imgLayer r:embed="rId8">
-                    <a14:imgEffect>
-                      <a14:brightnessContrast bright="-40000" contrast="40000"/>
-                    </a14:imgEffect>
-                  </a14:imgLayer>
-                </a14:imgProps>
-              </a:ext>
-              <a:ext uri="{28A0092B-C50C-407E-A947-70E740481C1C}">
-                <a14:useLocalDpi xmlns:a14="http://schemas.microsoft.com/office/drawing/2010/main" val="0"/>
-              </a:ext>
-            </a:extLst>
-          </a:blip>
-          <a:srcRect l="21166" t="1883" r="18355" b="16418"/>
-          <a:stretch/>
-        </p:blipFill>
-        <p:spPr bwMode="auto">
-          <a:xfrm>
-            <a:off x="3152757" y="1470452"/>
-            <a:ext cx="1008112" cy="756084"/>
-          </a:xfrm>
-          <a:prstGeom prst="ellipse">
-            <a:avLst/>
-          </a:prstGeom>
-          <a:ln>
-            <a:noFill/>
-          </a:ln>
-          <a:effectLst>
-            <a:softEdge rad="112500"/>
-          </a:effectLst>
-          <a:extLst>
-            <a:ext uri="{909E8E84-426E-40DD-AFC4-6F175D3DCCD1}">
-              <a14:hiddenFill xmlns:a14="http://schemas.microsoft.com/office/drawing/2010/main">
-                <a:solidFill>
-                  <a:srgbClr val="FFFFFF"/>
-                </a:solidFill>
-              </a14:hiddenFill>
-            </a:ext>
-          </a:extLst>
-        </p:spPr>
-      </p:pic>
-      <p:sp>
-        <p:nvSpPr>
-          <p:cNvPr id="10" name="Seta em Curva para Cima 2"/>
-          <p:cNvSpPr/>
-          <p:nvPr/>
-        </p:nvSpPr>
-        <p:spPr>
-          <a:xfrm>
-            <a:off x="1270652" y="4077073"/>
-            <a:ext cx="4770632" cy="619865"/>
-          </a:xfrm>
-          <a:prstGeom prst="curvedUpArrow">
-            <a:avLst/>
-          </a:prstGeom>
-          <a:solidFill>
-            <a:srgbClr val="00B0F0"/>
-          </a:solidFill>
-          <a:ln>
-            <a:noFill/>
-          </a:ln>
-        </p:spPr>
-        <p:style>
-          <a:lnRef idx="2">
-            <a:schemeClr val="accent1">
-              <a:shade val="50000"/>
-            </a:schemeClr>
-          </a:lnRef>
-          <a:fillRef idx="1">
-            <a:schemeClr val="accent1"/>
-          </a:fillRef>
-          <a:effectRef idx="0">
-            <a:schemeClr val="accent1"/>
-          </a:effectRef>
-          <a:fontRef idx="minor">
-            <a:schemeClr val="lt1"/>
-          </a:fontRef>
-        </p:style>
-        <p:txBody>
-          <a:bodyPr rtlCol="0" anchor="ctr"/>
-          <a:lstStyle/>
-          <a:p>
-            <a:pPr algn="ctr"/>
-            <a:endParaRPr lang="pt-BR">
-              <a:solidFill>
-                <a:schemeClr val="tx1"/>
-              </a:solidFill>
-            </a:endParaRPr>
-          </a:p>
-        </p:txBody>
-      </p:sp>
-      <p:sp>
-        <p:nvSpPr>
-          <p:cNvPr id="11" name="Seta em Curva para Cima 15"/>
-          <p:cNvSpPr/>
-          <p:nvPr/>
-        </p:nvSpPr>
-        <p:spPr>
-          <a:xfrm rot="10800000">
-            <a:off x="1389841" y="2204863"/>
-            <a:ext cx="4355204" cy="615711"/>
-          </a:xfrm>
-          <a:prstGeom prst="curvedUpArrow">
-            <a:avLst/>
-          </a:prstGeom>
-          <a:solidFill>
-            <a:srgbClr val="00B0F0"/>
-          </a:solidFill>
-          <a:ln>
-            <a:noFill/>
-          </a:ln>
-        </p:spPr>
-        <p:style>
-          <a:lnRef idx="2">
-            <a:schemeClr val="accent1">
-              <a:shade val="50000"/>
-            </a:schemeClr>
-          </a:lnRef>
-          <a:fillRef idx="1">
-            <a:schemeClr val="accent1"/>
-          </a:fillRef>
-          <a:effectRef idx="0">
-            <a:schemeClr val="accent1"/>
-          </a:effectRef>
-          <a:fontRef idx="minor">
-            <a:schemeClr val="lt1"/>
-          </a:fontRef>
-        </p:style>
-        <p:txBody>
-          <a:bodyPr rtlCol="0" anchor="ctr"/>
-          <a:lstStyle/>
-          <a:p>
-            <a:pPr algn="ctr"/>
-            <a:endParaRPr lang="pt-BR">
-              <a:solidFill>
-                <a:schemeClr val="tx1"/>
-              </a:solidFill>
-            </a:endParaRPr>
-          </a:p>
-        </p:txBody>
-      </p:sp>
-      <p:sp>
-        <p:nvSpPr>
-          <p:cNvPr id="12" name="Seta para a Esquerda e para a Direita 5"/>
-          <p:cNvSpPr/>
-          <p:nvPr/>
-        </p:nvSpPr>
-        <p:spPr>
-          <a:xfrm flipH="1">
-            <a:off x="6372200" y="3307075"/>
-            <a:ext cx="1217458" cy="382128"/>
-          </a:xfrm>
-          <a:prstGeom prst="leftRightArrow">
-            <a:avLst/>
-          </a:prstGeom>
-          <a:solidFill>
-            <a:srgbClr val="0070C0"/>
-          </a:solidFill>
-          <a:ln>
-            <a:noFill/>
-          </a:ln>
-        </p:spPr>
-        <p:style>
-          <a:lnRef idx="1">
-            <a:schemeClr val="accent5"/>
-          </a:lnRef>
-          <a:fillRef idx="3">
-            <a:schemeClr val="accent5"/>
-          </a:fillRef>
-          <a:effectRef idx="2">
-            <a:schemeClr val="accent5"/>
-          </a:effectRef>
-          <a:fontRef idx="minor">
-            <a:schemeClr val="lt1"/>
-          </a:fontRef>
-        </p:style>
-        <p:txBody>
-          <a:bodyPr rtlCol="0" anchor="ctr"/>
-          <a:lstStyle/>
-          <a:p>
-            <a:pPr algn="ctr"/>
-            <a:endParaRPr lang="pt-BR"/>
-          </a:p>
-        </p:txBody>
-      </p:sp>
-      <p:pic>
-        <p:nvPicPr>
-          <p:cNvPr id="13" name="Picture 40" descr="Imagem relacionada"/>
-          <p:cNvPicPr>
-            <a:picLocks noChangeAspect="1" noChangeArrowheads="1"/>
-          </p:cNvPicPr>
-          <p:nvPr/>
-        </p:nvPicPr>
-        <p:blipFill rotWithShape="1">
-          <a:blip r:embed="rId9" cstate="print">
-            <a:extLst>
-              <a:ext uri="{BEBA8EAE-BF5A-486C-A8C5-ECC9F3942E4B}">
-                <a14:imgProps xmlns:a14="http://schemas.microsoft.com/office/drawing/2010/main">
-                  <a14:imgLayer r:embed="rId10">
-                    <a14:imgEffect>
-                      <a14:brightnessContrast bright="-40000" contrast="-40000"/>
-                    </a14:imgEffect>
-                  </a14:imgLayer>
-                </a14:imgProps>
-              </a:ext>
-              <a:ext uri="{28A0092B-C50C-407E-A947-70E740481C1C}">
-                <a14:useLocalDpi xmlns:a14="http://schemas.microsoft.com/office/drawing/2010/main" val="0"/>
-              </a:ext>
-            </a:extLst>
-          </a:blip>
-          <a:srcRect l="13288" t="14766" r="17315" b="6978"/>
-          <a:stretch/>
-        </p:blipFill>
-        <p:spPr bwMode="auto">
-          <a:xfrm rot="5623161">
-            <a:off x="4919590" y="2876900"/>
-            <a:ext cx="1446497" cy="1420961"/>
-          </a:xfrm>
-          <a:prstGeom prst="rect">
-            <a:avLst/>
-          </a:prstGeom>
-          <a:noFill/>
-          <a:extLst>
-            <a:ext uri="{909E8E84-426E-40DD-AFC4-6F175D3DCCD1}">
-              <a14:hiddenFill xmlns:a14="http://schemas.microsoft.com/office/drawing/2010/main">
-                <a:solidFill>
-                  <a:srgbClr val="FFFFFF"/>
-                </a:solidFill>
-              </a14:hiddenFill>
-            </a:ext>
-          </a:extLst>
-        </p:spPr>
-      </p:pic>
-      <p:sp>
-        <p:nvSpPr>
-          <p:cNvPr id="14" name="CaixaDeTexto 13"/>
-          <p:cNvSpPr txBox="1"/>
-          <p:nvPr/>
-        </p:nvSpPr>
-        <p:spPr>
-          <a:xfrm>
-            <a:off x="4058691" y="1628344"/>
-            <a:ext cx="3168294" cy="338554"/>
-          </a:xfrm>
-          <a:prstGeom prst="rect">
-            <a:avLst/>
-          </a:prstGeom>
-          <a:noFill/>
-        </p:spPr>
-        <p:txBody>
-          <a:bodyPr wrap="square" rtlCol="0">
-            <a:spAutoFit/>
-          </a:bodyPr>
-          <a:lstStyle/>
-          <a:p>
-            <a:r>
-              <a:rPr lang="pt-BR" sz="1600" dirty="0" smtClean="0"/>
-              <a:t>Disponibilização e manutenção</a:t>
-            </a:r>
-            <a:endParaRPr lang="pt-BR" sz="1600" dirty="0"/>
-          </a:p>
-        </p:txBody>
-      </p:sp>
-      <p:sp>
-        <p:nvSpPr>
-          <p:cNvPr id="15" name="CaixaDeTexto 14"/>
-          <p:cNvSpPr txBox="1"/>
-          <p:nvPr/>
-        </p:nvSpPr>
-        <p:spPr>
-          <a:xfrm>
-            <a:off x="2431832" y="4728673"/>
-            <a:ext cx="2448272" cy="338554"/>
-          </a:xfrm>
-          <a:prstGeom prst="rect">
-            <a:avLst/>
-          </a:prstGeom>
-          <a:noFill/>
-        </p:spPr>
-        <p:txBody>
-          <a:bodyPr wrap="square" rtlCol="0">
-            <a:spAutoFit/>
-          </a:bodyPr>
-          <a:lstStyle/>
-          <a:p>
-            <a:r>
-              <a:rPr lang="pt-BR" sz="1600" dirty="0" smtClean="0"/>
-              <a:t>Interações de usuário</a:t>
-            </a:r>
-            <a:endParaRPr lang="pt-BR" sz="1600" dirty="0"/>
-          </a:p>
-        </p:txBody>
-      </p:sp>
-      <p:sp>
-        <p:nvSpPr>
-          <p:cNvPr id="16" name="CaixaDeTexto 15"/>
-          <p:cNvSpPr txBox="1"/>
-          <p:nvPr/>
-        </p:nvSpPr>
-        <p:spPr>
-          <a:xfrm>
-            <a:off x="3567442" y="3173289"/>
-            <a:ext cx="1872209" cy="338554"/>
-          </a:xfrm>
-          <a:prstGeom prst="rect">
-            <a:avLst/>
-          </a:prstGeom>
-          <a:noFill/>
-        </p:spPr>
-        <p:txBody>
-          <a:bodyPr wrap="square" rtlCol="0">
-            <a:spAutoFit/>
-          </a:bodyPr>
-          <a:lstStyle/>
-          <a:p>
-            <a:pPr algn="r"/>
-            <a:r>
-              <a:rPr lang="pt-BR" sz="1600" dirty="0"/>
-              <a:t>Web </a:t>
-            </a:r>
-            <a:r>
-              <a:rPr lang="pt-BR" sz="1600" dirty="0" smtClean="0"/>
-              <a:t>Services </a:t>
-            </a:r>
-            <a:r>
-              <a:rPr lang="pt-BR" sz="1600" dirty="0" smtClean="0"/>
-              <a:t>Java</a:t>
-            </a:r>
-            <a:endParaRPr lang="pt-BR" sz="1600" dirty="0"/>
-          </a:p>
-        </p:txBody>
-      </p:sp>
-      <p:sp>
-        <p:nvSpPr>
-          <p:cNvPr id="17" name="CaixaDeTexto 16"/>
-          <p:cNvSpPr txBox="1"/>
-          <p:nvPr/>
-        </p:nvSpPr>
-        <p:spPr>
-          <a:xfrm>
-            <a:off x="6045654" y="4725144"/>
-            <a:ext cx="2952328" cy="338554"/>
-          </a:xfrm>
-          <a:prstGeom prst="rect">
-            <a:avLst/>
-          </a:prstGeom>
-          <a:noFill/>
-        </p:spPr>
-        <p:txBody>
-          <a:bodyPr wrap="square" rtlCol="0">
-            <a:spAutoFit/>
-          </a:bodyPr>
-          <a:lstStyle/>
-          <a:p>
-            <a:r>
-              <a:rPr lang="pt-BR" sz="1600" dirty="0" smtClean="0"/>
-              <a:t>Servidor Windows server</a:t>
-            </a:r>
-            <a:endParaRPr lang="pt-BR" sz="1600" dirty="0"/>
-          </a:p>
-        </p:txBody>
-      </p:sp>
-      <p:sp>
-        <p:nvSpPr>
-          <p:cNvPr id="18" name="Título 1"/>
-          <p:cNvSpPr>
-            <a:spLocks noGrp="1"/>
-          </p:cNvSpPr>
-          <p:nvPr>
-            <p:ph type="title"/>
-          </p:nvPr>
-        </p:nvSpPr>
-        <p:spPr>
-          <a:xfrm>
-            <a:off x="683568" y="164705"/>
-            <a:ext cx="7964058" cy="777756"/>
-          </a:xfrm>
-        </p:spPr>
-        <p:txBody>
-          <a:bodyPr/>
-          <a:lstStyle/>
-          <a:p>
-            <a:pPr algn="l"/>
-            <a:r>
-              <a:rPr lang="pt-BR" sz="2800" dirty="0" smtClean="0"/>
-              <a:t>Arquitetura – integração de serviços</a:t>
-            </a:r>
-            <a:endParaRPr lang="pt-BR" sz="2800" dirty="0"/>
-          </a:p>
-        </p:txBody>
-      </p:sp>
-      <p:pic>
-        <p:nvPicPr>
-          <p:cNvPr id="19" name="Picture 2" descr="https://cdn-images-1.medium.com/max/600/1*YHKQVfSqFafrXvGcc5wUuQ.png"/>
-          <p:cNvPicPr>
-            <a:picLocks noChangeAspect="1" noChangeArrowheads="1"/>
-          </p:cNvPicPr>
-          <p:nvPr/>
-        </p:nvPicPr>
-        <p:blipFill rotWithShape="1">
-          <a:blip r:embed="rId11">
-            <a:extLst>
-              <a:ext uri="{28A0092B-C50C-407E-A947-70E740481C1C}">
-                <a14:useLocalDpi xmlns:a14="http://schemas.microsoft.com/office/drawing/2010/main" val="0"/>
-              </a:ext>
-            </a:extLst>
-          </a:blip>
-          <a:srcRect b="11346"/>
-          <a:stretch/>
-        </p:blipFill>
-        <p:spPr bwMode="auto">
-          <a:xfrm>
-            <a:off x="0" y="-60521"/>
-            <a:ext cx="827584" cy="614104"/>
-          </a:xfrm>
-          <a:prstGeom prst="rect">
-            <a:avLst/>
-          </a:prstGeom>
-          <a:ln>
-            <a:noFill/>
-          </a:ln>
-          <a:effectLst>
-            <a:softEdge rad="112500"/>
-          </a:effectLst>
-          <a:extLst>
-            <a:ext uri="{909E8E84-426E-40DD-AFC4-6F175D3DCCD1}">
-              <a14:hiddenFill xmlns:a14="http://schemas.microsoft.com/office/drawing/2010/main">
-                <a:solidFill>
-                  <a:srgbClr val="FFFFFF"/>
-                </a:solidFill>
-              </a14:hiddenFill>
-            </a:ext>
-          </a:extLst>
-        </p:spPr>
-      </p:pic>
-      <p:sp>
-        <p:nvSpPr>
-          <p:cNvPr id="20" name="CaixaDeTexto 19"/>
-          <p:cNvSpPr txBox="1"/>
-          <p:nvPr/>
-        </p:nvSpPr>
-        <p:spPr>
-          <a:xfrm>
-            <a:off x="1835697" y="3026954"/>
-            <a:ext cx="1820271" cy="830997"/>
-          </a:xfrm>
-          <a:prstGeom prst="rect">
-            <a:avLst/>
-          </a:prstGeom>
-          <a:noFill/>
-        </p:spPr>
-        <p:txBody>
-          <a:bodyPr wrap="square" rtlCol="0">
-            <a:spAutoFit/>
-          </a:bodyPr>
-          <a:lstStyle/>
-          <a:p>
-            <a:r>
-              <a:rPr lang="pt-BR" sz="1600" dirty="0" smtClean="0"/>
-              <a:t>Base de dados principal </a:t>
-            </a:r>
-            <a:r>
-              <a:rPr lang="pt-BR" sz="1600" dirty="0"/>
-              <a:t>d</a:t>
-            </a:r>
-            <a:r>
-              <a:rPr lang="pt-BR" sz="1600" dirty="0" smtClean="0"/>
-              <a:t>o sistema AC</a:t>
-            </a:r>
-            <a:endParaRPr lang="pt-BR" sz="1600" dirty="0"/>
-          </a:p>
-        </p:txBody>
-      </p:sp>
-      <p:sp>
-        <p:nvSpPr>
-          <p:cNvPr id="21" name="Elipse 20"/>
-          <p:cNvSpPr/>
-          <p:nvPr/>
-        </p:nvSpPr>
-        <p:spPr>
-          <a:xfrm>
-            <a:off x="4886936" y="1966898"/>
-            <a:ext cx="4257063" cy="4891101"/>
-          </a:xfrm>
-          <a:prstGeom prst="ellipse">
-            <a:avLst/>
-          </a:prstGeom>
-          <a:noFill/>
-          <a:ln w="76200">
-            <a:solidFill>
-              <a:srgbClr val="00B050"/>
-            </a:solidFill>
-            <a:prstDash val="sysDot"/>
-          </a:ln>
-        </p:spPr>
-        <p:style>
-          <a:lnRef idx="2">
-            <a:schemeClr val="accent1">
-              <a:shade val="50000"/>
-            </a:schemeClr>
-          </a:lnRef>
-          <a:fillRef idx="1">
-            <a:schemeClr val="accent1"/>
-          </a:fillRef>
-          <a:effectRef idx="0">
-            <a:schemeClr val="accent1"/>
-          </a:effectRef>
-          <a:fontRef idx="minor">
-            <a:schemeClr val="lt1"/>
-          </a:fontRef>
-        </p:style>
-        <p:txBody>
-          <a:bodyPr rtlCol="0" anchor="ctr"/>
-          <a:lstStyle/>
-          <a:p>
-            <a:pPr algn="ctr"/>
-            <a:endParaRPr lang="pt-BR">
-              <a:ln>
-                <a:solidFill>
-                  <a:schemeClr val="bg1">
-                    <a:lumMod val="65000"/>
-                  </a:schemeClr>
-                </a:solidFill>
-              </a:ln>
-              <a:solidFill>
-                <a:schemeClr val="accent3"/>
-              </a:solidFill>
-            </a:endParaRPr>
-          </a:p>
-        </p:txBody>
-      </p:sp>
-      <p:sp>
-        <p:nvSpPr>
-          <p:cNvPr id="22" name="CaixaDeTexto 21"/>
-          <p:cNvSpPr txBox="1"/>
-          <p:nvPr/>
-        </p:nvSpPr>
-        <p:spPr>
-          <a:xfrm>
-            <a:off x="6300192" y="6084585"/>
-            <a:ext cx="1559219" cy="584775"/>
-          </a:xfrm>
-          <a:prstGeom prst="rect">
-            <a:avLst/>
-          </a:prstGeom>
-          <a:noFill/>
-        </p:spPr>
-        <p:txBody>
-          <a:bodyPr wrap="square" rtlCol="0">
-            <a:spAutoFit/>
-          </a:bodyPr>
-          <a:lstStyle/>
-          <a:p>
-            <a:r>
-              <a:rPr lang="pt-BR" sz="1600" dirty="0" smtClean="0">
-                <a:solidFill>
-                  <a:schemeClr val="accent3"/>
-                </a:solidFill>
-              </a:rPr>
-              <a:t>Ambiente para novos clientes</a:t>
-            </a:r>
-            <a:endParaRPr lang="pt-BR" sz="1600" dirty="0">
-              <a:solidFill>
-                <a:schemeClr val="accent3"/>
-              </a:solidFill>
-            </a:endParaRPr>
-          </a:p>
-        </p:txBody>
-      </p:sp>
-      <p:sp>
-        <p:nvSpPr>
-          <p:cNvPr id="23" name="CaixaDeTexto 22"/>
-          <p:cNvSpPr txBox="1"/>
-          <p:nvPr/>
-        </p:nvSpPr>
-        <p:spPr>
-          <a:xfrm>
-            <a:off x="7633618" y="3857277"/>
-            <a:ext cx="1547665" cy="584775"/>
-          </a:xfrm>
-          <a:prstGeom prst="rect">
-            <a:avLst/>
-          </a:prstGeom>
-          <a:noFill/>
-        </p:spPr>
-        <p:txBody>
-          <a:bodyPr wrap="square" rtlCol="0">
-            <a:spAutoFit/>
-          </a:bodyPr>
-          <a:lstStyle/>
-          <a:p>
-            <a:r>
-              <a:rPr lang="pt-BR" sz="1600" dirty="0" smtClean="0"/>
-              <a:t>Base de dado da  integrada</a:t>
-            </a:r>
-            <a:endParaRPr lang="pt-BR" sz="1600" dirty="0"/>
-          </a:p>
-        </p:txBody>
-      </p:sp>
-      <p:pic>
-        <p:nvPicPr>
-          <p:cNvPr id="2050" name="Picture 2" descr="D:\Neimar\Dropbox\Projetos\Corpore\corpore\web\images\Pessoas.png"/>
-          <p:cNvPicPr>
-            <a:picLocks noChangeAspect="1" noChangeArrowheads="1"/>
-          </p:cNvPicPr>
-          <p:nvPr/>
-        </p:nvPicPr>
-        <p:blipFill rotWithShape="1">
-          <a:blip r:embed="rId12">
-            <a:extLst>
-              <a:ext uri="{28A0092B-C50C-407E-A947-70E740481C1C}">
-                <a14:useLocalDpi xmlns:a14="http://schemas.microsoft.com/office/drawing/2010/main" val="0"/>
-              </a:ext>
-            </a:extLst>
-          </a:blip>
-          <a:srcRect l="3505" t="-12875" r="-3505" b="12875"/>
-          <a:stretch/>
-        </p:blipFill>
-        <p:spPr bwMode="auto">
-          <a:xfrm>
-            <a:off x="3081668" y="4191744"/>
-            <a:ext cx="485775" cy="533400"/>
-          </a:xfrm>
-          <a:prstGeom prst="ellipse">
-            <a:avLst/>
-          </a:prstGeom>
-          <a:ln>
-            <a:noFill/>
-          </a:ln>
-          <a:effectLst>
-            <a:softEdge rad="112500"/>
-          </a:effectLst>
-          <a:extLst>
-            <a:ext uri="{909E8E84-426E-40DD-AFC4-6F175D3DCCD1}">
-              <a14:hiddenFill xmlns:a14="http://schemas.microsoft.com/office/drawing/2010/main">
-                <a:solidFill>
-                  <a:srgbClr val="FFFFFF"/>
-                </a:solidFill>
-              </a14:hiddenFill>
-            </a:ext>
-          </a:extLst>
-        </p:spPr>
-      </p:pic>
-      <p:sp>
-        <p:nvSpPr>
-          <p:cNvPr id="26" name="CaixaDeTexto 25"/>
-          <p:cNvSpPr txBox="1"/>
-          <p:nvPr/>
-        </p:nvSpPr>
-        <p:spPr>
-          <a:xfrm>
-            <a:off x="251520" y="1220245"/>
-            <a:ext cx="1386662" cy="1256498"/>
-          </a:xfrm>
-          <a:prstGeom prst="rect">
-            <a:avLst/>
-          </a:prstGeom>
-        </p:spPr>
-        <p:style>
-          <a:lnRef idx="0">
-            <a:scrgbClr r="0" g="0" b="0"/>
-          </a:lnRef>
-          <a:fillRef idx="0">
-            <a:scrgbClr r="0" g="0" b="0"/>
-          </a:fillRef>
-          <a:effectRef idx="0">
-            <a:scrgbClr r="0" g="0" b="0"/>
-          </a:effectRef>
-          <a:fontRef idx="minor">
-            <a:schemeClr val="lt1"/>
-          </a:fontRef>
-        </p:style>
-        <p:txBody>
-          <a:bodyPr spcFirstLastPara="0" vert="horz" wrap="square" lIns="37465" tIns="37465" rIns="37465" bIns="37465" numCol="1" spcCol="1270" anchor="ctr" anchorCtr="0">
-            <a:noAutofit/>
-          </a:bodyPr>
-          <a:lstStyle/>
-          <a:p>
-            <a:pPr lvl="0" algn="ctr" defTabSz="2622550">
-              <a:lnSpc>
-                <a:spcPct val="90000"/>
-              </a:lnSpc>
-              <a:spcBef>
-                <a:spcPct val="0"/>
-              </a:spcBef>
-              <a:spcAft>
-                <a:spcPct val="35000"/>
-              </a:spcAft>
-            </a:pPr>
-            <a:r>
-              <a:rPr lang="pt-BR" sz="5900" kern="1200" dirty="0" smtClean="0"/>
-              <a:t> </a:t>
-            </a:r>
-            <a:endParaRPr lang="pt-BR" sz="5900" kern="1200" dirty="0"/>
-          </a:p>
-        </p:txBody>
-      </p:sp>
-    </p:spTree>
-    <p:extLst>
-      <p:ext uri="{BB962C8B-B14F-4D97-AF65-F5344CB8AC3E}">
-        <p14:creationId xmlns:p14="http://schemas.microsoft.com/office/powerpoint/2010/main" val="4051073495"/>
-      </p:ext>
-    </p:extLst>
-  </p:cSld>
-  <p:clrMapOvr>
-    <a:masterClrMapping/>
-  </p:clrMapOvr>
-  <mc:AlternateContent xmlns:mc="http://schemas.openxmlformats.org/markup-compatibility/2006" xmlns:p14="http://schemas.microsoft.com/office/powerpoint/2010/main">
-    <mc:Choice Requires="p14">
-      <p:transition spd="slow" p14:dur="2000"/>
-    </mc:Choice>
-    <mc:Fallback xmlns="">
-      <p:transition spd="slow"/>
-    </mc:Fallback>
-  </mc:AlternateContent>
-  <p:timing>
-    <p:tnLst>
-      <p:par>
-        <p:cTn id="1" dur="indefinite" restart="never" nodeType="tmRoot">
-          <p:childTnLst>
-            <p:seq concurrent="1" nextAc="seek">
-              <p:cTn id="2" dur="indefinite" nodeType="mainSeq">
-                <p:childTnLst>
-                  <p:par>
-                    <p:cTn id="3" fill="hold">
-                      <p:stCondLst>
-                        <p:cond delay="indefinite"/>
-                      </p:stCondLst>
-                      <p:childTnLst>
-                        <p:par>
-                          <p:cTn id="4" fill="hold">
-                            <p:stCondLst>
-                              <p:cond delay="0"/>
-                            </p:stCondLst>
-                            <p:childTnLst>
-                              <p:par>
-                                <p:cTn id="5" presetID="1" presetClass="entr" presetSubtype="0" fill="hold" nodeType="clickEffect">
-                                  <p:stCondLst>
-                                    <p:cond delay="0"/>
-                                  </p:stCondLst>
-                                  <p:childTnLst>
-                                    <p:set>
-                                      <p:cBhvr>
-                                        <p:cTn id="6" dur="1" fill="hold">
-                                          <p:stCondLst>
-                                            <p:cond delay="0"/>
-                                          </p:stCondLst>
-                                        </p:cTn>
-                                        <p:tgtEl>
-                                          <p:spTgt spid="13"/>
-                                        </p:tgtEl>
-                                        <p:attrNameLst>
-                                          <p:attrName>style.visibility</p:attrName>
-                                        </p:attrNameLst>
-                                      </p:cBhvr>
-                                      <p:to>
-                                        <p:strVal val="visible"/>
-                                      </p:to>
-                                    </p:set>
-                                  </p:childTnLst>
-                                </p:cTn>
-                              </p:par>
-                              <p:par>
-                                <p:cTn id="7" presetID="1" presetClass="entr" presetSubtype="0" fill="hold" grpId="0" nodeType="withEffect">
-                                  <p:stCondLst>
-                                    <p:cond delay="0"/>
-                                  </p:stCondLst>
-                                  <p:childTnLst>
-                                    <p:set>
-                                      <p:cBhvr>
-                                        <p:cTn id="8" dur="1" fill="hold">
-                                          <p:stCondLst>
-                                            <p:cond delay="0"/>
-                                          </p:stCondLst>
-                                        </p:cTn>
-                                        <p:tgtEl>
-                                          <p:spTgt spid="12"/>
-                                        </p:tgtEl>
-                                        <p:attrNameLst>
-                                          <p:attrName>style.visibility</p:attrName>
-                                        </p:attrNameLst>
-                                      </p:cBhvr>
-                                      <p:to>
-                                        <p:strVal val="visible"/>
-                                      </p:to>
-                                    </p:set>
-                                  </p:childTnLst>
-                                </p:cTn>
-                              </p:par>
-                              <p:par>
-                                <p:cTn id="9" presetID="1" presetClass="entr" presetSubtype="0" fill="hold" nodeType="withEffect">
-                                  <p:stCondLst>
-                                    <p:cond delay="0"/>
-                                  </p:stCondLst>
-                                  <p:childTnLst>
-                                    <p:set>
-                                      <p:cBhvr>
-                                        <p:cTn id="10" dur="1" fill="hold">
-                                          <p:stCondLst>
-                                            <p:cond delay="0"/>
-                                          </p:stCondLst>
-                                        </p:cTn>
-                                        <p:tgtEl>
-                                          <p:spTgt spid="4"/>
-                                        </p:tgtEl>
-                                        <p:attrNameLst>
-                                          <p:attrName>style.visibility</p:attrName>
-                                        </p:attrNameLst>
-                                      </p:cBhvr>
-                                      <p:to>
-                                        <p:strVal val="visible"/>
-                                      </p:to>
-                                    </p:set>
-                                  </p:childTnLst>
-                                </p:cTn>
-                              </p:par>
-                              <p:par>
-                                <p:cTn id="11" presetID="1" presetClass="entr" presetSubtype="0" fill="hold" grpId="0" nodeType="withEffect">
-                                  <p:stCondLst>
-                                    <p:cond delay="0"/>
-                                  </p:stCondLst>
-                                  <p:childTnLst>
-                                    <p:set>
-                                      <p:cBhvr>
-                                        <p:cTn id="12" dur="1" fill="hold">
-                                          <p:stCondLst>
-                                            <p:cond delay="0"/>
-                                          </p:stCondLst>
-                                        </p:cTn>
-                                        <p:tgtEl>
-                                          <p:spTgt spid="16"/>
-                                        </p:tgtEl>
-                                        <p:attrNameLst>
-                                          <p:attrName>style.visibility</p:attrName>
-                                        </p:attrNameLst>
-                                      </p:cBhvr>
-                                      <p:to>
-                                        <p:strVal val="visible"/>
-                                      </p:to>
-                                    </p:set>
-                                  </p:childTnLst>
-                                </p:cTn>
-                              </p:par>
-                              <p:par>
-                                <p:cTn id="13" presetID="1" presetClass="entr" presetSubtype="0" fill="hold" grpId="0" nodeType="withEffect">
-                                  <p:stCondLst>
-                                    <p:cond delay="0"/>
-                                  </p:stCondLst>
-                                  <p:childTnLst>
-                                    <p:set>
-                                      <p:cBhvr>
-                                        <p:cTn id="14" dur="1" fill="hold">
-                                          <p:stCondLst>
-                                            <p:cond delay="0"/>
-                                          </p:stCondLst>
-                                        </p:cTn>
-                                        <p:tgtEl>
-                                          <p:spTgt spid="17"/>
-                                        </p:tgtEl>
-                                        <p:attrNameLst>
-                                          <p:attrName>style.visibility</p:attrName>
-                                        </p:attrNameLst>
-                                      </p:cBhvr>
-                                      <p:to>
-                                        <p:strVal val="visible"/>
-                                      </p:to>
-                                    </p:set>
-                                  </p:childTnLst>
-                                </p:cTn>
-                              </p:par>
-                            </p:childTnLst>
-                          </p:cTn>
-                        </p:par>
-                      </p:childTnLst>
-                    </p:cTn>
-                  </p:par>
-                  <p:par>
-                    <p:cTn id="15" fill="hold">
-                      <p:stCondLst>
-                        <p:cond delay="indefinite"/>
-                      </p:stCondLst>
-                      <p:childTnLst>
-                        <p:par>
-                          <p:cTn id="16" fill="hold">
-                            <p:stCondLst>
-                              <p:cond delay="0"/>
-                            </p:stCondLst>
-                            <p:childTnLst>
-                              <p:par>
-                                <p:cTn id="17" presetID="1" presetClass="entr" presetSubtype="0" fill="hold" nodeType="clickEffect">
-                                  <p:stCondLst>
-                                    <p:cond delay="0"/>
-                                  </p:stCondLst>
-                                  <p:childTnLst>
-                                    <p:set>
-                                      <p:cBhvr>
-                                        <p:cTn id="18" dur="1" fill="hold">
-                                          <p:stCondLst>
-                                            <p:cond delay="0"/>
-                                          </p:stCondLst>
-                                        </p:cTn>
-                                        <p:tgtEl>
-                                          <p:spTgt spid="9"/>
-                                        </p:tgtEl>
-                                        <p:attrNameLst>
-                                          <p:attrName>style.visibility</p:attrName>
-                                        </p:attrNameLst>
-                                      </p:cBhvr>
-                                      <p:to>
-                                        <p:strVal val="visible"/>
-                                      </p:to>
-                                    </p:set>
-                                  </p:childTnLst>
-                                </p:cTn>
-                              </p:par>
-                              <p:par>
-                                <p:cTn id="19" presetID="1" presetClass="entr" presetSubtype="0" fill="hold" grpId="0" nodeType="withEffect">
-                                  <p:stCondLst>
-                                    <p:cond delay="0"/>
-                                  </p:stCondLst>
-                                  <p:childTnLst>
-                                    <p:set>
-                                      <p:cBhvr>
-                                        <p:cTn id="20" dur="1" fill="hold">
-                                          <p:stCondLst>
-                                            <p:cond delay="0"/>
-                                          </p:stCondLst>
-                                        </p:cTn>
-                                        <p:tgtEl>
-                                          <p:spTgt spid="14"/>
-                                        </p:tgtEl>
-                                        <p:attrNameLst>
-                                          <p:attrName>style.visibility</p:attrName>
-                                        </p:attrNameLst>
-                                      </p:cBhvr>
-                                      <p:to>
-                                        <p:strVal val="visible"/>
-                                      </p:to>
-                                    </p:set>
-                                  </p:childTnLst>
-                                </p:cTn>
-                              </p:par>
-                              <p:par>
-                                <p:cTn id="21" presetID="1" presetClass="entr" presetSubtype="0" fill="hold" grpId="0" nodeType="withEffect">
-                                  <p:stCondLst>
-                                    <p:cond delay="0"/>
-                                  </p:stCondLst>
-                                  <p:childTnLst>
-                                    <p:set>
-                                      <p:cBhvr>
-                                        <p:cTn id="22" dur="1" fill="hold">
-                                          <p:stCondLst>
-                                            <p:cond delay="0"/>
-                                          </p:stCondLst>
-                                        </p:cTn>
-                                        <p:tgtEl>
-                                          <p:spTgt spid="11"/>
-                                        </p:tgtEl>
-                                        <p:attrNameLst>
-                                          <p:attrName>style.visibility</p:attrName>
-                                        </p:attrNameLst>
-                                      </p:cBhvr>
-                                      <p:to>
-                                        <p:strVal val="visible"/>
-                                      </p:to>
-                                    </p:set>
-                                  </p:childTnLst>
-                                </p:cTn>
-                              </p:par>
-                            </p:childTnLst>
-                          </p:cTn>
-                        </p:par>
-                      </p:childTnLst>
-                    </p:cTn>
-                  </p:par>
-                  <p:par>
-                    <p:cTn id="23" fill="hold">
-                      <p:stCondLst>
-                        <p:cond delay="indefinite"/>
-                      </p:stCondLst>
-                      <p:childTnLst>
-                        <p:par>
-                          <p:cTn id="24" fill="hold">
-                            <p:stCondLst>
-                              <p:cond delay="0"/>
-                            </p:stCondLst>
-                            <p:childTnLst>
-                              <p:par>
-                                <p:cTn id="25" presetID="1" presetClass="entr" presetSubtype="0" fill="hold" nodeType="clickEffect">
-                                  <p:stCondLst>
-                                    <p:cond delay="0"/>
-                                  </p:stCondLst>
-                                  <p:childTnLst>
-                                    <p:set>
-                                      <p:cBhvr>
-                                        <p:cTn id="26" dur="1" fill="hold">
-                                          <p:stCondLst>
-                                            <p:cond delay="0"/>
-                                          </p:stCondLst>
-                                        </p:cTn>
-                                        <p:tgtEl>
-                                          <p:spTgt spid="2050"/>
-                                        </p:tgtEl>
-                                        <p:attrNameLst>
-                                          <p:attrName>style.visibility</p:attrName>
-                                        </p:attrNameLst>
-                                      </p:cBhvr>
-                                      <p:to>
-                                        <p:strVal val="visible"/>
-                                      </p:to>
-                                    </p:set>
-                                  </p:childTnLst>
-                                </p:cTn>
-                              </p:par>
-                              <p:par>
-                                <p:cTn id="27" presetID="1" presetClass="entr" presetSubtype="0" fill="hold" grpId="0" nodeType="withEffect">
-                                  <p:stCondLst>
-                                    <p:cond delay="0"/>
-                                  </p:stCondLst>
-                                  <p:childTnLst>
-                                    <p:set>
-                                      <p:cBhvr>
-                                        <p:cTn id="28" dur="1" fill="hold">
-                                          <p:stCondLst>
-                                            <p:cond delay="0"/>
-                                          </p:stCondLst>
-                                        </p:cTn>
-                                        <p:tgtEl>
-                                          <p:spTgt spid="10"/>
-                                        </p:tgtEl>
-                                        <p:attrNameLst>
-                                          <p:attrName>style.visibility</p:attrName>
-                                        </p:attrNameLst>
-                                      </p:cBhvr>
-                                      <p:to>
-                                        <p:strVal val="visible"/>
-                                      </p:to>
-                                    </p:set>
-                                  </p:childTnLst>
-                                </p:cTn>
-                              </p:par>
-                              <p:par>
-                                <p:cTn id="29" presetID="1" presetClass="entr" presetSubtype="0" fill="hold" grpId="0" nodeType="withEffect">
-                                  <p:stCondLst>
-                                    <p:cond delay="0"/>
-                                  </p:stCondLst>
-                                  <p:childTnLst>
-                                    <p:set>
-                                      <p:cBhvr>
-                                        <p:cTn id="30" dur="1" fill="hold">
-                                          <p:stCondLst>
-                                            <p:cond delay="0"/>
-                                          </p:stCondLst>
-                                        </p:cTn>
-                                        <p:tgtEl>
-                                          <p:spTgt spid="15"/>
-                                        </p:tgtEl>
-                                        <p:attrNameLst>
-                                          <p:attrName>style.visibility</p:attrName>
-                                        </p:attrNameLst>
-                                      </p:cBhvr>
-                                      <p:to>
-                                        <p:strVal val="visible"/>
-                                      </p:to>
-                                    </p:set>
-                                  </p:childTnLst>
-                                </p:cTn>
-                              </p:par>
-                            </p:childTnLst>
-                          </p:cTn>
-                        </p:par>
-                      </p:childTnLst>
-                    </p:cTn>
-                  </p:par>
-                  <p:par>
-                    <p:cTn id="31" fill="hold">
-                      <p:stCondLst>
-                        <p:cond delay="indefinite"/>
-                      </p:stCondLst>
-                      <p:childTnLst>
-                        <p:par>
-                          <p:cTn id="32" fill="hold">
-                            <p:stCondLst>
-                              <p:cond delay="0"/>
-                            </p:stCondLst>
-                            <p:childTnLst>
-                              <p:par>
-                                <p:cTn id="33" presetID="1" presetClass="entr" presetSubtype="0" fill="hold" grpId="0" nodeType="clickEffect">
-                                  <p:stCondLst>
-                                    <p:cond delay="0"/>
-                                  </p:stCondLst>
-                                  <p:childTnLst>
-                                    <p:set>
-                                      <p:cBhvr>
-                                        <p:cTn id="34" dur="1" fill="hold">
-                                          <p:stCondLst>
-                                            <p:cond delay="0"/>
-                                          </p:stCondLst>
-                                        </p:cTn>
-                                        <p:tgtEl>
-                                          <p:spTgt spid="21"/>
-                                        </p:tgtEl>
-                                        <p:attrNameLst>
-                                          <p:attrName>style.visibility</p:attrName>
-                                        </p:attrNameLst>
-                                      </p:cBhvr>
-                                      <p:to>
-                                        <p:strVal val="visible"/>
-                                      </p:to>
-                                    </p:set>
-                                  </p:childTnLst>
-                                </p:cTn>
-                              </p:par>
-                              <p:par>
-                                <p:cTn id="35" presetID="1" presetClass="entr" presetSubtype="0" fill="hold" grpId="0" nodeType="withEffect">
-                                  <p:stCondLst>
-                                    <p:cond delay="0"/>
-                                  </p:stCondLst>
-                                  <p:childTnLst>
-                                    <p:set>
-                                      <p:cBhvr>
-                                        <p:cTn id="36" dur="1" fill="hold">
-                                          <p:stCondLst>
-                                            <p:cond delay="0"/>
-                                          </p:stCondLst>
-                                        </p:cTn>
-                                        <p:tgtEl>
-                                          <p:spTgt spid="22"/>
-                                        </p:tgtEl>
-                                        <p:attrNameLst>
-                                          <p:attrName>style.visibility</p:attrName>
-                                        </p:attrNameLst>
-                                      </p:cBhvr>
-                                      <p:to>
-                                        <p:strVal val="visible"/>
-                                      </p:to>
-                                    </p:set>
-                                  </p:childTnLst>
-                                </p:cTn>
-                              </p:par>
-                            </p:childTnLst>
-                          </p:cTn>
-                        </p:par>
-                      </p:childTnLst>
-                    </p:cTn>
-                  </p:par>
-                </p:childTnLst>
-              </p:cTn>
-              <p:prevCondLst>
-                <p:cond evt="onPrev" delay="0">
-                  <p:tgtEl>
-                    <p:sldTgt/>
-                  </p:tgtEl>
-                </p:cond>
-              </p:prevCondLst>
-              <p:nextCondLst>
-                <p:cond evt="onNext" delay="0">
-                  <p:tgtEl>
-                    <p:sldTgt/>
-                  </p:tgtEl>
-                </p:cond>
-              </p:nextCondLst>
-            </p:seq>
-          </p:childTnLst>
-        </p:cTn>
-      </p:par>
-    </p:tnLst>
-    <p:bldLst>
-      <p:bldP spid="10" grpId="0" animBg="1"/>
-      <p:bldP spid="11" grpId="0" animBg="1"/>
-      <p:bldP spid="12" grpId="0" animBg="1"/>
-      <p:bldP spid="14" grpId="0"/>
-      <p:bldP spid="15" grpId="0"/>
-      <p:bldP spid="16" grpId="0"/>
-      <p:bldP spid="17" grpId="0"/>
-      <p:bldP spid="21" grpId="0" animBg="1"/>
-      <p:bldP spid="22" grpId="0"/>
     </p:bldLst>
   </p:timing>
 </p:sld>

--- a/Documentação final do projeto/Ppt-Final.pptx
+++ b/Documentação final do projeto/Ppt-Final.pptx
@@ -15,8 +15,8 @@
     <p:sldId id="301" r:id="rId6"/>
     <p:sldId id="302" r:id="rId7"/>
     <p:sldId id="266" r:id="rId8"/>
-    <p:sldId id="274" r:id="rId9"/>
-    <p:sldId id="303" r:id="rId10"/>
+    <p:sldId id="303" r:id="rId9"/>
+    <p:sldId id="274" r:id="rId10"/>
     <p:sldId id="304" r:id="rId11"/>
     <p:sldId id="297" r:id="rId12"/>
     <p:sldId id="284" r:id="rId13"/>
@@ -128,7 +128,7 @@
   </p:defaultTextStyle>
   <p:extLst>
     <p:ext uri="{EFAFB233-063F-42B5-8137-9DF3F51BA10A}">
-      <p15:sldGuideLst xmlns="" xmlns:p15="http://schemas.microsoft.com/office/powerpoint/2012/main">
+      <p15:sldGuideLst xmlns:p15="http://schemas.microsoft.com/office/powerpoint/2012/main" xmlns="">
         <p15:guide id="1" orient="horz" pos="2160">
           <p15:clr>
             <a:srgbClr val="A4A3A4"/>
@@ -5714,6 +5714,526 @@
             <a:fillRect/>
           </a:stretch>
         </a:blipFill>
+        <a:ln>
+          <a:noFill/>
+        </a:ln>
+      </dgm:spPr>
+      <dgm:t>
+        <a:bodyPr/>
+        <a:lstStyle/>
+        <a:p>
+          <a:endParaRPr lang="pt-BR" b="1" dirty="0">
+            <a:solidFill>
+              <a:srgbClr val="FF0000"/>
+            </a:solidFill>
+          </a:endParaRPr>
+        </a:p>
+      </dgm:t>
+    </dgm:pt>
+    <dgm:pt modelId="{DCE8CEBE-03E3-483D-9F43-298E6ADCC249}" type="sibTrans" cxnId="{3FABB688-9922-48E3-898C-E7750CDAC638}">
+      <dgm:prSet/>
+      <dgm:spPr/>
+      <dgm:t>
+        <a:bodyPr/>
+        <a:lstStyle/>
+        <a:p>
+          <a:endParaRPr lang="pt-BR"/>
+        </a:p>
+      </dgm:t>
+    </dgm:pt>
+    <dgm:pt modelId="{5738801A-DCE2-426E-A766-9F33CA2EC25C}" type="parTrans" cxnId="{3FABB688-9922-48E3-898C-E7750CDAC638}">
+      <dgm:prSet/>
+      <dgm:spPr/>
+      <dgm:t>
+        <a:bodyPr/>
+        <a:lstStyle/>
+        <a:p>
+          <a:endParaRPr lang="pt-BR"/>
+        </a:p>
+      </dgm:t>
+    </dgm:pt>
+    <dgm:pt modelId="{BD10C00A-EB8A-49DC-82EC-3AEECA527BEC}">
+      <dgm:prSet phldrT="[Texto]"/>
+      <dgm:spPr>
+        <a:blipFill rotWithShape="0">
+          <a:blip xmlns:r="http://schemas.openxmlformats.org/officeDocument/2006/relationships" r:embed="rId3"/>
+          <a:stretch>
+            <a:fillRect/>
+          </a:stretch>
+        </a:blipFill>
+        <a:ln>
+          <a:noFill/>
+        </a:ln>
+      </dgm:spPr>
+      <dgm:t>
+        <a:bodyPr/>
+        <a:lstStyle/>
+        <a:p>
+          <a:endParaRPr lang="pt-BR" b="1" dirty="0">
+            <a:solidFill>
+              <a:srgbClr val="FF0000"/>
+            </a:solidFill>
+          </a:endParaRPr>
+        </a:p>
+      </dgm:t>
+    </dgm:pt>
+    <dgm:pt modelId="{4AE0E92A-7832-4160-8C0B-8A8BA7CF080B}" type="parTrans" cxnId="{988E39A0-B57F-4578-AE24-C80696B43EBF}">
+      <dgm:prSet/>
+      <dgm:spPr/>
+      <dgm:t>
+        <a:bodyPr/>
+        <a:lstStyle/>
+        <a:p>
+          <a:endParaRPr lang="pt-BR"/>
+        </a:p>
+      </dgm:t>
+    </dgm:pt>
+    <dgm:pt modelId="{86C97656-0B2C-4330-8DEE-DB8A55C4657A}" type="sibTrans" cxnId="{988E39A0-B57F-4578-AE24-C80696B43EBF}">
+      <dgm:prSet/>
+      <dgm:spPr/>
+      <dgm:t>
+        <a:bodyPr/>
+        <a:lstStyle/>
+        <a:p>
+          <a:endParaRPr lang="pt-BR"/>
+        </a:p>
+      </dgm:t>
+    </dgm:pt>
+    <dgm:pt modelId="{65D88336-77D5-4F10-AC3C-CB95CB2889B1}">
+      <dgm:prSet phldrT="[Texto]"/>
+      <dgm:spPr>
+        <a:blipFill rotWithShape="0">
+          <a:blip xmlns:r="http://schemas.openxmlformats.org/officeDocument/2006/relationships" r:embed="rId4"/>
+          <a:stretch>
+            <a:fillRect/>
+          </a:stretch>
+        </a:blipFill>
+        <a:ln>
+          <a:noFill/>
+        </a:ln>
+      </dgm:spPr>
+      <dgm:t>
+        <a:bodyPr/>
+        <a:lstStyle/>
+        <a:p>
+          <a:endParaRPr lang="pt-BR" b="1" dirty="0">
+            <a:solidFill>
+              <a:srgbClr val="FF0000"/>
+            </a:solidFill>
+          </a:endParaRPr>
+        </a:p>
+      </dgm:t>
+    </dgm:pt>
+    <dgm:pt modelId="{D1A6FEDE-821F-4FFB-AC1E-3688943F2B3C}" type="parTrans" cxnId="{233625D5-301A-4A0F-B8A2-55FA02F0EBD0}">
+      <dgm:prSet/>
+      <dgm:spPr/>
+      <dgm:t>
+        <a:bodyPr/>
+        <a:lstStyle/>
+        <a:p>
+          <a:endParaRPr lang="pt-BR"/>
+        </a:p>
+      </dgm:t>
+    </dgm:pt>
+    <dgm:pt modelId="{03E293FE-11BF-4B7A-8C16-E58637307D61}" type="sibTrans" cxnId="{233625D5-301A-4A0F-B8A2-55FA02F0EBD0}">
+      <dgm:prSet/>
+      <dgm:spPr/>
+      <dgm:t>
+        <a:bodyPr/>
+        <a:lstStyle/>
+        <a:p>
+          <a:endParaRPr lang="pt-BR"/>
+        </a:p>
+      </dgm:t>
+    </dgm:pt>
+    <dgm:pt modelId="{4050C737-9860-4B25-B3B3-C2F1FA2E1FAF}">
+      <dgm:prSet phldrT="[Texto]"/>
+      <dgm:spPr>
+        <a:blipFill rotWithShape="0">
+          <a:blip xmlns:r="http://schemas.openxmlformats.org/officeDocument/2006/relationships" r:embed="rId5"/>
+          <a:stretch>
+            <a:fillRect/>
+          </a:stretch>
+        </a:blipFill>
+      </dgm:spPr>
+      <dgm:t>
+        <a:bodyPr/>
+        <a:lstStyle/>
+        <a:p>
+          <a:endParaRPr lang="pt-BR" b="1" dirty="0">
+            <a:solidFill>
+              <a:srgbClr val="FF0000"/>
+            </a:solidFill>
+          </a:endParaRPr>
+        </a:p>
+      </dgm:t>
+    </dgm:pt>
+    <dgm:pt modelId="{BBF949C2-C086-44C9-9914-F7DFE2B6414F}" type="sibTrans" cxnId="{1FBE4952-DE6C-4B1F-B7FC-9417CD67FB4C}">
+      <dgm:prSet/>
+      <dgm:spPr/>
+      <dgm:t>
+        <a:bodyPr/>
+        <a:lstStyle/>
+        <a:p>
+          <a:endParaRPr lang="pt-BR"/>
+        </a:p>
+      </dgm:t>
+    </dgm:pt>
+    <dgm:pt modelId="{591EE9A3-43DE-493B-BA54-643DF4BC9A63}" type="parTrans" cxnId="{1FBE4952-DE6C-4B1F-B7FC-9417CD67FB4C}">
+      <dgm:prSet/>
+      <dgm:spPr/>
+      <dgm:t>
+        <a:bodyPr/>
+        <a:lstStyle/>
+        <a:p>
+          <a:endParaRPr lang="pt-BR"/>
+        </a:p>
+      </dgm:t>
+    </dgm:pt>
+    <dgm:pt modelId="{8A7B2A75-ADCE-4543-B9AD-59C4E7FCD436}" type="pres">
+      <dgm:prSet presAssocID="{62D06435-42C5-4C37-A0F2-83E4A7B934B3}" presName="diagram" presStyleCnt="0">
+        <dgm:presLayoutVars>
+          <dgm:chPref val="1"/>
+          <dgm:dir/>
+          <dgm:animOne val="branch"/>
+          <dgm:animLvl val="lvl"/>
+          <dgm:resizeHandles val="exact"/>
+        </dgm:presLayoutVars>
+      </dgm:prSet>
+      <dgm:spPr/>
+      <dgm:t>
+        <a:bodyPr/>
+        <a:lstStyle/>
+        <a:p>
+          <a:endParaRPr lang="pt-BR"/>
+        </a:p>
+      </dgm:t>
+    </dgm:pt>
+    <dgm:pt modelId="{BC9DE833-F71E-4E4C-B510-3DEDEA09DED6}" type="pres">
+      <dgm:prSet presAssocID="{65D88336-77D5-4F10-AC3C-CB95CB2889B1}" presName="root1" presStyleCnt="0"/>
+      <dgm:spPr/>
+    </dgm:pt>
+    <dgm:pt modelId="{088FD97E-959C-4713-90E6-3BF325ED2DBE}" type="pres">
+      <dgm:prSet presAssocID="{65D88336-77D5-4F10-AC3C-CB95CB2889B1}" presName="LevelOneTextNode" presStyleLbl="node0" presStyleIdx="0" presStyleCnt="1" custScaleX="76929" custScaleY="152117" custLinFactNeighborX="-31" custLinFactNeighborY="29514">
+        <dgm:presLayoutVars>
+          <dgm:chPref val="3"/>
+        </dgm:presLayoutVars>
+      </dgm:prSet>
+      <dgm:spPr/>
+      <dgm:t>
+        <a:bodyPr/>
+        <a:lstStyle/>
+        <a:p>
+          <a:endParaRPr lang="pt-BR"/>
+        </a:p>
+      </dgm:t>
+    </dgm:pt>
+    <dgm:pt modelId="{2B9E5209-D82B-40B4-8D40-647EF0D81F92}" type="pres">
+      <dgm:prSet presAssocID="{65D88336-77D5-4F10-AC3C-CB95CB2889B1}" presName="level2hierChild" presStyleCnt="0"/>
+      <dgm:spPr/>
+    </dgm:pt>
+    <dgm:pt modelId="{DEAA91AC-93C3-4E21-ABA3-73EF923A1287}" type="pres">
+      <dgm:prSet presAssocID="{591EE9A3-43DE-493B-BA54-643DF4BC9A63}" presName="conn2-1" presStyleLbl="parChTrans1D2" presStyleIdx="0" presStyleCnt="1"/>
+      <dgm:spPr/>
+      <dgm:t>
+        <a:bodyPr/>
+        <a:lstStyle/>
+        <a:p>
+          <a:endParaRPr lang="pt-BR"/>
+        </a:p>
+      </dgm:t>
+    </dgm:pt>
+    <dgm:pt modelId="{DE411CAB-B1C1-443D-BCBC-143E5E863743}" type="pres">
+      <dgm:prSet presAssocID="{591EE9A3-43DE-493B-BA54-643DF4BC9A63}" presName="connTx" presStyleLbl="parChTrans1D2" presStyleIdx="0" presStyleCnt="1"/>
+      <dgm:spPr/>
+      <dgm:t>
+        <a:bodyPr/>
+        <a:lstStyle/>
+        <a:p>
+          <a:endParaRPr lang="pt-BR"/>
+        </a:p>
+      </dgm:t>
+    </dgm:pt>
+    <dgm:pt modelId="{5182180C-483B-4A24-A689-99D5BBC6727A}" type="pres">
+      <dgm:prSet presAssocID="{4050C737-9860-4B25-B3B3-C2F1FA2E1FAF}" presName="root2" presStyleCnt="0"/>
+      <dgm:spPr/>
+    </dgm:pt>
+    <dgm:pt modelId="{625AAC6B-A1C6-4FA3-AF6C-57C1E02563C2}" type="pres">
+      <dgm:prSet presAssocID="{4050C737-9860-4B25-B3B3-C2F1FA2E1FAF}" presName="LevelTwoTextNode" presStyleLbl="node2" presStyleIdx="0" presStyleCnt="1" custScaleY="152117" custLinFactNeighborX="-4791" custLinFactNeighborY="29514">
+        <dgm:presLayoutVars>
+          <dgm:chPref val="3"/>
+        </dgm:presLayoutVars>
+      </dgm:prSet>
+      <dgm:spPr/>
+      <dgm:t>
+        <a:bodyPr/>
+        <a:lstStyle/>
+        <a:p>
+          <a:endParaRPr lang="pt-BR"/>
+        </a:p>
+      </dgm:t>
+    </dgm:pt>
+    <dgm:pt modelId="{BDC8286D-37E5-4DF9-B10E-E1326A8ED521}" type="pres">
+      <dgm:prSet presAssocID="{4050C737-9860-4B25-B3B3-C2F1FA2E1FAF}" presName="level3hierChild" presStyleCnt="0"/>
+      <dgm:spPr/>
+    </dgm:pt>
+    <dgm:pt modelId="{40EC9B65-825A-4CFD-9FF3-3094A2D18072}" type="pres">
+      <dgm:prSet presAssocID="{E1D6D09E-BADB-489F-A2C5-A845050AB783}" presName="conn2-1" presStyleLbl="parChTrans1D3" presStyleIdx="0" presStyleCnt="1"/>
+      <dgm:spPr/>
+      <dgm:t>
+        <a:bodyPr/>
+        <a:lstStyle/>
+        <a:p>
+          <a:endParaRPr lang="pt-BR"/>
+        </a:p>
+      </dgm:t>
+    </dgm:pt>
+    <dgm:pt modelId="{5A3F2215-C070-469D-8FAD-8B93D680F758}" type="pres">
+      <dgm:prSet presAssocID="{E1D6D09E-BADB-489F-A2C5-A845050AB783}" presName="connTx" presStyleLbl="parChTrans1D3" presStyleIdx="0" presStyleCnt="1"/>
+      <dgm:spPr/>
+      <dgm:t>
+        <a:bodyPr/>
+        <a:lstStyle/>
+        <a:p>
+          <a:endParaRPr lang="pt-BR"/>
+        </a:p>
+      </dgm:t>
+    </dgm:pt>
+    <dgm:pt modelId="{4526B0AD-CA38-4816-B8AC-3171A84E2A47}" type="pres">
+      <dgm:prSet presAssocID="{CF015C9E-9BF7-4D93-97E5-18158D554CB5}" presName="root2" presStyleCnt="0"/>
+      <dgm:spPr/>
+    </dgm:pt>
+    <dgm:pt modelId="{3F240D39-27BF-4E23-88E7-47F174716589}" type="pres">
+      <dgm:prSet presAssocID="{CF015C9E-9BF7-4D93-97E5-18158D554CB5}" presName="LevelTwoTextNode" presStyleLbl="node3" presStyleIdx="0" presStyleCnt="1" custScaleX="90953" custScaleY="156935" custLinFactNeighborX="551" custLinFactNeighborY="22925">
+        <dgm:presLayoutVars>
+          <dgm:chPref val="3"/>
+        </dgm:presLayoutVars>
+      </dgm:prSet>
+      <dgm:spPr/>
+      <dgm:t>
+        <a:bodyPr/>
+        <a:lstStyle/>
+        <a:p>
+          <a:endParaRPr lang="pt-BR"/>
+        </a:p>
+      </dgm:t>
+    </dgm:pt>
+    <dgm:pt modelId="{07DFF646-BB3F-466A-A4CA-3361EDF7C9D5}" type="pres">
+      <dgm:prSet presAssocID="{CF015C9E-9BF7-4D93-97E5-18158D554CB5}" presName="level3hierChild" presStyleCnt="0"/>
+      <dgm:spPr/>
+    </dgm:pt>
+    <dgm:pt modelId="{96677CEF-A1B8-4F89-9C60-579502C7ED3D}" type="pres">
+      <dgm:prSet presAssocID="{4AE0E92A-7832-4160-8C0B-8A8BA7CF080B}" presName="conn2-1" presStyleLbl="parChTrans1D4" presStyleIdx="0" presStyleCnt="2"/>
+      <dgm:spPr/>
+      <dgm:t>
+        <a:bodyPr/>
+        <a:lstStyle/>
+        <a:p>
+          <a:endParaRPr lang="pt-BR"/>
+        </a:p>
+      </dgm:t>
+    </dgm:pt>
+    <dgm:pt modelId="{2E20864C-51AA-4E41-B9EF-0C7D12A3BCFB}" type="pres">
+      <dgm:prSet presAssocID="{4AE0E92A-7832-4160-8C0B-8A8BA7CF080B}" presName="connTx" presStyleLbl="parChTrans1D4" presStyleIdx="0" presStyleCnt="2"/>
+      <dgm:spPr/>
+      <dgm:t>
+        <a:bodyPr/>
+        <a:lstStyle/>
+        <a:p>
+          <a:endParaRPr lang="pt-BR"/>
+        </a:p>
+      </dgm:t>
+    </dgm:pt>
+    <dgm:pt modelId="{FEEBF956-4D28-4225-805D-2F913EFB0A52}" type="pres">
+      <dgm:prSet presAssocID="{BD10C00A-EB8A-49DC-82EC-3AEECA527BEC}" presName="root2" presStyleCnt="0"/>
+      <dgm:spPr/>
+    </dgm:pt>
+    <dgm:pt modelId="{C9FE6AAB-0763-4305-BA94-5BEB7902709A}" type="pres">
+      <dgm:prSet presAssocID="{BD10C00A-EB8A-49DC-82EC-3AEECA527BEC}" presName="LevelTwoTextNode" presStyleLbl="node4" presStyleIdx="0" presStyleCnt="2" custScaleX="87957" custScaleY="148919" custLinFactNeighborX="-3020" custLinFactNeighborY="-45081">
+        <dgm:presLayoutVars>
+          <dgm:chPref val="3"/>
+        </dgm:presLayoutVars>
+      </dgm:prSet>
+      <dgm:spPr/>
+      <dgm:t>
+        <a:bodyPr/>
+        <a:lstStyle/>
+        <a:p>
+          <a:endParaRPr lang="pt-BR"/>
+        </a:p>
+      </dgm:t>
+    </dgm:pt>
+    <dgm:pt modelId="{4C171E4D-609F-4A03-9A54-59748E79B2EA}" type="pres">
+      <dgm:prSet presAssocID="{BD10C00A-EB8A-49DC-82EC-3AEECA527BEC}" presName="level3hierChild" presStyleCnt="0"/>
+      <dgm:spPr/>
+    </dgm:pt>
+    <dgm:pt modelId="{7995B477-DC24-4711-9C2A-A8BDC97B8C53}" type="pres">
+      <dgm:prSet presAssocID="{5738801A-DCE2-426E-A766-9F33CA2EC25C}" presName="conn2-1" presStyleLbl="parChTrans1D4" presStyleIdx="1" presStyleCnt="2"/>
+      <dgm:spPr/>
+      <dgm:t>
+        <a:bodyPr/>
+        <a:lstStyle/>
+        <a:p>
+          <a:endParaRPr lang="pt-BR"/>
+        </a:p>
+      </dgm:t>
+    </dgm:pt>
+    <dgm:pt modelId="{C740076C-4A66-4D3B-9124-34744E003AFF}" type="pres">
+      <dgm:prSet presAssocID="{5738801A-DCE2-426E-A766-9F33CA2EC25C}" presName="connTx" presStyleLbl="parChTrans1D4" presStyleIdx="1" presStyleCnt="2"/>
+      <dgm:spPr/>
+      <dgm:t>
+        <a:bodyPr/>
+        <a:lstStyle/>
+        <a:p>
+          <a:endParaRPr lang="pt-BR"/>
+        </a:p>
+      </dgm:t>
+    </dgm:pt>
+    <dgm:pt modelId="{60AD563F-ABF3-493F-A991-2397D687DB4A}" type="pres">
+      <dgm:prSet presAssocID="{711E827C-9087-44DE-8DF3-26A34868DBA4}" presName="root2" presStyleCnt="0"/>
+      <dgm:spPr/>
+    </dgm:pt>
+    <dgm:pt modelId="{A495C0D0-0E80-48DB-8154-D582C59B72C3}" type="pres">
+      <dgm:prSet presAssocID="{711E827C-9087-44DE-8DF3-26A34868DBA4}" presName="LevelTwoTextNode" presStyleLbl="node4" presStyleIdx="1" presStyleCnt="2" custScaleX="80628" custScaleY="148630" custLinFactNeighborX="-10985" custLinFactNeighborY="-43985">
+        <dgm:presLayoutVars>
+          <dgm:chPref val="3"/>
+        </dgm:presLayoutVars>
+      </dgm:prSet>
+      <dgm:spPr/>
+      <dgm:t>
+        <a:bodyPr/>
+        <a:lstStyle/>
+        <a:p>
+          <a:endParaRPr lang="pt-BR"/>
+        </a:p>
+      </dgm:t>
+    </dgm:pt>
+    <dgm:pt modelId="{3232E183-449F-4799-8C61-EDC393EBC17E}" type="pres">
+      <dgm:prSet presAssocID="{711E827C-9087-44DE-8DF3-26A34868DBA4}" presName="level3hierChild" presStyleCnt="0"/>
+      <dgm:spPr/>
+    </dgm:pt>
+  </dgm:ptLst>
+  <dgm:cxnLst>
+    <dgm:cxn modelId="{145B8F11-14F9-4522-9A69-D6662E3621C5}" type="presOf" srcId="{591EE9A3-43DE-493B-BA54-643DF4BC9A63}" destId="{DEAA91AC-93C3-4E21-ABA3-73EF923A1287}" srcOrd="0" destOrd="0" presId="urn:microsoft.com/office/officeart/2005/8/layout/hierarchy2"/>
+    <dgm:cxn modelId="{FC0DF796-AA6A-4E74-AA0B-7AFF76797FB7}" srcId="{4050C737-9860-4B25-B3B3-C2F1FA2E1FAF}" destId="{CF015C9E-9BF7-4D93-97E5-18158D554CB5}" srcOrd="0" destOrd="0" parTransId="{E1D6D09E-BADB-489F-A2C5-A845050AB783}" sibTransId="{393DBABD-3BDE-4A87-9A98-F179BC16BEB8}"/>
+    <dgm:cxn modelId="{43EAB617-ED7B-482E-84C4-525BA5D4F36A}" type="presOf" srcId="{62D06435-42C5-4C37-A0F2-83E4A7B934B3}" destId="{8A7B2A75-ADCE-4543-B9AD-59C4E7FCD436}" srcOrd="0" destOrd="0" presId="urn:microsoft.com/office/officeart/2005/8/layout/hierarchy2"/>
+    <dgm:cxn modelId="{2F43B941-DCD4-42B3-94BD-5072DB0ED550}" type="presOf" srcId="{E1D6D09E-BADB-489F-A2C5-A845050AB783}" destId="{5A3F2215-C070-469D-8FAD-8B93D680F758}" srcOrd="1" destOrd="0" presId="urn:microsoft.com/office/officeart/2005/8/layout/hierarchy2"/>
+    <dgm:cxn modelId="{772C0787-F246-45AE-A650-32557ED1FEDD}" type="presOf" srcId="{5738801A-DCE2-426E-A766-9F33CA2EC25C}" destId="{7995B477-DC24-4711-9C2A-A8BDC97B8C53}" srcOrd="0" destOrd="0" presId="urn:microsoft.com/office/officeart/2005/8/layout/hierarchy2"/>
+    <dgm:cxn modelId="{233625D5-301A-4A0F-B8A2-55FA02F0EBD0}" srcId="{62D06435-42C5-4C37-A0F2-83E4A7B934B3}" destId="{65D88336-77D5-4F10-AC3C-CB95CB2889B1}" srcOrd="0" destOrd="0" parTransId="{D1A6FEDE-821F-4FFB-AC1E-3688943F2B3C}" sibTransId="{03E293FE-11BF-4B7A-8C16-E58637307D61}"/>
+    <dgm:cxn modelId="{65AEAD36-A1B6-4F74-88C6-F3AFC450B3A0}" type="presOf" srcId="{4050C737-9860-4B25-B3B3-C2F1FA2E1FAF}" destId="{625AAC6B-A1C6-4FA3-AF6C-57C1E02563C2}" srcOrd="0" destOrd="0" presId="urn:microsoft.com/office/officeart/2005/8/layout/hierarchy2"/>
+    <dgm:cxn modelId="{56D71DFA-F0A0-4AAD-A9DA-F2D2357FFD11}" type="presOf" srcId="{4AE0E92A-7832-4160-8C0B-8A8BA7CF080B}" destId="{2E20864C-51AA-4E41-B9EF-0C7D12A3BCFB}" srcOrd="1" destOrd="0" presId="urn:microsoft.com/office/officeart/2005/8/layout/hierarchy2"/>
+    <dgm:cxn modelId="{31142BB2-BD7D-4098-847F-E1901157CD48}" type="presOf" srcId="{5738801A-DCE2-426E-A766-9F33CA2EC25C}" destId="{C740076C-4A66-4D3B-9124-34744E003AFF}" srcOrd="1" destOrd="0" presId="urn:microsoft.com/office/officeart/2005/8/layout/hierarchy2"/>
+    <dgm:cxn modelId="{0A18FEAC-88F9-4FFF-BD8E-DDA918F5AB3F}" type="presOf" srcId="{BD10C00A-EB8A-49DC-82EC-3AEECA527BEC}" destId="{C9FE6AAB-0763-4305-BA94-5BEB7902709A}" srcOrd="0" destOrd="0" presId="urn:microsoft.com/office/officeart/2005/8/layout/hierarchy2"/>
+    <dgm:cxn modelId="{7BBBDA92-A4A8-4C45-92D9-3F16F18A11EB}" type="presOf" srcId="{591EE9A3-43DE-493B-BA54-643DF4BC9A63}" destId="{DE411CAB-B1C1-443D-BCBC-143E5E863743}" srcOrd="1" destOrd="0" presId="urn:microsoft.com/office/officeart/2005/8/layout/hierarchy2"/>
+    <dgm:cxn modelId="{F134B65A-5E61-432A-B073-D7818EEA5BF7}" type="presOf" srcId="{4AE0E92A-7832-4160-8C0B-8A8BA7CF080B}" destId="{96677CEF-A1B8-4F89-9C60-579502C7ED3D}" srcOrd="0" destOrd="0" presId="urn:microsoft.com/office/officeart/2005/8/layout/hierarchy2"/>
+    <dgm:cxn modelId="{DDD33BF3-7475-43E5-A2BB-715BF4210E5A}" type="presOf" srcId="{E1D6D09E-BADB-489F-A2C5-A845050AB783}" destId="{40EC9B65-825A-4CFD-9FF3-3094A2D18072}" srcOrd="0" destOrd="0" presId="urn:microsoft.com/office/officeart/2005/8/layout/hierarchy2"/>
+    <dgm:cxn modelId="{14388D70-BFA9-45EF-A0A0-C4102FBD3A81}" type="presOf" srcId="{65D88336-77D5-4F10-AC3C-CB95CB2889B1}" destId="{088FD97E-959C-4713-90E6-3BF325ED2DBE}" srcOrd="0" destOrd="0" presId="urn:microsoft.com/office/officeart/2005/8/layout/hierarchy2"/>
+    <dgm:cxn modelId="{1FBE4952-DE6C-4B1F-B7FC-9417CD67FB4C}" srcId="{65D88336-77D5-4F10-AC3C-CB95CB2889B1}" destId="{4050C737-9860-4B25-B3B3-C2F1FA2E1FAF}" srcOrd="0" destOrd="0" parTransId="{591EE9A3-43DE-493B-BA54-643DF4BC9A63}" sibTransId="{BBF949C2-C086-44C9-9914-F7DFE2B6414F}"/>
+    <dgm:cxn modelId="{3FABB688-9922-48E3-898C-E7750CDAC638}" srcId="{BD10C00A-EB8A-49DC-82EC-3AEECA527BEC}" destId="{711E827C-9087-44DE-8DF3-26A34868DBA4}" srcOrd="0" destOrd="0" parTransId="{5738801A-DCE2-426E-A766-9F33CA2EC25C}" sibTransId="{DCE8CEBE-03E3-483D-9F43-298E6ADCC249}"/>
+    <dgm:cxn modelId="{24417EAD-8105-4E69-9567-7C5E6A335E89}" type="presOf" srcId="{CF015C9E-9BF7-4D93-97E5-18158D554CB5}" destId="{3F240D39-27BF-4E23-88E7-47F174716589}" srcOrd="0" destOrd="0" presId="urn:microsoft.com/office/officeart/2005/8/layout/hierarchy2"/>
+    <dgm:cxn modelId="{988E39A0-B57F-4578-AE24-C80696B43EBF}" srcId="{CF015C9E-9BF7-4D93-97E5-18158D554CB5}" destId="{BD10C00A-EB8A-49DC-82EC-3AEECA527BEC}" srcOrd="0" destOrd="0" parTransId="{4AE0E92A-7832-4160-8C0B-8A8BA7CF080B}" sibTransId="{86C97656-0B2C-4330-8DEE-DB8A55C4657A}"/>
+    <dgm:cxn modelId="{E6EC9D03-0A82-4D54-8B88-7A10E2917E27}" type="presOf" srcId="{711E827C-9087-44DE-8DF3-26A34868DBA4}" destId="{A495C0D0-0E80-48DB-8154-D582C59B72C3}" srcOrd="0" destOrd="0" presId="urn:microsoft.com/office/officeart/2005/8/layout/hierarchy2"/>
+    <dgm:cxn modelId="{F9D1AD9E-1128-496C-A448-782E9581269A}" type="presParOf" srcId="{8A7B2A75-ADCE-4543-B9AD-59C4E7FCD436}" destId="{BC9DE833-F71E-4E4C-B510-3DEDEA09DED6}" srcOrd="0" destOrd="0" presId="urn:microsoft.com/office/officeart/2005/8/layout/hierarchy2"/>
+    <dgm:cxn modelId="{3C9FB766-2B77-4594-875F-E3A998A6868C}" type="presParOf" srcId="{BC9DE833-F71E-4E4C-B510-3DEDEA09DED6}" destId="{088FD97E-959C-4713-90E6-3BF325ED2DBE}" srcOrd="0" destOrd="0" presId="urn:microsoft.com/office/officeart/2005/8/layout/hierarchy2"/>
+    <dgm:cxn modelId="{E5AFC46E-8277-4831-B9E3-8C775391103E}" type="presParOf" srcId="{BC9DE833-F71E-4E4C-B510-3DEDEA09DED6}" destId="{2B9E5209-D82B-40B4-8D40-647EF0D81F92}" srcOrd="1" destOrd="0" presId="urn:microsoft.com/office/officeart/2005/8/layout/hierarchy2"/>
+    <dgm:cxn modelId="{758BD199-5E15-4CF9-9658-558CBF065175}" type="presParOf" srcId="{2B9E5209-D82B-40B4-8D40-647EF0D81F92}" destId="{DEAA91AC-93C3-4E21-ABA3-73EF923A1287}" srcOrd="0" destOrd="0" presId="urn:microsoft.com/office/officeart/2005/8/layout/hierarchy2"/>
+    <dgm:cxn modelId="{53A46ED4-2F46-495F-B4A1-8FBA33DD8DE4}" type="presParOf" srcId="{DEAA91AC-93C3-4E21-ABA3-73EF923A1287}" destId="{DE411CAB-B1C1-443D-BCBC-143E5E863743}" srcOrd="0" destOrd="0" presId="urn:microsoft.com/office/officeart/2005/8/layout/hierarchy2"/>
+    <dgm:cxn modelId="{D872B5C5-B75E-45E4-AFC5-E993E00EC287}" type="presParOf" srcId="{2B9E5209-D82B-40B4-8D40-647EF0D81F92}" destId="{5182180C-483B-4A24-A689-99D5BBC6727A}" srcOrd="1" destOrd="0" presId="urn:microsoft.com/office/officeart/2005/8/layout/hierarchy2"/>
+    <dgm:cxn modelId="{D3411402-3779-4290-AC53-4FF4635FFD2A}" type="presParOf" srcId="{5182180C-483B-4A24-A689-99D5BBC6727A}" destId="{625AAC6B-A1C6-4FA3-AF6C-57C1E02563C2}" srcOrd="0" destOrd="0" presId="urn:microsoft.com/office/officeart/2005/8/layout/hierarchy2"/>
+    <dgm:cxn modelId="{446C0D6A-BAEC-461B-A744-3FB2FA5A997B}" type="presParOf" srcId="{5182180C-483B-4A24-A689-99D5BBC6727A}" destId="{BDC8286D-37E5-4DF9-B10E-E1326A8ED521}" srcOrd="1" destOrd="0" presId="urn:microsoft.com/office/officeart/2005/8/layout/hierarchy2"/>
+    <dgm:cxn modelId="{2F9C7A22-40FF-401A-8BEF-86C53B4DD7C5}" type="presParOf" srcId="{BDC8286D-37E5-4DF9-B10E-E1326A8ED521}" destId="{40EC9B65-825A-4CFD-9FF3-3094A2D18072}" srcOrd="0" destOrd="0" presId="urn:microsoft.com/office/officeart/2005/8/layout/hierarchy2"/>
+    <dgm:cxn modelId="{9BF5894A-441C-4B06-B7EB-F8A36F8D0FAD}" type="presParOf" srcId="{40EC9B65-825A-4CFD-9FF3-3094A2D18072}" destId="{5A3F2215-C070-469D-8FAD-8B93D680F758}" srcOrd="0" destOrd="0" presId="urn:microsoft.com/office/officeart/2005/8/layout/hierarchy2"/>
+    <dgm:cxn modelId="{187BDFF1-C236-4945-A343-1C8F6E1BF461}" type="presParOf" srcId="{BDC8286D-37E5-4DF9-B10E-E1326A8ED521}" destId="{4526B0AD-CA38-4816-B8AC-3171A84E2A47}" srcOrd="1" destOrd="0" presId="urn:microsoft.com/office/officeart/2005/8/layout/hierarchy2"/>
+    <dgm:cxn modelId="{FFE9AA52-1D3D-4869-B94B-BCF244A3BF7E}" type="presParOf" srcId="{4526B0AD-CA38-4816-B8AC-3171A84E2A47}" destId="{3F240D39-27BF-4E23-88E7-47F174716589}" srcOrd="0" destOrd="0" presId="urn:microsoft.com/office/officeart/2005/8/layout/hierarchy2"/>
+    <dgm:cxn modelId="{89011ADD-0988-4FD3-90AD-18693A10E005}" type="presParOf" srcId="{4526B0AD-CA38-4816-B8AC-3171A84E2A47}" destId="{07DFF646-BB3F-466A-A4CA-3361EDF7C9D5}" srcOrd="1" destOrd="0" presId="urn:microsoft.com/office/officeart/2005/8/layout/hierarchy2"/>
+    <dgm:cxn modelId="{29EC8B49-A398-43E0-8348-9FD9D76F252E}" type="presParOf" srcId="{07DFF646-BB3F-466A-A4CA-3361EDF7C9D5}" destId="{96677CEF-A1B8-4F89-9C60-579502C7ED3D}" srcOrd="0" destOrd="0" presId="urn:microsoft.com/office/officeart/2005/8/layout/hierarchy2"/>
+    <dgm:cxn modelId="{1F3CD6AE-DF9B-4035-9A66-08F048E762DE}" type="presParOf" srcId="{96677CEF-A1B8-4F89-9C60-579502C7ED3D}" destId="{2E20864C-51AA-4E41-B9EF-0C7D12A3BCFB}" srcOrd="0" destOrd="0" presId="urn:microsoft.com/office/officeart/2005/8/layout/hierarchy2"/>
+    <dgm:cxn modelId="{A48C4536-DEE6-47FC-85F1-31E86B2A4693}" type="presParOf" srcId="{07DFF646-BB3F-466A-A4CA-3361EDF7C9D5}" destId="{FEEBF956-4D28-4225-805D-2F913EFB0A52}" srcOrd="1" destOrd="0" presId="urn:microsoft.com/office/officeart/2005/8/layout/hierarchy2"/>
+    <dgm:cxn modelId="{839A753C-0350-42F1-BC43-1D1710609755}" type="presParOf" srcId="{FEEBF956-4D28-4225-805D-2F913EFB0A52}" destId="{C9FE6AAB-0763-4305-BA94-5BEB7902709A}" srcOrd="0" destOrd="0" presId="urn:microsoft.com/office/officeart/2005/8/layout/hierarchy2"/>
+    <dgm:cxn modelId="{815BC2A2-1421-4FC4-B4AC-D0CFA3458F6B}" type="presParOf" srcId="{FEEBF956-4D28-4225-805D-2F913EFB0A52}" destId="{4C171E4D-609F-4A03-9A54-59748E79B2EA}" srcOrd="1" destOrd="0" presId="urn:microsoft.com/office/officeart/2005/8/layout/hierarchy2"/>
+    <dgm:cxn modelId="{BF2D0D24-E4CD-4EBA-93F0-3C4F6FFD0D5B}" type="presParOf" srcId="{4C171E4D-609F-4A03-9A54-59748E79B2EA}" destId="{7995B477-DC24-4711-9C2A-A8BDC97B8C53}" srcOrd="0" destOrd="0" presId="urn:microsoft.com/office/officeart/2005/8/layout/hierarchy2"/>
+    <dgm:cxn modelId="{85109744-0A8C-470F-91E2-CD1BD9FCAA84}" type="presParOf" srcId="{7995B477-DC24-4711-9C2A-A8BDC97B8C53}" destId="{C740076C-4A66-4D3B-9124-34744E003AFF}" srcOrd="0" destOrd="0" presId="urn:microsoft.com/office/officeart/2005/8/layout/hierarchy2"/>
+    <dgm:cxn modelId="{EABE9FFE-5885-47CC-BC03-9C8AE5C8A5BC}" type="presParOf" srcId="{4C171E4D-609F-4A03-9A54-59748E79B2EA}" destId="{60AD563F-ABF3-493F-A991-2397D687DB4A}" srcOrd="1" destOrd="0" presId="urn:microsoft.com/office/officeart/2005/8/layout/hierarchy2"/>
+    <dgm:cxn modelId="{0766E7BA-BAE1-4150-A58E-2A466E510C2D}" type="presParOf" srcId="{60AD563F-ABF3-493F-A991-2397D687DB4A}" destId="{A495C0D0-0E80-48DB-8154-D582C59B72C3}" srcOrd="0" destOrd="0" presId="urn:microsoft.com/office/officeart/2005/8/layout/hierarchy2"/>
+    <dgm:cxn modelId="{BBFEB152-A7E3-4697-B032-544068A0C465}" type="presParOf" srcId="{60AD563F-ABF3-493F-A991-2397D687DB4A}" destId="{3232E183-449F-4799-8C61-EDC393EBC17E}" srcOrd="1" destOrd="0" presId="urn:microsoft.com/office/officeart/2005/8/layout/hierarchy2"/>
+  </dgm:cxnLst>
+  <dgm:bg/>
+  <dgm:whole/>
+  <dgm:extLst>
+    <a:ext uri="http://schemas.microsoft.com/office/drawing/2008/diagram">
+      <dsp:dataModelExt xmlns:dsp="http://schemas.microsoft.com/office/drawing/2008/diagram" relId="rId7" minVer="http://schemas.openxmlformats.org/drawingml/2006/diagram"/>
+    </a:ext>
+  </dgm:extLst>
+</dgm:dataModel>
+</file>
+
+<file path=ppt/diagrams/data5.xml><?xml version="1.0" encoding="utf-8"?>
+<dgm:dataModel xmlns:dgm="http://schemas.openxmlformats.org/drawingml/2006/diagram" xmlns:a="http://schemas.openxmlformats.org/drawingml/2006/main">
+  <dgm:ptLst>
+    <dgm:pt modelId="{62D06435-42C5-4C37-A0F2-83E4A7B934B3}" type="doc">
+      <dgm:prSet loTypeId="urn:microsoft.com/office/officeart/2005/8/layout/hierarchy2" loCatId="hierarchy" qsTypeId="urn:microsoft.com/office/officeart/2005/8/quickstyle/simple1" qsCatId="simple" csTypeId="urn:microsoft.com/office/officeart/2005/8/colors/accent1_2" csCatId="accent1" phldr="1"/>
+      <dgm:spPr/>
+      <dgm:t>
+        <a:bodyPr/>
+        <a:lstStyle/>
+        <a:p>
+          <a:endParaRPr lang="pt-BR"/>
+        </a:p>
+      </dgm:t>
+    </dgm:pt>
+    <dgm:pt modelId="{CF015C9E-9BF7-4D93-97E5-18158D554CB5}">
+      <dgm:prSet phldrT="[Texto]"/>
+      <dgm:spPr>
+        <a:blipFill rotWithShape="0">
+          <a:blip xmlns:r="http://schemas.openxmlformats.org/officeDocument/2006/relationships" r:embed="rId1"/>
+          <a:stretch>
+            <a:fillRect/>
+          </a:stretch>
+        </a:blipFill>
+      </dgm:spPr>
+      <dgm:t>
+        <a:bodyPr/>
+        <a:lstStyle/>
+        <a:p>
+          <a:endParaRPr lang="pt-BR" b="1" dirty="0">
+            <a:solidFill>
+              <a:srgbClr val="FF0000"/>
+            </a:solidFill>
+          </a:endParaRPr>
+        </a:p>
+      </dgm:t>
+    </dgm:pt>
+    <dgm:pt modelId="{393DBABD-3BDE-4A87-9A98-F179BC16BEB8}" type="sibTrans" cxnId="{FC0DF796-AA6A-4E74-AA0B-7AFF76797FB7}">
+      <dgm:prSet/>
+      <dgm:spPr/>
+      <dgm:t>
+        <a:bodyPr/>
+        <a:lstStyle/>
+        <a:p>
+          <a:endParaRPr lang="pt-BR"/>
+        </a:p>
+      </dgm:t>
+    </dgm:pt>
+    <dgm:pt modelId="{E1D6D09E-BADB-489F-A2C5-A845050AB783}" type="parTrans" cxnId="{FC0DF796-AA6A-4E74-AA0B-7AFF76797FB7}">
+      <dgm:prSet/>
+      <dgm:spPr/>
+      <dgm:t>
+        <a:bodyPr/>
+        <a:lstStyle/>
+        <a:p>
+          <a:endParaRPr lang="pt-BR"/>
+        </a:p>
+      </dgm:t>
+    </dgm:pt>
+    <dgm:pt modelId="{711E827C-9087-44DE-8DF3-26A34868DBA4}">
+      <dgm:prSet phldrT="[Texto]"/>
+      <dgm:spPr>
+        <a:blipFill rotWithShape="0">
+          <a:blip xmlns:r="http://schemas.openxmlformats.org/officeDocument/2006/relationships" r:embed="rId2"/>
+          <a:stretch>
+            <a:fillRect/>
+          </a:stretch>
+        </a:blipFill>
       </dgm:spPr>
       <dgm:t>
         <a:bodyPr/>
@@ -6064,523 +6584,6 @@
     <dgm:cxn modelId="{C0F0D7C1-DEF0-4293-9F05-FD8C801635E7}" type="presParOf" srcId="{4C171E4D-609F-4A03-9A54-59748E79B2EA}" destId="{60AD563F-ABF3-493F-A991-2397D687DB4A}" srcOrd="1" destOrd="0" presId="urn:microsoft.com/office/officeart/2005/8/layout/hierarchy2"/>
     <dgm:cxn modelId="{49F498D8-F099-49E1-B687-B46E6CD8FDFF}" type="presParOf" srcId="{60AD563F-ABF3-493F-A991-2397D687DB4A}" destId="{A495C0D0-0E80-48DB-8154-D582C59B72C3}" srcOrd="0" destOrd="0" presId="urn:microsoft.com/office/officeart/2005/8/layout/hierarchy2"/>
     <dgm:cxn modelId="{E4D9EA21-EDA1-42FE-96F4-BD557CE99F36}" type="presParOf" srcId="{60AD563F-ABF3-493F-A991-2397D687DB4A}" destId="{3232E183-449F-4799-8C61-EDC393EBC17E}" srcOrd="1" destOrd="0" presId="urn:microsoft.com/office/officeart/2005/8/layout/hierarchy2"/>
-  </dgm:cxnLst>
-  <dgm:bg/>
-  <dgm:whole/>
-  <dgm:extLst>
-    <a:ext uri="http://schemas.microsoft.com/office/drawing/2008/diagram">
-      <dsp:dataModelExt xmlns:dsp="http://schemas.microsoft.com/office/drawing/2008/diagram" relId="rId7" minVer="http://schemas.openxmlformats.org/drawingml/2006/diagram"/>
-    </a:ext>
-  </dgm:extLst>
-</dgm:dataModel>
-</file>
-
-<file path=ppt/diagrams/data5.xml><?xml version="1.0" encoding="utf-8"?>
-<dgm:dataModel xmlns:dgm="http://schemas.openxmlformats.org/drawingml/2006/diagram" xmlns:a="http://schemas.openxmlformats.org/drawingml/2006/main">
-  <dgm:ptLst>
-    <dgm:pt modelId="{62D06435-42C5-4C37-A0F2-83E4A7B934B3}" type="doc">
-      <dgm:prSet loTypeId="urn:microsoft.com/office/officeart/2005/8/layout/hierarchy2" loCatId="hierarchy" qsTypeId="urn:microsoft.com/office/officeart/2005/8/quickstyle/simple1" qsCatId="simple" csTypeId="urn:microsoft.com/office/officeart/2005/8/colors/accent1_2" csCatId="accent1" phldr="1"/>
-      <dgm:spPr/>
-      <dgm:t>
-        <a:bodyPr/>
-        <a:lstStyle/>
-        <a:p>
-          <a:endParaRPr lang="pt-BR"/>
-        </a:p>
-      </dgm:t>
-    </dgm:pt>
-    <dgm:pt modelId="{CF015C9E-9BF7-4D93-97E5-18158D554CB5}">
-      <dgm:prSet phldrT="[Texto]"/>
-      <dgm:spPr>
-        <a:blipFill rotWithShape="0">
-          <a:blip xmlns:r="http://schemas.openxmlformats.org/officeDocument/2006/relationships" r:embed="rId1"/>
-          <a:stretch>
-            <a:fillRect/>
-          </a:stretch>
-        </a:blipFill>
-      </dgm:spPr>
-      <dgm:t>
-        <a:bodyPr/>
-        <a:lstStyle/>
-        <a:p>
-          <a:endParaRPr lang="pt-BR" b="1" dirty="0">
-            <a:solidFill>
-              <a:srgbClr val="FF0000"/>
-            </a:solidFill>
-          </a:endParaRPr>
-        </a:p>
-      </dgm:t>
-    </dgm:pt>
-    <dgm:pt modelId="{393DBABD-3BDE-4A87-9A98-F179BC16BEB8}" type="sibTrans" cxnId="{FC0DF796-AA6A-4E74-AA0B-7AFF76797FB7}">
-      <dgm:prSet/>
-      <dgm:spPr/>
-      <dgm:t>
-        <a:bodyPr/>
-        <a:lstStyle/>
-        <a:p>
-          <a:endParaRPr lang="pt-BR"/>
-        </a:p>
-      </dgm:t>
-    </dgm:pt>
-    <dgm:pt modelId="{E1D6D09E-BADB-489F-A2C5-A845050AB783}" type="parTrans" cxnId="{FC0DF796-AA6A-4E74-AA0B-7AFF76797FB7}">
-      <dgm:prSet/>
-      <dgm:spPr/>
-      <dgm:t>
-        <a:bodyPr/>
-        <a:lstStyle/>
-        <a:p>
-          <a:endParaRPr lang="pt-BR"/>
-        </a:p>
-      </dgm:t>
-    </dgm:pt>
-    <dgm:pt modelId="{711E827C-9087-44DE-8DF3-26A34868DBA4}">
-      <dgm:prSet phldrT="[Texto]"/>
-      <dgm:spPr>
-        <a:blipFill rotWithShape="0">
-          <a:blip xmlns:r="http://schemas.openxmlformats.org/officeDocument/2006/relationships" r:embed="rId2"/>
-          <a:stretch>
-            <a:fillRect/>
-          </a:stretch>
-        </a:blipFill>
-        <a:ln>
-          <a:noFill/>
-        </a:ln>
-      </dgm:spPr>
-      <dgm:t>
-        <a:bodyPr/>
-        <a:lstStyle/>
-        <a:p>
-          <a:endParaRPr lang="pt-BR" b="1" dirty="0">
-            <a:solidFill>
-              <a:srgbClr val="FF0000"/>
-            </a:solidFill>
-          </a:endParaRPr>
-        </a:p>
-      </dgm:t>
-    </dgm:pt>
-    <dgm:pt modelId="{DCE8CEBE-03E3-483D-9F43-298E6ADCC249}" type="sibTrans" cxnId="{3FABB688-9922-48E3-898C-E7750CDAC638}">
-      <dgm:prSet/>
-      <dgm:spPr/>
-      <dgm:t>
-        <a:bodyPr/>
-        <a:lstStyle/>
-        <a:p>
-          <a:endParaRPr lang="pt-BR"/>
-        </a:p>
-      </dgm:t>
-    </dgm:pt>
-    <dgm:pt modelId="{5738801A-DCE2-426E-A766-9F33CA2EC25C}" type="parTrans" cxnId="{3FABB688-9922-48E3-898C-E7750CDAC638}">
-      <dgm:prSet/>
-      <dgm:spPr/>
-      <dgm:t>
-        <a:bodyPr/>
-        <a:lstStyle/>
-        <a:p>
-          <a:endParaRPr lang="pt-BR"/>
-        </a:p>
-      </dgm:t>
-    </dgm:pt>
-    <dgm:pt modelId="{BD10C00A-EB8A-49DC-82EC-3AEECA527BEC}">
-      <dgm:prSet phldrT="[Texto]"/>
-      <dgm:spPr>
-        <a:blipFill rotWithShape="0">
-          <a:blip xmlns:r="http://schemas.openxmlformats.org/officeDocument/2006/relationships" r:embed="rId3"/>
-          <a:stretch>
-            <a:fillRect/>
-          </a:stretch>
-        </a:blipFill>
-        <a:ln>
-          <a:noFill/>
-        </a:ln>
-      </dgm:spPr>
-      <dgm:t>
-        <a:bodyPr/>
-        <a:lstStyle/>
-        <a:p>
-          <a:endParaRPr lang="pt-BR" b="1" dirty="0">
-            <a:solidFill>
-              <a:srgbClr val="FF0000"/>
-            </a:solidFill>
-          </a:endParaRPr>
-        </a:p>
-      </dgm:t>
-    </dgm:pt>
-    <dgm:pt modelId="{4AE0E92A-7832-4160-8C0B-8A8BA7CF080B}" type="parTrans" cxnId="{988E39A0-B57F-4578-AE24-C80696B43EBF}">
-      <dgm:prSet/>
-      <dgm:spPr/>
-      <dgm:t>
-        <a:bodyPr/>
-        <a:lstStyle/>
-        <a:p>
-          <a:endParaRPr lang="pt-BR"/>
-        </a:p>
-      </dgm:t>
-    </dgm:pt>
-    <dgm:pt modelId="{86C97656-0B2C-4330-8DEE-DB8A55C4657A}" type="sibTrans" cxnId="{988E39A0-B57F-4578-AE24-C80696B43EBF}">
-      <dgm:prSet/>
-      <dgm:spPr/>
-      <dgm:t>
-        <a:bodyPr/>
-        <a:lstStyle/>
-        <a:p>
-          <a:endParaRPr lang="pt-BR"/>
-        </a:p>
-      </dgm:t>
-    </dgm:pt>
-    <dgm:pt modelId="{65D88336-77D5-4F10-AC3C-CB95CB2889B1}">
-      <dgm:prSet phldrT="[Texto]"/>
-      <dgm:spPr>
-        <a:blipFill rotWithShape="0">
-          <a:blip xmlns:r="http://schemas.openxmlformats.org/officeDocument/2006/relationships" r:embed="rId4"/>
-          <a:stretch>
-            <a:fillRect/>
-          </a:stretch>
-        </a:blipFill>
-      </dgm:spPr>
-      <dgm:t>
-        <a:bodyPr/>
-        <a:lstStyle/>
-        <a:p>
-          <a:endParaRPr lang="pt-BR" b="1" dirty="0">
-            <a:solidFill>
-              <a:srgbClr val="FF0000"/>
-            </a:solidFill>
-          </a:endParaRPr>
-        </a:p>
-      </dgm:t>
-    </dgm:pt>
-    <dgm:pt modelId="{D1A6FEDE-821F-4FFB-AC1E-3688943F2B3C}" type="parTrans" cxnId="{233625D5-301A-4A0F-B8A2-55FA02F0EBD0}">
-      <dgm:prSet/>
-      <dgm:spPr/>
-      <dgm:t>
-        <a:bodyPr/>
-        <a:lstStyle/>
-        <a:p>
-          <a:endParaRPr lang="pt-BR"/>
-        </a:p>
-      </dgm:t>
-    </dgm:pt>
-    <dgm:pt modelId="{03E293FE-11BF-4B7A-8C16-E58637307D61}" type="sibTrans" cxnId="{233625D5-301A-4A0F-B8A2-55FA02F0EBD0}">
-      <dgm:prSet/>
-      <dgm:spPr/>
-      <dgm:t>
-        <a:bodyPr/>
-        <a:lstStyle/>
-        <a:p>
-          <a:endParaRPr lang="pt-BR"/>
-        </a:p>
-      </dgm:t>
-    </dgm:pt>
-    <dgm:pt modelId="{4050C737-9860-4B25-B3B3-C2F1FA2E1FAF}">
-      <dgm:prSet phldrT="[Texto]"/>
-      <dgm:spPr>
-        <a:blipFill rotWithShape="0">
-          <a:blip xmlns:r="http://schemas.openxmlformats.org/officeDocument/2006/relationships" r:embed="rId5"/>
-          <a:stretch>
-            <a:fillRect/>
-          </a:stretch>
-        </a:blipFill>
-      </dgm:spPr>
-      <dgm:t>
-        <a:bodyPr/>
-        <a:lstStyle/>
-        <a:p>
-          <a:endParaRPr lang="pt-BR" b="1" dirty="0">
-            <a:solidFill>
-              <a:srgbClr val="FF0000"/>
-            </a:solidFill>
-          </a:endParaRPr>
-        </a:p>
-      </dgm:t>
-    </dgm:pt>
-    <dgm:pt modelId="{BBF949C2-C086-44C9-9914-F7DFE2B6414F}" type="sibTrans" cxnId="{1FBE4952-DE6C-4B1F-B7FC-9417CD67FB4C}">
-      <dgm:prSet/>
-      <dgm:spPr/>
-      <dgm:t>
-        <a:bodyPr/>
-        <a:lstStyle/>
-        <a:p>
-          <a:endParaRPr lang="pt-BR"/>
-        </a:p>
-      </dgm:t>
-    </dgm:pt>
-    <dgm:pt modelId="{591EE9A3-43DE-493B-BA54-643DF4BC9A63}" type="parTrans" cxnId="{1FBE4952-DE6C-4B1F-B7FC-9417CD67FB4C}">
-      <dgm:prSet/>
-      <dgm:spPr/>
-      <dgm:t>
-        <a:bodyPr/>
-        <a:lstStyle/>
-        <a:p>
-          <a:endParaRPr lang="pt-BR"/>
-        </a:p>
-      </dgm:t>
-    </dgm:pt>
-    <dgm:pt modelId="{8A7B2A75-ADCE-4543-B9AD-59C4E7FCD436}" type="pres">
-      <dgm:prSet presAssocID="{62D06435-42C5-4C37-A0F2-83E4A7B934B3}" presName="diagram" presStyleCnt="0">
-        <dgm:presLayoutVars>
-          <dgm:chPref val="1"/>
-          <dgm:dir/>
-          <dgm:animOne val="branch"/>
-          <dgm:animLvl val="lvl"/>
-          <dgm:resizeHandles val="exact"/>
-        </dgm:presLayoutVars>
-      </dgm:prSet>
-      <dgm:spPr/>
-      <dgm:t>
-        <a:bodyPr/>
-        <a:lstStyle/>
-        <a:p>
-          <a:endParaRPr lang="pt-BR"/>
-        </a:p>
-      </dgm:t>
-    </dgm:pt>
-    <dgm:pt modelId="{BC9DE833-F71E-4E4C-B510-3DEDEA09DED6}" type="pres">
-      <dgm:prSet presAssocID="{65D88336-77D5-4F10-AC3C-CB95CB2889B1}" presName="root1" presStyleCnt="0"/>
-      <dgm:spPr/>
-    </dgm:pt>
-    <dgm:pt modelId="{088FD97E-959C-4713-90E6-3BF325ED2DBE}" type="pres">
-      <dgm:prSet presAssocID="{65D88336-77D5-4F10-AC3C-CB95CB2889B1}" presName="LevelOneTextNode" presStyleLbl="node0" presStyleIdx="0" presStyleCnt="1" custScaleY="152117" custLinFactNeighborX="-31" custLinFactNeighborY="29514">
-        <dgm:presLayoutVars>
-          <dgm:chPref val="3"/>
-        </dgm:presLayoutVars>
-      </dgm:prSet>
-      <dgm:spPr/>
-      <dgm:t>
-        <a:bodyPr/>
-        <a:lstStyle/>
-        <a:p>
-          <a:endParaRPr lang="pt-BR"/>
-        </a:p>
-      </dgm:t>
-    </dgm:pt>
-    <dgm:pt modelId="{2B9E5209-D82B-40B4-8D40-647EF0D81F92}" type="pres">
-      <dgm:prSet presAssocID="{65D88336-77D5-4F10-AC3C-CB95CB2889B1}" presName="level2hierChild" presStyleCnt="0"/>
-      <dgm:spPr/>
-    </dgm:pt>
-    <dgm:pt modelId="{DEAA91AC-93C3-4E21-ABA3-73EF923A1287}" type="pres">
-      <dgm:prSet presAssocID="{591EE9A3-43DE-493B-BA54-643DF4BC9A63}" presName="conn2-1" presStyleLbl="parChTrans1D2" presStyleIdx="0" presStyleCnt="1"/>
-      <dgm:spPr/>
-      <dgm:t>
-        <a:bodyPr/>
-        <a:lstStyle/>
-        <a:p>
-          <a:endParaRPr lang="pt-BR"/>
-        </a:p>
-      </dgm:t>
-    </dgm:pt>
-    <dgm:pt modelId="{DE411CAB-B1C1-443D-BCBC-143E5E863743}" type="pres">
-      <dgm:prSet presAssocID="{591EE9A3-43DE-493B-BA54-643DF4BC9A63}" presName="connTx" presStyleLbl="parChTrans1D2" presStyleIdx="0" presStyleCnt="1"/>
-      <dgm:spPr/>
-      <dgm:t>
-        <a:bodyPr/>
-        <a:lstStyle/>
-        <a:p>
-          <a:endParaRPr lang="pt-BR"/>
-        </a:p>
-      </dgm:t>
-    </dgm:pt>
-    <dgm:pt modelId="{5182180C-483B-4A24-A689-99D5BBC6727A}" type="pres">
-      <dgm:prSet presAssocID="{4050C737-9860-4B25-B3B3-C2F1FA2E1FAF}" presName="root2" presStyleCnt="0"/>
-      <dgm:spPr/>
-    </dgm:pt>
-    <dgm:pt modelId="{625AAC6B-A1C6-4FA3-AF6C-57C1E02563C2}" type="pres">
-      <dgm:prSet presAssocID="{4050C737-9860-4B25-B3B3-C2F1FA2E1FAF}" presName="LevelTwoTextNode" presStyleLbl="node2" presStyleIdx="0" presStyleCnt="1" custScaleY="152117" custLinFactNeighborX="-4791" custLinFactNeighborY="29514">
-        <dgm:presLayoutVars>
-          <dgm:chPref val="3"/>
-        </dgm:presLayoutVars>
-      </dgm:prSet>
-      <dgm:spPr/>
-      <dgm:t>
-        <a:bodyPr/>
-        <a:lstStyle/>
-        <a:p>
-          <a:endParaRPr lang="pt-BR"/>
-        </a:p>
-      </dgm:t>
-    </dgm:pt>
-    <dgm:pt modelId="{BDC8286D-37E5-4DF9-B10E-E1326A8ED521}" type="pres">
-      <dgm:prSet presAssocID="{4050C737-9860-4B25-B3B3-C2F1FA2E1FAF}" presName="level3hierChild" presStyleCnt="0"/>
-      <dgm:spPr/>
-    </dgm:pt>
-    <dgm:pt modelId="{40EC9B65-825A-4CFD-9FF3-3094A2D18072}" type="pres">
-      <dgm:prSet presAssocID="{E1D6D09E-BADB-489F-A2C5-A845050AB783}" presName="conn2-1" presStyleLbl="parChTrans1D3" presStyleIdx="0" presStyleCnt="1"/>
-      <dgm:spPr/>
-      <dgm:t>
-        <a:bodyPr/>
-        <a:lstStyle/>
-        <a:p>
-          <a:endParaRPr lang="pt-BR"/>
-        </a:p>
-      </dgm:t>
-    </dgm:pt>
-    <dgm:pt modelId="{5A3F2215-C070-469D-8FAD-8B93D680F758}" type="pres">
-      <dgm:prSet presAssocID="{E1D6D09E-BADB-489F-A2C5-A845050AB783}" presName="connTx" presStyleLbl="parChTrans1D3" presStyleIdx="0" presStyleCnt="1"/>
-      <dgm:spPr/>
-      <dgm:t>
-        <a:bodyPr/>
-        <a:lstStyle/>
-        <a:p>
-          <a:endParaRPr lang="pt-BR"/>
-        </a:p>
-      </dgm:t>
-    </dgm:pt>
-    <dgm:pt modelId="{4526B0AD-CA38-4816-B8AC-3171A84E2A47}" type="pres">
-      <dgm:prSet presAssocID="{CF015C9E-9BF7-4D93-97E5-18158D554CB5}" presName="root2" presStyleCnt="0"/>
-      <dgm:spPr/>
-    </dgm:pt>
-    <dgm:pt modelId="{3F240D39-27BF-4E23-88E7-47F174716589}" type="pres">
-      <dgm:prSet presAssocID="{CF015C9E-9BF7-4D93-97E5-18158D554CB5}" presName="LevelTwoTextNode" presStyleLbl="node3" presStyleIdx="0" presStyleCnt="1" custScaleX="90953" custScaleY="156935" custLinFactNeighborX="551" custLinFactNeighborY="22925">
-        <dgm:presLayoutVars>
-          <dgm:chPref val="3"/>
-        </dgm:presLayoutVars>
-      </dgm:prSet>
-      <dgm:spPr/>
-      <dgm:t>
-        <a:bodyPr/>
-        <a:lstStyle/>
-        <a:p>
-          <a:endParaRPr lang="pt-BR"/>
-        </a:p>
-      </dgm:t>
-    </dgm:pt>
-    <dgm:pt modelId="{07DFF646-BB3F-466A-A4CA-3361EDF7C9D5}" type="pres">
-      <dgm:prSet presAssocID="{CF015C9E-9BF7-4D93-97E5-18158D554CB5}" presName="level3hierChild" presStyleCnt="0"/>
-      <dgm:spPr/>
-    </dgm:pt>
-    <dgm:pt modelId="{96677CEF-A1B8-4F89-9C60-579502C7ED3D}" type="pres">
-      <dgm:prSet presAssocID="{4AE0E92A-7832-4160-8C0B-8A8BA7CF080B}" presName="conn2-1" presStyleLbl="parChTrans1D4" presStyleIdx="0" presStyleCnt="2"/>
-      <dgm:spPr/>
-      <dgm:t>
-        <a:bodyPr/>
-        <a:lstStyle/>
-        <a:p>
-          <a:endParaRPr lang="pt-BR"/>
-        </a:p>
-      </dgm:t>
-    </dgm:pt>
-    <dgm:pt modelId="{2E20864C-51AA-4E41-B9EF-0C7D12A3BCFB}" type="pres">
-      <dgm:prSet presAssocID="{4AE0E92A-7832-4160-8C0B-8A8BA7CF080B}" presName="connTx" presStyleLbl="parChTrans1D4" presStyleIdx="0" presStyleCnt="2"/>
-      <dgm:spPr/>
-      <dgm:t>
-        <a:bodyPr/>
-        <a:lstStyle/>
-        <a:p>
-          <a:endParaRPr lang="pt-BR"/>
-        </a:p>
-      </dgm:t>
-    </dgm:pt>
-    <dgm:pt modelId="{FEEBF956-4D28-4225-805D-2F913EFB0A52}" type="pres">
-      <dgm:prSet presAssocID="{BD10C00A-EB8A-49DC-82EC-3AEECA527BEC}" presName="root2" presStyleCnt="0"/>
-      <dgm:spPr/>
-    </dgm:pt>
-    <dgm:pt modelId="{C9FE6AAB-0763-4305-BA94-5BEB7902709A}" type="pres">
-      <dgm:prSet presAssocID="{BD10C00A-EB8A-49DC-82EC-3AEECA527BEC}" presName="LevelTwoTextNode" presStyleLbl="node4" presStyleIdx="0" presStyleCnt="2" custScaleX="87957" custScaleY="148919" custLinFactNeighborX="-3020" custLinFactNeighborY="-45081">
-        <dgm:presLayoutVars>
-          <dgm:chPref val="3"/>
-        </dgm:presLayoutVars>
-      </dgm:prSet>
-      <dgm:spPr/>
-      <dgm:t>
-        <a:bodyPr/>
-        <a:lstStyle/>
-        <a:p>
-          <a:endParaRPr lang="pt-BR"/>
-        </a:p>
-      </dgm:t>
-    </dgm:pt>
-    <dgm:pt modelId="{4C171E4D-609F-4A03-9A54-59748E79B2EA}" type="pres">
-      <dgm:prSet presAssocID="{BD10C00A-EB8A-49DC-82EC-3AEECA527BEC}" presName="level3hierChild" presStyleCnt="0"/>
-      <dgm:spPr/>
-    </dgm:pt>
-    <dgm:pt modelId="{7995B477-DC24-4711-9C2A-A8BDC97B8C53}" type="pres">
-      <dgm:prSet presAssocID="{5738801A-DCE2-426E-A766-9F33CA2EC25C}" presName="conn2-1" presStyleLbl="parChTrans1D4" presStyleIdx="1" presStyleCnt="2"/>
-      <dgm:spPr/>
-      <dgm:t>
-        <a:bodyPr/>
-        <a:lstStyle/>
-        <a:p>
-          <a:endParaRPr lang="pt-BR"/>
-        </a:p>
-      </dgm:t>
-    </dgm:pt>
-    <dgm:pt modelId="{C740076C-4A66-4D3B-9124-34744E003AFF}" type="pres">
-      <dgm:prSet presAssocID="{5738801A-DCE2-426E-A766-9F33CA2EC25C}" presName="connTx" presStyleLbl="parChTrans1D4" presStyleIdx="1" presStyleCnt="2"/>
-      <dgm:spPr/>
-      <dgm:t>
-        <a:bodyPr/>
-        <a:lstStyle/>
-        <a:p>
-          <a:endParaRPr lang="pt-BR"/>
-        </a:p>
-      </dgm:t>
-    </dgm:pt>
-    <dgm:pt modelId="{60AD563F-ABF3-493F-A991-2397D687DB4A}" type="pres">
-      <dgm:prSet presAssocID="{711E827C-9087-44DE-8DF3-26A34868DBA4}" presName="root2" presStyleCnt="0"/>
-      <dgm:spPr/>
-    </dgm:pt>
-    <dgm:pt modelId="{A495C0D0-0E80-48DB-8154-D582C59B72C3}" type="pres">
-      <dgm:prSet presAssocID="{711E827C-9087-44DE-8DF3-26A34868DBA4}" presName="LevelTwoTextNode" presStyleLbl="node4" presStyleIdx="1" presStyleCnt="2" custScaleX="80628" custScaleY="148630" custLinFactNeighborX="-10985" custLinFactNeighborY="-43985">
-        <dgm:presLayoutVars>
-          <dgm:chPref val="3"/>
-        </dgm:presLayoutVars>
-      </dgm:prSet>
-      <dgm:spPr/>
-      <dgm:t>
-        <a:bodyPr/>
-        <a:lstStyle/>
-        <a:p>
-          <a:endParaRPr lang="pt-BR"/>
-        </a:p>
-      </dgm:t>
-    </dgm:pt>
-    <dgm:pt modelId="{3232E183-449F-4799-8C61-EDC393EBC17E}" type="pres">
-      <dgm:prSet presAssocID="{711E827C-9087-44DE-8DF3-26A34868DBA4}" presName="level3hierChild" presStyleCnt="0"/>
-      <dgm:spPr/>
-    </dgm:pt>
-  </dgm:ptLst>
-  <dgm:cxnLst>
-    <dgm:cxn modelId="{145B8F11-14F9-4522-9A69-D6662E3621C5}" type="presOf" srcId="{591EE9A3-43DE-493B-BA54-643DF4BC9A63}" destId="{DEAA91AC-93C3-4E21-ABA3-73EF923A1287}" srcOrd="0" destOrd="0" presId="urn:microsoft.com/office/officeart/2005/8/layout/hierarchy2"/>
-    <dgm:cxn modelId="{FC0DF796-AA6A-4E74-AA0B-7AFF76797FB7}" srcId="{4050C737-9860-4B25-B3B3-C2F1FA2E1FAF}" destId="{CF015C9E-9BF7-4D93-97E5-18158D554CB5}" srcOrd="0" destOrd="0" parTransId="{E1D6D09E-BADB-489F-A2C5-A845050AB783}" sibTransId="{393DBABD-3BDE-4A87-9A98-F179BC16BEB8}"/>
-    <dgm:cxn modelId="{43EAB617-ED7B-482E-84C4-525BA5D4F36A}" type="presOf" srcId="{62D06435-42C5-4C37-A0F2-83E4A7B934B3}" destId="{8A7B2A75-ADCE-4543-B9AD-59C4E7FCD436}" srcOrd="0" destOrd="0" presId="urn:microsoft.com/office/officeart/2005/8/layout/hierarchy2"/>
-    <dgm:cxn modelId="{2F43B941-DCD4-42B3-94BD-5072DB0ED550}" type="presOf" srcId="{E1D6D09E-BADB-489F-A2C5-A845050AB783}" destId="{5A3F2215-C070-469D-8FAD-8B93D680F758}" srcOrd="1" destOrd="0" presId="urn:microsoft.com/office/officeart/2005/8/layout/hierarchy2"/>
-    <dgm:cxn modelId="{772C0787-F246-45AE-A650-32557ED1FEDD}" type="presOf" srcId="{5738801A-DCE2-426E-A766-9F33CA2EC25C}" destId="{7995B477-DC24-4711-9C2A-A8BDC97B8C53}" srcOrd="0" destOrd="0" presId="urn:microsoft.com/office/officeart/2005/8/layout/hierarchy2"/>
-    <dgm:cxn modelId="{233625D5-301A-4A0F-B8A2-55FA02F0EBD0}" srcId="{62D06435-42C5-4C37-A0F2-83E4A7B934B3}" destId="{65D88336-77D5-4F10-AC3C-CB95CB2889B1}" srcOrd="0" destOrd="0" parTransId="{D1A6FEDE-821F-4FFB-AC1E-3688943F2B3C}" sibTransId="{03E293FE-11BF-4B7A-8C16-E58637307D61}"/>
-    <dgm:cxn modelId="{65AEAD36-A1B6-4F74-88C6-F3AFC450B3A0}" type="presOf" srcId="{4050C737-9860-4B25-B3B3-C2F1FA2E1FAF}" destId="{625AAC6B-A1C6-4FA3-AF6C-57C1E02563C2}" srcOrd="0" destOrd="0" presId="urn:microsoft.com/office/officeart/2005/8/layout/hierarchy2"/>
-    <dgm:cxn modelId="{56D71DFA-F0A0-4AAD-A9DA-F2D2357FFD11}" type="presOf" srcId="{4AE0E92A-7832-4160-8C0B-8A8BA7CF080B}" destId="{2E20864C-51AA-4E41-B9EF-0C7D12A3BCFB}" srcOrd="1" destOrd="0" presId="urn:microsoft.com/office/officeart/2005/8/layout/hierarchy2"/>
-    <dgm:cxn modelId="{31142BB2-BD7D-4098-847F-E1901157CD48}" type="presOf" srcId="{5738801A-DCE2-426E-A766-9F33CA2EC25C}" destId="{C740076C-4A66-4D3B-9124-34744E003AFF}" srcOrd="1" destOrd="0" presId="urn:microsoft.com/office/officeart/2005/8/layout/hierarchy2"/>
-    <dgm:cxn modelId="{0A18FEAC-88F9-4FFF-BD8E-DDA918F5AB3F}" type="presOf" srcId="{BD10C00A-EB8A-49DC-82EC-3AEECA527BEC}" destId="{C9FE6AAB-0763-4305-BA94-5BEB7902709A}" srcOrd="0" destOrd="0" presId="urn:microsoft.com/office/officeart/2005/8/layout/hierarchy2"/>
-    <dgm:cxn modelId="{7BBBDA92-A4A8-4C45-92D9-3F16F18A11EB}" type="presOf" srcId="{591EE9A3-43DE-493B-BA54-643DF4BC9A63}" destId="{DE411CAB-B1C1-443D-BCBC-143E5E863743}" srcOrd="1" destOrd="0" presId="urn:microsoft.com/office/officeart/2005/8/layout/hierarchy2"/>
-    <dgm:cxn modelId="{F134B65A-5E61-432A-B073-D7818EEA5BF7}" type="presOf" srcId="{4AE0E92A-7832-4160-8C0B-8A8BA7CF080B}" destId="{96677CEF-A1B8-4F89-9C60-579502C7ED3D}" srcOrd="0" destOrd="0" presId="urn:microsoft.com/office/officeart/2005/8/layout/hierarchy2"/>
-    <dgm:cxn modelId="{DDD33BF3-7475-43E5-A2BB-715BF4210E5A}" type="presOf" srcId="{E1D6D09E-BADB-489F-A2C5-A845050AB783}" destId="{40EC9B65-825A-4CFD-9FF3-3094A2D18072}" srcOrd="0" destOrd="0" presId="urn:microsoft.com/office/officeart/2005/8/layout/hierarchy2"/>
-    <dgm:cxn modelId="{14388D70-BFA9-45EF-A0A0-C4102FBD3A81}" type="presOf" srcId="{65D88336-77D5-4F10-AC3C-CB95CB2889B1}" destId="{088FD97E-959C-4713-90E6-3BF325ED2DBE}" srcOrd="0" destOrd="0" presId="urn:microsoft.com/office/officeart/2005/8/layout/hierarchy2"/>
-    <dgm:cxn modelId="{1FBE4952-DE6C-4B1F-B7FC-9417CD67FB4C}" srcId="{65D88336-77D5-4F10-AC3C-CB95CB2889B1}" destId="{4050C737-9860-4B25-B3B3-C2F1FA2E1FAF}" srcOrd="0" destOrd="0" parTransId="{591EE9A3-43DE-493B-BA54-643DF4BC9A63}" sibTransId="{BBF949C2-C086-44C9-9914-F7DFE2B6414F}"/>
-    <dgm:cxn modelId="{3FABB688-9922-48E3-898C-E7750CDAC638}" srcId="{BD10C00A-EB8A-49DC-82EC-3AEECA527BEC}" destId="{711E827C-9087-44DE-8DF3-26A34868DBA4}" srcOrd="0" destOrd="0" parTransId="{5738801A-DCE2-426E-A766-9F33CA2EC25C}" sibTransId="{DCE8CEBE-03E3-483D-9F43-298E6ADCC249}"/>
-    <dgm:cxn modelId="{24417EAD-8105-4E69-9567-7C5E6A335E89}" type="presOf" srcId="{CF015C9E-9BF7-4D93-97E5-18158D554CB5}" destId="{3F240D39-27BF-4E23-88E7-47F174716589}" srcOrd="0" destOrd="0" presId="urn:microsoft.com/office/officeart/2005/8/layout/hierarchy2"/>
-    <dgm:cxn modelId="{988E39A0-B57F-4578-AE24-C80696B43EBF}" srcId="{CF015C9E-9BF7-4D93-97E5-18158D554CB5}" destId="{BD10C00A-EB8A-49DC-82EC-3AEECA527BEC}" srcOrd="0" destOrd="0" parTransId="{4AE0E92A-7832-4160-8C0B-8A8BA7CF080B}" sibTransId="{86C97656-0B2C-4330-8DEE-DB8A55C4657A}"/>
-    <dgm:cxn modelId="{E6EC9D03-0A82-4D54-8B88-7A10E2917E27}" type="presOf" srcId="{711E827C-9087-44DE-8DF3-26A34868DBA4}" destId="{A495C0D0-0E80-48DB-8154-D582C59B72C3}" srcOrd="0" destOrd="0" presId="urn:microsoft.com/office/officeart/2005/8/layout/hierarchy2"/>
-    <dgm:cxn modelId="{F9D1AD9E-1128-496C-A448-782E9581269A}" type="presParOf" srcId="{8A7B2A75-ADCE-4543-B9AD-59C4E7FCD436}" destId="{BC9DE833-F71E-4E4C-B510-3DEDEA09DED6}" srcOrd="0" destOrd="0" presId="urn:microsoft.com/office/officeart/2005/8/layout/hierarchy2"/>
-    <dgm:cxn modelId="{3C9FB766-2B77-4594-875F-E3A998A6868C}" type="presParOf" srcId="{BC9DE833-F71E-4E4C-B510-3DEDEA09DED6}" destId="{088FD97E-959C-4713-90E6-3BF325ED2DBE}" srcOrd="0" destOrd="0" presId="urn:microsoft.com/office/officeart/2005/8/layout/hierarchy2"/>
-    <dgm:cxn modelId="{E5AFC46E-8277-4831-B9E3-8C775391103E}" type="presParOf" srcId="{BC9DE833-F71E-4E4C-B510-3DEDEA09DED6}" destId="{2B9E5209-D82B-40B4-8D40-647EF0D81F92}" srcOrd="1" destOrd="0" presId="urn:microsoft.com/office/officeart/2005/8/layout/hierarchy2"/>
-    <dgm:cxn modelId="{758BD199-5E15-4CF9-9658-558CBF065175}" type="presParOf" srcId="{2B9E5209-D82B-40B4-8D40-647EF0D81F92}" destId="{DEAA91AC-93C3-4E21-ABA3-73EF923A1287}" srcOrd="0" destOrd="0" presId="urn:microsoft.com/office/officeart/2005/8/layout/hierarchy2"/>
-    <dgm:cxn modelId="{53A46ED4-2F46-495F-B4A1-8FBA33DD8DE4}" type="presParOf" srcId="{DEAA91AC-93C3-4E21-ABA3-73EF923A1287}" destId="{DE411CAB-B1C1-443D-BCBC-143E5E863743}" srcOrd="0" destOrd="0" presId="urn:microsoft.com/office/officeart/2005/8/layout/hierarchy2"/>
-    <dgm:cxn modelId="{D872B5C5-B75E-45E4-AFC5-E993E00EC287}" type="presParOf" srcId="{2B9E5209-D82B-40B4-8D40-647EF0D81F92}" destId="{5182180C-483B-4A24-A689-99D5BBC6727A}" srcOrd="1" destOrd="0" presId="urn:microsoft.com/office/officeart/2005/8/layout/hierarchy2"/>
-    <dgm:cxn modelId="{D3411402-3779-4290-AC53-4FF4635FFD2A}" type="presParOf" srcId="{5182180C-483B-4A24-A689-99D5BBC6727A}" destId="{625AAC6B-A1C6-4FA3-AF6C-57C1E02563C2}" srcOrd="0" destOrd="0" presId="urn:microsoft.com/office/officeart/2005/8/layout/hierarchy2"/>
-    <dgm:cxn modelId="{446C0D6A-BAEC-461B-A744-3FB2FA5A997B}" type="presParOf" srcId="{5182180C-483B-4A24-A689-99D5BBC6727A}" destId="{BDC8286D-37E5-4DF9-B10E-E1326A8ED521}" srcOrd="1" destOrd="0" presId="urn:microsoft.com/office/officeart/2005/8/layout/hierarchy2"/>
-    <dgm:cxn modelId="{2F9C7A22-40FF-401A-8BEF-86C53B4DD7C5}" type="presParOf" srcId="{BDC8286D-37E5-4DF9-B10E-E1326A8ED521}" destId="{40EC9B65-825A-4CFD-9FF3-3094A2D18072}" srcOrd="0" destOrd="0" presId="urn:microsoft.com/office/officeart/2005/8/layout/hierarchy2"/>
-    <dgm:cxn modelId="{9BF5894A-441C-4B06-B7EB-F8A36F8D0FAD}" type="presParOf" srcId="{40EC9B65-825A-4CFD-9FF3-3094A2D18072}" destId="{5A3F2215-C070-469D-8FAD-8B93D680F758}" srcOrd="0" destOrd="0" presId="urn:microsoft.com/office/officeart/2005/8/layout/hierarchy2"/>
-    <dgm:cxn modelId="{187BDFF1-C236-4945-A343-1C8F6E1BF461}" type="presParOf" srcId="{BDC8286D-37E5-4DF9-B10E-E1326A8ED521}" destId="{4526B0AD-CA38-4816-B8AC-3171A84E2A47}" srcOrd="1" destOrd="0" presId="urn:microsoft.com/office/officeart/2005/8/layout/hierarchy2"/>
-    <dgm:cxn modelId="{FFE9AA52-1D3D-4869-B94B-BCF244A3BF7E}" type="presParOf" srcId="{4526B0AD-CA38-4816-B8AC-3171A84E2A47}" destId="{3F240D39-27BF-4E23-88E7-47F174716589}" srcOrd="0" destOrd="0" presId="urn:microsoft.com/office/officeart/2005/8/layout/hierarchy2"/>
-    <dgm:cxn modelId="{89011ADD-0988-4FD3-90AD-18693A10E005}" type="presParOf" srcId="{4526B0AD-CA38-4816-B8AC-3171A84E2A47}" destId="{07DFF646-BB3F-466A-A4CA-3361EDF7C9D5}" srcOrd="1" destOrd="0" presId="urn:microsoft.com/office/officeart/2005/8/layout/hierarchy2"/>
-    <dgm:cxn modelId="{29EC8B49-A398-43E0-8348-9FD9D76F252E}" type="presParOf" srcId="{07DFF646-BB3F-466A-A4CA-3361EDF7C9D5}" destId="{96677CEF-A1B8-4F89-9C60-579502C7ED3D}" srcOrd="0" destOrd="0" presId="urn:microsoft.com/office/officeart/2005/8/layout/hierarchy2"/>
-    <dgm:cxn modelId="{1F3CD6AE-DF9B-4035-9A66-08F048E762DE}" type="presParOf" srcId="{96677CEF-A1B8-4F89-9C60-579502C7ED3D}" destId="{2E20864C-51AA-4E41-B9EF-0C7D12A3BCFB}" srcOrd="0" destOrd="0" presId="urn:microsoft.com/office/officeart/2005/8/layout/hierarchy2"/>
-    <dgm:cxn modelId="{A48C4536-DEE6-47FC-85F1-31E86B2A4693}" type="presParOf" srcId="{07DFF646-BB3F-466A-A4CA-3361EDF7C9D5}" destId="{FEEBF956-4D28-4225-805D-2F913EFB0A52}" srcOrd="1" destOrd="0" presId="urn:microsoft.com/office/officeart/2005/8/layout/hierarchy2"/>
-    <dgm:cxn modelId="{839A753C-0350-42F1-BC43-1D1710609755}" type="presParOf" srcId="{FEEBF956-4D28-4225-805D-2F913EFB0A52}" destId="{C9FE6AAB-0763-4305-BA94-5BEB7902709A}" srcOrd="0" destOrd="0" presId="urn:microsoft.com/office/officeart/2005/8/layout/hierarchy2"/>
-    <dgm:cxn modelId="{815BC2A2-1421-4FC4-B4AC-D0CFA3458F6B}" type="presParOf" srcId="{FEEBF956-4D28-4225-805D-2F913EFB0A52}" destId="{4C171E4D-609F-4A03-9A54-59748E79B2EA}" srcOrd="1" destOrd="0" presId="urn:microsoft.com/office/officeart/2005/8/layout/hierarchy2"/>
-    <dgm:cxn modelId="{BF2D0D24-E4CD-4EBA-93F0-3C4F6FFD0D5B}" type="presParOf" srcId="{4C171E4D-609F-4A03-9A54-59748E79B2EA}" destId="{7995B477-DC24-4711-9C2A-A8BDC97B8C53}" srcOrd="0" destOrd="0" presId="urn:microsoft.com/office/officeart/2005/8/layout/hierarchy2"/>
-    <dgm:cxn modelId="{85109744-0A8C-470F-91E2-CD1BD9FCAA84}" type="presParOf" srcId="{7995B477-DC24-4711-9C2A-A8BDC97B8C53}" destId="{C740076C-4A66-4D3B-9124-34744E003AFF}" srcOrd="0" destOrd="0" presId="urn:microsoft.com/office/officeart/2005/8/layout/hierarchy2"/>
-    <dgm:cxn modelId="{EABE9FFE-5885-47CC-BC03-9C8AE5C8A5BC}" type="presParOf" srcId="{4C171E4D-609F-4A03-9A54-59748E79B2EA}" destId="{60AD563F-ABF3-493F-A991-2397D687DB4A}" srcOrd="1" destOrd="0" presId="urn:microsoft.com/office/officeart/2005/8/layout/hierarchy2"/>
-    <dgm:cxn modelId="{0766E7BA-BAE1-4150-A58E-2A466E510C2D}" type="presParOf" srcId="{60AD563F-ABF3-493F-A991-2397D687DB4A}" destId="{A495C0D0-0E80-48DB-8154-D582C59B72C3}" srcOrd="0" destOrd="0" presId="urn:microsoft.com/office/officeart/2005/8/layout/hierarchy2"/>
-    <dgm:cxn modelId="{BBFEB152-A7E3-4697-B032-544068A0C465}" type="presParOf" srcId="{60AD563F-ABF3-493F-A991-2397D687DB4A}" destId="{3232E183-449F-4799-8C61-EDC393EBC17E}" srcOrd="1" destOrd="0" presId="urn:microsoft.com/office/officeart/2005/8/layout/hierarchy2"/>
   </dgm:cxnLst>
   <dgm:bg/>
   <dgm:whole/>
@@ -9075,6 +9078,698 @@
       <dsp:cNvGrpSpPr/>
     </dsp:nvGrpSpPr>
     <dsp:grpSpPr/>
+    <dsp:sp modelId="{088FD97E-959C-4713-90E6-3BF325ED2DBE}">
+      <dsp:nvSpPr>
+        <dsp:cNvPr id="0" name=""/>
+        <dsp:cNvSpPr/>
+      </dsp:nvSpPr>
+      <dsp:spPr>
+        <a:xfrm>
+          <a:off x="1467" y="628784"/>
+          <a:ext cx="1134894" cy="1122052"/>
+        </a:xfrm>
+        <a:prstGeom prst="roundRect">
+          <a:avLst>
+            <a:gd name="adj" fmla="val 10000"/>
+          </a:avLst>
+        </a:prstGeom>
+        <a:blipFill rotWithShape="0">
+          <a:blip xmlns:r="http://schemas.openxmlformats.org/officeDocument/2006/relationships" r:embed="rId1"/>
+          <a:stretch>
+            <a:fillRect/>
+          </a:stretch>
+        </a:blipFill>
+        <a:ln w="28575" cap="flat" cmpd="sng" algn="ctr">
+          <a:noFill/>
+          <a:prstDash val="solid"/>
+        </a:ln>
+        <a:effectLst/>
+      </dsp:spPr>
+      <dsp:style>
+        <a:lnRef idx="2">
+          <a:scrgbClr r="0" g="0" b="0"/>
+        </a:lnRef>
+        <a:fillRef idx="1">
+          <a:scrgbClr r="0" g="0" b="0"/>
+        </a:fillRef>
+        <a:effectRef idx="0">
+          <a:scrgbClr r="0" g="0" b="0"/>
+        </a:effectRef>
+        <a:fontRef idx="minor">
+          <a:schemeClr val="lt1"/>
+        </a:fontRef>
+      </dsp:style>
+      <dsp:txBody>
+        <a:bodyPr spcFirstLastPara="0" vert="horz" wrap="square" lIns="39370" tIns="39370" rIns="39370" bIns="39370" numCol="1" spcCol="1270" anchor="ctr" anchorCtr="0">
+          <a:noAutofit/>
+        </a:bodyPr>
+        <a:lstStyle/>
+        <a:p>
+          <a:pPr lvl="0" algn="ctr" defTabSz="2755900">
+            <a:lnSpc>
+              <a:spcPct val="90000"/>
+            </a:lnSpc>
+            <a:spcBef>
+              <a:spcPct val="0"/>
+            </a:spcBef>
+            <a:spcAft>
+              <a:spcPct val="35000"/>
+            </a:spcAft>
+          </a:pPr>
+          <a:endParaRPr lang="pt-BR" sz="6200" b="1" kern="1200" dirty="0">
+            <a:solidFill>
+              <a:srgbClr val="FF0000"/>
+            </a:solidFill>
+          </a:endParaRPr>
+        </a:p>
+      </dsp:txBody>
+      <dsp:txXfrm>
+        <a:off x="34331" y="661648"/>
+        <a:ext cx="1069166" cy="1056324"/>
+      </dsp:txXfrm>
+    </dsp:sp>
+    <dsp:sp modelId="{DEAA91AC-93C3-4E21-ABA3-73EF923A1287}">
+      <dsp:nvSpPr>
+        <dsp:cNvPr id="0" name=""/>
+        <dsp:cNvSpPr/>
+      </dsp:nvSpPr>
+      <dsp:spPr>
+        <a:xfrm>
+          <a:off x="1136362" y="1155665"/>
+          <a:ext cx="519878" cy="68291"/>
+        </a:xfrm>
+        <a:custGeom>
+          <a:avLst/>
+          <a:gdLst/>
+          <a:ahLst/>
+          <a:cxnLst/>
+          <a:rect l="0" t="0" r="0" b="0"/>
+          <a:pathLst>
+            <a:path>
+              <a:moveTo>
+                <a:pt x="0" y="34145"/>
+              </a:moveTo>
+              <a:lnTo>
+                <a:pt x="519878" y="34145"/>
+              </a:lnTo>
+            </a:path>
+          </a:pathLst>
+        </a:custGeom>
+        <a:noFill/>
+        <a:ln w="28575" cap="flat" cmpd="sng" algn="ctr">
+          <a:solidFill>
+            <a:schemeClr val="accent1">
+              <a:shade val="60000"/>
+              <a:hueOff val="0"/>
+              <a:satOff val="0"/>
+              <a:lumOff val="0"/>
+              <a:alphaOff val="0"/>
+            </a:schemeClr>
+          </a:solidFill>
+          <a:prstDash val="solid"/>
+        </a:ln>
+        <a:effectLst/>
+      </dsp:spPr>
+      <dsp:style>
+        <a:lnRef idx="2">
+          <a:scrgbClr r="0" g="0" b="0"/>
+        </a:lnRef>
+        <a:fillRef idx="0">
+          <a:scrgbClr r="0" g="0" b="0"/>
+        </a:fillRef>
+        <a:effectRef idx="0">
+          <a:scrgbClr r="0" g="0" b="0"/>
+        </a:effectRef>
+        <a:fontRef idx="minor"/>
+      </dsp:style>
+      <dsp:txBody>
+        <a:bodyPr spcFirstLastPara="0" vert="horz" wrap="square" lIns="12700" tIns="0" rIns="12700" bIns="0" numCol="1" spcCol="1270" anchor="ctr" anchorCtr="0">
+          <a:noAutofit/>
+        </a:bodyPr>
+        <a:lstStyle/>
+        <a:p>
+          <a:pPr lvl="0" algn="ctr" defTabSz="222250">
+            <a:lnSpc>
+              <a:spcPct val="90000"/>
+            </a:lnSpc>
+            <a:spcBef>
+              <a:spcPct val="0"/>
+            </a:spcBef>
+            <a:spcAft>
+              <a:spcPct val="35000"/>
+            </a:spcAft>
+          </a:pPr>
+          <a:endParaRPr lang="pt-BR" sz="500" kern="1200"/>
+        </a:p>
+      </dsp:txBody>
+      <dsp:txXfrm>
+        <a:off x="1383304" y="1176813"/>
+        <a:ext cx="25993" cy="25993"/>
+      </dsp:txXfrm>
+    </dsp:sp>
+    <dsp:sp modelId="{625AAC6B-A1C6-4FA3-AF6C-57C1E02563C2}">
+      <dsp:nvSpPr>
+        <dsp:cNvPr id="0" name=""/>
+        <dsp:cNvSpPr/>
+      </dsp:nvSpPr>
+      <dsp:spPr>
+        <a:xfrm>
+          <a:off x="1656240" y="628784"/>
+          <a:ext cx="1475249" cy="1122052"/>
+        </a:xfrm>
+        <a:prstGeom prst="roundRect">
+          <a:avLst>
+            <a:gd name="adj" fmla="val 10000"/>
+          </a:avLst>
+        </a:prstGeom>
+        <a:blipFill rotWithShape="0">
+          <a:blip xmlns:r="http://schemas.openxmlformats.org/officeDocument/2006/relationships" r:embed="rId2"/>
+          <a:stretch>
+            <a:fillRect/>
+          </a:stretch>
+        </a:blipFill>
+        <a:ln w="28575" cap="flat" cmpd="sng" algn="ctr">
+          <a:solidFill>
+            <a:schemeClr val="lt1">
+              <a:hueOff val="0"/>
+              <a:satOff val="0"/>
+              <a:lumOff val="0"/>
+              <a:alphaOff val="0"/>
+            </a:schemeClr>
+          </a:solidFill>
+          <a:prstDash val="solid"/>
+        </a:ln>
+        <a:effectLst/>
+      </dsp:spPr>
+      <dsp:style>
+        <a:lnRef idx="2">
+          <a:scrgbClr r="0" g="0" b="0"/>
+        </a:lnRef>
+        <a:fillRef idx="1">
+          <a:scrgbClr r="0" g="0" b="0"/>
+        </a:fillRef>
+        <a:effectRef idx="0">
+          <a:scrgbClr r="0" g="0" b="0"/>
+        </a:effectRef>
+        <a:fontRef idx="minor">
+          <a:schemeClr val="lt1"/>
+        </a:fontRef>
+      </dsp:style>
+      <dsp:txBody>
+        <a:bodyPr spcFirstLastPara="0" vert="horz" wrap="square" lIns="39370" tIns="39370" rIns="39370" bIns="39370" numCol="1" spcCol="1270" anchor="ctr" anchorCtr="0">
+          <a:noAutofit/>
+        </a:bodyPr>
+        <a:lstStyle/>
+        <a:p>
+          <a:pPr lvl="0" algn="ctr" defTabSz="2755900">
+            <a:lnSpc>
+              <a:spcPct val="90000"/>
+            </a:lnSpc>
+            <a:spcBef>
+              <a:spcPct val="0"/>
+            </a:spcBef>
+            <a:spcAft>
+              <a:spcPct val="35000"/>
+            </a:spcAft>
+          </a:pPr>
+          <a:endParaRPr lang="pt-BR" sz="6200" b="1" kern="1200" dirty="0">
+            <a:solidFill>
+              <a:srgbClr val="FF0000"/>
+            </a:solidFill>
+          </a:endParaRPr>
+        </a:p>
+      </dsp:txBody>
+      <dsp:txXfrm>
+        <a:off x="1689104" y="661648"/>
+        <a:ext cx="1409521" cy="1056324"/>
+      </dsp:txXfrm>
+    </dsp:sp>
+    <dsp:sp modelId="{40EC9B65-825A-4CFD-9FF3-3094A2D18072}">
+      <dsp:nvSpPr>
+        <dsp:cNvPr id="0" name=""/>
+        <dsp:cNvSpPr/>
+      </dsp:nvSpPr>
+      <dsp:spPr>
+        <a:xfrm rot="21350655">
+          <a:off x="3130608" y="1131364"/>
+          <a:ext cx="670671" cy="68291"/>
+        </a:xfrm>
+        <a:custGeom>
+          <a:avLst/>
+          <a:gdLst/>
+          <a:ahLst/>
+          <a:cxnLst/>
+          <a:rect l="0" t="0" r="0" b="0"/>
+          <a:pathLst>
+            <a:path>
+              <a:moveTo>
+                <a:pt x="0" y="34145"/>
+              </a:moveTo>
+              <a:lnTo>
+                <a:pt x="670671" y="34145"/>
+              </a:lnTo>
+            </a:path>
+          </a:pathLst>
+        </a:custGeom>
+        <a:noFill/>
+        <a:ln w="28575" cap="flat" cmpd="sng" algn="ctr">
+          <a:solidFill>
+            <a:schemeClr val="accent1">
+              <a:shade val="80000"/>
+              <a:hueOff val="0"/>
+              <a:satOff val="0"/>
+              <a:lumOff val="0"/>
+              <a:alphaOff val="0"/>
+            </a:schemeClr>
+          </a:solidFill>
+          <a:prstDash val="solid"/>
+        </a:ln>
+        <a:effectLst/>
+      </dsp:spPr>
+      <dsp:style>
+        <a:lnRef idx="2">
+          <a:scrgbClr r="0" g="0" b="0"/>
+        </a:lnRef>
+        <a:fillRef idx="0">
+          <a:scrgbClr r="0" g="0" b="0"/>
+        </a:fillRef>
+        <a:effectRef idx="0">
+          <a:scrgbClr r="0" g="0" b="0"/>
+        </a:effectRef>
+        <a:fontRef idx="minor"/>
+      </dsp:style>
+      <dsp:txBody>
+        <a:bodyPr spcFirstLastPara="0" vert="horz" wrap="square" lIns="12700" tIns="0" rIns="12700" bIns="0" numCol="1" spcCol="1270" anchor="ctr" anchorCtr="0">
+          <a:noAutofit/>
+        </a:bodyPr>
+        <a:lstStyle/>
+        <a:p>
+          <a:pPr lvl="0" algn="ctr" defTabSz="222250">
+            <a:lnSpc>
+              <a:spcPct val="90000"/>
+            </a:lnSpc>
+            <a:spcBef>
+              <a:spcPct val="0"/>
+            </a:spcBef>
+            <a:spcAft>
+              <a:spcPct val="35000"/>
+            </a:spcAft>
+          </a:pPr>
+          <a:endParaRPr lang="pt-BR" sz="500" kern="1200"/>
+        </a:p>
+      </dsp:txBody>
+      <dsp:txXfrm>
+        <a:off x="3449177" y="1148742"/>
+        <a:ext cx="33533" cy="33533"/>
+      </dsp:txXfrm>
+    </dsp:sp>
+    <dsp:sp modelId="{3F240D39-27BF-4E23-88E7-47F174716589}">
+      <dsp:nvSpPr>
+        <dsp:cNvPr id="0" name=""/>
+        <dsp:cNvSpPr/>
+      </dsp:nvSpPr>
+      <dsp:spPr>
+        <a:xfrm>
+          <a:off x="3800398" y="562412"/>
+          <a:ext cx="1341783" cy="1157591"/>
+        </a:xfrm>
+        <a:prstGeom prst="roundRect">
+          <a:avLst>
+            <a:gd name="adj" fmla="val 10000"/>
+          </a:avLst>
+        </a:prstGeom>
+        <a:blipFill rotWithShape="0">
+          <a:blip xmlns:r="http://schemas.openxmlformats.org/officeDocument/2006/relationships" r:embed="rId3"/>
+          <a:stretch>
+            <a:fillRect/>
+          </a:stretch>
+        </a:blipFill>
+        <a:ln w="28575" cap="flat" cmpd="sng" algn="ctr">
+          <a:solidFill>
+            <a:schemeClr val="lt1">
+              <a:hueOff val="0"/>
+              <a:satOff val="0"/>
+              <a:lumOff val="0"/>
+              <a:alphaOff val="0"/>
+            </a:schemeClr>
+          </a:solidFill>
+          <a:prstDash val="solid"/>
+        </a:ln>
+        <a:effectLst/>
+      </dsp:spPr>
+      <dsp:style>
+        <a:lnRef idx="2">
+          <a:scrgbClr r="0" g="0" b="0"/>
+        </a:lnRef>
+        <a:fillRef idx="1">
+          <a:scrgbClr r="0" g="0" b="0"/>
+        </a:fillRef>
+        <a:effectRef idx="0">
+          <a:scrgbClr r="0" g="0" b="0"/>
+        </a:effectRef>
+        <a:fontRef idx="minor">
+          <a:schemeClr val="lt1"/>
+        </a:fontRef>
+      </dsp:style>
+      <dsp:txBody>
+        <a:bodyPr spcFirstLastPara="0" vert="horz" wrap="square" lIns="40640" tIns="40640" rIns="40640" bIns="40640" numCol="1" spcCol="1270" anchor="ctr" anchorCtr="0">
+          <a:noAutofit/>
+        </a:bodyPr>
+        <a:lstStyle/>
+        <a:p>
+          <a:pPr lvl="0" algn="ctr" defTabSz="2844800">
+            <a:lnSpc>
+              <a:spcPct val="90000"/>
+            </a:lnSpc>
+            <a:spcBef>
+              <a:spcPct val="0"/>
+            </a:spcBef>
+            <a:spcAft>
+              <a:spcPct val="35000"/>
+            </a:spcAft>
+          </a:pPr>
+          <a:endParaRPr lang="pt-BR" sz="6400" b="1" kern="1200" dirty="0">
+            <a:solidFill>
+              <a:srgbClr val="FF0000"/>
+            </a:solidFill>
+          </a:endParaRPr>
+        </a:p>
+      </dsp:txBody>
+      <dsp:txXfrm>
+        <a:off x="3834303" y="596317"/>
+        <a:ext cx="1273973" cy="1089781"/>
+      </dsp:txXfrm>
+    </dsp:sp>
+    <dsp:sp modelId="{96677CEF-A1B8-4F89-9C60-579502C7ED3D}">
+      <dsp:nvSpPr>
+        <dsp:cNvPr id="0" name=""/>
+        <dsp:cNvSpPr/>
+      </dsp:nvSpPr>
+      <dsp:spPr>
+        <a:xfrm rot="19018365">
+          <a:off x="5043314" y="856248"/>
+          <a:ext cx="735153" cy="68291"/>
+        </a:xfrm>
+        <a:custGeom>
+          <a:avLst/>
+          <a:gdLst/>
+          <a:ahLst/>
+          <a:cxnLst/>
+          <a:rect l="0" t="0" r="0" b="0"/>
+          <a:pathLst>
+            <a:path>
+              <a:moveTo>
+                <a:pt x="0" y="34145"/>
+              </a:moveTo>
+              <a:lnTo>
+                <a:pt x="735153" y="34145"/>
+              </a:lnTo>
+            </a:path>
+          </a:pathLst>
+        </a:custGeom>
+        <a:noFill/>
+        <a:ln w="28575" cap="flat" cmpd="sng" algn="ctr">
+          <a:solidFill>
+            <a:schemeClr val="accent1">
+              <a:shade val="80000"/>
+              <a:hueOff val="0"/>
+              <a:satOff val="0"/>
+              <a:lumOff val="0"/>
+              <a:alphaOff val="0"/>
+            </a:schemeClr>
+          </a:solidFill>
+          <a:prstDash val="solid"/>
+        </a:ln>
+        <a:effectLst/>
+      </dsp:spPr>
+      <dsp:style>
+        <a:lnRef idx="2">
+          <a:scrgbClr r="0" g="0" b="0"/>
+        </a:lnRef>
+        <a:fillRef idx="0">
+          <a:scrgbClr r="0" g="0" b="0"/>
+        </a:fillRef>
+        <a:effectRef idx="0">
+          <a:scrgbClr r="0" g="0" b="0"/>
+        </a:effectRef>
+        <a:fontRef idx="minor"/>
+      </dsp:style>
+      <dsp:txBody>
+        <a:bodyPr spcFirstLastPara="0" vert="horz" wrap="square" lIns="12700" tIns="0" rIns="12700" bIns="0" numCol="1" spcCol="1270" anchor="ctr" anchorCtr="0">
+          <a:noAutofit/>
+        </a:bodyPr>
+        <a:lstStyle/>
+        <a:p>
+          <a:pPr lvl="0" algn="ctr" defTabSz="222250">
+            <a:lnSpc>
+              <a:spcPct val="90000"/>
+            </a:lnSpc>
+            <a:spcBef>
+              <a:spcPct val="0"/>
+            </a:spcBef>
+            <a:spcAft>
+              <a:spcPct val="35000"/>
+            </a:spcAft>
+          </a:pPr>
+          <a:endParaRPr lang="pt-BR" sz="500" kern="1200"/>
+        </a:p>
+      </dsp:txBody>
+      <dsp:txXfrm>
+        <a:off x="5392512" y="872015"/>
+        <a:ext cx="36757" cy="36757"/>
+      </dsp:txXfrm>
+    </dsp:sp>
+    <dsp:sp modelId="{C9FE6AAB-0763-4305-BA94-5BEB7902709A}">
+      <dsp:nvSpPr>
+        <dsp:cNvPr id="0" name=""/>
+        <dsp:cNvSpPr/>
+      </dsp:nvSpPr>
+      <dsp:spPr>
+        <a:xfrm>
+          <a:off x="5679600" y="90347"/>
+          <a:ext cx="1297585" cy="1098463"/>
+        </a:xfrm>
+        <a:prstGeom prst="roundRect">
+          <a:avLst>
+            <a:gd name="adj" fmla="val 10000"/>
+          </a:avLst>
+        </a:prstGeom>
+        <a:blipFill rotWithShape="0">
+          <a:blip xmlns:r="http://schemas.openxmlformats.org/officeDocument/2006/relationships" r:embed="rId4"/>
+          <a:stretch>
+            <a:fillRect/>
+          </a:stretch>
+        </a:blipFill>
+        <a:ln w="28575" cap="flat" cmpd="sng" algn="ctr">
+          <a:noFill/>
+          <a:prstDash val="solid"/>
+        </a:ln>
+        <a:effectLst/>
+      </dsp:spPr>
+      <dsp:style>
+        <a:lnRef idx="2">
+          <a:scrgbClr r="0" g="0" b="0"/>
+        </a:lnRef>
+        <a:fillRef idx="1">
+          <a:scrgbClr r="0" g="0" b="0"/>
+        </a:fillRef>
+        <a:effectRef idx="0">
+          <a:scrgbClr r="0" g="0" b="0"/>
+        </a:effectRef>
+        <a:fontRef idx="minor">
+          <a:schemeClr val="lt1"/>
+        </a:fontRef>
+      </dsp:style>
+      <dsp:txBody>
+        <a:bodyPr spcFirstLastPara="0" vert="horz" wrap="square" lIns="38100" tIns="38100" rIns="38100" bIns="38100" numCol="1" spcCol="1270" anchor="ctr" anchorCtr="0">
+          <a:noAutofit/>
+        </a:bodyPr>
+        <a:lstStyle/>
+        <a:p>
+          <a:pPr lvl="0" algn="ctr" defTabSz="2667000">
+            <a:lnSpc>
+              <a:spcPct val="90000"/>
+            </a:lnSpc>
+            <a:spcBef>
+              <a:spcPct val="0"/>
+            </a:spcBef>
+            <a:spcAft>
+              <a:spcPct val="35000"/>
+            </a:spcAft>
+          </a:pPr>
+          <a:endParaRPr lang="pt-BR" sz="6000" b="1" kern="1200" dirty="0">
+            <a:solidFill>
+              <a:srgbClr val="FF0000"/>
+            </a:solidFill>
+          </a:endParaRPr>
+        </a:p>
+      </dsp:txBody>
+      <dsp:txXfrm>
+        <a:off x="5711773" y="122520"/>
+        <a:ext cx="1233239" cy="1034117"/>
+      </dsp:txXfrm>
+    </dsp:sp>
+    <dsp:sp modelId="{7995B477-DC24-4711-9C2A-A8BDC97B8C53}">
+      <dsp:nvSpPr>
+        <dsp:cNvPr id="0" name=""/>
+        <dsp:cNvSpPr/>
+      </dsp:nvSpPr>
+      <dsp:spPr>
+        <a:xfrm rot="58801">
+          <a:off x="6977151" y="609475"/>
+          <a:ext cx="472665" cy="68291"/>
+        </a:xfrm>
+        <a:custGeom>
+          <a:avLst/>
+          <a:gdLst/>
+          <a:ahLst/>
+          <a:cxnLst/>
+          <a:rect l="0" t="0" r="0" b="0"/>
+          <a:pathLst>
+            <a:path>
+              <a:moveTo>
+                <a:pt x="0" y="34145"/>
+              </a:moveTo>
+              <a:lnTo>
+                <a:pt x="472665" y="34145"/>
+              </a:lnTo>
+            </a:path>
+          </a:pathLst>
+        </a:custGeom>
+        <a:noFill/>
+        <a:ln w="28575" cap="flat" cmpd="sng" algn="ctr">
+          <a:solidFill>
+            <a:schemeClr val="accent1">
+              <a:shade val="80000"/>
+              <a:hueOff val="0"/>
+              <a:satOff val="0"/>
+              <a:lumOff val="0"/>
+              <a:alphaOff val="0"/>
+            </a:schemeClr>
+          </a:solidFill>
+          <a:prstDash val="solid"/>
+        </a:ln>
+        <a:effectLst/>
+      </dsp:spPr>
+      <dsp:style>
+        <a:lnRef idx="2">
+          <a:scrgbClr r="0" g="0" b="0"/>
+        </a:lnRef>
+        <a:fillRef idx="0">
+          <a:scrgbClr r="0" g="0" b="0"/>
+        </a:fillRef>
+        <a:effectRef idx="0">
+          <a:scrgbClr r="0" g="0" b="0"/>
+        </a:effectRef>
+        <a:fontRef idx="minor"/>
+      </dsp:style>
+      <dsp:txBody>
+        <a:bodyPr spcFirstLastPara="0" vert="horz" wrap="square" lIns="12700" tIns="0" rIns="12700" bIns="0" numCol="1" spcCol="1270" anchor="ctr" anchorCtr="0">
+          <a:noAutofit/>
+        </a:bodyPr>
+        <a:lstStyle/>
+        <a:p>
+          <a:pPr lvl="0" algn="ctr" defTabSz="222250">
+            <a:lnSpc>
+              <a:spcPct val="90000"/>
+            </a:lnSpc>
+            <a:spcBef>
+              <a:spcPct val="0"/>
+            </a:spcBef>
+            <a:spcAft>
+              <a:spcPct val="35000"/>
+            </a:spcAft>
+          </a:pPr>
+          <a:endParaRPr lang="pt-BR" sz="500" kern="1200"/>
+        </a:p>
+      </dsp:txBody>
+      <dsp:txXfrm>
+        <a:off x="7201667" y="631804"/>
+        <a:ext cx="23633" cy="23633"/>
+      </dsp:txXfrm>
+    </dsp:sp>
+    <dsp:sp modelId="{A495C0D0-0E80-48DB-8154-D582C59B72C3}">
+      <dsp:nvSpPr>
+        <dsp:cNvPr id="0" name=""/>
+        <dsp:cNvSpPr/>
+      </dsp:nvSpPr>
+      <dsp:spPr>
+        <a:xfrm>
+          <a:off x="7449782" y="99497"/>
+          <a:ext cx="1189464" cy="1096331"/>
+        </a:xfrm>
+        <a:prstGeom prst="roundRect">
+          <a:avLst>
+            <a:gd name="adj" fmla="val 10000"/>
+          </a:avLst>
+        </a:prstGeom>
+        <a:blipFill rotWithShape="0">
+          <a:blip xmlns:r="http://schemas.openxmlformats.org/officeDocument/2006/relationships" r:embed="rId5"/>
+          <a:stretch>
+            <a:fillRect/>
+          </a:stretch>
+        </a:blipFill>
+        <a:ln w="28575" cap="flat" cmpd="sng" algn="ctr">
+          <a:noFill/>
+          <a:prstDash val="solid"/>
+        </a:ln>
+        <a:effectLst/>
+      </dsp:spPr>
+      <dsp:style>
+        <a:lnRef idx="2">
+          <a:scrgbClr r="0" g="0" b="0"/>
+        </a:lnRef>
+        <a:fillRef idx="1">
+          <a:scrgbClr r="0" g="0" b="0"/>
+        </a:fillRef>
+        <a:effectRef idx="0">
+          <a:scrgbClr r="0" g="0" b="0"/>
+        </a:effectRef>
+        <a:fontRef idx="minor">
+          <a:schemeClr val="lt1"/>
+        </a:fontRef>
+      </dsp:style>
+      <dsp:txBody>
+        <a:bodyPr spcFirstLastPara="0" vert="horz" wrap="square" lIns="38100" tIns="38100" rIns="38100" bIns="38100" numCol="1" spcCol="1270" anchor="ctr" anchorCtr="0">
+          <a:noAutofit/>
+        </a:bodyPr>
+        <a:lstStyle/>
+        <a:p>
+          <a:pPr lvl="0" algn="ctr" defTabSz="2667000">
+            <a:lnSpc>
+              <a:spcPct val="90000"/>
+            </a:lnSpc>
+            <a:spcBef>
+              <a:spcPct val="0"/>
+            </a:spcBef>
+            <a:spcAft>
+              <a:spcPct val="35000"/>
+            </a:spcAft>
+          </a:pPr>
+          <a:endParaRPr lang="pt-BR" sz="6000" b="1" kern="1200" dirty="0">
+            <a:solidFill>
+              <a:srgbClr val="FF0000"/>
+            </a:solidFill>
+          </a:endParaRPr>
+        </a:p>
+      </dsp:txBody>
+      <dsp:txXfrm>
+        <a:off x="7481892" y="131607"/>
+        <a:ext cx="1125244" cy="1032111"/>
+      </dsp:txXfrm>
+    </dsp:sp>
+  </dsp:spTree>
+</dsp:drawing>
+</file>
+
+<file path=ppt/diagrams/drawing5.xml><?xml version="1.0" encoding="utf-8"?>
+<dsp:drawing xmlns:dgm="http://schemas.openxmlformats.org/drawingml/2006/diagram" xmlns:dsp="http://schemas.microsoft.com/office/drawing/2008/diagram" xmlns:a="http://schemas.openxmlformats.org/drawingml/2006/main">
+  <dsp:spTree>
+    <dsp:nvGrpSpPr>
+      <dsp:cNvPr id="0" name=""/>
+      <dsp:cNvGrpSpPr/>
+    </dsp:nvGrpSpPr>
+    <dsp:grpSpPr/>
     <dsp:sp modelId="{C3BCA4F6-D50D-44F7-BF83-FDFD5F58570C}">
       <dsp:nvSpPr>
         <dsp:cNvPr id="0" name=""/>
@@ -9621,705 +10316,6 @@
       <dsp:txXfrm>
         <a:off x="7226533" y="434807"/>
         <a:ext cx="1175764" cy="1074601"/>
-      </dsp:txXfrm>
-    </dsp:sp>
-  </dsp:spTree>
-</dsp:drawing>
-</file>
-
-<file path=ppt/diagrams/drawing5.xml><?xml version="1.0" encoding="utf-8"?>
-<dsp:drawing xmlns:dgm="http://schemas.openxmlformats.org/drawingml/2006/diagram" xmlns:dsp="http://schemas.microsoft.com/office/drawing/2008/diagram" xmlns:a="http://schemas.openxmlformats.org/drawingml/2006/main">
-  <dsp:spTree>
-    <dsp:nvGrpSpPr>
-      <dsp:cNvPr id="0" name=""/>
-      <dsp:cNvGrpSpPr/>
-    </dsp:nvGrpSpPr>
-    <dsp:grpSpPr/>
-    <dsp:sp modelId="{088FD97E-959C-4713-90E6-3BF325ED2DBE}">
-      <dsp:nvSpPr>
-        <dsp:cNvPr id="0" name=""/>
-        <dsp:cNvSpPr/>
-      </dsp:nvSpPr>
-      <dsp:spPr>
-        <a:xfrm>
-          <a:off x="1868" y="641598"/>
-          <a:ext cx="1420189" cy="1080174"/>
-        </a:xfrm>
-        <a:prstGeom prst="roundRect">
-          <a:avLst>
-            <a:gd name="adj" fmla="val 10000"/>
-          </a:avLst>
-        </a:prstGeom>
-        <a:blipFill rotWithShape="0">
-          <a:blip xmlns:r="http://schemas.openxmlformats.org/officeDocument/2006/relationships" r:embed="rId1"/>
-          <a:stretch>
-            <a:fillRect/>
-          </a:stretch>
-        </a:blipFill>
-        <a:ln w="28575" cap="flat" cmpd="sng" algn="ctr">
-          <a:solidFill>
-            <a:schemeClr val="lt1">
-              <a:hueOff val="0"/>
-              <a:satOff val="0"/>
-              <a:lumOff val="0"/>
-              <a:alphaOff val="0"/>
-            </a:schemeClr>
-          </a:solidFill>
-          <a:prstDash val="solid"/>
-        </a:ln>
-        <a:effectLst/>
-      </dsp:spPr>
-      <dsp:style>
-        <a:lnRef idx="2">
-          <a:scrgbClr r="0" g="0" b="0"/>
-        </a:lnRef>
-        <a:fillRef idx="1">
-          <a:scrgbClr r="0" g="0" b="0"/>
-        </a:fillRef>
-        <a:effectRef idx="0">
-          <a:scrgbClr r="0" g="0" b="0"/>
-        </a:effectRef>
-        <a:fontRef idx="minor">
-          <a:schemeClr val="lt1"/>
-        </a:fontRef>
-      </dsp:style>
-      <dsp:txBody>
-        <a:bodyPr spcFirstLastPara="0" vert="horz" wrap="square" lIns="37465" tIns="37465" rIns="37465" bIns="37465" numCol="1" spcCol="1270" anchor="ctr" anchorCtr="0">
-          <a:noAutofit/>
-        </a:bodyPr>
-        <a:lstStyle/>
-        <a:p>
-          <a:pPr lvl="0" algn="ctr" defTabSz="2622550">
-            <a:lnSpc>
-              <a:spcPct val="90000"/>
-            </a:lnSpc>
-            <a:spcBef>
-              <a:spcPct val="0"/>
-            </a:spcBef>
-            <a:spcAft>
-              <a:spcPct val="35000"/>
-            </a:spcAft>
-          </a:pPr>
-          <a:endParaRPr lang="pt-BR" sz="5900" b="1" kern="1200" dirty="0">
-            <a:solidFill>
-              <a:srgbClr val="FF0000"/>
-            </a:solidFill>
-          </a:endParaRPr>
-        </a:p>
-      </dsp:txBody>
-      <dsp:txXfrm>
-        <a:off x="33505" y="673235"/>
-        <a:ext cx="1356915" cy="1016900"/>
-      </dsp:txXfrm>
-    </dsp:sp>
-    <dsp:sp modelId="{DEAA91AC-93C3-4E21-ABA3-73EF923A1287}">
-      <dsp:nvSpPr>
-        <dsp:cNvPr id="0" name=""/>
-        <dsp:cNvSpPr/>
-      </dsp:nvSpPr>
-      <dsp:spPr>
-        <a:xfrm>
-          <a:off x="1422057" y="1148814"/>
-          <a:ext cx="500474" cy="65742"/>
-        </a:xfrm>
-        <a:custGeom>
-          <a:avLst/>
-          <a:gdLst/>
-          <a:ahLst/>
-          <a:cxnLst/>
-          <a:rect l="0" t="0" r="0" b="0"/>
-          <a:pathLst>
-            <a:path>
-              <a:moveTo>
-                <a:pt x="0" y="32871"/>
-              </a:moveTo>
-              <a:lnTo>
-                <a:pt x="500474" y="32871"/>
-              </a:lnTo>
-            </a:path>
-          </a:pathLst>
-        </a:custGeom>
-        <a:noFill/>
-        <a:ln w="28575" cap="flat" cmpd="sng" algn="ctr">
-          <a:solidFill>
-            <a:schemeClr val="accent1">
-              <a:shade val="60000"/>
-              <a:hueOff val="0"/>
-              <a:satOff val="0"/>
-              <a:lumOff val="0"/>
-              <a:alphaOff val="0"/>
-            </a:schemeClr>
-          </a:solidFill>
-          <a:prstDash val="solid"/>
-        </a:ln>
-        <a:effectLst/>
-      </dsp:spPr>
-      <dsp:style>
-        <a:lnRef idx="2">
-          <a:scrgbClr r="0" g="0" b="0"/>
-        </a:lnRef>
-        <a:fillRef idx="0">
-          <a:scrgbClr r="0" g="0" b="0"/>
-        </a:fillRef>
-        <a:effectRef idx="0">
-          <a:scrgbClr r="0" g="0" b="0"/>
-        </a:effectRef>
-        <a:fontRef idx="minor"/>
-      </dsp:style>
-      <dsp:txBody>
-        <a:bodyPr spcFirstLastPara="0" vert="horz" wrap="square" lIns="12700" tIns="0" rIns="12700" bIns="0" numCol="1" spcCol="1270" anchor="ctr" anchorCtr="0">
-          <a:noAutofit/>
-        </a:bodyPr>
-        <a:lstStyle/>
-        <a:p>
-          <a:pPr lvl="0" algn="ctr" defTabSz="222250">
-            <a:lnSpc>
-              <a:spcPct val="90000"/>
-            </a:lnSpc>
-            <a:spcBef>
-              <a:spcPct val="0"/>
-            </a:spcBef>
-            <a:spcAft>
-              <a:spcPct val="35000"/>
-            </a:spcAft>
-          </a:pPr>
-          <a:endParaRPr lang="pt-BR" sz="500" kern="1200"/>
-        </a:p>
-      </dsp:txBody>
-      <dsp:txXfrm>
-        <a:off x="1659782" y="1169173"/>
-        <a:ext cx="25023" cy="25023"/>
-      </dsp:txXfrm>
-    </dsp:sp>
-    <dsp:sp modelId="{625AAC6B-A1C6-4FA3-AF6C-57C1E02563C2}">
-      <dsp:nvSpPr>
-        <dsp:cNvPr id="0" name=""/>
-        <dsp:cNvSpPr/>
-      </dsp:nvSpPr>
-      <dsp:spPr>
-        <a:xfrm>
-          <a:off x="1922532" y="641598"/>
-          <a:ext cx="1420189" cy="1080174"/>
-        </a:xfrm>
-        <a:prstGeom prst="roundRect">
-          <a:avLst>
-            <a:gd name="adj" fmla="val 10000"/>
-          </a:avLst>
-        </a:prstGeom>
-        <a:blipFill rotWithShape="0">
-          <a:blip xmlns:r="http://schemas.openxmlformats.org/officeDocument/2006/relationships" r:embed="rId2"/>
-          <a:stretch>
-            <a:fillRect/>
-          </a:stretch>
-        </a:blipFill>
-        <a:ln w="28575" cap="flat" cmpd="sng" algn="ctr">
-          <a:solidFill>
-            <a:schemeClr val="lt1">
-              <a:hueOff val="0"/>
-              <a:satOff val="0"/>
-              <a:lumOff val="0"/>
-              <a:alphaOff val="0"/>
-            </a:schemeClr>
-          </a:solidFill>
-          <a:prstDash val="solid"/>
-        </a:ln>
-        <a:effectLst/>
-      </dsp:spPr>
-      <dsp:style>
-        <a:lnRef idx="2">
-          <a:scrgbClr r="0" g="0" b="0"/>
-        </a:lnRef>
-        <a:fillRef idx="1">
-          <a:scrgbClr r="0" g="0" b="0"/>
-        </a:fillRef>
-        <a:effectRef idx="0">
-          <a:scrgbClr r="0" g="0" b="0"/>
-        </a:effectRef>
-        <a:fontRef idx="minor">
-          <a:schemeClr val="lt1"/>
-        </a:fontRef>
-      </dsp:style>
-      <dsp:txBody>
-        <a:bodyPr spcFirstLastPara="0" vert="horz" wrap="square" lIns="37465" tIns="37465" rIns="37465" bIns="37465" numCol="1" spcCol="1270" anchor="ctr" anchorCtr="0">
-          <a:noAutofit/>
-        </a:bodyPr>
-        <a:lstStyle/>
-        <a:p>
-          <a:pPr lvl="0" algn="ctr" defTabSz="2622550">
-            <a:lnSpc>
-              <a:spcPct val="90000"/>
-            </a:lnSpc>
-            <a:spcBef>
-              <a:spcPct val="0"/>
-            </a:spcBef>
-            <a:spcAft>
-              <a:spcPct val="35000"/>
-            </a:spcAft>
-          </a:pPr>
-          <a:endParaRPr lang="pt-BR" sz="5900" b="1" kern="1200" dirty="0">
-            <a:solidFill>
-              <a:srgbClr val="FF0000"/>
-            </a:solidFill>
-          </a:endParaRPr>
-        </a:p>
-      </dsp:txBody>
-      <dsp:txXfrm>
-        <a:off x="1954169" y="673235"/>
-        <a:ext cx="1356915" cy="1016900"/>
-      </dsp:txXfrm>
-    </dsp:sp>
-    <dsp:sp modelId="{40EC9B65-825A-4CFD-9FF3-3094A2D18072}">
-      <dsp:nvSpPr>
-        <dsp:cNvPr id="0" name=""/>
-        <dsp:cNvSpPr/>
-      </dsp:nvSpPr>
-      <dsp:spPr>
-        <a:xfrm rot="21350655">
-          <a:off x="3341872" y="1125420"/>
-          <a:ext cx="645639" cy="65742"/>
-        </a:xfrm>
-        <a:custGeom>
-          <a:avLst/>
-          <a:gdLst/>
-          <a:ahLst/>
-          <a:cxnLst/>
-          <a:rect l="0" t="0" r="0" b="0"/>
-          <a:pathLst>
-            <a:path>
-              <a:moveTo>
-                <a:pt x="0" y="32871"/>
-              </a:moveTo>
-              <a:lnTo>
-                <a:pt x="645639" y="32871"/>
-              </a:lnTo>
-            </a:path>
-          </a:pathLst>
-        </a:custGeom>
-        <a:noFill/>
-        <a:ln w="28575" cap="flat" cmpd="sng" algn="ctr">
-          <a:solidFill>
-            <a:schemeClr val="accent1">
-              <a:shade val="80000"/>
-              <a:hueOff val="0"/>
-              <a:satOff val="0"/>
-              <a:lumOff val="0"/>
-              <a:alphaOff val="0"/>
-            </a:schemeClr>
-          </a:solidFill>
-          <a:prstDash val="solid"/>
-        </a:ln>
-        <a:effectLst/>
-      </dsp:spPr>
-      <dsp:style>
-        <a:lnRef idx="2">
-          <a:scrgbClr r="0" g="0" b="0"/>
-        </a:lnRef>
-        <a:fillRef idx="0">
-          <a:scrgbClr r="0" g="0" b="0"/>
-        </a:fillRef>
-        <a:effectRef idx="0">
-          <a:scrgbClr r="0" g="0" b="0"/>
-        </a:effectRef>
-        <a:fontRef idx="minor"/>
-      </dsp:style>
-      <dsp:txBody>
-        <a:bodyPr spcFirstLastPara="0" vert="horz" wrap="square" lIns="12700" tIns="0" rIns="12700" bIns="0" numCol="1" spcCol="1270" anchor="ctr" anchorCtr="0">
-          <a:noAutofit/>
-        </a:bodyPr>
-        <a:lstStyle/>
-        <a:p>
-          <a:pPr lvl="0" algn="ctr" defTabSz="222250">
-            <a:lnSpc>
-              <a:spcPct val="90000"/>
-            </a:lnSpc>
-            <a:spcBef>
-              <a:spcPct val="0"/>
-            </a:spcBef>
-            <a:spcAft>
-              <a:spcPct val="35000"/>
-            </a:spcAft>
-          </a:pPr>
-          <a:endParaRPr lang="pt-BR" sz="500" kern="1200"/>
-        </a:p>
-      </dsp:txBody>
-      <dsp:txXfrm>
-        <a:off x="3648551" y="1142150"/>
-        <a:ext cx="32281" cy="32281"/>
-      </dsp:txXfrm>
-    </dsp:sp>
-    <dsp:sp modelId="{3F240D39-27BF-4E23-88E7-47F174716589}">
-      <dsp:nvSpPr>
-        <dsp:cNvPr id="0" name=""/>
-        <dsp:cNvSpPr/>
-      </dsp:nvSpPr>
-      <dsp:spPr>
-        <a:xfrm>
-          <a:off x="3986663" y="577703"/>
-          <a:ext cx="1291704" cy="1114386"/>
-        </a:xfrm>
-        <a:prstGeom prst="roundRect">
-          <a:avLst>
-            <a:gd name="adj" fmla="val 10000"/>
-          </a:avLst>
-        </a:prstGeom>
-        <a:blipFill rotWithShape="0">
-          <a:blip xmlns:r="http://schemas.openxmlformats.org/officeDocument/2006/relationships" r:embed="rId3"/>
-          <a:stretch>
-            <a:fillRect/>
-          </a:stretch>
-        </a:blipFill>
-        <a:ln w="28575" cap="flat" cmpd="sng" algn="ctr">
-          <a:solidFill>
-            <a:schemeClr val="lt1">
-              <a:hueOff val="0"/>
-              <a:satOff val="0"/>
-              <a:lumOff val="0"/>
-              <a:alphaOff val="0"/>
-            </a:schemeClr>
-          </a:solidFill>
-          <a:prstDash val="solid"/>
-        </a:ln>
-        <a:effectLst/>
-      </dsp:spPr>
-      <dsp:style>
-        <a:lnRef idx="2">
-          <a:scrgbClr r="0" g="0" b="0"/>
-        </a:lnRef>
-        <a:fillRef idx="1">
-          <a:scrgbClr r="0" g="0" b="0"/>
-        </a:fillRef>
-        <a:effectRef idx="0">
-          <a:scrgbClr r="0" g="0" b="0"/>
-        </a:effectRef>
-        <a:fontRef idx="minor">
-          <a:schemeClr val="lt1"/>
-        </a:fontRef>
-      </dsp:style>
-      <dsp:txBody>
-        <a:bodyPr spcFirstLastPara="0" vert="horz" wrap="square" lIns="38735" tIns="38735" rIns="38735" bIns="38735" numCol="1" spcCol="1270" anchor="ctr" anchorCtr="0">
-          <a:noAutofit/>
-        </a:bodyPr>
-        <a:lstStyle/>
-        <a:p>
-          <a:pPr lvl="0" algn="ctr" defTabSz="2711450">
-            <a:lnSpc>
-              <a:spcPct val="90000"/>
-            </a:lnSpc>
-            <a:spcBef>
-              <a:spcPct val="0"/>
-            </a:spcBef>
-            <a:spcAft>
-              <a:spcPct val="35000"/>
-            </a:spcAft>
-          </a:pPr>
-          <a:endParaRPr lang="pt-BR" sz="6100" b="1" kern="1200" dirty="0">
-            <a:solidFill>
-              <a:srgbClr val="FF0000"/>
-            </a:solidFill>
-          </a:endParaRPr>
-        </a:p>
-      </dsp:txBody>
-      <dsp:txXfrm>
-        <a:off x="4019302" y="610342"/>
-        <a:ext cx="1226426" cy="1049108"/>
-      </dsp:txXfrm>
-    </dsp:sp>
-    <dsp:sp modelId="{96677CEF-A1B8-4F89-9C60-579502C7ED3D}">
-      <dsp:nvSpPr>
-        <dsp:cNvPr id="0" name=""/>
-        <dsp:cNvSpPr/>
-      </dsp:nvSpPr>
-      <dsp:spPr>
-        <a:xfrm rot="19018365">
-          <a:off x="5183190" y="860572"/>
-          <a:ext cx="707715" cy="65742"/>
-        </a:xfrm>
-        <a:custGeom>
-          <a:avLst/>
-          <a:gdLst/>
-          <a:ahLst/>
-          <a:cxnLst/>
-          <a:rect l="0" t="0" r="0" b="0"/>
-          <a:pathLst>
-            <a:path>
-              <a:moveTo>
-                <a:pt x="0" y="32871"/>
-              </a:moveTo>
-              <a:lnTo>
-                <a:pt x="707715" y="32871"/>
-              </a:lnTo>
-            </a:path>
-          </a:pathLst>
-        </a:custGeom>
-        <a:noFill/>
-        <a:ln w="28575" cap="flat" cmpd="sng" algn="ctr">
-          <a:solidFill>
-            <a:schemeClr val="accent1">
-              <a:shade val="80000"/>
-              <a:hueOff val="0"/>
-              <a:satOff val="0"/>
-              <a:lumOff val="0"/>
-              <a:alphaOff val="0"/>
-            </a:schemeClr>
-          </a:solidFill>
-          <a:prstDash val="solid"/>
-        </a:ln>
-        <a:effectLst/>
-      </dsp:spPr>
-      <dsp:style>
-        <a:lnRef idx="2">
-          <a:scrgbClr r="0" g="0" b="0"/>
-        </a:lnRef>
-        <a:fillRef idx="0">
-          <a:scrgbClr r="0" g="0" b="0"/>
-        </a:fillRef>
-        <a:effectRef idx="0">
-          <a:scrgbClr r="0" g="0" b="0"/>
-        </a:effectRef>
-        <a:fontRef idx="minor"/>
-      </dsp:style>
-      <dsp:txBody>
-        <a:bodyPr spcFirstLastPara="0" vert="horz" wrap="square" lIns="12700" tIns="0" rIns="12700" bIns="0" numCol="1" spcCol="1270" anchor="ctr" anchorCtr="0">
-          <a:noAutofit/>
-        </a:bodyPr>
-        <a:lstStyle/>
-        <a:p>
-          <a:pPr lvl="0" algn="ctr" defTabSz="222250">
-            <a:lnSpc>
-              <a:spcPct val="90000"/>
-            </a:lnSpc>
-            <a:spcBef>
-              <a:spcPct val="0"/>
-            </a:spcBef>
-            <a:spcAft>
-              <a:spcPct val="35000"/>
-            </a:spcAft>
-          </a:pPr>
-          <a:endParaRPr lang="pt-BR" sz="500" kern="1200"/>
-        </a:p>
-      </dsp:txBody>
-      <dsp:txXfrm>
-        <a:off x="5519355" y="875750"/>
-        <a:ext cx="35385" cy="35385"/>
-      </dsp:txXfrm>
-    </dsp:sp>
-    <dsp:sp modelId="{C9FE6AAB-0763-4305-BA94-5BEB7902709A}">
-      <dsp:nvSpPr>
-        <dsp:cNvPr id="0" name=""/>
-        <dsp:cNvSpPr/>
-      </dsp:nvSpPr>
-      <dsp:spPr>
-        <a:xfrm>
-          <a:off x="5795728" y="123257"/>
-          <a:ext cx="1249155" cy="1057465"/>
-        </a:xfrm>
-        <a:prstGeom prst="roundRect">
-          <a:avLst>
-            <a:gd name="adj" fmla="val 10000"/>
-          </a:avLst>
-        </a:prstGeom>
-        <a:blipFill rotWithShape="0">
-          <a:blip xmlns:r="http://schemas.openxmlformats.org/officeDocument/2006/relationships" r:embed="rId4"/>
-          <a:stretch>
-            <a:fillRect/>
-          </a:stretch>
-        </a:blipFill>
-        <a:ln w="28575" cap="flat" cmpd="sng" algn="ctr">
-          <a:noFill/>
-          <a:prstDash val="solid"/>
-        </a:ln>
-        <a:effectLst/>
-      </dsp:spPr>
-      <dsp:style>
-        <a:lnRef idx="2">
-          <a:scrgbClr r="0" g="0" b="0"/>
-        </a:lnRef>
-        <a:fillRef idx="1">
-          <a:scrgbClr r="0" g="0" b="0"/>
-        </a:fillRef>
-        <a:effectRef idx="0">
-          <a:scrgbClr r="0" g="0" b="0"/>
-        </a:effectRef>
-        <a:fontRef idx="minor">
-          <a:schemeClr val="lt1"/>
-        </a:fontRef>
-      </dsp:style>
-      <dsp:txBody>
-        <a:bodyPr spcFirstLastPara="0" vert="horz" wrap="square" lIns="36830" tIns="36830" rIns="36830" bIns="36830" numCol="1" spcCol="1270" anchor="ctr" anchorCtr="0">
-          <a:noAutofit/>
-        </a:bodyPr>
-        <a:lstStyle/>
-        <a:p>
-          <a:pPr lvl="0" algn="ctr" defTabSz="2578100">
-            <a:lnSpc>
-              <a:spcPct val="90000"/>
-            </a:lnSpc>
-            <a:spcBef>
-              <a:spcPct val="0"/>
-            </a:spcBef>
-            <a:spcAft>
-              <a:spcPct val="35000"/>
-            </a:spcAft>
-          </a:pPr>
-          <a:endParaRPr lang="pt-BR" sz="5800" b="1" kern="1200" dirty="0">
-            <a:solidFill>
-              <a:srgbClr val="FF0000"/>
-            </a:solidFill>
-          </a:endParaRPr>
-        </a:p>
-      </dsp:txBody>
-      <dsp:txXfrm>
-        <a:off x="5826700" y="154229"/>
-        <a:ext cx="1187211" cy="995521"/>
-      </dsp:txXfrm>
-    </dsp:sp>
-    <dsp:sp modelId="{7995B477-DC24-4711-9C2A-A8BDC97B8C53}">
-      <dsp:nvSpPr>
-        <dsp:cNvPr id="0" name=""/>
-        <dsp:cNvSpPr/>
-      </dsp:nvSpPr>
-      <dsp:spPr>
-        <a:xfrm rot="58801">
-          <a:off x="7044850" y="623010"/>
-          <a:ext cx="455024" cy="65742"/>
-        </a:xfrm>
-        <a:custGeom>
-          <a:avLst/>
-          <a:gdLst/>
-          <a:ahLst/>
-          <a:cxnLst/>
-          <a:rect l="0" t="0" r="0" b="0"/>
-          <a:pathLst>
-            <a:path>
-              <a:moveTo>
-                <a:pt x="0" y="32871"/>
-              </a:moveTo>
-              <a:lnTo>
-                <a:pt x="455024" y="32871"/>
-              </a:lnTo>
-            </a:path>
-          </a:pathLst>
-        </a:custGeom>
-        <a:noFill/>
-        <a:ln w="28575" cap="flat" cmpd="sng" algn="ctr">
-          <a:solidFill>
-            <a:schemeClr val="accent1">
-              <a:shade val="80000"/>
-              <a:hueOff val="0"/>
-              <a:satOff val="0"/>
-              <a:lumOff val="0"/>
-              <a:alphaOff val="0"/>
-            </a:schemeClr>
-          </a:solidFill>
-          <a:prstDash val="solid"/>
-        </a:ln>
-        <a:effectLst/>
-      </dsp:spPr>
-      <dsp:style>
-        <a:lnRef idx="2">
-          <a:scrgbClr r="0" g="0" b="0"/>
-        </a:lnRef>
-        <a:fillRef idx="0">
-          <a:scrgbClr r="0" g="0" b="0"/>
-        </a:fillRef>
-        <a:effectRef idx="0">
-          <a:scrgbClr r="0" g="0" b="0"/>
-        </a:effectRef>
-        <a:fontRef idx="minor"/>
-      </dsp:style>
-      <dsp:txBody>
-        <a:bodyPr spcFirstLastPara="0" vert="horz" wrap="square" lIns="12700" tIns="0" rIns="12700" bIns="0" numCol="1" spcCol="1270" anchor="ctr" anchorCtr="0">
-          <a:noAutofit/>
-        </a:bodyPr>
-        <a:lstStyle/>
-        <a:p>
-          <a:pPr lvl="0" algn="ctr" defTabSz="222250">
-            <a:lnSpc>
-              <a:spcPct val="90000"/>
-            </a:lnSpc>
-            <a:spcBef>
-              <a:spcPct val="0"/>
-            </a:spcBef>
-            <a:spcAft>
-              <a:spcPct val="35000"/>
-            </a:spcAft>
-          </a:pPr>
-          <a:endParaRPr lang="pt-BR" sz="500" kern="1200"/>
-        </a:p>
-      </dsp:txBody>
-      <dsp:txXfrm>
-        <a:off x="7260987" y="644506"/>
-        <a:ext cx="22751" cy="22751"/>
-      </dsp:txXfrm>
-    </dsp:sp>
-    <dsp:sp modelId="{A495C0D0-0E80-48DB-8154-D582C59B72C3}">
-      <dsp:nvSpPr>
-        <dsp:cNvPr id="0" name=""/>
-        <dsp:cNvSpPr/>
-      </dsp:nvSpPr>
-      <dsp:spPr>
-        <a:xfrm>
-          <a:off x="7499841" y="132066"/>
-          <a:ext cx="1145070" cy="1055413"/>
-        </a:xfrm>
-        <a:prstGeom prst="roundRect">
-          <a:avLst>
-            <a:gd name="adj" fmla="val 10000"/>
-          </a:avLst>
-        </a:prstGeom>
-        <a:blipFill rotWithShape="0">
-          <a:blip xmlns:r="http://schemas.openxmlformats.org/officeDocument/2006/relationships" r:embed="rId5"/>
-          <a:stretch>
-            <a:fillRect/>
-          </a:stretch>
-        </a:blipFill>
-        <a:ln w="28575" cap="flat" cmpd="sng" algn="ctr">
-          <a:noFill/>
-          <a:prstDash val="solid"/>
-        </a:ln>
-        <a:effectLst/>
-      </dsp:spPr>
-      <dsp:style>
-        <a:lnRef idx="2">
-          <a:scrgbClr r="0" g="0" b="0"/>
-        </a:lnRef>
-        <a:fillRef idx="1">
-          <a:scrgbClr r="0" g="0" b="0"/>
-        </a:fillRef>
-        <a:effectRef idx="0">
-          <a:scrgbClr r="0" g="0" b="0"/>
-        </a:effectRef>
-        <a:fontRef idx="minor">
-          <a:schemeClr val="lt1"/>
-        </a:fontRef>
-      </dsp:style>
-      <dsp:txBody>
-        <a:bodyPr spcFirstLastPara="0" vert="horz" wrap="square" lIns="36830" tIns="36830" rIns="36830" bIns="36830" numCol="1" spcCol="1270" anchor="ctr" anchorCtr="0">
-          <a:noAutofit/>
-        </a:bodyPr>
-        <a:lstStyle/>
-        <a:p>
-          <a:pPr lvl="0" algn="ctr" defTabSz="2578100">
-            <a:lnSpc>
-              <a:spcPct val="90000"/>
-            </a:lnSpc>
-            <a:spcBef>
-              <a:spcPct val="0"/>
-            </a:spcBef>
-            <a:spcAft>
-              <a:spcPct val="35000"/>
-            </a:spcAft>
-          </a:pPr>
-          <a:endParaRPr lang="pt-BR" sz="5800" b="1" kern="1200" dirty="0">
-            <a:solidFill>
-              <a:srgbClr val="FF0000"/>
-            </a:solidFill>
-          </a:endParaRPr>
-        </a:p>
-      </dsp:txBody>
-      <dsp:txXfrm>
-        <a:off x="7530753" y="162978"/>
-        <a:ext cx="1083246" cy="993589"/>
       </dsp:txXfrm>
     </dsp:sp>
   </dsp:spTree>
@@ -17585,7 +17581,7 @@
           <a:p>
             <a:fld id="{3F5D9F91-5035-469D-968F-FE3C304D0282}" type="datetimeFigureOut">
               <a:rPr lang="pt-BR" smtClean="0"/>
-              <a:t>29/11/2018</a:t>
+              <a:t>02/12/2018</a:t>
             </a:fld>
             <a:endParaRPr lang="pt-BR"/>
           </a:p>
@@ -18573,7 +18569,7 @@
           <a:p>
             <a:fld id="{6170734A-4B5A-4F3B-B573-1E93A2DEC51B}" type="datetimeFigureOut">
               <a:rPr lang="pt-BR" smtClean="0"/>
-              <a:t>29/11/2018</a:t>
+              <a:t>02/12/2018</a:t>
             </a:fld>
             <a:endParaRPr lang="pt-BR"/>
           </a:p>
@@ -18738,7 +18734,7 @@
           <a:p>
             <a:fld id="{6170734A-4B5A-4F3B-B573-1E93A2DEC51B}" type="datetimeFigureOut">
               <a:rPr lang="pt-BR" smtClean="0"/>
-              <a:t>29/11/2018</a:t>
+              <a:t>02/12/2018</a:t>
             </a:fld>
             <a:endParaRPr lang="pt-BR"/>
           </a:p>
@@ -18913,7 +18909,7 @@
           <a:p>
             <a:fld id="{6170734A-4B5A-4F3B-B573-1E93A2DEC51B}" type="datetimeFigureOut">
               <a:rPr lang="pt-BR" smtClean="0"/>
-              <a:t>29/11/2018</a:t>
+              <a:t>02/12/2018</a:t>
             </a:fld>
             <a:endParaRPr lang="pt-BR"/>
           </a:p>
@@ -19096,7 +19092,7 @@
           <a:p>
             <a:fld id="{6170734A-4B5A-4F3B-B573-1E93A2DEC51B}" type="datetimeFigureOut">
               <a:rPr lang="pt-BR" smtClean="0"/>
-              <a:t>29/11/2018</a:t>
+              <a:t>02/12/2018</a:t>
             </a:fld>
             <a:endParaRPr lang="pt-BR"/>
           </a:p>
@@ -19358,7 +19354,7 @@
           <a:p>
             <a:fld id="{6170734A-4B5A-4F3B-B573-1E93A2DEC51B}" type="datetimeFigureOut">
               <a:rPr lang="pt-BR" smtClean="0"/>
-              <a:t>29/11/2018</a:t>
+              <a:t>02/12/2018</a:t>
             </a:fld>
             <a:endParaRPr lang="pt-BR"/>
           </a:p>
@@ -19706,7 +19702,7 @@
           <a:p>
             <a:fld id="{6170734A-4B5A-4F3B-B573-1E93A2DEC51B}" type="datetimeFigureOut">
               <a:rPr lang="pt-BR" smtClean="0"/>
-              <a:t>29/11/2018</a:t>
+              <a:t>02/12/2018</a:t>
             </a:fld>
             <a:endParaRPr lang="pt-BR"/>
           </a:p>
@@ -20014,7 +20010,7 @@
           <a:p>
             <a:fld id="{6170734A-4B5A-4F3B-B573-1E93A2DEC51B}" type="datetimeFigureOut">
               <a:rPr lang="pt-BR" smtClean="0"/>
-              <a:t>29/11/2018</a:t>
+              <a:t>02/12/2018</a:t>
             </a:fld>
             <a:endParaRPr lang="pt-BR"/>
           </a:p>
@@ -20241,7 +20237,7 @@
           <a:p>
             <a:fld id="{6170734A-4B5A-4F3B-B573-1E93A2DEC51B}" type="datetimeFigureOut">
               <a:rPr lang="pt-BR" smtClean="0"/>
-              <a:t>29/11/2018</a:t>
+              <a:t>02/12/2018</a:t>
             </a:fld>
             <a:endParaRPr lang="pt-BR"/>
           </a:p>
@@ -20331,7 +20327,7 @@
           <a:p>
             <a:fld id="{6170734A-4B5A-4F3B-B573-1E93A2DEC51B}" type="datetimeFigureOut">
               <a:rPr lang="pt-BR" smtClean="0"/>
-              <a:t>29/11/2018</a:t>
+              <a:t>02/12/2018</a:t>
             </a:fld>
             <a:endParaRPr lang="pt-BR"/>
           </a:p>
@@ -20619,7 +20615,7 @@
           <a:p>
             <a:fld id="{6170734A-4B5A-4F3B-B573-1E93A2DEC51B}" type="datetimeFigureOut">
               <a:rPr lang="pt-BR" smtClean="0"/>
-              <a:t>29/11/2018</a:t>
+              <a:t>02/12/2018</a:t>
             </a:fld>
             <a:endParaRPr lang="pt-BR"/>
           </a:p>
@@ -20888,7 +20884,7 @@
           <a:p>
             <a:fld id="{6170734A-4B5A-4F3B-B573-1E93A2DEC51B}" type="datetimeFigureOut">
               <a:rPr lang="pt-BR" smtClean="0"/>
-              <a:t>29/11/2018</a:t>
+              <a:t>02/12/2018</a:t>
             </a:fld>
             <a:endParaRPr lang="pt-BR"/>
           </a:p>
@@ -21098,7 +21094,7 @@
           <a:p>
             <a:fld id="{6170734A-4B5A-4F3B-B573-1E93A2DEC51B}" type="datetimeFigureOut">
               <a:rPr lang="pt-BR" smtClean="0"/>
-              <a:t>29/11/2018</a:t>
+              <a:t>02/12/2018</a:t>
             </a:fld>
             <a:endParaRPr lang="pt-BR"/>
           </a:p>
@@ -22586,8 +22582,8 @@
         </p:nvSpPr>
         <p:spPr>
           <a:xfrm>
-            <a:off x="683568" y="164705"/>
-            <a:ext cx="7964058" cy="777756"/>
+            <a:off x="827584" y="164705"/>
+            <a:ext cx="7820042" cy="777756"/>
           </a:xfrm>
         </p:spPr>
         <p:txBody>
@@ -22596,10 +22592,10 @@
           <a:p>
             <a:pPr algn="l"/>
             <a:r>
-              <a:rPr lang="pt-BR" sz="2800" dirty="0" smtClean="0"/>
-              <a:t>Arquitetura – integração de serviços</a:t>
+              <a:rPr lang="pt-BR" sz="3200" dirty="0" smtClean="0"/>
+              <a:t>Integração</a:t>
             </a:r>
-            <a:endParaRPr lang="pt-BR" sz="2800" dirty="0"/>
+            <a:endParaRPr lang="pt-BR" sz="3200" dirty="0"/>
           </a:p>
         </p:txBody>
       </p:sp>
@@ -22909,6 +22905,97 @@
           </a:p>
         </p:txBody>
       </p:sp>
+      <p:pic>
+        <p:nvPicPr>
+          <p:cNvPr id="25" name="Picture 2"/>
+          <p:cNvPicPr>
+            <a:picLocks noChangeAspect="1" noChangeArrowheads="1"/>
+          </p:cNvPicPr>
+          <p:nvPr/>
+        </p:nvPicPr>
+        <p:blipFill>
+          <a:blip r:embed="rId13" cstate="print">
+            <a:extLst>
+              <a:ext uri="{28A0092B-C50C-407E-A947-70E740481C1C}">
+                <a14:useLocalDpi xmlns:a14="http://schemas.microsoft.com/office/drawing/2010/main" val="0"/>
+              </a:ext>
+            </a:extLst>
+          </a:blip>
+          <a:srcRect/>
+          <a:stretch>
+            <a:fillRect/>
+          </a:stretch>
+        </p:blipFill>
+        <p:spPr bwMode="auto">
+          <a:xfrm>
+            <a:off x="8155156" y="332656"/>
+            <a:ext cx="827584" cy="472031"/>
+          </a:xfrm>
+          <a:prstGeom prst="rect">
+            <a:avLst/>
+          </a:prstGeom>
+          <a:solidFill>
+            <a:srgbClr val="FFFFFF">
+              <a:shade val="85000"/>
+            </a:srgbClr>
+          </a:solidFill>
+          <a:ln w="101600" cap="sq">
+            <a:solidFill>
+              <a:srgbClr val="FDFDFD"/>
+            </a:solidFill>
+            <a:miter lim="800000"/>
+          </a:ln>
+          <a:effectLst>
+            <a:outerShdw blurRad="57150" dist="37500" dir="7560000" sy="98000" kx="110000" ky="200000" algn="tl" rotWithShape="0">
+              <a:srgbClr val="000000">
+                <a:alpha val="20000"/>
+              </a:srgbClr>
+            </a:outerShdw>
+          </a:effectLst>
+          <a:scene3d>
+            <a:camera prst="perspectiveRelaxed">
+              <a:rot lat="18960000" lon="0" rev="0"/>
+            </a:camera>
+            <a:lightRig rig="twoPt" dir="t">
+              <a:rot lat="0" lon="0" rev="7200000"/>
+            </a:lightRig>
+          </a:scene3d>
+          <a:sp3d prstMaterial="matte">
+            <a:bevelT w="22860" h="12700"/>
+            <a:contourClr>
+              <a:srgbClr val="FFFFFF"/>
+            </a:contourClr>
+          </a:sp3d>
+          <a:extLst>
+            <a:ext uri="{909E8E84-426E-40DD-AFC4-6F175D3DCCD1}">
+              <a14:hiddenFill xmlns:a14="http://schemas.microsoft.com/office/drawing/2010/main">
+                <a:solidFill>
+                  <a:schemeClr val="accent1"/>
+                </a:solidFill>
+              </a14:hiddenFill>
+            </a:ext>
+            <a:ext uri="{91240B29-F687-4F45-9708-019B960494DF}">
+              <a14:hiddenLine xmlns:a14="http://schemas.microsoft.com/office/drawing/2010/main" w="9525">
+                <a:solidFill>
+                  <a:schemeClr val="tx1"/>
+                </a:solidFill>
+                <a:miter lim="800000"/>
+                <a:headEnd/>
+                <a:tailEnd/>
+              </a14:hiddenLine>
+            </a:ext>
+            <a:ext uri="{AF507438-7753-43E0-B8FC-AC1667EBCBE1}">
+              <a14:hiddenEffects xmlns:a14="http://schemas.microsoft.com/office/drawing/2010/main">
+                <a:effectLst>
+                  <a:outerShdw dist="35921" dir="2700000" algn="ctr" rotWithShape="0">
+                    <a:schemeClr val="bg2"/>
+                  </a:outerShdw>
+                </a:effectLst>
+              </a14:hiddenEffects>
+            </a:ext>
+          </a:extLst>
+        </p:spPr>
+      </p:pic>
     </p:spTree>
     <p:extLst>
       <p:ext uri="{BB962C8B-B14F-4D97-AF65-F5344CB8AC3E}">
@@ -23625,46 +23712,6 @@
               <a:rPr lang="pt-BR" b="1" dirty="0" err="1" smtClean="0"/>
               <a:t>Heroku</a:t>
             </a:r>
-            <a:endParaRPr lang="pt-BR" b="1" dirty="0" smtClean="0"/>
-          </a:p>
-          <a:p>
-            <a:pPr>
-              <a:lnSpc>
-                <a:spcPct val="150000"/>
-              </a:lnSpc>
-              <a:buFont typeface="Wingdings" pitchFamily="2" charset="2"/>
-              <a:buChar char="ü"/>
-            </a:pPr>
-            <a:endParaRPr lang="pt-BR" b="1" dirty="0" smtClean="0"/>
-          </a:p>
-          <a:p>
-            <a:pPr>
-              <a:lnSpc>
-                <a:spcPct val="150000"/>
-              </a:lnSpc>
-              <a:buFont typeface="Wingdings" pitchFamily="2" charset="2"/>
-              <a:buChar char="ü"/>
-            </a:pPr>
-            <a:endParaRPr lang="pt-BR" b="1" dirty="0" smtClean="0"/>
-          </a:p>
-          <a:p>
-            <a:pPr>
-              <a:lnSpc>
-                <a:spcPct val="150000"/>
-              </a:lnSpc>
-              <a:buFont typeface="Wingdings" pitchFamily="2" charset="2"/>
-              <a:buChar char="ü"/>
-            </a:pPr>
-            <a:endParaRPr lang="pt-BR" b="1" dirty="0" smtClean="0"/>
-          </a:p>
-          <a:p>
-            <a:pPr>
-              <a:lnSpc>
-                <a:spcPct val="150000"/>
-              </a:lnSpc>
-              <a:buFont typeface="Wingdings" pitchFamily="2" charset="2"/>
-              <a:buChar char="ü"/>
-            </a:pPr>
             <a:endParaRPr lang="pt-BR" b="1" dirty="0"/>
           </a:p>
         </p:txBody>
@@ -23808,11 +23855,7 @@
           <a:p>
             <a:r>
               <a:rPr lang="pt-BR" sz="3200" dirty="0" smtClean="0"/>
-              <a:t>P</a:t>
-            </a:r>
-            <a:r>
-              <a:rPr lang="pt-BR" sz="3200" dirty="0" smtClean="0"/>
-              <a:t>rincipais telas da solução</a:t>
+              <a:t>Principais telas da solução</a:t>
             </a:r>
             <a:endParaRPr lang="pt-BR" sz="3200" dirty="0"/>
           </a:p>
@@ -25180,47 +25223,12 @@
             </a:pPr>
             <a:r>
               <a:rPr lang="pt-BR" b="1" dirty="0" smtClean="0"/>
-              <a:t>Poder de integração</a:t>
+              <a:t>Poder de </a:t>
             </a:r>
-          </a:p>
-          <a:p>
-            <a:pPr>
-              <a:lnSpc>
-                <a:spcPct val="300000"/>
-              </a:lnSpc>
-              <a:buFont typeface="Wingdings" pitchFamily="2" charset="2"/>
-              <a:buChar char="ü"/>
-            </a:pPr>
-            <a:endParaRPr lang="pt-BR" b="1" dirty="0" smtClean="0"/>
-          </a:p>
-          <a:p>
-            <a:pPr>
-              <a:lnSpc>
-                <a:spcPct val="300000"/>
-              </a:lnSpc>
-              <a:buFont typeface="Wingdings" pitchFamily="2" charset="2"/>
-              <a:buChar char="ü"/>
-            </a:pPr>
-            <a:endParaRPr lang="pt-BR" b="1" dirty="0" smtClean="0"/>
-          </a:p>
-          <a:p>
-            <a:pPr>
-              <a:lnSpc>
-                <a:spcPct val="300000"/>
-              </a:lnSpc>
-              <a:buFont typeface="Wingdings" pitchFamily="2" charset="2"/>
-              <a:buChar char="ü"/>
-            </a:pPr>
-            <a:endParaRPr lang="pt-BR" b="1" dirty="0" smtClean="0"/>
-          </a:p>
-          <a:p>
-            <a:pPr>
-              <a:lnSpc>
-                <a:spcPct val="300000"/>
-              </a:lnSpc>
-              <a:buFont typeface="Wingdings" pitchFamily="2" charset="2"/>
-              <a:buChar char="ü"/>
-            </a:pPr>
+            <a:r>
+              <a:rPr lang="pt-BR" b="1" dirty="0" smtClean="0"/>
+              <a:t>integração</a:t>
+            </a:r>
             <a:endParaRPr lang="pt-BR" b="1" dirty="0"/>
           </a:p>
         </p:txBody>
@@ -25508,24 +25516,15 @@
                   <a:srgbClr val="00B050"/>
                 </a:solidFill>
               </a:rPr>
-              <a:t>Apresentação geral</a:t>
+              <a:t>Descrição </a:t>
             </a:r>
-          </a:p>
-          <a:p>
-            <a:pPr>
-              <a:lnSpc>
-                <a:spcPct val="200000"/>
-              </a:lnSpc>
-              <a:buFont typeface="Wingdings" pitchFamily="2" charset="2"/>
-              <a:buChar char="ü"/>
-            </a:pPr>
             <a:r>
               <a:rPr lang="pt-BR" sz="2000" b="1" dirty="0">
                 <a:solidFill>
                   <a:srgbClr val="00B050"/>
                 </a:solidFill>
               </a:rPr>
-              <a:t>Descrição do </a:t>
+              <a:t>do </a:t>
             </a:r>
             <a:r>
               <a:rPr lang="pt-BR" sz="2000" b="1" dirty="0" smtClean="0">
@@ -25659,113 +25658,16 @@
                   <a:srgbClr val="00B050"/>
                 </a:solidFill>
               </a:rPr>
-              <a:t>do MVP</a:t>
+              <a:t>do </a:t>
             </a:r>
-          </a:p>
-          <a:p>
-            <a:pPr>
-              <a:lnSpc>
-                <a:spcPct val="200000"/>
-              </a:lnSpc>
-              <a:buFont typeface="Wingdings" pitchFamily="2" charset="2"/>
-              <a:buChar char="ü"/>
-            </a:pPr>
-            <a:endParaRPr lang="pt-BR" sz="2000" b="1" dirty="0" smtClean="0">
-              <a:solidFill>
-                <a:srgbClr val="00B050"/>
-              </a:solidFill>
-            </a:endParaRPr>
-          </a:p>
-          <a:p>
-            <a:pPr>
-              <a:lnSpc>
-                <a:spcPct val="200000"/>
-              </a:lnSpc>
-              <a:buFont typeface="Wingdings" pitchFamily="2" charset="2"/>
-              <a:buChar char="ü"/>
-            </a:pPr>
-            <a:endParaRPr lang="pt-BR" sz="2000" b="1" dirty="0">
-              <a:solidFill>
-                <a:srgbClr val="00B050"/>
-              </a:solidFill>
-            </a:endParaRPr>
-          </a:p>
-          <a:p>
-            <a:pPr>
-              <a:lnSpc>
-                <a:spcPct val="200000"/>
-              </a:lnSpc>
-              <a:buFont typeface="Wingdings" pitchFamily="2" charset="2"/>
-              <a:buChar char="ü"/>
-            </a:pPr>
-            <a:endParaRPr lang="pt-BR" sz="2000" b="1" dirty="0">
-              <a:solidFill>
-                <a:srgbClr val="00B050"/>
-              </a:solidFill>
-            </a:endParaRPr>
-          </a:p>
-          <a:p>
-            <a:pPr>
-              <a:lnSpc>
-                <a:spcPct val="200000"/>
-              </a:lnSpc>
-              <a:buFont typeface="Wingdings" pitchFamily="2" charset="2"/>
-              <a:buChar char="ü"/>
-            </a:pPr>
-            <a:endParaRPr lang="pt-BR" sz="2000" b="1" dirty="0">
-              <a:solidFill>
-                <a:srgbClr val="00B050"/>
-              </a:solidFill>
-            </a:endParaRPr>
-          </a:p>
-          <a:p>
-            <a:pPr>
-              <a:lnSpc>
-                <a:spcPct val="200000"/>
-              </a:lnSpc>
-              <a:buFont typeface="Wingdings" pitchFamily="2" charset="2"/>
-              <a:buChar char="ü"/>
-            </a:pPr>
-            <a:endParaRPr lang="pt-BR" sz="2000" b="1" dirty="0">
-              <a:solidFill>
-                <a:srgbClr val="00B050"/>
-              </a:solidFill>
-            </a:endParaRPr>
-          </a:p>
-          <a:p>
-            <a:pPr>
-              <a:lnSpc>
-                <a:spcPct val="200000"/>
-              </a:lnSpc>
-              <a:buFont typeface="Wingdings" pitchFamily="2" charset="2"/>
-              <a:buChar char="ü"/>
-            </a:pPr>
-            <a:endParaRPr lang="pt-BR" sz="2000" b="1" dirty="0" smtClean="0">
-              <a:solidFill>
-                <a:srgbClr val="00B050"/>
-              </a:solidFill>
-            </a:endParaRPr>
-          </a:p>
-          <a:p>
-            <a:pPr>
-              <a:lnSpc>
-                <a:spcPct val="200000"/>
-              </a:lnSpc>
-              <a:buFont typeface="Wingdings" pitchFamily="2" charset="2"/>
-              <a:buChar char="ü"/>
-            </a:pPr>
-            <a:endParaRPr lang="pt-BR" sz="2000" b="1" dirty="0" smtClean="0">
-              <a:solidFill>
-                <a:srgbClr val="00B050"/>
-              </a:solidFill>
-            </a:endParaRPr>
-          </a:p>
-          <a:p>
-            <a:pPr>
-              <a:lnSpc>
-                <a:spcPct val="200000"/>
-              </a:lnSpc>
-            </a:pPr>
+            <a:r>
+              <a:rPr lang="pt-BR" sz="2000" b="1" dirty="0" smtClean="0">
+                <a:solidFill>
+                  <a:srgbClr val="00B050"/>
+                </a:solidFill>
+              </a:rPr>
+              <a:t>MVP</a:t>
+            </a:r>
             <a:endParaRPr lang="pt-BR" sz="2000" b="1" dirty="0" smtClean="0">
               <a:solidFill>
                 <a:srgbClr val="00B050"/>
@@ -26025,7 +25927,11 @@
             <a:pPr algn="l"/>
             <a:r>
               <a:rPr lang="pt-BR" sz="3200" dirty="0" smtClean="0"/>
-              <a:t>Descrição do problema</a:t>
+              <a:t>O p</a:t>
+            </a:r>
+            <a:r>
+              <a:rPr lang="pt-BR" sz="3200" dirty="0" smtClean="0"/>
+              <a:t>roblema</a:t>
             </a:r>
             <a:endParaRPr lang="pt-BR" sz="3200" dirty="0"/>
           </a:p>
@@ -26162,23 +26068,6 @@
               <a:rPr lang="pt-BR" sz="2000" b="1" dirty="0" smtClean="0"/>
               <a:t>Prazos apertados </a:t>
             </a:r>
-          </a:p>
-          <a:p>
-            <a:pPr marL="0" indent="0">
-              <a:lnSpc>
-                <a:spcPct val="300000"/>
-              </a:lnSpc>
-              <a:buNone/>
-            </a:pPr>
-            <a:endParaRPr lang="pt-BR" sz="2000" b="1" dirty="0" smtClean="0"/>
-          </a:p>
-          <a:p>
-            <a:pPr>
-              <a:lnSpc>
-                <a:spcPct val="300000"/>
-              </a:lnSpc>
-            </a:pPr>
-            <a:endParaRPr lang="pt-BR" sz="2000" b="1" dirty="0" smtClean="0"/>
           </a:p>
         </p:txBody>
       </p:sp>
@@ -26325,8 +26214,8 @@
         </p:blipFill>
         <p:spPr bwMode="auto">
           <a:xfrm>
-            <a:off x="1546004" y="4473168"/>
-            <a:ext cx="468000" cy="505004"/>
+            <a:off x="1546004" y="4328100"/>
+            <a:ext cx="468000" cy="613068"/>
           </a:xfrm>
           <a:prstGeom prst="rect">
             <a:avLst/>
@@ -26557,10 +26446,16 @@
           <a:p>
             <a:pPr algn="l"/>
             <a:r>
-              <a:rPr lang="pt-BR" sz="3200" dirty="0" smtClean="0"/>
-              <a:t>Apresentação geral</a:t>
+              <a:rPr lang="pt-BR" sz="3600" dirty="0" smtClean="0">
+                <a:effectLst/>
+              </a:rPr>
+              <a:t>Apresentação</a:t>
             </a:r>
-            <a:endParaRPr lang="pt-BR" sz="3200" dirty="0"/>
+            <a:r>
+              <a:rPr lang="pt-BR" sz="3600" dirty="0" smtClean="0"/>
+              <a:t> geral</a:t>
+            </a:r>
+            <a:endParaRPr lang="pt-BR" sz="3600" dirty="0"/>
           </a:p>
         </p:txBody>
       </p:sp>
@@ -26668,7 +26563,23 @@
                   <a:srgbClr val="00B050"/>
                 </a:solidFill>
               </a:rPr>
-              <a:t>Sistemas de notificações interativas</a:t>
+              <a:t>Proporcionar </a:t>
+            </a:r>
+            <a:r>
+              <a:rPr lang="pt-BR" sz="2600" b="1" dirty="0" smtClean="0">
+                <a:solidFill>
+                  <a:srgbClr val="00B050"/>
+                </a:solidFill>
+              </a:rPr>
+              <a:t>notificações </a:t>
+            </a:r>
+            <a:r>
+              <a:rPr lang="pt-BR" sz="2600" b="1" dirty="0" smtClean="0">
+                <a:solidFill>
+                  <a:srgbClr val="00B050"/>
+                </a:solidFill>
+              </a:rPr>
+              <a:t>interativas</a:t>
             </a:r>
           </a:p>
           <a:p>
@@ -26722,12 +26633,12 @@
               <a:t>Solução de </a:t>
             </a:r>
             <a:r>
-              <a:rPr lang="pt-BR" sz="2600" b="1" dirty="0" err="1" smtClean="0">
+              <a:rPr lang="pt-BR" sz="2600" b="1" dirty="0" smtClean="0">
                 <a:solidFill>
                   <a:srgbClr val="00B050"/>
                 </a:solidFill>
               </a:rPr>
-              <a:t>probemas</a:t>
+              <a:t>problemas </a:t>
             </a:r>
             <a:r>
               <a:rPr lang="pt-BR" sz="2600" b="1" dirty="0" smtClean="0">
@@ -26735,28 +26646,16 @@
                   <a:srgbClr val="00B050"/>
                 </a:solidFill>
               </a:rPr>
-              <a:t> em três clicks</a:t>
+              <a:t>em três </a:t>
             </a:r>
-          </a:p>
-          <a:p>
-            <a:pPr marL="0" indent="0">
-              <a:lnSpc>
-                <a:spcPct val="300000"/>
-              </a:lnSpc>
-              <a:buNone/>
-            </a:pPr>
-            <a:endParaRPr lang="pt-BR" sz="2000" b="1" dirty="0" smtClean="0">
-              <a:solidFill>
-                <a:schemeClr val="tx1"/>
-              </a:solidFill>
-            </a:endParaRPr>
-          </a:p>
-          <a:p>
-            <a:pPr>
-              <a:lnSpc>
-                <a:spcPct val="300000"/>
-              </a:lnSpc>
-            </a:pPr>
+            <a:r>
+              <a:rPr lang="pt-BR" sz="2600" b="1" dirty="0" smtClean="0">
+                <a:solidFill>
+                  <a:srgbClr val="00B050"/>
+                </a:solidFill>
+              </a:rPr>
+              <a:t>clicks</a:t>
+            </a:r>
             <a:endParaRPr lang="pt-BR" sz="2000" b="1" dirty="0" smtClean="0">
               <a:solidFill>
                 <a:schemeClr val="tx1"/>
@@ -26878,23 +26777,24 @@
         </p:nvSpPr>
         <p:spPr>
           <a:xfrm>
-            <a:off x="385192" y="188640"/>
-            <a:ext cx="8229600" cy="836712"/>
+            <a:off x="765174" y="188640"/>
+            <a:ext cx="7849617" cy="836712"/>
           </a:xfrm>
         </p:spPr>
         <p:txBody>
           <a:bodyPr/>
           <a:lstStyle/>
           <a:p>
+            <a:pPr algn="l"/>
             <a:r>
-              <a:rPr lang="pt-BR" sz="2400" dirty="0" smtClean="0"/>
+              <a:rPr lang="pt-BR" sz="3200" dirty="0" smtClean="0"/>
               <a:t>Conceito</a:t>
             </a:r>
             <a:r>
-              <a:rPr lang="pt-BR" dirty="0" smtClean="0"/>
+              <a:rPr lang="pt-BR" sz="3600" dirty="0" smtClean="0"/>
               <a:t> </a:t>
             </a:r>
-            <a:endParaRPr lang="pt-BR" dirty="0"/>
+            <a:endParaRPr lang="pt-BR" sz="3600" dirty="0"/>
           </a:p>
         </p:txBody>
       </p:sp>
@@ -28434,21 +28334,22 @@
         </p:nvSpPr>
         <p:spPr>
           <a:xfrm>
-            <a:off x="307975" y="274638"/>
-            <a:ext cx="8728521" cy="994122"/>
+            <a:off x="827584" y="274638"/>
+            <a:ext cx="8208912" cy="778098"/>
           </a:xfrm>
         </p:spPr>
         <p:txBody>
           <a:bodyPr>
-            <a:normAutofit/>
+            <a:noAutofit/>
           </a:bodyPr>
           <a:lstStyle/>
           <a:p>
+            <a:pPr algn="l"/>
             <a:r>
-              <a:rPr lang="pt-BR" sz="2800" dirty="0" smtClean="0"/>
-              <a:t>Visão geral do produto</a:t>
+              <a:rPr lang="pt-BR" sz="3200" dirty="0" smtClean="0"/>
+              <a:t>Visão</a:t>
             </a:r>
-            <a:endParaRPr lang="pt-BR" sz="2800" dirty="0"/>
+            <a:endParaRPr lang="pt-BR" sz="3200" dirty="0"/>
           </a:p>
         </p:txBody>
       </p:sp>
@@ -29125,11 +29026,12 @@
           <a:bodyPr/>
           <a:lstStyle/>
           <a:p>
+            <a:pPr algn="l"/>
             <a:r>
-              <a:rPr lang="pt-BR" sz="1600" dirty="0" smtClean="0"/>
-              <a:t>Disparo de notificação</a:t>
+              <a:rPr lang="pt-BR" sz="3200" dirty="0" smtClean="0"/>
+              <a:t>Notificação</a:t>
             </a:r>
-            <a:endParaRPr lang="pt-BR" sz="1600" dirty="0"/>
+            <a:endParaRPr lang="pt-BR" sz="3200" dirty="0"/>
           </a:p>
         </p:txBody>
       </p:sp>
@@ -29679,7 +29581,7 @@
         <p:spPr>
           <a:xfrm>
             <a:off x="827584" y="246531"/>
-            <a:ext cx="7859216" cy="806206"/>
+            <a:ext cx="7859216" cy="878214"/>
           </a:xfrm>
         </p:spPr>
         <p:txBody>
@@ -29689,7 +29591,513 @@
             <a:pPr algn="l"/>
             <a:r>
               <a:rPr lang="pt-BR" sz="3200" dirty="0" smtClean="0"/>
-              <a:t>Arquitetura serviço</a:t>
+              <a:t>Arquitetura</a:t>
+            </a:r>
+            <a:endParaRPr lang="pt-BR" sz="3200" dirty="0"/>
+          </a:p>
+        </p:txBody>
+      </p:sp>
+      <p:pic>
+        <p:nvPicPr>
+          <p:cNvPr id="4" name="Picture 2" descr="https://cdn-images-1.medium.com/max/600/1*YHKQVfSqFafrXvGcc5wUuQ.png"/>
+          <p:cNvPicPr>
+            <a:picLocks noChangeAspect="1" noChangeArrowheads="1"/>
+          </p:cNvPicPr>
+          <p:nvPr/>
+        </p:nvPicPr>
+        <p:blipFill rotWithShape="1">
+          <a:blip r:embed="rId2">
+            <a:extLst>
+              <a:ext uri="{28A0092B-C50C-407E-A947-70E740481C1C}">
+                <a14:useLocalDpi xmlns:a14="http://schemas.microsoft.com/office/drawing/2010/main" val="0"/>
+              </a:ext>
+            </a:extLst>
+          </a:blip>
+          <a:srcRect b="11346"/>
+          <a:stretch/>
+        </p:blipFill>
+        <p:spPr bwMode="auto">
+          <a:xfrm>
+            <a:off x="0" y="-60521"/>
+            <a:ext cx="827584" cy="614104"/>
+          </a:xfrm>
+          <a:prstGeom prst="rect">
+            <a:avLst/>
+          </a:prstGeom>
+          <a:ln>
+            <a:noFill/>
+          </a:ln>
+          <a:effectLst>
+            <a:softEdge rad="112500"/>
+          </a:effectLst>
+          <a:extLst>
+            <a:ext uri="{909E8E84-426E-40DD-AFC4-6F175D3DCCD1}">
+              <a14:hiddenFill xmlns:a14="http://schemas.microsoft.com/office/drawing/2010/main">
+                <a:solidFill>
+                  <a:srgbClr val="FFFFFF"/>
+                </a:solidFill>
+              </a14:hiddenFill>
+            </a:ext>
+          </a:extLst>
+        </p:spPr>
+      </p:pic>
+      <p:sp>
+        <p:nvSpPr>
+          <p:cNvPr id="12" name="Retângulo de cantos arredondados 11"/>
+          <p:cNvSpPr/>
+          <p:nvPr/>
+        </p:nvSpPr>
+        <p:spPr>
+          <a:xfrm>
+            <a:off x="5580112" y="1700808"/>
+            <a:ext cx="3402628" cy="2448272"/>
+          </a:xfrm>
+          <a:prstGeom prst="roundRect">
+            <a:avLst/>
+          </a:prstGeom>
+          <a:solidFill>
+            <a:schemeClr val="accent5">
+              <a:lumMod val="40000"/>
+              <a:lumOff val="60000"/>
+            </a:schemeClr>
+          </a:solidFill>
+          <a:ln>
+            <a:noFill/>
+          </a:ln>
+        </p:spPr>
+        <p:style>
+          <a:lnRef idx="2">
+            <a:schemeClr val="accent1">
+              <a:shade val="50000"/>
+            </a:schemeClr>
+          </a:lnRef>
+          <a:fillRef idx="1">
+            <a:schemeClr val="accent1"/>
+          </a:fillRef>
+          <a:effectRef idx="0">
+            <a:schemeClr val="accent1"/>
+          </a:effectRef>
+          <a:fontRef idx="minor">
+            <a:schemeClr val="lt1"/>
+          </a:fontRef>
+        </p:style>
+        <p:txBody>
+          <a:bodyPr rtlCol="0" anchor="ctr"/>
+          <a:lstStyle/>
+          <a:p>
+            <a:pPr algn="ctr"/>
+            <a:endParaRPr lang="pt-BR"/>
+          </a:p>
+        </p:txBody>
+      </p:sp>
+      <p:graphicFrame>
+        <p:nvGraphicFramePr>
+          <p:cNvPr id="13" name="Diagrama 12"/>
+          <p:cNvGraphicFramePr/>
+          <p:nvPr>
+            <p:extLst>
+              <p:ext uri="{D42A27DB-BD31-4B8C-83A1-F6EECF244321}">
+                <p14:modId xmlns:p14="http://schemas.microsoft.com/office/powerpoint/2010/main" val="2224713875"/>
+              </p:ext>
+            </p:extLst>
+          </p:nvPr>
+        </p:nvGraphicFramePr>
+        <p:xfrm>
+          <a:off x="179512" y="2365516"/>
+          <a:ext cx="8803228" cy="1944216"/>
+        </p:xfrm>
+        <a:graphic>
+          <a:graphicData uri="http://schemas.openxmlformats.org/drawingml/2006/diagram">
+            <dgm:relIds xmlns:dgm="http://schemas.openxmlformats.org/drawingml/2006/diagram" xmlns:r="http://schemas.openxmlformats.org/officeDocument/2006/relationships" r:dm="rId3" r:lo="rId4" r:qs="rId5" r:cs="rId6"/>
+          </a:graphicData>
+        </a:graphic>
+      </p:graphicFrame>
+      <p:sp>
+        <p:nvSpPr>
+          <p:cNvPr id="14" name="CaixaDeTexto 13"/>
+          <p:cNvSpPr txBox="1"/>
+          <p:nvPr/>
+        </p:nvSpPr>
+        <p:spPr>
+          <a:xfrm>
+            <a:off x="179512" y="2588530"/>
+            <a:ext cx="1296144" cy="369332"/>
+          </a:xfrm>
+          <a:prstGeom prst="rect">
+            <a:avLst/>
+          </a:prstGeom>
+          <a:noFill/>
+        </p:spPr>
+        <p:txBody>
+          <a:bodyPr wrap="square" rtlCol="0">
+            <a:spAutoFit/>
+          </a:bodyPr>
+          <a:lstStyle/>
+          <a:p>
+            <a:r>
+              <a:rPr lang="pt-BR" b="1" dirty="0" smtClean="0">
+                <a:solidFill>
+                  <a:srgbClr val="00B050"/>
+                </a:solidFill>
+              </a:rPr>
+              <a:t>Aplicação</a:t>
+            </a:r>
+            <a:endParaRPr lang="pt-BR" b="1" dirty="0">
+              <a:solidFill>
+                <a:srgbClr val="00B050"/>
+              </a:solidFill>
+            </a:endParaRPr>
+          </a:p>
+        </p:txBody>
+      </p:sp>
+      <p:sp>
+        <p:nvSpPr>
+          <p:cNvPr id="15" name="CaixaDeTexto 14"/>
+          <p:cNvSpPr txBox="1"/>
+          <p:nvPr/>
+        </p:nvSpPr>
+        <p:spPr>
+          <a:xfrm>
+            <a:off x="4134165" y="2420888"/>
+            <a:ext cx="1074333" cy="369332"/>
+          </a:xfrm>
+          <a:prstGeom prst="rect">
+            <a:avLst/>
+          </a:prstGeom>
+          <a:noFill/>
+        </p:spPr>
+        <p:txBody>
+          <a:bodyPr wrap="none" rtlCol="0">
+            <a:spAutoFit/>
+          </a:bodyPr>
+          <a:lstStyle/>
+          <a:p>
+            <a:r>
+              <a:rPr lang="pt-BR" b="1" dirty="0" smtClean="0">
+                <a:solidFill>
+                  <a:srgbClr val="00B050"/>
+                </a:solidFill>
+              </a:rPr>
+              <a:t>Base AC</a:t>
+            </a:r>
+            <a:endParaRPr lang="pt-BR" b="1" dirty="0">
+              <a:solidFill>
+                <a:srgbClr val="00B050"/>
+              </a:solidFill>
+            </a:endParaRPr>
+          </a:p>
+        </p:txBody>
+      </p:sp>
+      <p:sp>
+        <p:nvSpPr>
+          <p:cNvPr id="16" name="CaixaDeTexto 15"/>
+          <p:cNvSpPr txBox="1"/>
+          <p:nvPr/>
+        </p:nvSpPr>
+        <p:spPr>
+          <a:xfrm>
+            <a:off x="2123728" y="2588530"/>
+            <a:ext cx="1056700" cy="369332"/>
+          </a:xfrm>
+          <a:prstGeom prst="rect">
+            <a:avLst/>
+          </a:prstGeom>
+          <a:noFill/>
+        </p:spPr>
+        <p:txBody>
+          <a:bodyPr wrap="none" rtlCol="0">
+            <a:spAutoFit/>
+          </a:bodyPr>
+          <a:lstStyle/>
+          <a:p>
+            <a:r>
+              <a:rPr lang="pt-BR" b="1" dirty="0" smtClean="0">
+                <a:solidFill>
+                  <a:srgbClr val="00B050"/>
+                </a:solidFill>
+              </a:rPr>
+              <a:t>Services</a:t>
+            </a:r>
+            <a:endParaRPr lang="pt-BR" b="1" dirty="0">
+              <a:solidFill>
+                <a:srgbClr val="00B050"/>
+              </a:solidFill>
+            </a:endParaRPr>
+          </a:p>
+        </p:txBody>
+      </p:sp>
+      <p:sp>
+        <p:nvSpPr>
+          <p:cNvPr id="17" name="CaixaDeTexto 16"/>
+          <p:cNvSpPr txBox="1"/>
+          <p:nvPr/>
+        </p:nvSpPr>
+        <p:spPr>
+          <a:xfrm>
+            <a:off x="7740352" y="1700808"/>
+            <a:ext cx="1242388" cy="646331"/>
+          </a:xfrm>
+          <a:prstGeom prst="rect">
+            <a:avLst/>
+          </a:prstGeom>
+          <a:noFill/>
+        </p:spPr>
+        <p:txBody>
+          <a:bodyPr wrap="square" rtlCol="0">
+            <a:spAutoFit/>
+          </a:bodyPr>
+          <a:lstStyle/>
+          <a:p>
+            <a:r>
+              <a:rPr lang="pt-BR" b="1" dirty="0" smtClean="0">
+                <a:solidFill>
+                  <a:srgbClr val="00B050"/>
+                </a:solidFill>
+              </a:rPr>
+              <a:t>Base</a:t>
+            </a:r>
+          </a:p>
+          <a:p>
+            <a:r>
+              <a:rPr lang="pt-BR" b="1" dirty="0" smtClean="0">
+                <a:solidFill>
+                  <a:srgbClr val="00B050"/>
+                </a:solidFill>
+              </a:rPr>
+              <a:t>faculdade</a:t>
+            </a:r>
+            <a:endParaRPr lang="pt-BR" b="1" dirty="0">
+              <a:solidFill>
+                <a:srgbClr val="00B050"/>
+              </a:solidFill>
+            </a:endParaRPr>
+          </a:p>
+        </p:txBody>
+      </p:sp>
+      <p:sp>
+        <p:nvSpPr>
+          <p:cNvPr id="18" name="CaixaDeTexto 17"/>
+          <p:cNvSpPr txBox="1"/>
+          <p:nvPr/>
+        </p:nvSpPr>
+        <p:spPr>
+          <a:xfrm>
+            <a:off x="6012160" y="1841451"/>
+            <a:ext cx="1056700" cy="369332"/>
+          </a:xfrm>
+          <a:prstGeom prst="rect">
+            <a:avLst/>
+          </a:prstGeom>
+          <a:noFill/>
+        </p:spPr>
+        <p:txBody>
+          <a:bodyPr wrap="none" rtlCol="0">
+            <a:spAutoFit/>
+          </a:bodyPr>
+          <a:lstStyle/>
+          <a:p>
+            <a:r>
+              <a:rPr lang="pt-BR" b="1" dirty="0" smtClean="0">
+                <a:solidFill>
+                  <a:srgbClr val="00B050"/>
+                </a:solidFill>
+              </a:rPr>
+              <a:t>Services</a:t>
+            </a:r>
+            <a:endParaRPr lang="pt-BR" b="1" dirty="0">
+              <a:solidFill>
+                <a:srgbClr val="00B050"/>
+              </a:solidFill>
+            </a:endParaRPr>
+          </a:p>
+        </p:txBody>
+      </p:sp>
+      <p:sp>
+        <p:nvSpPr>
+          <p:cNvPr id="27" name="Retângulo 26"/>
+          <p:cNvSpPr/>
+          <p:nvPr/>
+        </p:nvSpPr>
+        <p:spPr>
+          <a:xfrm>
+            <a:off x="2683715" y="4900797"/>
+            <a:ext cx="1356915" cy="1016900"/>
+          </a:xfrm>
+          <a:prstGeom prst="rect">
+            <a:avLst/>
+          </a:prstGeom>
+        </p:spPr>
+        <p:style>
+          <a:lnRef idx="0">
+            <a:scrgbClr r="0" g="0" b="0"/>
+          </a:lnRef>
+          <a:fillRef idx="0">
+            <a:scrgbClr r="0" g="0" b="0"/>
+          </a:fillRef>
+          <a:effectRef idx="0">
+            <a:scrgbClr r="0" g="0" b="0"/>
+          </a:effectRef>
+          <a:fontRef idx="minor">
+            <a:schemeClr val="lt1"/>
+          </a:fontRef>
+        </p:style>
+        <p:txBody>
+          <a:bodyPr spcFirstLastPara="0" vert="horz" wrap="square" lIns="37465" tIns="37465" rIns="37465" bIns="37465" numCol="1" spcCol="1270" anchor="ctr" anchorCtr="0">
+            <a:noAutofit/>
+          </a:bodyPr>
+          <a:lstStyle/>
+          <a:p>
+            <a:pPr lvl="0" algn="ctr" defTabSz="2622550">
+              <a:lnSpc>
+                <a:spcPct val="90000"/>
+              </a:lnSpc>
+              <a:spcBef>
+                <a:spcPct val="0"/>
+              </a:spcBef>
+              <a:spcAft>
+                <a:spcPct val="35000"/>
+              </a:spcAft>
+            </a:pPr>
+            <a:endParaRPr lang="pt-BR" sz="5900" b="1" kern="1200" dirty="0">
+              <a:solidFill>
+                <a:srgbClr val="FF0000"/>
+              </a:solidFill>
+            </a:endParaRPr>
+          </a:p>
+        </p:txBody>
+      </p:sp>
+    </p:spTree>
+    <p:extLst>
+      <p:ext uri="{BB962C8B-B14F-4D97-AF65-F5344CB8AC3E}">
+        <p14:creationId xmlns:p14="http://schemas.microsoft.com/office/powerpoint/2010/main" val="4046525752"/>
+      </p:ext>
+    </p:extLst>
+  </p:cSld>
+  <p:clrMapOvr>
+    <a:masterClrMapping/>
+  </p:clrMapOvr>
+  <p:timing>
+    <p:tnLst>
+      <p:par>
+        <p:cTn id="1" dur="indefinite" restart="never" nodeType="tmRoot">
+          <p:childTnLst>
+            <p:seq concurrent="1" nextAc="seek">
+              <p:cTn id="2" dur="indefinite" nodeType="mainSeq">
+                <p:childTnLst>
+                  <p:par>
+                    <p:cTn id="3" fill="hold">
+                      <p:stCondLst>
+                        <p:cond delay="indefinite"/>
+                      </p:stCondLst>
+                      <p:childTnLst>
+                        <p:par>
+                          <p:cTn id="4" fill="hold">
+                            <p:stCondLst>
+                              <p:cond delay="0"/>
+                            </p:stCondLst>
+                            <p:childTnLst>
+                              <p:par>
+                                <p:cTn id="5" presetID="1" presetClass="entr" presetSubtype="0" fill="hold" grpId="0" nodeType="clickEffect">
+                                  <p:stCondLst>
+                                    <p:cond delay="0"/>
+                                  </p:stCondLst>
+                                  <p:childTnLst>
+                                    <p:set>
+                                      <p:cBhvr>
+                                        <p:cTn id="6" dur="1" fill="hold">
+                                          <p:stCondLst>
+                                            <p:cond delay="0"/>
+                                          </p:stCondLst>
+                                        </p:cTn>
+                                        <p:tgtEl>
+                                          <p:spTgt spid="12"/>
+                                        </p:tgtEl>
+                                        <p:attrNameLst>
+                                          <p:attrName>style.visibility</p:attrName>
+                                        </p:attrNameLst>
+                                      </p:cBhvr>
+                                      <p:to>
+                                        <p:strVal val="visible"/>
+                                      </p:to>
+                                    </p:set>
+                                  </p:childTnLst>
+                                </p:cTn>
+                              </p:par>
+                            </p:childTnLst>
+                          </p:cTn>
+                        </p:par>
+                      </p:childTnLst>
+                    </p:cTn>
+                  </p:par>
+                </p:childTnLst>
+              </p:cTn>
+              <p:prevCondLst>
+                <p:cond evt="onPrev" delay="0">
+                  <p:tgtEl>
+                    <p:sldTgt/>
+                  </p:tgtEl>
+                </p:cond>
+              </p:prevCondLst>
+              <p:nextCondLst>
+                <p:cond evt="onNext" delay="0">
+                  <p:tgtEl>
+                    <p:sldTgt/>
+                  </p:tgtEl>
+                </p:cond>
+              </p:nextCondLst>
+            </p:seq>
+          </p:childTnLst>
+        </p:cTn>
+      </p:par>
+    </p:tnLst>
+    <p:bldLst>
+      <p:bldP spid="12" grpId="0" animBg="1"/>
+    </p:bldLst>
+  </p:timing>
+</p:sld>
+</file>
+
+<file path=ppt/slides/slide9.xml><?xml version="1.0" encoding="utf-8"?>
+<p:sld xmlns:a="http://schemas.openxmlformats.org/drawingml/2006/main" xmlns:r="http://schemas.openxmlformats.org/officeDocument/2006/relationships" xmlns:p="http://schemas.openxmlformats.org/presentationml/2006/main">
+  <p:cSld>
+    <p:spTree>
+      <p:nvGrpSpPr>
+        <p:cNvPr id="1" name=""/>
+        <p:cNvGrpSpPr/>
+        <p:nvPr/>
+      </p:nvGrpSpPr>
+      <p:grpSpPr>
+        <a:xfrm>
+          <a:off x="0" y="0"/>
+          <a:ext cx="0" cy="0"/>
+          <a:chOff x="0" y="0"/>
+          <a:chExt cx="0" cy="0"/>
+        </a:xfrm>
+      </p:grpSpPr>
+      <p:sp>
+        <p:nvSpPr>
+          <p:cNvPr id="2" name="Título 1"/>
+          <p:cNvSpPr>
+            <a:spLocks noGrp="1"/>
+          </p:cNvSpPr>
+          <p:nvPr>
+            <p:ph type="title"/>
+          </p:nvPr>
+        </p:nvSpPr>
+        <p:spPr>
+          <a:xfrm>
+            <a:off x="827584" y="246531"/>
+            <a:ext cx="7859216" cy="734197"/>
+          </a:xfrm>
+        </p:spPr>
+        <p:txBody>
+          <a:bodyPr/>
+          <a:lstStyle/>
+          <a:p>
+            <a:pPr algn="l"/>
+            <a:r>
+              <a:rPr lang="pt-BR" sz="3200" dirty="0" smtClean="0"/>
+              <a:t>Serviço</a:t>
             </a:r>
             <a:endParaRPr lang="pt-BR" sz="3200" dirty="0"/>
           </a:p>
@@ -29913,6 +30321,97 @@
           </a:p>
         </p:txBody>
       </p:sp>
+      <p:pic>
+        <p:nvPicPr>
+          <p:cNvPr id="13" name="Picture 2"/>
+          <p:cNvPicPr>
+            <a:picLocks noChangeAspect="1" noChangeArrowheads="1"/>
+          </p:cNvPicPr>
+          <p:nvPr/>
+        </p:nvPicPr>
+        <p:blipFill>
+          <a:blip r:embed="rId8" cstate="print">
+            <a:extLst>
+              <a:ext uri="{28A0092B-C50C-407E-A947-70E740481C1C}">
+                <a14:useLocalDpi xmlns:a14="http://schemas.microsoft.com/office/drawing/2010/main" val="0"/>
+              </a:ext>
+            </a:extLst>
+          </a:blip>
+          <a:srcRect/>
+          <a:stretch>
+            <a:fillRect/>
+          </a:stretch>
+        </p:blipFill>
+        <p:spPr bwMode="auto">
+          <a:xfrm>
+            <a:off x="8155156" y="364681"/>
+            <a:ext cx="827584" cy="472031"/>
+          </a:xfrm>
+          <a:prstGeom prst="rect">
+            <a:avLst/>
+          </a:prstGeom>
+          <a:solidFill>
+            <a:srgbClr val="FFFFFF">
+              <a:shade val="85000"/>
+            </a:srgbClr>
+          </a:solidFill>
+          <a:ln w="101600" cap="sq">
+            <a:solidFill>
+              <a:srgbClr val="FDFDFD"/>
+            </a:solidFill>
+            <a:miter lim="800000"/>
+          </a:ln>
+          <a:effectLst>
+            <a:outerShdw blurRad="57150" dist="37500" dir="7560000" sy="98000" kx="110000" ky="200000" algn="tl" rotWithShape="0">
+              <a:srgbClr val="000000">
+                <a:alpha val="20000"/>
+              </a:srgbClr>
+            </a:outerShdw>
+          </a:effectLst>
+          <a:scene3d>
+            <a:camera prst="perspectiveRelaxed">
+              <a:rot lat="18960000" lon="0" rev="0"/>
+            </a:camera>
+            <a:lightRig rig="twoPt" dir="t">
+              <a:rot lat="0" lon="0" rev="7200000"/>
+            </a:lightRig>
+          </a:scene3d>
+          <a:sp3d prstMaterial="matte">
+            <a:bevelT w="22860" h="12700"/>
+            <a:contourClr>
+              <a:srgbClr val="FFFFFF"/>
+            </a:contourClr>
+          </a:sp3d>
+          <a:extLst>
+            <a:ext uri="{909E8E84-426E-40DD-AFC4-6F175D3DCCD1}">
+              <a14:hiddenFill xmlns:a14="http://schemas.microsoft.com/office/drawing/2010/main">
+                <a:solidFill>
+                  <a:schemeClr val="accent1"/>
+                </a:solidFill>
+              </a14:hiddenFill>
+            </a:ext>
+            <a:ext uri="{91240B29-F687-4F45-9708-019B960494DF}">
+              <a14:hiddenLine xmlns:a14="http://schemas.microsoft.com/office/drawing/2010/main" w="9525">
+                <a:solidFill>
+                  <a:schemeClr val="tx1"/>
+                </a:solidFill>
+                <a:miter lim="800000"/>
+                <a:headEnd/>
+                <a:tailEnd/>
+              </a14:hiddenLine>
+            </a:ext>
+            <a:ext uri="{AF507438-7753-43E0-B8FC-AC1667EBCBE1}">
+              <a14:hiddenEffects xmlns:a14="http://schemas.microsoft.com/office/drawing/2010/main">
+                <a:effectLst>
+                  <a:outerShdw dist="35921" dir="2700000" algn="ctr" rotWithShape="0">
+                    <a:schemeClr val="bg2"/>
+                  </a:outerShdw>
+                </a:effectLst>
+              </a14:hiddenEffects>
+            </a:ext>
+          </a:extLst>
+        </p:spPr>
+      </p:pic>
     </p:spTree>
     <p:extLst>
       <p:ext uri="{BB962C8B-B14F-4D97-AF65-F5344CB8AC3E}">
@@ -29929,461 +30428,6 @@
         <p:cTn id="1" dur="indefinite" restart="never" nodeType="tmRoot"/>
       </p:par>
     </p:tnLst>
-  </p:timing>
-</p:sld>
-</file>
-
-<file path=ppt/slides/slide9.xml><?xml version="1.0" encoding="utf-8"?>
-<p:sld xmlns:a="http://schemas.openxmlformats.org/drawingml/2006/main" xmlns:r="http://schemas.openxmlformats.org/officeDocument/2006/relationships" xmlns:p="http://schemas.openxmlformats.org/presentationml/2006/main">
-  <p:cSld>
-    <p:spTree>
-      <p:nvGrpSpPr>
-        <p:cNvPr id="1" name=""/>
-        <p:cNvGrpSpPr/>
-        <p:nvPr/>
-      </p:nvGrpSpPr>
-      <p:grpSpPr>
-        <a:xfrm>
-          <a:off x="0" y="0"/>
-          <a:ext cx="0" cy="0"/>
-          <a:chOff x="0" y="0"/>
-          <a:chExt cx="0" cy="0"/>
-        </a:xfrm>
-      </p:grpSpPr>
-      <p:sp>
-        <p:nvSpPr>
-          <p:cNvPr id="2" name="Título 1"/>
-          <p:cNvSpPr>
-            <a:spLocks noGrp="1"/>
-          </p:cNvSpPr>
-          <p:nvPr>
-            <p:ph type="title"/>
-          </p:nvPr>
-        </p:nvSpPr>
-        <p:spPr>
-          <a:xfrm>
-            <a:off x="827584" y="246530"/>
-            <a:ext cx="7859216" cy="950221"/>
-          </a:xfrm>
-        </p:spPr>
-        <p:txBody>
-          <a:bodyPr/>
-          <a:lstStyle/>
-          <a:p>
-            <a:pPr algn="l"/>
-            <a:r>
-              <a:rPr lang="pt-BR" sz="3200" dirty="0" smtClean="0"/>
-              <a:t>Arquitetura -</a:t>
-            </a:r>
-            <a:r>
-              <a:rPr lang="pt-BR" sz="3200" dirty="0"/>
-              <a:t> Visão geral </a:t>
-            </a:r>
-          </a:p>
-        </p:txBody>
-      </p:sp>
-      <p:pic>
-        <p:nvPicPr>
-          <p:cNvPr id="4" name="Picture 2" descr="https://cdn-images-1.medium.com/max/600/1*YHKQVfSqFafrXvGcc5wUuQ.png"/>
-          <p:cNvPicPr>
-            <a:picLocks noChangeAspect="1" noChangeArrowheads="1"/>
-          </p:cNvPicPr>
-          <p:nvPr/>
-        </p:nvPicPr>
-        <p:blipFill rotWithShape="1">
-          <a:blip r:embed="rId2">
-            <a:extLst>
-              <a:ext uri="{28A0092B-C50C-407E-A947-70E740481C1C}">
-                <a14:useLocalDpi xmlns:a14="http://schemas.microsoft.com/office/drawing/2010/main" val="0"/>
-              </a:ext>
-            </a:extLst>
-          </a:blip>
-          <a:srcRect b="11346"/>
-          <a:stretch/>
-        </p:blipFill>
-        <p:spPr bwMode="auto">
-          <a:xfrm>
-            <a:off x="0" y="-60521"/>
-            <a:ext cx="827584" cy="614104"/>
-          </a:xfrm>
-          <a:prstGeom prst="rect">
-            <a:avLst/>
-          </a:prstGeom>
-          <a:ln>
-            <a:noFill/>
-          </a:ln>
-          <a:effectLst>
-            <a:softEdge rad="112500"/>
-          </a:effectLst>
-          <a:extLst>
-            <a:ext uri="{909E8E84-426E-40DD-AFC4-6F175D3DCCD1}">
-              <a14:hiddenFill xmlns:a14="http://schemas.microsoft.com/office/drawing/2010/main">
-                <a:solidFill>
-                  <a:srgbClr val="FFFFFF"/>
-                </a:solidFill>
-              </a14:hiddenFill>
-            </a:ext>
-          </a:extLst>
-        </p:spPr>
-      </p:pic>
-      <p:sp>
-        <p:nvSpPr>
-          <p:cNvPr id="12" name="Retângulo de cantos arredondados 11"/>
-          <p:cNvSpPr/>
-          <p:nvPr/>
-        </p:nvSpPr>
-        <p:spPr>
-          <a:xfrm>
-            <a:off x="5580112" y="2708920"/>
-            <a:ext cx="3402628" cy="2448272"/>
-          </a:xfrm>
-          <a:prstGeom prst="roundRect">
-            <a:avLst/>
-          </a:prstGeom>
-          <a:solidFill>
-            <a:schemeClr val="accent5">
-              <a:lumMod val="40000"/>
-              <a:lumOff val="60000"/>
-            </a:schemeClr>
-          </a:solidFill>
-          <a:ln>
-            <a:noFill/>
-          </a:ln>
-        </p:spPr>
-        <p:style>
-          <a:lnRef idx="2">
-            <a:schemeClr val="accent1">
-              <a:shade val="50000"/>
-            </a:schemeClr>
-          </a:lnRef>
-          <a:fillRef idx="1">
-            <a:schemeClr val="accent1"/>
-          </a:fillRef>
-          <a:effectRef idx="0">
-            <a:schemeClr val="accent1"/>
-          </a:effectRef>
-          <a:fontRef idx="minor">
-            <a:schemeClr val="lt1"/>
-          </a:fontRef>
-        </p:style>
-        <p:txBody>
-          <a:bodyPr rtlCol="0" anchor="ctr"/>
-          <a:lstStyle/>
-          <a:p>
-            <a:pPr algn="ctr"/>
-            <a:endParaRPr lang="pt-BR"/>
-          </a:p>
-        </p:txBody>
-      </p:sp>
-      <p:graphicFrame>
-        <p:nvGraphicFramePr>
-          <p:cNvPr id="13" name="Diagrama 12"/>
-          <p:cNvGraphicFramePr/>
-          <p:nvPr>
-            <p:extLst>
-              <p:ext uri="{D42A27DB-BD31-4B8C-83A1-F6EECF244321}">
-                <p14:modId xmlns:p14="http://schemas.microsoft.com/office/powerpoint/2010/main" val="318355517"/>
-              </p:ext>
-            </p:extLst>
-          </p:nvPr>
-        </p:nvGraphicFramePr>
-        <p:xfrm>
-          <a:off x="179512" y="3373628"/>
-          <a:ext cx="8803228" cy="1944216"/>
-        </p:xfrm>
-        <a:graphic>
-          <a:graphicData uri="http://schemas.openxmlformats.org/drawingml/2006/diagram">
-            <dgm:relIds xmlns:dgm="http://schemas.openxmlformats.org/drawingml/2006/diagram" xmlns:r="http://schemas.openxmlformats.org/officeDocument/2006/relationships" r:dm="rId3" r:lo="rId4" r:qs="rId5" r:cs="rId6"/>
-          </a:graphicData>
-        </a:graphic>
-      </p:graphicFrame>
-      <p:sp>
-        <p:nvSpPr>
-          <p:cNvPr id="14" name="CaixaDeTexto 13"/>
-          <p:cNvSpPr txBox="1"/>
-          <p:nvPr/>
-        </p:nvSpPr>
-        <p:spPr>
-          <a:xfrm>
-            <a:off x="179512" y="3697850"/>
-            <a:ext cx="1296144" cy="369332"/>
-          </a:xfrm>
-          <a:prstGeom prst="rect">
-            <a:avLst/>
-          </a:prstGeom>
-          <a:noFill/>
-        </p:spPr>
-        <p:txBody>
-          <a:bodyPr wrap="square" rtlCol="0">
-            <a:spAutoFit/>
-          </a:bodyPr>
-          <a:lstStyle/>
-          <a:p>
-            <a:r>
-              <a:rPr lang="pt-BR" b="1" dirty="0" smtClean="0">
-                <a:solidFill>
-                  <a:srgbClr val="00B050"/>
-                </a:solidFill>
-              </a:rPr>
-              <a:t>Aplicação</a:t>
-            </a:r>
-            <a:endParaRPr lang="pt-BR" b="1" dirty="0">
-              <a:solidFill>
-                <a:srgbClr val="00B050"/>
-              </a:solidFill>
-            </a:endParaRPr>
-          </a:p>
-        </p:txBody>
-      </p:sp>
-      <p:sp>
-        <p:nvSpPr>
-          <p:cNvPr id="15" name="CaixaDeTexto 14"/>
-          <p:cNvSpPr txBox="1"/>
-          <p:nvPr/>
-        </p:nvSpPr>
-        <p:spPr>
-          <a:xfrm>
-            <a:off x="4134165" y="3530208"/>
-            <a:ext cx="1074333" cy="369332"/>
-          </a:xfrm>
-          <a:prstGeom prst="rect">
-            <a:avLst/>
-          </a:prstGeom>
-          <a:noFill/>
-        </p:spPr>
-        <p:txBody>
-          <a:bodyPr wrap="none" rtlCol="0">
-            <a:spAutoFit/>
-          </a:bodyPr>
-          <a:lstStyle/>
-          <a:p>
-            <a:r>
-              <a:rPr lang="pt-BR" b="1" dirty="0" smtClean="0">
-                <a:solidFill>
-                  <a:srgbClr val="00B050"/>
-                </a:solidFill>
-              </a:rPr>
-              <a:t>Base AC</a:t>
-            </a:r>
-            <a:endParaRPr lang="pt-BR" b="1" dirty="0">
-              <a:solidFill>
-                <a:srgbClr val="00B050"/>
-              </a:solidFill>
-            </a:endParaRPr>
-          </a:p>
-        </p:txBody>
-      </p:sp>
-      <p:sp>
-        <p:nvSpPr>
-          <p:cNvPr id="16" name="CaixaDeTexto 15"/>
-          <p:cNvSpPr txBox="1"/>
-          <p:nvPr/>
-        </p:nvSpPr>
-        <p:spPr>
-          <a:xfrm>
-            <a:off x="2123728" y="3697850"/>
-            <a:ext cx="1056700" cy="369332"/>
-          </a:xfrm>
-          <a:prstGeom prst="rect">
-            <a:avLst/>
-          </a:prstGeom>
-          <a:noFill/>
-        </p:spPr>
-        <p:txBody>
-          <a:bodyPr wrap="none" rtlCol="0">
-            <a:spAutoFit/>
-          </a:bodyPr>
-          <a:lstStyle/>
-          <a:p>
-            <a:r>
-              <a:rPr lang="pt-BR" b="1" dirty="0" smtClean="0">
-                <a:solidFill>
-                  <a:srgbClr val="00B050"/>
-                </a:solidFill>
-              </a:rPr>
-              <a:t>Services</a:t>
-            </a:r>
-            <a:endParaRPr lang="pt-BR" b="1" dirty="0">
-              <a:solidFill>
-                <a:srgbClr val="00B050"/>
-              </a:solidFill>
-            </a:endParaRPr>
-          </a:p>
-        </p:txBody>
-      </p:sp>
-      <p:sp>
-        <p:nvSpPr>
-          <p:cNvPr id="17" name="CaixaDeTexto 16"/>
-          <p:cNvSpPr txBox="1"/>
-          <p:nvPr/>
-        </p:nvSpPr>
-        <p:spPr>
-          <a:xfrm>
-            <a:off x="7740352" y="2833530"/>
-            <a:ext cx="1242388" cy="646331"/>
-          </a:xfrm>
-          <a:prstGeom prst="rect">
-            <a:avLst/>
-          </a:prstGeom>
-          <a:noFill/>
-        </p:spPr>
-        <p:txBody>
-          <a:bodyPr wrap="square" rtlCol="0">
-            <a:spAutoFit/>
-          </a:bodyPr>
-          <a:lstStyle/>
-          <a:p>
-            <a:r>
-              <a:rPr lang="pt-BR" b="1" dirty="0" smtClean="0">
-                <a:solidFill>
-                  <a:srgbClr val="00B050"/>
-                </a:solidFill>
-              </a:rPr>
-              <a:t>Base</a:t>
-            </a:r>
-          </a:p>
-          <a:p>
-            <a:r>
-              <a:rPr lang="pt-BR" b="1" dirty="0" smtClean="0">
-                <a:solidFill>
-                  <a:srgbClr val="00B050"/>
-                </a:solidFill>
-              </a:rPr>
-              <a:t>faculdade</a:t>
-            </a:r>
-            <a:endParaRPr lang="pt-BR" b="1" dirty="0">
-              <a:solidFill>
-                <a:srgbClr val="00B050"/>
-              </a:solidFill>
-            </a:endParaRPr>
-          </a:p>
-        </p:txBody>
-      </p:sp>
-      <p:sp>
-        <p:nvSpPr>
-          <p:cNvPr id="18" name="CaixaDeTexto 17"/>
-          <p:cNvSpPr txBox="1"/>
-          <p:nvPr/>
-        </p:nvSpPr>
-        <p:spPr>
-          <a:xfrm>
-            <a:off x="6012160" y="2974173"/>
-            <a:ext cx="1056700" cy="369332"/>
-          </a:xfrm>
-          <a:prstGeom prst="rect">
-            <a:avLst/>
-          </a:prstGeom>
-          <a:noFill/>
-        </p:spPr>
-        <p:txBody>
-          <a:bodyPr wrap="none" rtlCol="0">
-            <a:spAutoFit/>
-          </a:bodyPr>
-          <a:lstStyle/>
-          <a:p>
-            <a:r>
-              <a:rPr lang="pt-BR" b="1" dirty="0" smtClean="0">
-                <a:solidFill>
-                  <a:srgbClr val="00B050"/>
-                </a:solidFill>
-              </a:rPr>
-              <a:t>Services</a:t>
-            </a:r>
-            <a:endParaRPr lang="pt-BR" b="1" dirty="0">
-              <a:solidFill>
-                <a:srgbClr val="00B050"/>
-              </a:solidFill>
-            </a:endParaRPr>
-          </a:p>
-        </p:txBody>
-      </p:sp>
-    </p:spTree>
-    <p:extLst>
-      <p:ext uri="{BB962C8B-B14F-4D97-AF65-F5344CB8AC3E}">
-        <p14:creationId xmlns:p14="http://schemas.microsoft.com/office/powerpoint/2010/main" val="4046525752"/>
-      </p:ext>
-    </p:extLst>
-  </p:cSld>
-  <p:clrMapOvr>
-    <a:masterClrMapping/>
-  </p:clrMapOvr>
-  <p:timing>
-    <p:tnLst>
-      <p:par>
-        <p:cTn id="1" dur="indefinite" restart="never" nodeType="tmRoot">
-          <p:childTnLst>
-            <p:seq concurrent="1" nextAc="seek">
-              <p:cTn id="2" dur="indefinite" nodeType="mainSeq">
-                <p:childTnLst>
-                  <p:par>
-                    <p:cTn id="3" fill="hold">
-                      <p:stCondLst>
-                        <p:cond delay="indefinite"/>
-                      </p:stCondLst>
-                      <p:childTnLst>
-                        <p:par>
-                          <p:cTn id="4" fill="hold">
-                            <p:stCondLst>
-                              <p:cond delay="0"/>
-                            </p:stCondLst>
-                            <p:childTnLst>
-                              <p:par>
-                                <p:cTn id="5" presetID="1" presetClass="entr" presetSubtype="0" fill="hold" grpId="0" nodeType="clickEffect">
-                                  <p:stCondLst>
-                                    <p:cond delay="0"/>
-                                  </p:stCondLst>
-                                  <p:childTnLst>
-                                    <p:set>
-                                      <p:cBhvr>
-                                        <p:cTn id="6" dur="1" fill="hold">
-                                          <p:stCondLst>
-                                            <p:cond delay="0"/>
-                                          </p:stCondLst>
-                                        </p:cTn>
-                                        <p:tgtEl>
-                                          <p:spTgt spid="12"/>
-                                        </p:tgtEl>
-                                        <p:attrNameLst>
-                                          <p:attrName>style.visibility</p:attrName>
-                                        </p:attrNameLst>
-                                      </p:cBhvr>
-                                      <p:to>
-                                        <p:strVal val="visible"/>
-                                      </p:to>
-                                    </p:set>
-                                  </p:childTnLst>
-                                </p:cTn>
-                              </p:par>
-                            </p:childTnLst>
-                          </p:cTn>
-                        </p:par>
-                      </p:childTnLst>
-                    </p:cTn>
-                  </p:par>
-                </p:childTnLst>
-              </p:cTn>
-              <p:prevCondLst>
-                <p:cond evt="onPrev" delay="0">
-                  <p:tgtEl>
-                    <p:sldTgt/>
-                  </p:tgtEl>
-                </p:cond>
-              </p:prevCondLst>
-              <p:nextCondLst>
-                <p:cond evt="onNext" delay="0">
-                  <p:tgtEl>
-                    <p:sldTgt/>
-                  </p:tgtEl>
-                </p:cond>
-              </p:nextCondLst>
-            </p:seq>
-          </p:childTnLst>
-        </p:cTn>
-      </p:par>
-    </p:tnLst>
-    <p:bldLst>
-      <p:bldP spid="12" grpId="0" animBg="1"/>
-    </p:bldLst>
   </p:timing>
 </p:sld>
 </file>

--- a/Documentação final do projeto/Ppt-Final.pptx
+++ b/Documentação final do projeto/Ppt-Final.pptx
@@ -128,7 +128,7 @@
   </p:defaultTextStyle>
   <p:extLst>
     <p:ext uri="{EFAFB233-063F-42B5-8137-9DF3F51BA10A}">
-      <p15:sldGuideLst xmlns:p15="http://schemas.microsoft.com/office/powerpoint/2012/main" xmlns="">
+      <p15:sldGuideLst xmlns="" xmlns:p15="http://schemas.microsoft.com/office/powerpoint/2012/main">
         <p15:guide id="1" orient="horz" pos="2160">
           <p15:clr>
             <a:srgbClr val="A4A3A4"/>
@@ -22785,7 +22785,7 @@
         </p:nvSpPr>
         <p:spPr>
           <a:xfrm>
-            <a:off x="7633618" y="3857277"/>
+            <a:off x="7644482" y="3933056"/>
             <a:ext cx="1547665" cy="584775"/>
           </a:xfrm>
           <a:prstGeom prst="rect">
@@ -22966,34 +22966,7 @@
               <a:srgbClr val="FFFFFF"/>
             </a:contourClr>
           </a:sp3d>
-          <a:extLst>
-            <a:ext uri="{909E8E84-426E-40DD-AFC4-6F175D3DCCD1}">
-              <a14:hiddenFill xmlns:a14="http://schemas.microsoft.com/office/drawing/2010/main">
-                <a:solidFill>
-                  <a:schemeClr val="accent1"/>
-                </a:solidFill>
-              </a14:hiddenFill>
-            </a:ext>
-            <a:ext uri="{91240B29-F687-4F45-9708-019B960494DF}">
-              <a14:hiddenLine xmlns:a14="http://schemas.microsoft.com/office/drawing/2010/main" w="9525">
-                <a:solidFill>
-                  <a:schemeClr val="tx1"/>
-                </a:solidFill>
-                <a:miter lim="800000"/>
-                <a:headEnd/>
-                <a:tailEnd/>
-              </a14:hiddenLine>
-            </a:ext>
-            <a:ext uri="{AF507438-7753-43E0-B8FC-AC1667EBCBE1}">
-              <a14:hiddenEffects xmlns:a14="http://schemas.microsoft.com/office/drawing/2010/main">
-                <a:effectLst>
-                  <a:outerShdw dist="35921" dir="2700000" algn="ctr" rotWithShape="0">
-                    <a:schemeClr val="bg2"/>
-                  </a:outerShdw>
-                </a:effectLst>
-              </a14:hiddenEffects>
-            </a:ext>
-          </a:extLst>
+          <a:extLst/>
         </p:spPr>
       </p:pic>
     </p:spTree>
@@ -24641,7 +24614,7 @@
             <a:pPr algn="l"/>
             <a:r>
               <a:rPr lang="pt-BR" sz="3200" dirty="0" smtClean="0"/>
-              <a:t>Postagem de notas</a:t>
+              <a:t>Registro de chamada</a:t>
             </a:r>
             <a:endParaRPr lang="pt-BR" sz="3200" dirty="0"/>
           </a:p>
@@ -25223,11 +25196,7 @@
             </a:pPr>
             <a:r>
               <a:rPr lang="pt-BR" b="1" dirty="0" smtClean="0"/>
-              <a:t>Poder de </a:t>
-            </a:r>
-            <a:r>
-              <a:rPr lang="pt-BR" b="1" dirty="0" smtClean="0"/>
-              <a:t>integração</a:t>
+              <a:t>Poder de integração</a:t>
             </a:r>
             <a:endParaRPr lang="pt-BR" b="1" dirty="0"/>
           </a:p>
@@ -25493,8 +25462,8 @@
         </p:nvSpPr>
         <p:spPr>
           <a:xfrm>
-            <a:off x="4572000" y="1268760"/>
-            <a:ext cx="4572000" cy="5400600"/>
+            <a:off x="4716016" y="1268760"/>
+            <a:ext cx="4427984" cy="5400600"/>
           </a:xfrm>
         </p:spPr>
         <p:txBody>
@@ -25505,7 +25474,7 @@
           <a:p>
             <a:pPr>
               <a:lnSpc>
-                <a:spcPct val="200000"/>
+                <a:spcPct val="250000"/>
               </a:lnSpc>
               <a:buFont typeface="Wingdings" pitchFamily="2" charset="2"/>
               <a:buChar char="ü"/>
@@ -25516,29 +25485,18 @@
                   <a:srgbClr val="00B050"/>
                 </a:solidFill>
               </a:rPr>
-              <a:t>Descrição </a:t>
+              <a:t>Descrição do problema</a:t>
             </a:r>
-            <a:r>
-              <a:rPr lang="pt-BR" sz="2000" b="1" dirty="0">
-                <a:solidFill>
-                  <a:srgbClr val="00B050"/>
-                </a:solidFill>
-              </a:rPr>
-              <a:t>do </a:t>
-            </a:r>
-            <a:r>
-              <a:rPr lang="pt-BR" sz="2000" b="1" dirty="0" smtClean="0">
-                <a:solidFill>
-                  <a:srgbClr val="00B050"/>
-                </a:solidFill>
-              </a:rPr>
-              <a:t>problema</a:t>
-            </a:r>
+            <a:endParaRPr lang="pt-BR" sz="2000" b="1" dirty="0" smtClean="0">
+              <a:solidFill>
+                <a:srgbClr val="00B050"/>
+              </a:solidFill>
+            </a:endParaRPr>
           </a:p>
           <a:p>
             <a:pPr>
               <a:lnSpc>
-                <a:spcPct val="200000"/>
+                <a:spcPct val="250000"/>
               </a:lnSpc>
               <a:buFont typeface="Wingdings" pitchFamily="2" charset="2"/>
               <a:buChar char="ü"/>
@@ -25555,32 +25513,29 @@
           <a:p>
             <a:pPr>
               <a:lnSpc>
-                <a:spcPct val="200000"/>
+                <a:spcPct val="250000"/>
               </a:lnSpc>
               <a:buFont typeface="Wingdings" pitchFamily="2" charset="2"/>
               <a:buChar char="ü"/>
             </a:pPr>
-            <a:r>
-              <a:rPr lang="pt-BR" sz="2000" b="1" dirty="0">
-                <a:solidFill>
-                  <a:srgbClr val="00B050"/>
-                </a:solidFill>
-              </a:rPr>
-              <a:t>Visão geral do </a:t>
-            </a:r>
             <a:r>
               <a:rPr lang="pt-BR" sz="2000" b="1" dirty="0" smtClean="0">
                 <a:solidFill>
                   <a:srgbClr val="00B050"/>
                 </a:solidFill>
               </a:rPr>
-              <a:t>produto</a:t>
+              <a:t>Visão</a:t>
             </a:r>
+            <a:endParaRPr lang="pt-BR" sz="2000" b="1" dirty="0" smtClean="0">
+              <a:solidFill>
+                <a:srgbClr val="00B050"/>
+              </a:solidFill>
+            </a:endParaRPr>
           </a:p>
           <a:p>
             <a:pPr>
               <a:lnSpc>
-                <a:spcPct val="200000"/>
+                <a:spcPct val="250000"/>
               </a:lnSpc>
               <a:buFont typeface="Wingdings" pitchFamily="2" charset="2"/>
               <a:buChar char="ü"/>
@@ -25605,7 +25560,7 @@
           <a:p>
             <a:pPr>
               <a:lnSpc>
-                <a:spcPct val="200000"/>
+                <a:spcPct val="250000"/>
               </a:lnSpc>
               <a:buFont typeface="Wingdings" pitchFamily="2" charset="2"/>
               <a:buChar char="ü"/>
@@ -25616,30 +25571,18 @@
                   <a:srgbClr val="00B050"/>
                 </a:solidFill>
               </a:rPr>
-              <a:t>Arquitetura serviço</a:t>
+              <a:t>Arquitetura</a:t>
             </a:r>
+            <a:endParaRPr lang="pt-BR" sz="2000" b="1" dirty="0" smtClean="0">
+              <a:solidFill>
+                <a:srgbClr val="00B050"/>
+              </a:solidFill>
+            </a:endParaRPr>
           </a:p>
           <a:p>
             <a:pPr>
               <a:lnSpc>
-                <a:spcPct val="200000"/>
-              </a:lnSpc>
-              <a:buFont typeface="Wingdings" pitchFamily="2" charset="2"/>
-              <a:buChar char="ü"/>
-            </a:pPr>
-            <a:r>
-              <a:rPr lang="pt-BR" sz="2000" b="1" dirty="0" smtClean="0">
-                <a:solidFill>
-                  <a:srgbClr val="00B050"/>
-                </a:solidFill>
-              </a:rPr>
-              <a:t>Integração de serviços</a:t>
-            </a:r>
-          </a:p>
-          <a:p>
-            <a:pPr>
-              <a:lnSpc>
-                <a:spcPct val="200000"/>
+                <a:spcPct val="250000"/>
               </a:lnSpc>
               <a:buFont typeface="Wingdings" pitchFamily="2" charset="2"/>
               <a:buChar char="ü"/>
@@ -25668,11 +25611,6 @@
               </a:rPr>
               <a:t>MVP</a:t>
             </a:r>
-            <a:endParaRPr lang="pt-BR" sz="2000" b="1" dirty="0" smtClean="0">
-              <a:solidFill>
-                <a:srgbClr val="00B050"/>
-              </a:solidFill>
-            </a:endParaRPr>
           </a:p>
         </p:txBody>
       </p:sp>
@@ -25819,7 +25757,7 @@
         </p:blipFill>
         <p:spPr bwMode="auto">
           <a:xfrm>
-            <a:off x="2123728" y="2565777"/>
+            <a:off x="2843808" y="2565777"/>
             <a:ext cx="2098704" cy="2016224"/>
           </a:xfrm>
           <a:prstGeom prst="rect">
@@ -25845,7 +25783,7 @@
         </p:nvSpPr>
         <p:spPr>
           <a:xfrm>
-            <a:off x="3851920" y="1988840"/>
+            <a:off x="4572000" y="1988840"/>
             <a:ext cx="1512168" cy="3170099"/>
           </a:xfrm>
           <a:prstGeom prst="rect">
@@ -25927,11 +25865,7 @@
             <a:pPr algn="l"/>
             <a:r>
               <a:rPr lang="pt-BR" sz="3200" dirty="0" smtClean="0"/>
-              <a:t>O p</a:t>
-            </a:r>
-            <a:r>
-              <a:rPr lang="pt-BR" sz="3200" dirty="0" smtClean="0"/>
-              <a:t>roblema</a:t>
+              <a:t>O problema</a:t>
             </a:r>
             <a:endParaRPr lang="pt-BR" sz="3200" dirty="0"/>
           </a:p>
@@ -26447,15 +26381,25 @@
             <a:pPr algn="l"/>
             <a:r>
               <a:rPr lang="pt-BR" sz="3600" dirty="0" smtClean="0">
-                <a:effectLst/>
+                <a:effectLst>
+                  <a:outerShdw blurRad="38100" dist="38100" dir="2700000" algn="tl">
+                    <a:srgbClr val="000000">
+                      <a:alpha val="43137"/>
+                    </a:srgbClr>
+                  </a:outerShdw>
+                </a:effectLst>
               </a:rPr>
-              <a:t>Apresentação</a:t>
+              <a:t>Apresentação geral</a:t>
             </a:r>
-            <a:r>
-              <a:rPr lang="pt-BR" sz="3600" dirty="0" smtClean="0"/>
-              <a:t> geral</a:t>
-            </a:r>
-            <a:endParaRPr lang="pt-BR" sz="3600" dirty="0"/>
+            <a:endParaRPr lang="pt-BR" sz="3600" dirty="0">
+              <a:effectLst>
+                <a:outerShdw blurRad="38100" dist="38100" dir="2700000" algn="tl">
+                  <a:srgbClr val="000000">
+                    <a:alpha val="43137"/>
+                  </a:srgbClr>
+                </a:outerShdw>
+              </a:effectLst>
+            </a:endParaRPr>
           </a:p>
         </p:txBody>
       </p:sp>
@@ -26563,23 +26507,7 @@
                   <a:srgbClr val="00B050"/>
                 </a:solidFill>
               </a:rPr>
-              <a:t>Proporcionar </a:t>
-            </a:r>
-            <a:r>
-              <a:rPr lang="pt-BR" sz="2600" b="1" dirty="0" smtClean="0">
-                <a:solidFill>
-                  <a:srgbClr val="00B050"/>
-                </a:solidFill>
-              </a:rPr>
-              <a:t>notificações </a:t>
-            </a:r>
-            <a:r>
-              <a:rPr lang="pt-BR" sz="2600" b="1" dirty="0" smtClean="0">
-                <a:solidFill>
-                  <a:srgbClr val="00B050"/>
-                </a:solidFill>
-              </a:rPr>
-              <a:t>interativas</a:t>
+              <a:t>Proporcionar notificações interativas</a:t>
             </a:r>
           </a:p>
           <a:p>
@@ -26630,31 +26558,7 @@
                   <a:srgbClr val="00B050"/>
                 </a:solidFill>
               </a:rPr>
-              <a:t>Solução de </a:t>
-            </a:r>
-            <a:r>
-              <a:rPr lang="pt-BR" sz="2600" b="1" dirty="0" smtClean="0">
-                <a:solidFill>
-                  <a:srgbClr val="00B050"/>
-                </a:solidFill>
-              </a:rPr>
-              <a:t>problemas </a:t>
-            </a:r>
-            <a:r>
-              <a:rPr lang="pt-BR" sz="2600" b="1" dirty="0" smtClean="0">
-                <a:solidFill>
-                  <a:srgbClr val="00B050"/>
-                </a:solidFill>
-              </a:rPr>
-              <a:t>em três </a:t>
-            </a:r>
-            <a:r>
-              <a:rPr lang="pt-BR" sz="2600" b="1" dirty="0" smtClean="0">
-                <a:solidFill>
-                  <a:srgbClr val="00B050"/>
-                </a:solidFill>
-              </a:rPr>
-              <a:t>clicks</a:t>
+              <a:t>Solução de problemas em três clicks</a:t>
             </a:r>
             <a:endParaRPr lang="pt-BR" sz="2000" b="1" dirty="0" smtClean="0">
               <a:solidFill>
@@ -27675,6 +27579,41 @@
           </a:extLst>
         </p:spPr>
       </p:pic>
+      <p:sp>
+        <p:nvSpPr>
+          <p:cNvPr id="27" name="CaixaDeTexto 26"/>
+          <p:cNvSpPr txBox="1"/>
+          <p:nvPr/>
+        </p:nvSpPr>
+        <p:spPr>
+          <a:xfrm>
+            <a:off x="764349" y="3755243"/>
+            <a:ext cx="3893705" cy="830997"/>
+          </a:xfrm>
+          <a:prstGeom prst="rect">
+            <a:avLst/>
+          </a:prstGeom>
+          <a:noFill/>
+        </p:spPr>
+        <p:txBody>
+          <a:bodyPr wrap="square" rtlCol="0">
+            <a:spAutoFit/>
+          </a:bodyPr>
+          <a:lstStyle/>
+          <a:p>
+            <a:pPr lvl="0"/>
+            <a:r>
+              <a:rPr lang="pt-BR" sz="4800" b="1" dirty="0" smtClean="0">
+                <a:solidFill>
+                  <a:srgbClr val="7030A0"/>
+                </a:solidFill>
+              </a:rPr>
+              <a:t>Fluidez</a:t>
+            </a:r>
+            <a:endParaRPr lang="pt-BR" sz="4800" dirty="0"/>
+          </a:p>
+        </p:txBody>
+      </p:sp>
     </p:spTree>
     <p:extLst>
       <p:ext uri="{BB962C8B-B14F-4D97-AF65-F5344CB8AC3E}">
@@ -27781,14 +27720,58 @@
                             </p:stCondLst>
                             <p:childTnLst>
                               <p:par>
-                                <p:cTn id="11" presetID="1" presetClass="entr" presetSubtype="0" fill="hold" nodeType="afterEffect">
+                                <p:cTn id="11" presetID="10" presetClass="exit" presetSubtype="0" fill="hold" grpId="0" nodeType="afterEffect">
+                                  <p:stCondLst>
+                                    <p:cond delay="0"/>
+                                  </p:stCondLst>
+                                  <p:childTnLst>
+                                    <p:animEffect transition="out" filter="fade">
+                                      <p:cBhvr>
+                                        <p:cTn id="12" dur="500"/>
+                                        <p:tgtEl>
+                                          <p:spTgt spid="27"/>
+                                        </p:tgtEl>
+                                      </p:cBhvr>
+                                    </p:animEffect>
+                                    <p:set>
+                                      <p:cBhvr>
+                                        <p:cTn id="13" dur="1" fill="hold">
+                                          <p:stCondLst>
+                                            <p:cond delay="499"/>
+                                          </p:stCondLst>
+                                        </p:cTn>
+                                        <p:tgtEl>
+                                          <p:spTgt spid="27"/>
+                                        </p:tgtEl>
+                                        <p:attrNameLst>
+                                          <p:attrName>style.visibility</p:attrName>
+                                        </p:attrNameLst>
+                                      </p:cBhvr>
+                                      <p:to>
+                                        <p:strVal val="hidden"/>
+                                      </p:to>
+                                    </p:set>
+                                  </p:childTnLst>
+                                </p:cTn>
+                              </p:par>
+                            </p:childTnLst>
+                          </p:cTn>
+                        </p:par>
+                        <p:par>
+                          <p:cTn id="14" fill="hold">
+                            <p:stCondLst>
+                              <p:cond delay="4500"/>
+                            </p:stCondLst>
+                            <p:childTnLst>
+                              <p:par>
+                                <p:cTn id="15" presetID="1" presetClass="entr" presetSubtype="0" fill="hold" nodeType="afterEffect">
                                   <p:stCondLst>
                                     <p:cond delay="5000"/>
                                   </p:stCondLst>
                                   <p:childTnLst>
                                     <p:set>
                                       <p:cBhvr>
-                                        <p:cTn id="12" dur="1" fill="hold">
+                                        <p:cTn id="16" dur="1" fill="hold">
                                           <p:stCondLst>
                                             <p:cond delay="0"/>
                                           </p:stCondLst>
@@ -27811,20 +27794,20 @@
                           </p:cTn>
                         </p:par>
                         <p:par>
-                          <p:cTn id="13" fill="hold">
+                          <p:cTn id="17" fill="hold">
                             <p:stCondLst>
-                              <p:cond delay="9000"/>
+                              <p:cond delay="9500"/>
                             </p:stCondLst>
                             <p:childTnLst>
                               <p:par>
-                                <p:cTn id="14" presetID="1" presetClass="entr" presetSubtype="0" fill="hold" grpId="0" nodeType="afterEffect">
+                                <p:cTn id="18" presetID="1" presetClass="entr" presetSubtype="0" fill="hold" grpId="0" nodeType="afterEffect">
                                   <p:stCondLst>
                                     <p:cond delay="5000"/>
                                   </p:stCondLst>
                                   <p:childTnLst>
                                     <p:set>
                                       <p:cBhvr>
-                                        <p:cTn id="15" dur="1" fill="hold">
+                                        <p:cTn id="19" dur="1" fill="hold">
                                           <p:stCondLst>
                                             <p:cond delay="0"/>
                                           </p:stCondLst>
@@ -27844,14 +27827,14 @@
                                 </p:cTn>
                               </p:par>
                               <p:par>
-                                <p:cTn id="16" presetID="1" presetClass="entr" presetSubtype="0" fill="hold" nodeType="withEffect">
+                                <p:cTn id="20" presetID="1" presetClass="entr" presetSubtype="0" fill="hold" nodeType="withEffect">
                                   <p:stCondLst>
                                     <p:cond delay="5000"/>
                                   </p:stCondLst>
                                   <p:childTnLst>
                                     <p:set>
                                       <p:cBhvr>
-                                        <p:cTn id="17" dur="1" fill="hold">
+                                        <p:cTn id="21" dur="1" fill="hold">
                                           <p:stCondLst>
                                             <p:cond delay="0"/>
                                           </p:stCondLst>
@@ -27874,20 +27857,20 @@
                           </p:cTn>
                         </p:par>
                         <p:par>
-                          <p:cTn id="18" fill="hold">
+                          <p:cTn id="22" fill="hold">
                             <p:stCondLst>
-                              <p:cond delay="14000"/>
+                              <p:cond delay="14500"/>
                             </p:stCondLst>
                             <p:childTnLst>
                               <p:par>
-                                <p:cTn id="19" presetID="1" presetClass="entr" presetSubtype="0" fill="hold" nodeType="afterEffect">
+                                <p:cTn id="23" presetID="1" presetClass="entr" presetSubtype="0" fill="hold" nodeType="afterEffect">
                                   <p:stCondLst>
                                     <p:cond delay="10000"/>
                                   </p:stCondLst>
                                   <p:childTnLst>
                                     <p:set>
                                       <p:cBhvr>
-                                        <p:cTn id="20" dur="1" fill="hold">
+                                        <p:cTn id="24" dur="1" fill="hold">
                                           <p:stCondLst>
                                             <p:cond delay="0"/>
                                           </p:stCondLst>
@@ -27913,26 +27896,26 @@
                     </p:cTn>
                   </p:par>
                   <p:par>
-                    <p:cTn id="21" fill="hold">
+                    <p:cTn id="25" fill="hold">
                       <p:stCondLst>
                         <p:cond delay="indefinite"/>
                       </p:stCondLst>
                       <p:childTnLst>
                         <p:par>
-                          <p:cTn id="22" fill="hold">
+                          <p:cTn id="26" fill="hold">
                             <p:stCondLst>
                               <p:cond delay="0"/>
                             </p:stCondLst>
                             <p:childTnLst>
                               <p:par>
-                                <p:cTn id="23" presetID="1" presetClass="entr" presetSubtype="0" fill="hold" nodeType="clickEffect">
+                                <p:cTn id="27" presetID="1" presetClass="entr" presetSubtype="0" fill="hold" nodeType="clickEffect">
                                   <p:stCondLst>
                                     <p:cond delay="0"/>
                                   </p:stCondLst>
                                   <p:childTnLst>
                                     <p:set>
                                       <p:cBhvr>
-                                        <p:cTn id="24" dur="1" fill="hold">
+                                        <p:cTn id="28" dur="1" fill="hold">
                                           <p:stCondLst>
                                             <p:cond delay="0"/>
                                           </p:stCondLst>
@@ -27955,20 +27938,20 @@
                           </p:cTn>
                         </p:par>
                         <p:par>
-                          <p:cTn id="25" fill="hold">
+                          <p:cTn id="29" fill="hold">
                             <p:stCondLst>
                               <p:cond delay="0"/>
                             </p:stCondLst>
                             <p:childTnLst>
                               <p:par>
-                                <p:cTn id="26" presetID="1" presetClass="entr" presetSubtype="0" fill="hold" grpId="0" nodeType="afterEffect">
+                                <p:cTn id="30" presetID="1" presetClass="entr" presetSubtype="0" fill="hold" grpId="0" nodeType="afterEffect">
                                   <p:stCondLst>
                                     <p:cond delay="0"/>
                                   </p:stCondLst>
                                   <p:childTnLst>
                                     <p:set>
                                       <p:cBhvr>
-                                        <p:cTn id="27" dur="1" fill="hold">
+                                        <p:cTn id="31" dur="1" fill="hold">
                                           <p:stCondLst>
                                             <p:cond delay="0"/>
                                           </p:stCondLst>
@@ -27988,14 +27971,14 @@
                                 </p:cTn>
                               </p:par>
                               <p:par>
-                                <p:cTn id="28" presetID="1" presetClass="entr" presetSubtype="0" fill="hold" nodeType="withEffect">
+                                <p:cTn id="32" presetID="1" presetClass="entr" presetSubtype="0" fill="hold" nodeType="withEffect">
                                   <p:stCondLst>
                                     <p:cond delay="5000"/>
                                   </p:stCondLst>
                                   <p:childTnLst>
                                     <p:set>
                                       <p:cBhvr>
-                                        <p:cTn id="29" dur="1" fill="hold">
+                                        <p:cTn id="33" dur="1" fill="hold">
                                           <p:stCondLst>
                                             <p:cond delay="0"/>
                                           </p:stCondLst>
@@ -28021,26 +28004,26 @@
                     </p:cTn>
                   </p:par>
                   <p:par>
-                    <p:cTn id="30" fill="hold">
+                    <p:cTn id="34" fill="hold">
                       <p:stCondLst>
                         <p:cond delay="indefinite"/>
                       </p:stCondLst>
                       <p:childTnLst>
                         <p:par>
-                          <p:cTn id="31" fill="hold">
+                          <p:cTn id="35" fill="hold">
                             <p:stCondLst>
                               <p:cond delay="0"/>
                             </p:stCondLst>
                             <p:childTnLst>
                               <p:par>
-                                <p:cTn id="32" presetID="1" presetClass="entr" presetSubtype="0" fill="hold" nodeType="clickEffect">
+                                <p:cTn id="36" presetID="1" presetClass="entr" presetSubtype="0" fill="hold" nodeType="clickEffect">
                                   <p:stCondLst>
                                     <p:cond delay="0"/>
                                   </p:stCondLst>
                                   <p:childTnLst>
                                     <p:set>
                                       <p:cBhvr>
-                                        <p:cTn id="33" dur="1" fill="hold">
+                                        <p:cTn id="37" dur="1" fill="hold">
                                           <p:stCondLst>
                                             <p:cond delay="0"/>
                                           </p:stCondLst>
@@ -28060,14 +28043,14 @@
                                 </p:cTn>
                               </p:par>
                               <p:par>
-                                <p:cTn id="34" presetID="1" presetClass="entr" presetSubtype="0" fill="hold" grpId="0" nodeType="withEffect">
+                                <p:cTn id="38" presetID="1" presetClass="entr" presetSubtype="0" fill="hold" grpId="0" nodeType="withEffect">
                                   <p:stCondLst>
                                     <p:cond delay="0"/>
                                   </p:stCondLst>
                                   <p:childTnLst>
                                     <p:set>
                                       <p:cBhvr>
-                                        <p:cTn id="35" dur="1" fill="hold">
+                                        <p:cTn id="39" dur="1" fill="hold">
                                           <p:stCondLst>
                                             <p:cond delay="0"/>
                                           </p:stCondLst>
@@ -28093,26 +28076,26 @@
                     </p:cTn>
                   </p:par>
                   <p:par>
-                    <p:cTn id="36" fill="hold">
+                    <p:cTn id="40" fill="hold">
                       <p:stCondLst>
                         <p:cond delay="indefinite"/>
                       </p:stCondLst>
                       <p:childTnLst>
                         <p:par>
-                          <p:cTn id="37" fill="hold">
+                          <p:cTn id="41" fill="hold">
                             <p:stCondLst>
                               <p:cond delay="0"/>
                             </p:stCondLst>
                             <p:childTnLst>
                               <p:par>
-                                <p:cTn id="38" presetID="1" presetClass="entr" presetSubtype="0" fill="hold" nodeType="clickEffect">
+                                <p:cTn id="42" presetID="1" presetClass="entr" presetSubtype="0" fill="hold" nodeType="clickEffect">
                                   <p:stCondLst>
                                     <p:cond delay="0"/>
                                   </p:stCondLst>
                                   <p:childTnLst>
                                     <p:set>
                                       <p:cBhvr>
-                                        <p:cTn id="39" dur="1" fill="hold">
+                                        <p:cTn id="43" dur="1" fill="hold">
                                           <p:stCondLst>
                                             <p:cond delay="0"/>
                                           </p:stCondLst>
@@ -28132,14 +28115,14 @@
                                 </p:cTn>
                               </p:par>
                               <p:par>
-                                <p:cTn id="40" presetID="1" presetClass="entr" presetSubtype="0" fill="hold" grpId="0" nodeType="withEffect">
+                                <p:cTn id="44" presetID="1" presetClass="entr" presetSubtype="0" fill="hold" grpId="0" nodeType="withEffect">
                                   <p:stCondLst>
                                     <p:cond delay="0"/>
                                   </p:stCondLst>
                                   <p:childTnLst>
                                     <p:set>
                                       <p:cBhvr>
-                                        <p:cTn id="41" dur="1" fill="hold">
+                                        <p:cTn id="45" dur="1" fill="hold">
                                           <p:stCondLst>
                                             <p:cond delay="0"/>
                                           </p:stCondLst>
@@ -28165,26 +28148,26 @@
                     </p:cTn>
                   </p:par>
                   <p:par>
-                    <p:cTn id="42" fill="hold">
+                    <p:cTn id="46" fill="hold">
                       <p:stCondLst>
                         <p:cond delay="indefinite"/>
                       </p:stCondLst>
                       <p:childTnLst>
                         <p:par>
-                          <p:cTn id="43" fill="hold">
+                          <p:cTn id="47" fill="hold">
                             <p:stCondLst>
                               <p:cond delay="0"/>
                             </p:stCondLst>
                             <p:childTnLst>
                               <p:par>
-                                <p:cTn id="44" presetID="1" presetClass="entr" presetSubtype="0" fill="hold" nodeType="clickEffect">
+                                <p:cTn id="48" presetID="1" presetClass="entr" presetSubtype="0" fill="hold" nodeType="clickEffect">
                                   <p:stCondLst>
                                     <p:cond delay="0"/>
                                   </p:stCondLst>
                                   <p:childTnLst>
                                     <p:set>
                                       <p:cBhvr>
-                                        <p:cTn id="45" dur="1" fill="hold">
+                                        <p:cTn id="49" dur="1" fill="hold">
                                           <p:stCondLst>
                                             <p:cond delay="0"/>
                                           </p:stCondLst>
@@ -28204,14 +28187,14 @@
                                 </p:cTn>
                               </p:par>
                               <p:par>
-                                <p:cTn id="46" presetID="1" presetClass="entr" presetSubtype="0" fill="hold" grpId="0" nodeType="withEffect">
+                                <p:cTn id="50" presetID="1" presetClass="entr" presetSubtype="0" fill="hold" grpId="0" nodeType="withEffect">
                                   <p:stCondLst>
                                     <p:cond delay="0"/>
                                   </p:stCondLst>
                                   <p:childTnLst>
                                     <p:set>
                                       <p:cBhvr>
-                                        <p:cTn id="47" dur="1" fill="hold">
+                                        <p:cTn id="51" dur="1" fill="hold">
                                           <p:stCondLst>
                                             <p:cond delay="0"/>
                                           </p:stCondLst>
@@ -28234,20 +28217,20 @@
                           </p:cTn>
                         </p:par>
                         <p:par>
-                          <p:cTn id="48" fill="hold">
+                          <p:cTn id="52" fill="hold">
                             <p:stCondLst>
                               <p:cond delay="0"/>
                             </p:stCondLst>
                             <p:childTnLst>
                               <p:par>
-                                <p:cTn id="49" presetID="1" presetClass="entr" presetSubtype="0" fill="hold" nodeType="afterEffect">
+                                <p:cTn id="53" presetID="1" presetClass="entr" presetSubtype="0" fill="hold" nodeType="afterEffect">
                                   <p:stCondLst>
                                     <p:cond delay="5000"/>
                                   </p:stCondLst>
                                   <p:childTnLst>
                                     <p:set>
                                       <p:cBhvr>
-                                        <p:cTn id="50" dur="1" fill="hold">
+                                        <p:cTn id="54" dur="1" fill="hold">
                                           <p:stCondLst>
                                             <p:cond delay="0"/>
                                           </p:stCondLst>
@@ -28300,6 +28283,7 @@
       <p:bldP spid="20" grpId="0"/>
       <p:bldP spid="21" grpId="0"/>
       <p:bldP spid="23" grpId="0"/>
+      <p:bldP spid="27" grpId="0"/>
     </p:bldLst>
   </p:timing>
 </p:sld>
@@ -28346,10 +28330,26 @@
           <a:p>
             <a:pPr algn="l"/>
             <a:r>
-              <a:rPr lang="pt-BR" sz="3200" dirty="0" smtClean="0"/>
+              <a:rPr lang="pt-BR" sz="3200" dirty="0" smtClean="0">
+                <a:effectLst>
+                  <a:outerShdw blurRad="38100" dist="38100" dir="2700000" algn="tl">
+                    <a:srgbClr val="000000">
+                      <a:alpha val="43137"/>
+                    </a:srgbClr>
+                  </a:outerShdw>
+                </a:effectLst>
+              </a:rPr>
               <a:t>Visão</a:t>
             </a:r>
-            <a:endParaRPr lang="pt-BR" sz="3200" dirty="0"/>
+            <a:endParaRPr lang="pt-BR" sz="3200" dirty="0">
+              <a:effectLst>
+                <a:outerShdw blurRad="38100" dist="38100" dir="2700000" algn="tl">
+                  <a:srgbClr val="000000">
+                    <a:alpha val="43137"/>
+                  </a:srgbClr>
+                </a:outerShdw>
+              </a:effectLst>
+            </a:endParaRPr>
           </a:p>
         </p:txBody>
       </p:sp>
@@ -29581,7 +29581,7 @@
         <p:spPr>
           <a:xfrm>
             <a:off x="827584" y="246531"/>
-            <a:ext cx="7859216" cy="878214"/>
+            <a:ext cx="7859216" cy="734197"/>
           </a:xfrm>
         </p:spPr>
         <p:txBody>
@@ -30382,34 +30382,7 @@
               <a:srgbClr val="FFFFFF"/>
             </a:contourClr>
           </a:sp3d>
-          <a:extLst>
-            <a:ext uri="{909E8E84-426E-40DD-AFC4-6F175D3DCCD1}">
-              <a14:hiddenFill xmlns:a14="http://schemas.microsoft.com/office/drawing/2010/main">
-                <a:solidFill>
-                  <a:schemeClr val="accent1"/>
-                </a:solidFill>
-              </a14:hiddenFill>
-            </a:ext>
-            <a:ext uri="{91240B29-F687-4F45-9708-019B960494DF}">
-              <a14:hiddenLine xmlns:a14="http://schemas.microsoft.com/office/drawing/2010/main" w="9525">
-                <a:solidFill>
-                  <a:schemeClr val="tx1"/>
-                </a:solidFill>
-                <a:miter lim="800000"/>
-                <a:headEnd/>
-                <a:tailEnd/>
-              </a14:hiddenLine>
-            </a:ext>
-            <a:ext uri="{AF507438-7753-43E0-B8FC-AC1667EBCBE1}">
-              <a14:hiddenEffects xmlns:a14="http://schemas.microsoft.com/office/drawing/2010/main">
-                <a:effectLst>
-                  <a:outerShdw dist="35921" dir="2700000" algn="ctr" rotWithShape="0">
-                    <a:schemeClr val="bg2"/>
-                  </a:outerShdw>
-                </a:effectLst>
-              </a14:hiddenEffects>
-            </a:ext>
-          </a:extLst>
+          <a:extLst/>
         </p:spPr>
       </p:pic>
     </p:spTree>

--- a/Documentação final do projeto/Ppt-Final.pptx
+++ b/Documentação final do projeto/Ppt-Final.pptx
@@ -128,7 +128,7 @@
   </p:defaultTextStyle>
   <p:extLst>
     <p:ext uri="{EFAFB233-063F-42B5-8137-9DF3F51BA10A}">
-      <p15:sldGuideLst xmlns="" xmlns:p15="http://schemas.microsoft.com/office/powerpoint/2012/main">
+      <p15:sldGuideLst xmlns:p15="http://schemas.microsoft.com/office/powerpoint/2012/main" xmlns="">
         <p15:guide id="1" orient="horz" pos="2160">
           <p15:clr>
             <a:srgbClr val="A4A3A4"/>
@@ -17581,7 +17581,7 @@
           <a:p>
             <a:fld id="{3F5D9F91-5035-469D-968F-FE3C304D0282}" type="datetimeFigureOut">
               <a:rPr lang="pt-BR" smtClean="0"/>
-              <a:t>02/12/2018</a:t>
+              <a:t>03/12/2018</a:t>
             </a:fld>
             <a:endParaRPr lang="pt-BR"/>
           </a:p>
@@ -18569,7 +18569,7 @@
           <a:p>
             <a:fld id="{6170734A-4B5A-4F3B-B573-1E93A2DEC51B}" type="datetimeFigureOut">
               <a:rPr lang="pt-BR" smtClean="0"/>
-              <a:t>02/12/2018</a:t>
+              <a:t>03/12/2018</a:t>
             </a:fld>
             <a:endParaRPr lang="pt-BR"/>
           </a:p>
@@ -18734,7 +18734,7 @@
           <a:p>
             <a:fld id="{6170734A-4B5A-4F3B-B573-1E93A2DEC51B}" type="datetimeFigureOut">
               <a:rPr lang="pt-BR" smtClean="0"/>
-              <a:t>02/12/2018</a:t>
+              <a:t>03/12/2018</a:t>
             </a:fld>
             <a:endParaRPr lang="pt-BR"/>
           </a:p>
@@ -18909,7 +18909,7 @@
           <a:p>
             <a:fld id="{6170734A-4B5A-4F3B-B573-1E93A2DEC51B}" type="datetimeFigureOut">
               <a:rPr lang="pt-BR" smtClean="0"/>
-              <a:t>02/12/2018</a:t>
+              <a:t>03/12/2018</a:t>
             </a:fld>
             <a:endParaRPr lang="pt-BR"/>
           </a:p>
@@ -19092,7 +19092,7 @@
           <a:p>
             <a:fld id="{6170734A-4B5A-4F3B-B573-1E93A2DEC51B}" type="datetimeFigureOut">
               <a:rPr lang="pt-BR" smtClean="0"/>
-              <a:t>02/12/2018</a:t>
+              <a:t>03/12/2018</a:t>
             </a:fld>
             <a:endParaRPr lang="pt-BR"/>
           </a:p>
@@ -19354,7 +19354,7 @@
           <a:p>
             <a:fld id="{6170734A-4B5A-4F3B-B573-1E93A2DEC51B}" type="datetimeFigureOut">
               <a:rPr lang="pt-BR" smtClean="0"/>
-              <a:t>02/12/2018</a:t>
+              <a:t>03/12/2018</a:t>
             </a:fld>
             <a:endParaRPr lang="pt-BR"/>
           </a:p>
@@ -19702,7 +19702,7 @@
           <a:p>
             <a:fld id="{6170734A-4B5A-4F3B-B573-1E93A2DEC51B}" type="datetimeFigureOut">
               <a:rPr lang="pt-BR" smtClean="0"/>
-              <a:t>02/12/2018</a:t>
+              <a:t>03/12/2018</a:t>
             </a:fld>
             <a:endParaRPr lang="pt-BR"/>
           </a:p>
@@ -20010,7 +20010,7 @@
           <a:p>
             <a:fld id="{6170734A-4B5A-4F3B-B573-1E93A2DEC51B}" type="datetimeFigureOut">
               <a:rPr lang="pt-BR" smtClean="0"/>
-              <a:t>02/12/2018</a:t>
+              <a:t>03/12/2018</a:t>
             </a:fld>
             <a:endParaRPr lang="pt-BR"/>
           </a:p>
@@ -20237,7 +20237,7 @@
           <a:p>
             <a:fld id="{6170734A-4B5A-4F3B-B573-1E93A2DEC51B}" type="datetimeFigureOut">
               <a:rPr lang="pt-BR" smtClean="0"/>
-              <a:t>02/12/2018</a:t>
+              <a:t>03/12/2018</a:t>
             </a:fld>
             <a:endParaRPr lang="pt-BR"/>
           </a:p>
@@ -20327,7 +20327,7 @@
           <a:p>
             <a:fld id="{6170734A-4B5A-4F3B-B573-1E93A2DEC51B}" type="datetimeFigureOut">
               <a:rPr lang="pt-BR" smtClean="0"/>
-              <a:t>02/12/2018</a:t>
+              <a:t>03/12/2018</a:t>
             </a:fld>
             <a:endParaRPr lang="pt-BR"/>
           </a:p>
@@ -20615,7 +20615,7 @@
           <a:p>
             <a:fld id="{6170734A-4B5A-4F3B-B573-1E93A2DEC51B}" type="datetimeFigureOut">
               <a:rPr lang="pt-BR" smtClean="0"/>
-              <a:t>02/12/2018</a:t>
+              <a:t>03/12/2018</a:t>
             </a:fld>
             <a:endParaRPr lang="pt-BR"/>
           </a:p>
@@ -20884,7 +20884,7 @@
           <a:p>
             <a:fld id="{6170734A-4B5A-4F3B-B573-1E93A2DEC51B}" type="datetimeFigureOut">
               <a:rPr lang="pt-BR" smtClean="0"/>
-              <a:t>02/12/2018</a:t>
+              <a:t>03/12/2018</a:t>
             </a:fld>
             <a:endParaRPr lang="pt-BR"/>
           </a:p>
@@ -21094,7 +21094,7 @@
           <a:p>
             <a:fld id="{6170734A-4B5A-4F3B-B573-1E93A2DEC51B}" type="datetimeFigureOut">
               <a:rPr lang="pt-BR" smtClean="0"/>
-              <a:t>02/12/2018</a:t>
+              <a:t>03/12/2018</a:t>
             </a:fld>
             <a:endParaRPr lang="pt-BR"/>
           </a:p>
@@ -25487,11 +25487,6 @@
               </a:rPr>
               <a:t>Descrição do problema</a:t>
             </a:r>
-            <a:endParaRPr lang="pt-BR" sz="2000" b="1" dirty="0" smtClean="0">
-              <a:solidFill>
-                <a:srgbClr val="00B050"/>
-              </a:solidFill>
-            </a:endParaRPr>
           </a:p>
           <a:p>
             <a:pPr>
@@ -25526,11 +25521,6 @@
               </a:rPr>
               <a:t>Visão</a:t>
             </a:r>
-            <a:endParaRPr lang="pt-BR" sz="2000" b="1" dirty="0" smtClean="0">
-              <a:solidFill>
-                <a:srgbClr val="00B050"/>
-              </a:solidFill>
-            </a:endParaRPr>
           </a:p>
           <a:p>
             <a:pPr>
@@ -25573,11 +25563,6 @@
               </a:rPr>
               <a:t>Arquitetura</a:t>
             </a:r>
-            <a:endParaRPr lang="pt-BR" sz="2000" b="1" dirty="0" smtClean="0">
-              <a:solidFill>
-                <a:srgbClr val="00B050"/>
-              </a:solidFill>
-            </a:endParaRPr>
           </a:p>
           <a:p>
             <a:pPr>
@@ -25945,8 +25930,20 @@
               <a:buChar char="ü"/>
             </a:pPr>
             <a:r>
-              <a:rPr lang="pt-BR" sz="2000" b="1" dirty="0" smtClean="0"/>
-              <a:t>Docentes com pouco tempo</a:t>
+              <a:rPr lang="pt-BR" sz="2000" b="1" dirty="0" smtClean="0">
+                <a:solidFill>
+                  <a:schemeClr val="tx1"/>
+                </a:solidFill>
+              </a:rPr>
+              <a:t>Docentes com </a:t>
+            </a:r>
+            <a:r>
+              <a:rPr lang="pt-BR" sz="2000" b="1" dirty="0" smtClean="0">
+                <a:solidFill>
+                  <a:srgbClr val="FF0000"/>
+                </a:solidFill>
+              </a:rPr>
+              <a:t>pouco tempo</a:t>
             </a:r>
           </a:p>
           <a:p>
@@ -25957,7 +25954,11 @@
               <a:buFont typeface="Wingdings" pitchFamily="2" charset="2"/>
               <a:buChar char="ü"/>
             </a:pPr>
-            <a:endParaRPr lang="pt-BR" sz="2000" b="1" dirty="0" smtClean="0"/>
+            <a:endParaRPr lang="pt-BR" sz="2000" b="1" dirty="0" smtClean="0">
+              <a:solidFill>
+                <a:schemeClr val="tx1"/>
+              </a:solidFill>
+            </a:endParaRPr>
           </a:p>
           <a:p>
             <a:pPr>
@@ -25970,10 +25971,18 @@
             <a:r>
               <a:rPr lang="pt-BR" sz="2000" b="1" dirty="0" smtClean="0">
                 <a:solidFill>
-                  <a:srgbClr val="00B050"/>
+                  <a:schemeClr val="tx1"/>
                 </a:solidFill>
               </a:rPr>
-              <a:t>Operação de sistemas burocráticos poucos interativos</a:t>
+              <a:t>Operação de sistemas</a:t>
+            </a:r>
+            <a:r>
+              <a:rPr lang="pt-BR" sz="2000" b="1" dirty="0" smtClean="0">
+                <a:solidFill>
+                  <a:srgbClr val="FF0000"/>
+                </a:solidFill>
+              </a:rPr>
+              <a:t> burocráticos poucos interativos</a:t>
             </a:r>
           </a:p>
           <a:p>
@@ -25986,7 +25995,7 @@
             </a:pPr>
             <a:endParaRPr lang="pt-BR" sz="2000" b="1" dirty="0" smtClean="0">
               <a:solidFill>
-                <a:srgbClr val="00B050"/>
+                <a:schemeClr val="tx1"/>
               </a:solidFill>
             </a:endParaRPr>
           </a:p>
@@ -25999,7 +26008,11 @@
               <a:buChar char="ü"/>
             </a:pPr>
             <a:r>
-              <a:rPr lang="pt-BR" sz="2000" b="1" dirty="0" smtClean="0"/>
+              <a:rPr lang="pt-BR" sz="2000" b="1" dirty="0" smtClean="0">
+                <a:solidFill>
+                  <a:srgbClr val="FF0000"/>
+                </a:solidFill>
+              </a:rPr>
               <a:t>Prazos apertados </a:t>
             </a:r>
           </a:p>
@@ -26465,7 +26478,7 @@
         </p:spPr>
         <p:txBody>
           <a:bodyPr>
-            <a:normAutofit fontScale="70000" lnSpcReduction="20000"/>
+            <a:normAutofit fontScale="85000" lnSpcReduction="20000"/>
           </a:bodyPr>
           <a:lstStyle/>
           <a:p>
@@ -26538,27 +26551,18 @@
             <a:r>
               <a:rPr lang="pt-BR" sz="2600" b="1" dirty="0" smtClean="0">
                 <a:solidFill>
-                  <a:schemeClr val="tx1"/>
+                  <a:srgbClr val="00B050"/>
                 </a:solidFill>
               </a:rPr>
-              <a:t> Foco em ambientes corporativos</a:t>
+              <a:t>Solução </a:t>
             </a:r>
-          </a:p>
-          <a:p>
-            <a:pPr>
-              <a:lnSpc>
-                <a:spcPct val="300000"/>
-              </a:lnSpc>
-              <a:buFont typeface="Wingdings" pitchFamily="2" charset="2"/>
-              <a:buChar char="ü"/>
-            </a:pPr>
             <a:r>
               <a:rPr lang="pt-BR" sz="2600" b="1" dirty="0" smtClean="0">
                 <a:solidFill>
                   <a:srgbClr val="00B050"/>
                 </a:solidFill>
               </a:rPr>
-              <a:t>Solução de problemas em três clicks</a:t>
+              <a:t>de problemas em três clicks</a:t>
             </a:r>
             <a:endParaRPr lang="pt-BR" sz="2000" b="1" dirty="0" smtClean="0">
               <a:solidFill>
@@ -28339,7 +28343,7 @@
                   </a:outerShdw>
                 </a:effectLst>
               </a:rPr>
-              <a:t>Visão</a:t>
+              <a:t>Visão da implementação</a:t>
             </a:r>
             <a:endParaRPr lang="pt-BR" sz="3200" dirty="0">
               <a:effectLst>
@@ -28627,8 +28631,8 @@
         </p:nvSpPr>
         <p:spPr>
           <a:xfrm>
-            <a:off x="4960017" y="1803296"/>
-            <a:ext cx="1554913" cy="369332"/>
+            <a:off x="4557503" y="1495817"/>
+            <a:ext cx="2016225" cy="646331"/>
           </a:xfrm>
           <a:prstGeom prst="rect">
             <a:avLst/>
@@ -28636,7 +28640,7 @@
           <a:noFill/>
         </p:spPr>
         <p:txBody>
-          <a:bodyPr wrap="none" rtlCol="0">
+          <a:bodyPr wrap="square" rtlCol="0">
             <a:spAutoFit/>
           </a:bodyPr>
           <a:lstStyle/>
@@ -28650,7 +28654,47 @@
                   </a:schemeClr>
                 </a:solidFill>
               </a:rPr>
-              <a:t>Serviço PWA</a:t>
+              <a:t>Serviço </a:t>
+            </a:r>
+            <a:r>
+              <a:rPr lang="pt-BR" b="1" dirty="0" smtClean="0">
+                <a:solidFill>
+                  <a:schemeClr val="bg1">
+                    <a:lumMod val="75000"/>
+                  </a:schemeClr>
+                </a:solidFill>
+              </a:rPr>
+              <a:t>PWA ou </a:t>
+            </a:r>
+            <a:r>
+              <a:rPr lang="pt-BR" b="1" dirty="0" err="1" smtClean="0">
+                <a:solidFill>
+                  <a:schemeClr val="bg1">
+                    <a:lumMod val="75000"/>
+                  </a:schemeClr>
+                </a:solidFill>
+              </a:rPr>
+              <a:t>push</a:t>
+            </a:r>
+            <a:r>
+              <a:rPr lang="pt-BR" b="1" dirty="0" smtClean="0">
+                <a:solidFill>
+                  <a:schemeClr val="bg1">
+                    <a:lumMod val="75000"/>
+                  </a:schemeClr>
+                </a:solidFill>
+              </a:rPr>
+              <a:t> </a:t>
+            </a:r>
+            <a:r>
+              <a:rPr lang="pt-BR" b="1" dirty="0" err="1" smtClean="0">
+                <a:solidFill>
+                  <a:schemeClr val="bg1">
+                    <a:lumMod val="75000"/>
+                  </a:schemeClr>
+                </a:solidFill>
+              </a:rPr>
+              <a:t>notification</a:t>
             </a:r>
             <a:endParaRPr lang="pt-BR" b="1" dirty="0">
               <a:solidFill>
@@ -29966,6 +30010,50 @@
           </a:p>
         </p:txBody>
       </p:sp>
+      <p:pic>
+        <p:nvPicPr>
+          <p:cNvPr id="19" name="Picture 2" descr="D:\Neimar\Dropbox\Projetos\Corpore\corpore\web\images\Pessoas.png"/>
+          <p:cNvPicPr>
+            <a:picLocks noChangeAspect="1" noChangeArrowheads="1"/>
+          </p:cNvPicPr>
+          <p:nvPr/>
+        </p:nvPicPr>
+        <p:blipFill rotWithShape="1">
+          <a:blip r:embed="rId8">
+            <a:extLst>
+              <a:ext uri="{28A0092B-C50C-407E-A947-70E740481C1C}">
+                <a14:useLocalDpi xmlns:a14="http://schemas.microsoft.com/office/drawing/2010/main" val="0"/>
+              </a:ext>
+            </a:extLst>
+          </a:blip>
+          <a:srcRect l="3505" t="-12875" r="-3505" b="12875"/>
+          <a:stretch/>
+        </p:blipFill>
+        <p:spPr bwMode="auto">
+          <a:xfrm>
+            <a:off x="90919" y="3284984"/>
+            <a:ext cx="645745" cy="709053"/>
+          </a:xfrm>
+          <a:prstGeom prst="ellipse">
+            <a:avLst/>
+          </a:prstGeom>
+          <a:ln>
+            <a:noFill/>
+          </a:ln>
+          <a:effectLst>
+            <a:softEdge rad="112500"/>
+          </a:effectLst>
+          <a:extLst>
+            <a:ext uri="{909E8E84-426E-40DD-AFC4-6F175D3DCCD1}">
+              <a14:hiddenFill xmlns:a14="http://schemas.microsoft.com/office/drawing/2010/main">
+                <a:solidFill>
+                  <a:srgbClr val="FFFFFF"/>
+                </a:solidFill>
+              </a14:hiddenFill>
+            </a:ext>
+          </a:extLst>
+        </p:spPr>
+      </p:pic>
     </p:spTree>
     <p:extLst>
       <p:ext uri="{BB962C8B-B14F-4D97-AF65-F5344CB8AC3E}">
@@ -30011,6 +30099,51 @@
                                         </p:cTn>
                                         <p:tgtEl>
                                           <p:spTgt spid="12"/>
+                                        </p:tgtEl>
+                                        <p:attrNameLst>
+                                          <p:attrName>style.visibility</p:attrName>
+                                        </p:attrNameLst>
+                                      </p:cBhvr>
+                                      <p:to>
+                                        <p:strVal val="visible"/>
+                                      </p:to>
+                                    </p:set>
+                                  </p:childTnLst>
+                                </p:cTn>
+                              </p:par>
+                            </p:childTnLst>
+                          </p:cTn>
+                        </p:par>
+                      </p:childTnLst>
+                    </p:cTn>
+                  </p:par>
+                  <p:par>
+                    <p:cTn id="7" fill="hold">
+                      <p:stCondLst>
+                        <p:cond delay="indefinite"/>
+                      </p:stCondLst>
+                      <p:childTnLst>
+                        <p:par>
+                          <p:cTn id="8" fill="hold">
+                            <p:stCondLst>
+                              <p:cond delay="0"/>
+                            </p:stCondLst>
+                            <p:childTnLst>
+                              <p:par>
+                                <p:cTn id="9" presetID="1" presetClass="entr" presetSubtype="0" fill="hold" nodeType="clickEffect">
+                                  <p:stCondLst>
+                                    <p:cond delay="0"/>
+                                  </p:stCondLst>
+                                  <p:childTnLst>
+                                    <p:set>
+                                      <p:cBhvr>
+                                        <p:cTn id="10" dur="1" fill="hold">
+                                          <p:stCondLst>
+                                            <p:cond delay="0"/>
+                                          </p:stCondLst>
+                                        </p:cTn>
+                                        <p:tgtEl>
+                                          <p:spTgt spid="19"/>
                                         </p:tgtEl>
                                         <p:attrNameLst>
                                           <p:attrName>style.visibility</p:attrName>

--- a/Documentação final do projeto/Ppt-Final.pptx
+++ b/Documentação final do projeto/Ppt-Final.pptx
@@ -20,8 +20,8 @@
     <p:sldId id="304" r:id="rId11"/>
     <p:sldId id="297" r:id="rId12"/>
     <p:sldId id="284" r:id="rId13"/>
-    <p:sldId id="276" r:id="rId14"/>
-    <p:sldId id="293" r:id="rId15"/>
+    <p:sldId id="293" r:id="rId14"/>
+    <p:sldId id="276" r:id="rId15"/>
     <p:sldId id="294" r:id="rId16"/>
     <p:sldId id="305" r:id="rId17"/>
     <p:sldId id="306" r:id="rId18"/>
@@ -23995,6 +23995,157 @@
           <a:chExt cx="0" cy="0"/>
         </a:xfrm>
       </p:grpSpPr>
+      <p:sp>
+        <p:nvSpPr>
+          <p:cNvPr id="2" name="Título 1"/>
+          <p:cNvSpPr>
+            <a:spLocks noGrp="1"/>
+          </p:cNvSpPr>
+          <p:nvPr>
+            <p:ph type="title"/>
+          </p:nvPr>
+        </p:nvSpPr>
+        <p:spPr>
+          <a:xfrm>
+            <a:off x="827584" y="123986"/>
+            <a:ext cx="8089654" cy="859194"/>
+          </a:xfrm>
+        </p:spPr>
+        <p:txBody>
+          <a:bodyPr/>
+          <a:lstStyle/>
+          <a:p>
+            <a:pPr algn="l"/>
+            <a:r>
+              <a:rPr lang="pt-BR" sz="3200" dirty="0" smtClean="0"/>
+              <a:t>Tela de decisão</a:t>
+            </a:r>
+            <a:endParaRPr lang="pt-BR" sz="3200" dirty="0"/>
+          </a:p>
+        </p:txBody>
+      </p:sp>
+      <p:pic>
+        <p:nvPicPr>
+          <p:cNvPr id="4" name="Picture 2" descr="https://cdn-images-1.medium.com/max/600/1*YHKQVfSqFafrXvGcc5wUuQ.png"/>
+          <p:cNvPicPr>
+            <a:picLocks noChangeAspect="1" noChangeArrowheads="1"/>
+          </p:cNvPicPr>
+          <p:nvPr/>
+        </p:nvPicPr>
+        <p:blipFill rotWithShape="1">
+          <a:blip r:embed="rId2">
+            <a:extLst>
+              <a:ext uri="{28A0092B-C50C-407E-A947-70E740481C1C}">
+                <a14:useLocalDpi xmlns:a14="http://schemas.microsoft.com/office/drawing/2010/main" val="0"/>
+              </a:ext>
+            </a:extLst>
+          </a:blip>
+          <a:srcRect b="11346"/>
+          <a:stretch/>
+        </p:blipFill>
+        <p:spPr bwMode="auto">
+          <a:xfrm>
+            <a:off x="0" y="-60521"/>
+            <a:ext cx="827584" cy="614104"/>
+          </a:xfrm>
+          <a:prstGeom prst="rect">
+            <a:avLst/>
+          </a:prstGeom>
+          <a:ln>
+            <a:noFill/>
+          </a:ln>
+          <a:effectLst>
+            <a:softEdge rad="112500"/>
+          </a:effectLst>
+          <a:extLst>
+            <a:ext uri="{909E8E84-426E-40DD-AFC4-6F175D3DCCD1}">
+              <a14:hiddenFill xmlns:a14="http://schemas.microsoft.com/office/drawing/2010/main">
+                <a:solidFill>
+                  <a:srgbClr val="FFFFFF"/>
+                </a:solidFill>
+              </a14:hiddenFill>
+            </a:ext>
+          </a:extLst>
+        </p:spPr>
+      </p:pic>
+      <p:pic>
+        <p:nvPicPr>
+          <p:cNvPr id="1026" name="Picture 2" descr="https://cdn-images-1.medium.com/max/880/1*GQI6qZ3x63eLEoI4cy3law.png"/>
+          <p:cNvPicPr>
+            <a:picLocks noChangeAspect="1" noChangeArrowheads="1"/>
+          </p:cNvPicPr>
+          <p:nvPr/>
+        </p:nvPicPr>
+        <p:blipFill>
+          <a:blip r:embed="rId3">
+            <a:extLst>
+              <a:ext uri="{28A0092B-C50C-407E-A947-70E740481C1C}">
+                <a14:useLocalDpi xmlns:a14="http://schemas.microsoft.com/office/drawing/2010/main" val="0"/>
+              </a:ext>
+            </a:extLst>
+          </a:blip>
+          <a:srcRect/>
+          <a:stretch>
+            <a:fillRect/>
+          </a:stretch>
+        </p:blipFill>
+        <p:spPr bwMode="auto">
+          <a:xfrm>
+            <a:off x="107504" y="980728"/>
+            <a:ext cx="8928992" cy="5877272"/>
+          </a:xfrm>
+          <a:prstGeom prst="rect">
+            <a:avLst/>
+          </a:prstGeom>
+          <a:noFill/>
+          <a:extLst>
+            <a:ext uri="{909E8E84-426E-40DD-AFC4-6F175D3DCCD1}">
+              <a14:hiddenFill xmlns:a14="http://schemas.microsoft.com/office/drawing/2010/main">
+                <a:solidFill>
+                  <a:srgbClr val="FFFFFF"/>
+                </a:solidFill>
+              </a14:hiddenFill>
+            </a:ext>
+          </a:extLst>
+        </p:spPr>
+      </p:pic>
+    </p:spTree>
+    <p:extLst>
+      <p:ext uri="{BB962C8B-B14F-4D97-AF65-F5344CB8AC3E}">
+        <p14:creationId xmlns:p14="http://schemas.microsoft.com/office/powerpoint/2010/main" val="1473367542"/>
+      </p:ext>
+    </p:extLst>
+  </p:cSld>
+  <p:clrMapOvr>
+    <a:masterClrMapping/>
+  </p:clrMapOvr>
+  <p:timing>
+    <p:tnLst>
+      <p:par>
+        <p:cTn id="1" dur="indefinite" restart="never" nodeType="tmRoot"/>
+      </p:par>
+    </p:tnLst>
+  </p:timing>
+</p:sld>
+</file>
+
+<file path=ppt/slides/slide14.xml><?xml version="1.0" encoding="utf-8"?>
+<p:sld xmlns:a="http://schemas.openxmlformats.org/drawingml/2006/main" xmlns:r="http://schemas.openxmlformats.org/officeDocument/2006/relationships" xmlns:p="http://schemas.openxmlformats.org/presentationml/2006/main">
+  <p:cSld>
+    <p:spTree>
+      <p:nvGrpSpPr>
+        <p:cNvPr id="1" name=""/>
+        <p:cNvGrpSpPr/>
+        <p:nvPr/>
+      </p:nvGrpSpPr>
+      <p:grpSpPr>
+        <a:xfrm>
+          <a:off x="0" y="0"/>
+          <a:ext cx="0" cy="0"/>
+          <a:chOff x="0" y="0"/>
+          <a:chExt cx="0" cy="0"/>
+        </a:xfrm>
+      </p:grpSpPr>
       <p:pic>
         <p:nvPicPr>
           <p:cNvPr id="1026" name="Picture 2"/>
@@ -24266,157 +24417,6 @@
             </p:seq>
           </p:childTnLst>
         </p:cTn>
-      </p:par>
-    </p:tnLst>
-  </p:timing>
-</p:sld>
-</file>
-
-<file path=ppt/slides/slide14.xml><?xml version="1.0" encoding="utf-8"?>
-<p:sld xmlns:a="http://schemas.openxmlformats.org/drawingml/2006/main" xmlns:r="http://schemas.openxmlformats.org/officeDocument/2006/relationships" xmlns:p="http://schemas.openxmlformats.org/presentationml/2006/main">
-  <p:cSld>
-    <p:spTree>
-      <p:nvGrpSpPr>
-        <p:cNvPr id="1" name=""/>
-        <p:cNvGrpSpPr/>
-        <p:nvPr/>
-      </p:nvGrpSpPr>
-      <p:grpSpPr>
-        <a:xfrm>
-          <a:off x="0" y="0"/>
-          <a:ext cx="0" cy="0"/>
-          <a:chOff x="0" y="0"/>
-          <a:chExt cx="0" cy="0"/>
-        </a:xfrm>
-      </p:grpSpPr>
-      <p:sp>
-        <p:nvSpPr>
-          <p:cNvPr id="2" name="Título 1"/>
-          <p:cNvSpPr>
-            <a:spLocks noGrp="1"/>
-          </p:cNvSpPr>
-          <p:nvPr>
-            <p:ph type="title"/>
-          </p:nvPr>
-        </p:nvSpPr>
-        <p:spPr>
-          <a:xfrm>
-            <a:off x="827584" y="123986"/>
-            <a:ext cx="8089654" cy="859194"/>
-          </a:xfrm>
-        </p:spPr>
-        <p:txBody>
-          <a:bodyPr/>
-          <a:lstStyle/>
-          <a:p>
-            <a:pPr algn="l"/>
-            <a:r>
-              <a:rPr lang="pt-BR" sz="3200" dirty="0" smtClean="0"/>
-              <a:t>Tela de decisão</a:t>
-            </a:r>
-            <a:endParaRPr lang="pt-BR" sz="3200" dirty="0"/>
-          </a:p>
-        </p:txBody>
-      </p:sp>
-      <p:pic>
-        <p:nvPicPr>
-          <p:cNvPr id="4" name="Picture 2" descr="https://cdn-images-1.medium.com/max/600/1*YHKQVfSqFafrXvGcc5wUuQ.png"/>
-          <p:cNvPicPr>
-            <a:picLocks noChangeAspect="1" noChangeArrowheads="1"/>
-          </p:cNvPicPr>
-          <p:nvPr/>
-        </p:nvPicPr>
-        <p:blipFill rotWithShape="1">
-          <a:blip r:embed="rId2">
-            <a:extLst>
-              <a:ext uri="{28A0092B-C50C-407E-A947-70E740481C1C}">
-                <a14:useLocalDpi xmlns:a14="http://schemas.microsoft.com/office/drawing/2010/main" val="0"/>
-              </a:ext>
-            </a:extLst>
-          </a:blip>
-          <a:srcRect b="11346"/>
-          <a:stretch/>
-        </p:blipFill>
-        <p:spPr bwMode="auto">
-          <a:xfrm>
-            <a:off x="0" y="-60521"/>
-            <a:ext cx="827584" cy="614104"/>
-          </a:xfrm>
-          <a:prstGeom prst="rect">
-            <a:avLst/>
-          </a:prstGeom>
-          <a:ln>
-            <a:noFill/>
-          </a:ln>
-          <a:effectLst>
-            <a:softEdge rad="112500"/>
-          </a:effectLst>
-          <a:extLst>
-            <a:ext uri="{909E8E84-426E-40DD-AFC4-6F175D3DCCD1}">
-              <a14:hiddenFill xmlns:a14="http://schemas.microsoft.com/office/drawing/2010/main">
-                <a:solidFill>
-                  <a:srgbClr val="FFFFFF"/>
-                </a:solidFill>
-              </a14:hiddenFill>
-            </a:ext>
-          </a:extLst>
-        </p:spPr>
-      </p:pic>
-      <p:pic>
-        <p:nvPicPr>
-          <p:cNvPr id="1026" name="Picture 2" descr="https://cdn-images-1.medium.com/max/880/1*GQI6qZ3x63eLEoI4cy3law.png"/>
-          <p:cNvPicPr>
-            <a:picLocks noChangeAspect="1" noChangeArrowheads="1"/>
-          </p:cNvPicPr>
-          <p:nvPr/>
-        </p:nvPicPr>
-        <p:blipFill>
-          <a:blip r:embed="rId3">
-            <a:extLst>
-              <a:ext uri="{28A0092B-C50C-407E-A947-70E740481C1C}">
-                <a14:useLocalDpi xmlns:a14="http://schemas.microsoft.com/office/drawing/2010/main" val="0"/>
-              </a:ext>
-            </a:extLst>
-          </a:blip>
-          <a:srcRect/>
-          <a:stretch>
-            <a:fillRect/>
-          </a:stretch>
-        </p:blipFill>
-        <p:spPr bwMode="auto">
-          <a:xfrm>
-            <a:off x="107504" y="980728"/>
-            <a:ext cx="8928992" cy="5877272"/>
-          </a:xfrm>
-          <a:prstGeom prst="rect">
-            <a:avLst/>
-          </a:prstGeom>
-          <a:noFill/>
-          <a:extLst>
-            <a:ext uri="{909E8E84-426E-40DD-AFC4-6F175D3DCCD1}">
-              <a14:hiddenFill xmlns:a14="http://schemas.microsoft.com/office/drawing/2010/main">
-                <a:solidFill>
-                  <a:srgbClr val="FFFFFF"/>
-                </a:solidFill>
-              </a14:hiddenFill>
-            </a:ext>
-          </a:extLst>
-        </p:spPr>
-      </p:pic>
-    </p:spTree>
-    <p:extLst>
-      <p:ext uri="{BB962C8B-B14F-4D97-AF65-F5344CB8AC3E}">
-        <p14:creationId xmlns:p14="http://schemas.microsoft.com/office/powerpoint/2010/main" val="1473367542"/>
-      </p:ext>
-    </p:extLst>
-  </p:cSld>
-  <p:clrMapOvr>
-    <a:masterClrMapping/>
-  </p:clrMapOvr>
-  <p:timing>
-    <p:tnLst>
-      <p:par>
-        <p:cTn id="1" dur="indefinite" restart="never" nodeType="tmRoot"/>
       </p:par>
     </p:tnLst>
   </p:timing>
@@ -25912,8 +25912,8 @@
         </p:nvSpPr>
         <p:spPr>
           <a:xfrm>
-            <a:off x="3005826" y="2276872"/>
-            <a:ext cx="6138174" cy="4032448"/>
+            <a:off x="2843808" y="2280503"/>
+            <a:ext cx="5688632" cy="4032448"/>
           </a:xfrm>
         </p:spPr>
         <p:txBody>
@@ -26246,6 +26246,70 @@
           </a:extLst>
         </p:spPr>
       </p:pic>
+      <p:sp>
+        <p:nvSpPr>
+          <p:cNvPr id="10" name="CaixaDeTexto 9"/>
+          <p:cNvSpPr txBox="1"/>
+          <p:nvPr/>
+        </p:nvSpPr>
+        <p:spPr>
+          <a:xfrm>
+            <a:off x="2915816" y="2403901"/>
+            <a:ext cx="5544616" cy="3785652"/>
+          </a:xfrm>
+          <a:prstGeom prst="rect">
+            <a:avLst/>
+          </a:prstGeom>
+          <a:solidFill>
+            <a:schemeClr val="bg1"/>
+          </a:solidFill>
+        </p:spPr>
+        <p:txBody>
+          <a:bodyPr wrap="square" rtlCol="0">
+            <a:spAutoFit/>
+          </a:bodyPr>
+          <a:lstStyle/>
+          <a:p>
+            <a:pPr lvl="0"/>
+            <a:endParaRPr lang="pt-BR" sz="4800" b="1" dirty="0" smtClean="0">
+              <a:solidFill>
+                <a:srgbClr val="7030A0"/>
+              </a:solidFill>
+            </a:endParaRPr>
+          </a:p>
+          <a:p>
+            <a:pPr lvl="0"/>
+            <a:endParaRPr lang="pt-BR" sz="4800" b="1" dirty="0">
+              <a:solidFill>
+                <a:srgbClr val="7030A0"/>
+              </a:solidFill>
+            </a:endParaRPr>
+          </a:p>
+          <a:p>
+            <a:pPr lvl="0"/>
+            <a:r>
+              <a:rPr lang="pt-BR" sz="4800" b="1" dirty="0" smtClean="0">
+                <a:solidFill>
+                  <a:srgbClr val="7030A0"/>
+                </a:solidFill>
+              </a:rPr>
+              <a:t> Tempo!</a:t>
+            </a:r>
+          </a:p>
+          <a:p>
+            <a:pPr lvl="0"/>
+            <a:endParaRPr lang="pt-BR" sz="4800" b="1" dirty="0">
+              <a:solidFill>
+                <a:srgbClr val="7030A0"/>
+              </a:solidFill>
+            </a:endParaRPr>
+          </a:p>
+          <a:p>
+            <a:pPr lvl="0"/>
+            <a:endParaRPr lang="pt-BR" sz="4800" dirty="0"/>
+          </a:p>
+        </p:txBody>
+      </p:sp>
     </p:spTree>
     <p:extLst>
       <p:ext uri="{BB962C8B-B14F-4D97-AF65-F5344CB8AC3E}">
@@ -26259,9 +26323,183 @@
   <p:timing>
     <p:tnLst>
       <p:par>
-        <p:cTn id="1" dur="indefinite" restart="never" nodeType="tmRoot"/>
+        <p:cTn id="1" dur="indefinite" restart="never" nodeType="tmRoot">
+          <p:childTnLst>
+            <p:seq concurrent="1" nextAc="seek">
+              <p:cTn id="2" dur="indefinite" nodeType="mainSeq">
+                <p:childTnLst>
+                  <p:par>
+                    <p:cTn id="3" fill="hold">
+                      <p:stCondLst>
+                        <p:cond delay="indefinite"/>
+                        <p:cond evt="onBegin" delay="0">
+                          <p:tn val="2"/>
+                        </p:cond>
+                      </p:stCondLst>
+                      <p:childTnLst>
+                        <p:par>
+                          <p:cTn id="4" fill="hold">
+                            <p:stCondLst>
+                              <p:cond delay="0"/>
+                            </p:stCondLst>
+                            <p:childTnLst>
+                              <p:par>
+                                <p:cTn id="5" presetID="10" presetClass="exit" presetSubtype="0" fill="hold" grpId="0" nodeType="afterEffect">
+                                  <p:stCondLst>
+                                    <p:cond delay="0"/>
+                                  </p:stCondLst>
+                                  <p:childTnLst>
+                                    <p:animEffect transition="out" filter="fade">
+                                      <p:cBhvr>
+                                        <p:cTn id="6" dur="500"/>
+                                        <p:tgtEl>
+                                          <p:spTgt spid="10"/>
+                                        </p:tgtEl>
+                                      </p:cBhvr>
+                                    </p:animEffect>
+                                    <p:set>
+                                      <p:cBhvr>
+                                        <p:cTn id="7" dur="1" fill="hold">
+                                          <p:stCondLst>
+                                            <p:cond delay="499"/>
+                                          </p:stCondLst>
+                                        </p:cTn>
+                                        <p:tgtEl>
+                                          <p:spTgt spid="10"/>
+                                        </p:tgtEl>
+                                        <p:attrNameLst>
+                                          <p:attrName>style.visibility</p:attrName>
+                                        </p:attrNameLst>
+                                      </p:cBhvr>
+                                      <p:to>
+                                        <p:strVal val="hidden"/>
+                                      </p:to>
+                                    </p:set>
+                                  </p:childTnLst>
+                                </p:cTn>
+                              </p:par>
+                            </p:childTnLst>
+                          </p:cTn>
+                        </p:par>
+                      </p:childTnLst>
+                    </p:cTn>
+                  </p:par>
+                  <p:par>
+                    <p:cTn id="8" fill="hold">
+                      <p:stCondLst>
+                        <p:cond delay="indefinite"/>
+                      </p:stCondLst>
+                      <p:childTnLst>
+                        <p:par>
+                          <p:cTn id="9" fill="hold">
+                            <p:stCondLst>
+                              <p:cond delay="0"/>
+                            </p:stCondLst>
+                            <p:childTnLst>
+                              <p:par>
+                                <p:cTn id="10" presetID="2" presetClass="entr" presetSubtype="4" fill="hold" grpId="1" nodeType="clickEffect">
+                                  <p:stCondLst>
+                                    <p:cond delay="0"/>
+                                  </p:stCondLst>
+                                  <p:childTnLst>
+                                    <p:set>
+                                      <p:cBhvr>
+                                        <p:cTn id="11" dur="1" fill="hold">
+                                          <p:stCondLst>
+                                            <p:cond delay="0"/>
+                                          </p:stCondLst>
+                                        </p:cTn>
+                                        <p:tgtEl>
+                                          <p:spTgt spid="10"/>
+                                        </p:tgtEl>
+                                        <p:attrNameLst>
+                                          <p:attrName>style.visibility</p:attrName>
+                                        </p:attrNameLst>
+                                      </p:cBhvr>
+                                      <p:to>
+                                        <p:strVal val="visible"/>
+                                      </p:to>
+                                    </p:set>
+                                    <p:anim calcmode="lin" valueType="num">
+                                      <p:cBhvr additive="base">
+                                        <p:cTn id="12" dur="500" fill="hold"/>
+                                        <p:tgtEl>
+                                          <p:spTgt spid="10"/>
+                                        </p:tgtEl>
+                                        <p:attrNameLst>
+                                          <p:attrName>ppt_x</p:attrName>
+                                        </p:attrNameLst>
+                                      </p:cBhvr>
+                                      <p:tavLst>
+                                        <p:tav tm="0">
+                                          <p:val>
+                                            <p:strVal val="#ppt_x"/>
+                                          </p:val>
+                                        </p:tav>
+                                        <p:tav tm="100000">
+                                          <p:val>
+                                            <p:strVal val="#ppt_x"/>
+                                          </p:val>
+                                        </p:tav>
+                                      </p:tavLst>
+                                    </p:anim>
+                                    <p:anim calcmode="lin" valueType="num">
+                                      <p:cBhvr additive="base">
+                                        <p:cTn id="13" dur="500" fill="hold"/>
+                                        <p:tgtEl>
+                                          <p:spTgt spid="10"/>
+                                        </p:tgtEl>
+                                        <p:attrNameLst>
+                                          <p:attrName>ppt_y</p:attrName>
+                                        </p:attrNameLst>
+                                      </p:cBhvr>
+                                      <p:tavLst>
+                                        <p:tav tm="0">
+                                          <p:val>
+                                            <p:strVal val="1+#ppt_h/2"/>
+                                          </p:val>
+                                        </p:tav>
+                                        <p:tav tm="100000">
+                                          <p:val>
+                                            <p:strVal val="#ppt_y"/>
+                                          </p:val>
+                                        </p:tav>
+                                      </p:tavLst>
+                                    </p:anim>
+                                  </p:childTnLst>
+                                </p:cTn>
+                              </p:par>
+                            </p:childTnLst>
+                          </p:cTn>
+                        </p:par>
+                      </p:childTnLst>
+                    </p:cTn>
+                  </p:par>
+                </p:childTnLst>
+              </p:cTn>
+              <p:prevCondLst>
+                <p:cond evt="onPrev" delay="0">
+                  <p:tgtEl>
+                    <p:sldTgt/>
+                  </p:tgtEl>
+                </p:cond>
+              </p:prevCondLst>
+              <p:nextCondLst>
+                <p:cond evt="onNext" delay="0">
+                  <p:tgtEl>
+                    <p:sldTgt/>
+                  </p:tgtEl>
+                </p:cond>
+              </p:nextCondLst>
+            </p:seq>
+          </p:childTnLst>
+        </p:cTn>
       </p:par>
     </p:tnLst>
+    <p:bldLst>
+      <p:bldP spid="10" grpId="0" animBg="1"/>
+      <p:bldP spid="10" grpId="1" animBg="1"/>
+    </p:bldLst>
   </p:timing>
 </p:sld>
 </file>
@@ -26554,15 +26792,7 @@
                   <a:srgbClr val="00B050"/>
                 </a:solidFill>
               </a:rPr>
-              <a:t>Solução </a:t>
-            </a:r>
-            <a:r>
-              <a:rPr lang="pt-BR" sz="2600" b="1" dirty="0" smtClean="0">
-                <a:solidFill>
-                  <a:srgbClr val="00B050"/>
-                </a:solidFill>
-              </a:rPr>
-              <a:t>de problemas em três clicks</a:t>
+              <a:t>Solução de problemas em três clicks</a:t>
             </a:r>
             <a:endParaRPr lang="pt-BR" sz="2000" b="1" dirty="0" smtClean="0">
               <a:solidFill>
@@ -26632,8 +26862,8 @@
         </p:blipFill>
         <p:spPr bwMode="auto">
           <a:xfrm>
-            <a:off x="0" y="1844824"/>
-            <a:ext cx="9144000" cy="5040560"/>
+            <a:off x="0" y="1660158"/>
+            <a:ext cx="9144000" cy="5225226"/>
           </a:xfrm>
           <a:prstGeom prst="rect">
             <a:avLst/>
@@ -28654,17 +28884,7 @@
                   </a:schemeClr>
                 </a:solidFill>
               </a:rPr>
-              <a:t>Serviço </a:t>
-            </a:r>
-            <a:r>
-              <a:rPr lang="pt-BR" b="1" dirty="0" smtClean="0">
-                <a:solidFill>
-                  <a:schemeClr val="bg1">
-                    <a:lumMod val="75000"/>
-                  </a:schemeClr>
-                </a:solidFill>
-              </a:rPr>
-              <a:t>PWA ou </a:t>
+              <a:t>Serviço PWA ou </a:t>
             </a:r>
             <a:r>
               <a:rPr lang="pt-BR" b="1" dirty="0" err="1" smtClean="0">
@@ -29367,6 +29587,54 @@
           </a:p>
         </p:txBody>
       </p:sp>
+      <p:sp>
+        <p:nvSpPr>
+          <p:cNvPr id="13" name="CaixaDeTexto 12"/>
+          <p:cNvSpPr txBox="1"/>
+          <p:nvPr/>
+        </p:nvSpPr>
+        <p:spPr>
+          <a:xfrm>
+            <a:off x="1115616" y="1912764"/>
+            <a:ext cx="3960440" cy="2308324"/>
+          </a:xfrm>
+          <a:prstGeom prst="rect">
+            <a:avLst/>
+          </a:prstGeom>
+          <a:solidFill>
+            <a:schemeClr val="bg1"/>
+          </a:solidFill>
+        </p:spPr>
+        <p:txBody>
+          <a:bodyPr wrap="square" rtlCol="0">
+            <a:spAutoFit/>
+          </a:bodyPr>
+          <a:lstStyle/>
+          <a:p>
+            <a:pPr lvl="0"/>
+            <a:endParaRPr lang="pt-BR" sz="4800" b="1" dirty="0">
+              <a:solidFill>
+                <a:srgbClr val="7030A0"/>
+              </a:solidFill>
+            </a:endParaRPr>
+          </a:p>
+          <a:p>
+            <a:pPr lvl="0"/>
+            <a:r>
+              <a:rPr lang="pt-BR" sz="4800" b="1" dirty="0" smtClean="0">
+                <a:solidFill>
+                  <a:srgbClr val="7030A0"/>
+                </a:solidFill>
+              </a:rPr>
+              <a:t> Interação!</a:t>
+            </a:r>
+          </a:p>
+          <a:p>
+            <a:pPr lvl="0"/>
+            <a:endParaRPr lang="pt-BR" sz="4800" dirty="0"/>
+          </a:p>
+        </p:txBody>
+      </p:sp>
     </p:spTree>
     <p:extLst>
       <p:ext uri="{BB962C8B-B14F-4D97-AF65-F5344CB8AC3E}">
@@ -29564,6 +29832,51 @@
                       </p:childTnLst>
                     </p:cTn>
                   </p:par>
+                  <p:par>
+                    <p:cTn id="19" fill="hold">
+                      <p:stCondLst>
+                        <p:cond delay="indefinite"/>
+                      </p:stCondLst>
+                      <p:childTnLst>
+                        <p:par>
+                          <p:cTn id="20" fill="hold">
+                            <p:stCondLst>
+                              <p:cond delay="0"/>
+                            </p:stCondLst>
+                            <p:childTnLst>
+                              <p:par>
+                                <p:cTn id="21" presetID="1" presetClass="entr" presetSubtype="0" fill="hold" grpId="0" nodeType="clickEffect">
+                                  <p:stCondLst>
+                                    <p:cond delay="0"/>
+                                  </p:stCondLst>
+                                  <p:childTnLst>
+                                    <p:set>
+                                      <p:cBhvr>
+                                        <p:cTn id="22" dur="1" fill="hold">
+                                          <p:stCondLst>
+                                            <p:cond delay="0"/>
+                                          </p:stCondLst>
+                                        </p:cTn>
+                                        <p:tgtEl>
+                                          <p:spTgt spid="13"/>
+                                        </p:tgtEl>
+                                        <p:attrNameLst>
+                                          <p:attrName>style.visibility</p:attrName>
+                                        </p:attrNameLst>
+                                      </p:cBhvr>
+                                      <p:to>
+                                        <p:strVal val="visible"/>
+                                      </p:to>
+                                    </p:set>
+                                  </p:childTnLst>
+                                </p:cTn>
+                              </p:par>
+                            </p:childTnLst>
+                          </p:cTn>
+                        </p:par>
+                      </p:childTnLst>
+                    </p:cTn>
+                  </p:par>
                 </p:childTnLst>
               </p:cTn>
               <p:prevCondLst>
@@ -29590,6 +29903,7 @@
         <p:bldAsOne/>
       </p:bldGraphic>
       <p:bldP spid="51" grpId="0"/>
+      <p:bldP spid="13" grpId="0" animBg="1"/>
     </p:bldLst>
   </p:timing>
 </p:sld>
@@ -30099,51 +30413,6 @@
                                         </p:cTn>
                                         <p:tgtEl>
                                           <p:spTgt spid="12"/>
-                                        </p:tgtEl>
-                                        <p:attrNameLst>
-                                          <p:attrName>style.visibility</p:attrName>
-                                        </p:attrNameLst>
-                                      </p:cBhvr>
-                                      <p:to>
-                                        <p:strVal val="visible"/>
-                                      </p:to>
-                                    </p:set>
-                                  </p:childTnLst>
-                                </p:cTn>
-                              </p:par>
-                            </p:childTnLst>
-                          </p:cTn>
-                        </p:par>
-                      </p:childTnLst>
-                    </p:cTn>
-                  </p:par>
-                  <p:par>
-                    <p:cTn id="7" fill="hold">
-                      <p:stCondLst>
-                        <p:cond delay="indefinite"/>
-                      </p:stCondLst>
-                      <p:childTnLst>
-                        <p:par>
-                          <p:cTn id="8" fill="hold">
-                            <p:stCondLst>
-                              <p:cond delay="0"/>
-                            </p:stCondLst>
-                            <p:childTnLst>
-                              <p:par>
-                                <p:cTn id="9" presetID="1" presetClass="entr" presetSubtype="0" fill="hold" nodeType="clickEffect">
-                                  <p:stCondLst>
-                                    <p:cond delay="0"/>
-                                  </p:stCondLst>
-                                  <p:childTnLst>
-                                    <p:set>
-                                      <p:cBhvr>
-                                        <p:cTn id="10" dur="1" fill="hold">
-                                          <p:stCondLst>
-                                            <p:cond delay="0"/>
-                                          </p:stCondLst>
-                                        </p:cTn>
-                                        <p:tgtEl>
-                                          <p:spTgt spid="19"/>
                                         </p:tgtEl>
                                         <p:attrNameLst>
                                           <p:attrName>style.visibility</p:attrName>

--- a/Documentação final do projeto/Ppt-Final.pptx
+++ b/Documentação final do projeto/Ppt-Final.pptx
@@ -126,7 +126,7 @@
   </p:defaultTextStyle>
   <p:extLst>
     <p:ext uri="{EFAFB233-063F-42B5-8137-9DF3F51BA10A}">
-      <p15:sldGuideLst xmlns="" xmlns:p15="http://schemas.microsoft.com/office/powerpoint/2012/main">
+      <p15:sldGuideLst xmlns:p15="http://schemas.microsoft.com/office/powerpoint/2012/main" xmlns="">
         <p15:guide id="1" orient="horz" pos="2160">
           <p15:clr>
             <a:srgbClr val="A4A3A4"/>
@@ -3043,1362 +3043,6 @@
       <dsp:cNvGrpSpPr/>
     </dsp:nvGrpSpPr>
     <dsp:grpSpPr/>
-    <dsp:sp modelId="{1B027B00-893D-4199-B75D-A9C03757194C}">
-      <dsp:nvSpPr>
-        <dsp:cNvPr id="0" name=""/>
-        <dsp:cNvSpPr/>
-      </dsp:nvSpPr>
-      <dsp:spPr>
-        <a:xfrm>
-          <a:off x="88685" y="1742804"/>
-          <a:ext cx="1325309" cy="436749"/>
-        </a:xfrm>
-        <a:prstGeom prst="rect">
-          <a:avLst/>
-        </a:prstGeom>
-        <a:noFill/>
-        <a:ln>
-          <a:noFill/>
-        </a:ln>
-        <a:effectLst/>
-      </dsp:spPr>
-      <dsp:style>
-        <a:lnRef idx="0">
-          <a:scrgbClr r="0" g="0" b="0"/>
-        </a:lnRef>
-        <a:fillRef idx="0">
-          <a:scrgbClr r="0" g="0" b="0"/>
-        </a:fillRef>
-        <a:effectRef idx="0">
-          <a:scrgbClr r="0" g="0" b="0"/>
-        </a:effectRef>
-        <a:fontRef idx="minor"/>
-      </dsp:style>
-      <dsp:txBody>
-        <a:bodyPr spcFirstLastPara="0" vert="horz" wrap="square" lIns="20320" tIns="20320" rIns="20320" bIns="20320" numCol="1" spcCol="1270" anchor="ctr" anchorCtr="0">
-          <a:noAutofit/>
-        </a:bodyPr>
-        <a:lstStyle/>
-        <a:p>
-          <a:pPr lvl="0" algn="ctr" defTabSz="711200">
-            <a:lnSpc>
-              <a:spcPct val="90000"/>
-            </a:lnSpc>
-            <a:spcBef>
-              <a:spcPct val="0"/>
-            </a:spcBef>
-            <a:spcAft>
-              <a:spcPct val="35000"/>
-            </a:spcAft>
-          </a:pPr>
-          <a:r>
-            <a:rPr lang="pt-BR" sz="1600" b="1" kern="1200" dirty="0" smtClean="0">
-              <a:solidFill>
-                <a:srgbClr val="7030A0"/>
-              </a:solidFill>
-            </a:rPr>
-            <a:t>Vínculo acadêmico</a:t>
-          </a:r>
-          <a:endParaRPr lang="pt-BR" sz="1600" b="1" kern="1200" dirty="0">
-            <a:solidFill>
-              <a:srgbClr val="7030A0"/>
-            </a:solidFill>
-          </a:endParaRPr>
-        </a:p>
-      </dsp:txBody>
-      <dsp:txXfrm>
-        <a:off x="88685" y="1742804"/>
-        <a:ext cx="1325309" cy="436749"/>
-      </dsp:txXfrm>
-    </dsp:sp>
-    <dsp:sp modelId="{00580EB5-6E14-41C9-BAE4-5D9B53114EEE}">
-      <dsp:nvSpPr>
-        <dsp:cNvPr id="0" name=""/>
-        <dsp:cNvSpPr/>
-      </dsp:nvSpPr>
-      <dsp:spPr>
-        <a:xfrm>
-          <a:off x="87179" y="1609972"/>
-          <a:ext cx="105422" cy="105422"/>
-        </a:xfrm>
-        <a:prstGeom prst="ellipse">
-          <a:avLst/>
-        </a:prstGeom>
-        <a:solidFill>
-          <a:srgbClr val="0070C0"/>
-        </a:solidFill>
-        <a:ln>
-          <a:noFill/>
-        </a:ln>
-        <a:effectLst/>
-        <a:sp3d extrusionH="381000" contourW="38100" prstMaterial="matte">
-          <a:contourClr>
-            <a:schemeClr val="lt1"/>
-          </a:contourClr>
-        </a:sp3d>
-      </dsp:spPr>
-      <dsp:style>
-        <a:lnRef idx="0">
-          <a:scrgbClr r="0" g="0" b="0"/>
-        </a:lnRef>
-        <a:fillRef idx="1">
-          <a:scrgbClr r="0" g="0" b="0"/>
-        </a:fillRef>
-        <a:effectRef idx="0">
-          <a:scrgbClr r="0" g="0" b="0"/>
-        </a:effectRef>
-        <a:fontRef idx="minor">
-          <a:schemeClr val="lt1"/>
-        </a:fontRef>
-      </dsp:style>
-    </dsp:sp>
-    <dsp:sp modelId="{4448610D-4D4D-41F4-890F-69C4D3D935FC}">
-      <dsp:nvSpPr>
-        <dsp:cNvPr id="0" name=""/>
-        <dsp:cNvSpPr/>
-      </dsp:nvSpPr>
-      <dsp:spPr>
-        <a:xfrm>
-          <a:off x="160974" y="1462380"/>
-          <a:ext cx="105422" cy="105422"/>
-        </a:xfrm>
-        <a:prstGeom prst="ellipse">
-          <a:avLst/>
-        </a:prstGeom>
-        <a:solidFill>
-          <a:srgbClr val="0070C0"/>
-        </a:solidFill>
-        <a:ln>
-          <a:noFill/>
-        </a:ln>
-        <a:effectLst/>
-        <a:sp3d extrusionH="381000" contourW="38100" prstMaterial="matte">
-          <a:contourClr>
-            <a:schemeClr val="lt1"/>
-          </a:contourClr>
-        </a:sp3d>
-      </dsp:spPr>
-      <dsp:style>
-        <a:lnRef idx="0">
-          <a:scrgbClr r="0" g="0" b="0"/>
-        </a:lnRef>
-        <a:fillRef idx="1">
-          <a:scrgbClr r="0" g="0" b="0"/>
-        </a:fillRef>
-        <a:effectRef idx="0">
-          <a:scrgbClr r="0" g="0" b="0"/>
-        </a:effectRef>
-        <a:fontRef idx="minor">
-          <a:schemeClr val="lt1"/>
-        </a:fontRef>
-      </dsp:style>
-    </dsp:sp>
-    <dsp:sp modelId="{E00C693B-520F-47D0-BF8F-47A0DB9CF440}">
-      <dsp:nvSpPr>
-        <dsp:cNvPr id="0" name=""/>
-        <dsp:cNvSpPr/>
-      </dsp:nvSpPr>
-      <dsp:spPr>
-        <a:xfrm>
-          <a:off x="338084" y="1491899"/>
-          <a:ext cx="165663" cy="165663"/>
-        </a:xfrm>
-        <a:prstGeom prst="ellipse">
-          <a:avLst/>
-        </a:prstGeom>
-        <a:solidFill>
-          <a:srgbClr val="0070C0"/>
-        </a:solidFill>
-        <a:ln>
-          <a:noFill/>
-        </a:ln>
-        <a:effectLst/>
-        <a:sp3d extrusionH="381000" contourW="38100" prstMaterial="matte">
-          <a:contourClr>
-            <a:schemeClr val="lt1"/>
-          </a:contourClr>
-        </a:sp3d>
-      </dsp:spPr>
-      <dsp:style>
-        <a:lnRef idx="0">
-          <a:scrgbClr r="0" g="0" b="0"/>
-        </a:lnRef>
-        <a:fillRef idx="1">
-          <a:scrgbClr r="0" g="0" b="0"/>
-        </a:fillRef>
-        <a:effectRef idx="0">
-          <a:scrgbClr r="0" g="0" b="0"/>
-        </a:effectRef>
-        <a:fontRef idx="minor">
-          <a:schemeClr val="lt1"/>
-        </a:fontRef>
-      </dsp:style>
-    </dsp:sp>
-    <dsp:sp modelId="{2069A35E-31CE-4145-B4C3-65945DAC45DF}">
-      <dsp:nvSpPr>
-        <dsp:cNvPr id="0" name=""/>
-        <dsp:cNvSpPr/>
-      </dsp:nvSpPr>
-      <dsp:spPr>
-        <a:xfrm>
-          <a:off x="485675" y="1329548"/>
-          <a:ext cx="105422" cy="105422"/>
-        </a:xfrm>
-        <a:prstGeom prst="ellipse">
-          <a:avLst/>
-        </a:prstGeom>
-        <a:solidFill>
-          <a:schemeClr val="accent3">
-            <a:hueOff val="23"/>
-            <a:satOff val="-8377"/>
-            <a:lumOff val="-1961"/>
-            <a:alphaOff val="0"/>
-          </a:schemeClr>
-        </a:solidFill>
-        <a:ln>
-          <a:noFill/>
-        </a:ln>
-        <a:effectLst/>
-        <a:sp3d extrusionH="381000" contourW="38100" prstMaterial="matte">
-          <a:contourClr>
-            <a:schemeClr val="lt1"/>
-          </a:contourClr>
-        </a:sp3d>
-      </dsp:spPr>
-      <dsp:style>
-        <a:lnRef idx="0">
-          <a:scrgbClr r="0" g="0" b="0"/>
-        </a:lnRef>
-        <a:fillRef idx="1">
-          <a:scrgbClr r="0" g="0" b="0"/>
-        </a:fillRef>
-        <a:effectRef idx="0">
-          <a:scrgbClr r="0" g="0" b="0"/>
-        </a:effectRef>
-        <a:fontRef idx="minor">
-          <a:schemeClr val="lt1"/>
-        </a:fontRef>
-      </dsp:style>
-    </dsp:sp>
-    <dsp:sp modelId="{02060C2B-6DFE-469B-955E-1286E3332045}">
-      <dsp:nvSpPr>
-        <dsp:cNvPr id="0" name=""/>
-        <dsp:cNvSpPr/>
-      </dsp:nvSpPr>
-      <dsp:spPr>
-        <a:xfrm>
-          <a:off x="677544" y="1270512"/>
-          <a:ext cx="105422" cy="105422"/>
-        </a:xfrm>
-        <a:prstGeom prst="ellipse">
-          <a:avLst/>
-        </a:prstGeom>
-        <a:solidFill>
-          <a:schemeClr val="accent3">
-            <a:hueOff val="30"/>
-            <a:satOff val="-11169"/>
-            <a:lumOff val="-2615"/>
-            <a:alphaOff val="0"/>
-          </a:schemeClr>
-        </a:solidFill>
-        <a:ln>
-          <a:noFill/>
-        </a:ln>
-        <a:effectLst/>
-        <a:sp3d extrusionH="381000" contourW="38100" prstMaterial="matte">
-          <a:contourClr>
-            <a:schemeClr val="lt1"/>
-          </a:contourClr>
-        </a:sp3d>
-      </dsp:spPr>
-      <dsp:style>
-        <a:lnRef idx="0">
-          <a:scrgbClr r="0" g="0" b="0"/>
-        </a:lnRef>
-        <a:fillRef idx="1">
-          <a:scrgbClr r="0" g="0" b="0"/>
-        </a:fillRef>
-        <a:effectRef idx="0">
-          <a:scrgbClr r="0" g="0" b="0"/>
-        </a:effectRef>
-        <a:fontRef idx="minor">
-          <a:schemeClr val="lt1"/>
-        </a:fontRef>
-      </dsp:style>
-    </dsp:sp>
-    <dsp:sp modelId="{4A3BB8EA-5318-4840-908C-4C12AD3258F5}">
-      <dsp:nvSpPr>
-        <dsp:cNvPr id="0" name=""/>
-        <dsp:cNvSpPr/>
-      </dsp:nvSpPr>
-      <dsp:spPr>
-        <a:xfrm>
-          <a:off x="913690" y="1373826"/>
-          <a:ext cx="105422" cy="105422"/>
-        </a:xfrm>
-        <a:prstGeom prst="ellipse">
-          <a:avLst/>
-        </a:prstGeom>
-        <a:solidFill>
-          <a:srgbClr val="0070C0"/>
-        </a:solidFill>
-        <a:ln>
-          <a:noFill/>
-        </a:ln>
-        <a:effectLst/>
-        <a:sp3d extrusionH="381000" contourW="38100" prstMaterial="matte">
-          <a:contourClr>
-            <a:schemeClr val="lt1"/>
-          </a:contourClr>
-        </a:sp3d>
-      </dsp:spPr>
-      <dsp:style>
-        <a:lnRef idx="0">
-          <a:scrgbClr r="0" g="0" b="0"/>
-        </a:lnRef>
-        <a:fillRef idx="1">
-          <a:scrgbClr r="0" g="0" b="0"/>
-        </a:fillRef>
-        <a:effectRef idx="0">
-          <a:scrgbClr r="0" g="0" b="0"/>
-        </a:effectRef>
-        <a:fontRef idx="minor">
-          <a:schemeClr val="lt1"/>
-        </a:fontRef>
-      </dsp:style>
-    </dsp:sp>
-    <dsp:sp modelId="{8CBDDA7E-4803-4C44-99D4-124C240D06E5}">
-      <dsp:nvSpPr>
-        <dsp:cNvPr id="0" name=""/>
-        <dsp:cNvSpPr/>
-      </dsp:nvSpPr>
-      <dsp:spPr>
-        <a:xfrm>
-          <a:off x="1061282" y="1447621"/>
-          <a:ext cx="165663" cy="165663"/>
-        </a:xfrm>
-        <a:prstGeom prst="ellipse">
-          <a:avLst/>
-        </a:prstGeom>
-        <a:solidFill>
-          <a:srgbClr val="0070C0"/>
-        </a:solidFill>
-        <a:ln>
-          <a:noFill/>
-        </a:ln>
-        <a:effectLst/>
-        <a:sp3d extrusionH="381000" contourW="38100" prstMaterial="matte">
-          <a:contourClr>
-            <a:schemeClr val="lt1"/>
-          </a:contourClr>
-        </a:sp3d>
-      </dsp:spPr>
-      <dsp:style>
-        <a:lnRef idx="0">
-          <a:scrgbClr r="0" g="0" b="0"/>
-        </a:lnRef>
-        <a:fillRef idx="1">
-          <a:scrgbClr r="0" g="0" b="0"/>
-        </a:fillRef>
-        <a:effectRef idx="0">
-          <a:scrgbClr r="0" g="0" b="0"/>
-        </a:effectRef>
-        <a:fontRef idx="minor">
-          <a:schemeClr val="lt1"/>
-        </a:fontRef>
-      </dsp:style>
-    </dsp:sp>
-    <dsp:sp modelId="{A8EDFAC4-0083-41BA-8FB4-0FBD5B49C7E9}">
-      <dsp:nvSpPr>
-        <dsp:cNvPr id="0" name=""/>
-        <dsp:cNvSpPr/>
-      </dsp:nvSpPr>
-      <dsp:spPr>
-        <a:xfrm>
-          <a:off x="1267909" y="1609972"/>
-          <a:ext cx="105422" cy="105422"/>
-        </a:xfrm>
-        <a:prstGeom prst="ellipse">
-          <a:avLst/>
-        </a:prstGeom>
-        <a:solidFill>
-          <a:srgbClr val="0070C0"/>
-        </a:solidFill>
-        <a:ln>
-          <a:noFill/>
-        </a:ln>
-        <a:effectLst/>
-        <a:sp3d extrusionH="381000" contourW="38100" prstMaterial="matte">
-          <a:contourClr>
-            <a:schemeClr val="lt1"/>
-          </a:contourClr>
-        </a:sp3d>
-      </dsp:spPr>
-      <dsp:style>
-        <a:lnRef idx="0">
-          <a:scrgbClr r="0" g="0" b="0"/>
-        </a:lnRef>
-        <a:fillRef idx="1">
-          <a:scrgbClr r="0" g="0" b="0"/>
-        </a:fillRef>
-        <a:effectRef idx="0">
-          <a:scrgbClr r="0" g="0" b="0"/>
-        </a:effectRef>
-        <a:fontRef idx="minor">
-          <a:schemeClr val="lt1"/>
-        </a:fontRef>
-      </dsp:style>
-    </dsp:sp>
-    <dsp:sp modelId="{F0E3306D-5F74-47EC-AD44-C46708318CFD}">
-      <dsp:nvSpPr>
-        <dsp:cNvPr id="0" name=""/>
-        <dsp:cNvSpPr/>
-      </dsp:nvSpPr>
-      <dsp:spPr>
-        <a:xfrm>
-          <a:off x="1356464" y="1772322"/>
-          <a:ext cx="105422" cy="105422"/>
-        </a:xfrm>
-        <a:prstGeom prst="ellipse">
-          <a:avLst/>
-        </a:prstGeom>
-        <a:solidFill>
-          <a:srgbClr val="0070C0"/>
-        </a:solidFill>
-        <a:ln>
-          <a:noFill/>
-        </a:ln>
-        <a:effectLst/>
-        <a:sp3d extrusionH="381000" contourW="38100" prstMaterial="matte">
-          <a:contourClr>
-            <a:schemeClr val="lt1"/>
-          </a:contourClr>
-        </a:sp3d>
-      </dsp:spPr>
-      <dsp:style>
-        <a:lnRef idx="0">
-          <a:scrgbClr r="0" g="0" b="0"/>
-        </a:lnRef>
-        <a:fillRef idx="1">
-          <a:scrgbClr r="0" g="0" b="0"/>
-        </a:fillRef>
-        <a:effectRef idx="0">
-          <a:scrgbClr r="0" g="0" b="0"/>
-        </a:effectRef>
-        <a:fontRef idx="minor">
-          <a:schemeClr val="lt1"/>
-        </a:fontRef>
-      </dsp:style>
-    </dsp:sp>
-    <dsp:sp modelId="{46AAA524-6750-4A40-81BB-1CA9ABF48930}">
-      <dsp:nvSpPr>
-        <dsp:cNvPr id="0" name=""/>
-        <dsp:cNvSpPr/>
-      </dsp:nvSpPr>
-      <dsp:spPr>
-        <a:xfrm>
-          <a:off x="588989" y="1462380"/>
-          <a:ext cx="271086" cy="271086"/>
-        </a:xfrm>
-        <a:prstGeom prst="ellipse">
-          <a:avLst/>
-        </a:prstGeom>
-        <a:solidFill>
-          <a:srgbClr val="0070C0"/>
-        </a:solidFill>
-        <a:ln>
-          <a:noFill/>
-        </a:ln>
-        <a:effectLst/>
-        <a:sp3d extrusionH="381000" contourW="38100" prstMaterial="matte">
-          <a:contourClr>
-            <a:schemeClr val="lt1"/>
-          </a:contourClr>
-        </a:sp3d>
-      </dsp:spPr>
-      <dsp:style>
-        <a:lnRef idx="0">
-          <a:scrgbClr r="0" g="0" b="0"/>
-        </a:lnRef>
-        <a:fillRef idx="1">
-          <a:scrgbClr r="0" g="0" b="0"/>
-        </a:fillRef>
-        <a:effectRef idx="0">
-          <a:scrgbClr r="0" g="0" b="0"/>
-        </a:effectRef>
-        <a:fontRef idx="minor">
-          <a:schemeClr val="lt1"/>
-        </a:fontRef>
-      </dsp:style>
-    </dsp:sp>
-    <dsp:sp modelId="{4D92DDD5-8D64-4B0E-9FA3-4E4AE1700A15}">
-      <dsp:nvSpPr>
-        <dsp:cNvPr id="0" name=""/>
-        <dsp:cNvSpPr/>
-      </dsp:nvSpPr>
-      <dsp:spPr>
-        <a:xfrm>
-          <a:off x="13383" y="2023227"/>
-          <a:ext cx="105422" cy="105422"/>
-        </a:xfrm>
-        <a:prstGeom prst="ellipse">
-          <a:avLst/>
-        </a:prstGeom>
-        <a:solidFill>
-          <a:srgbClr val="0070C0"/>
-        </a:solidFill>
-        <a:ln>
-          <a:noFill/>
-        </a:ln>
-        <a:effectLst/>
-        <a:sp3d extrusionH="381000" contourW="38100" prstMaterial="matte">
-          <a:contourClr>
-            <a:schemeClr val="lt1"/>
-          </a:contourClr>
-        </a:sp3d>
-      </dsp:spPr>
-      <dsp:style>
-        <a:lnRef idx="0">
-          <a:scrgbClr r="0" g="0" b="0"/>
-        </a:lnRef>
-        <a:fillRef idx="1">
-          <a:scrgbClr r="0" g="0" b="0"/>
-        </a:fillRef>
-        <a:effectRef idx="0">
-          <a:scrgbClr r="0" g="0" b="0"/>
-        </a:effectRef>
-        <a:fontRef idx="minor">
-          <a:schemeClr val="lt1"/>
-        </a:fontRef>
-      </dsp:style>
-    </dsp:sp>
-    <dsp:sp modelId="{91772DB1-3A7D-4EA5-81A7-86DAFFF585F2}">
-      <dsp:nvSpPr>
-        <dsp:cNvPr id="0" name=""/>
-        <dsp:cNvSpPr/>
-      </dsp:nvSpPr>
-      <dsp:spPr>
-        <a:xfrm>
-          <a:off x="101938" y="2156060"/>
-          <a:ext cx="165663" cy="165663"/>
-        </a:xfrm>
-        <a:prstGeom prst="ellipse">
-          <a:avLst/>
-        </a:prstGeom>
-        <a:solidFill>
-          <a:srgbClr val="0070C0"/>
-        </a:solidFill>
-        <a:ln>
-          <a:noFill/>
-        </a:ln>
-        <a:effectLst/>
-        <a:sp3d extrusionH="381000" contourW="38100" prstMaterial="matte">
-          <a:contourClr>
-            <a:schemeClr val="lt1"/>
-          </a:contourClr>
-        </a:sp3d>
-      </dsp:spPr>
-      <dsp:style>
-        <a:lnRef idx="0">
-          <a:scrgbClr r="0" g="0" b="0"/>
-        </a:lnRef>
-        <a:fillRef idx="1">
-          <a:scrgbClr r="0" g="0" b="0"/>
-        </a:fillRef>
-        <a:effectRef idx="0">
-          <a:scrgbClr r="0" g="0" b="0"/>
-        </a:effectRef>
-        <a:fontRef idx="minor">
-          <a:schemeClr val="lt1"/>
-        </a:fontRef>
-      </dsp:style>
-    </dsp:sp>
-    <dsp:sp modelId="{3E862664-DC2C-4985-B968-AD77D73F8587}">
-      <dsp:nvSpPr>
-        <dsp:cNvPr id="0" name=""/>
-        <dsp:cNvSpPr/>
-      </dsp:nvSpPr>
-      <dsp:spPr>
-        <a:xfrm>
-          <a:off x="323325" y="2274133"/>
-          <a:ext cx="240965" cy="240965"/>
-        </a:xfrm>
-        <a:prstGeom prst="ellipse">
-          <a:avLst/>
-        </a:prstGeom>
-        <a:solidFill>
-          <a:srgbClr val="0070C0"/>
-        </a:solidFill>
-        <a:ln>
-          <a:noFill/>
-        </a:ln>
-        <a:effectLst/>
-        <a:sp3d extrusionH="381000" contourW="38100" prstMaterial="matte">
-          <a:contourClr>
-            <a:schemeClr val="lt1"/>
-          </a:contourClr>
-        </a:sp3d>
-      </dsp:spPr>
-      <dsp:style>
-        <a:lnRef idx="0">
-          <a:scrgbClr r="0" g="0" b="0"/>
-        </a:lnRef>
-        <a:fillRef idx="1">
-          <a:scrgbClr r="0" g="0" b="0"/>
-        </a:fillRef>
-        <a:effectRef idx="0">
-          <a:scrgbClr r="0" g="0" b="0"/>
-        </a:effectRef>
-        <a:fontRef idx="minor">
-          <a:schemeClr val="lt1"/>
-        </a:fontRef>
-      </dsp:style>
-    </dsp:sp>
-    <dsp:sp modelId="{5581EE3E-EC0C-436D-8F48-E62FEC748958}">
-      <dsp:nvSpPr>
-        <dsp:cNvPr id="0" name=""/>
-        <dsp:cNvSpPr/>
-      </dsp:nvSpPr>
-      <dsp:spPr>
-        <a:xfrm>
-          <a:off x="633267" y="2466001"/>
-          <a:ext cx="105422" cy="105422"/>
-        </a:xfrm>
-        <a:prstGeom prst="ellipse">
-          <a:avLst/>
-        </a:prstGeom>
-        <a:solidFill>
-          <a:srgbClr val="0070C0"/>
-        </a:solidFill>
-        <a:ln>
-          <a:noFill/>
-        </a:ln>
-        <a:effectLst/>
-        <a:sp3d extrusionH="381000" contourW="38100" prstMaterial="matte">
-          <a:contourClr>
-            <a:schemeClr val="lt1"/>
-          </a:contourClr>
-        </a:sp3d>
-      </dsp:spPr>
-      <dsp:style>
-        <a:lnRef idx="0">
-          <a:scrgbClr r="0" g="0" b="0"/>
-        </a:lnRef>
-        <a:fillRef idx="1">
-          <a:scrgbClr r="0" g="0" b="0"/>
-        </a:fillRef>
-        <a:effectRef idx="0">
-          <a:scrgbClr r="0" g="0" b="0"/>
-        </a:effectRef>
-        <a:fontRef idx="minor">
-          <a:schemeClr val="lt1"/>
-        </a:fontRef>
-      </dsp:style>
-    </dsp:sp>
-    <dsp:sp modelId="{AE908452-2532-491A-B351-C4711C5DE25B}">
-      <dsp:nvSpPr>
-        <dsp:cNvPr id="0" name=""/>
-        <dsp:cNvSpPr/>
-      </dsp:nvSpPr>
-      <dsp:spPr>
-        <a:xfrm>
-          <a:off x="692303" y="2274133"/>
-          <a:ext cx="165663" cy="165663"/>
-        </a:xfrm>
-        <a:prstGeom prst="ellipse">
-          <a:avLst/>
-        </a:prstGeom>
-        <a:solidFill>
-          <a:srgbClr val="0070C0"/>
-        </a:solidFill>
-        <a:ln>
-          <a:noFill/>
-        </a:ln>
-        <a:effectLst/>
-        <a:sp3d extrusionH="381000" contourW="38100" prstMaterial="matte">
-          <a:contourClr>
-            <a:schemeClr val="lt1"/>
-          </a:contourClr>
-        </a:sp3d>
-      </dsp:spPr>
-      <dsp:style>
-        <a:lnRef idx="0">
-          <a:scrgbClr r="0" g="0" b="0"/>
-        </a:lnRef>
-        <a:fillRef idx="1">
-          <a:scrgbClr r="0" g="0" b="0"/>
-        </a:fillRef>
-        <a:effectRef idx="0">
-          <a:scrgbClr r="0" g="0" b="0"/>
-        </a:effectRef>
-        <a:fontRef idx="minor">
-          <a:schemeClr val="lt1"/>
-        </a:fontRef>
-      </dsp:style>
-    </dsp:sp>
-    <dsp:sp modelId="{41C0A3F5-B9FA-480F-9FE9-F65875326FBC}">
-      <dsp:nvSpPr>
-        <dsp:cNvPr id="0" name=""/>
-        <dsp:cNvSpPr/>
-      </dsp:nvSpPr>
-      <dsp:spPr>
-        <a:xfrm>
-          <a:off x="839895" y="2480761"/>
-          <a:ext cx="105422" cy="105422"/>
-        </a:xfrm>
-        <a:prstGeom prst="ellipse">
-          <a:avLst/>
-        </a:prstGeom>
-        <a:solidFill>
-          <a:srgbClr val="0070C0"/>
-        </a:solidFill>
-        <a:ln>
-          <a:noFill/>
-        </a:ln>
-        <a:effectLst/>
-        <a:sp3d extrusionH="381000" contourW="38100" prstMaterial="matte">
-          <a:contourClr>
-            <a:schemeClr val="lt1"/>
-          </a:contourClr>
-        </a:sp3d>
-      </dsp:spPr>
-      <dsp:style>
-        <a:lnRef idx="0">
-          <a:scrgbClr r="0" g="0" b="0"/>
-        </a:lnRef>
-        <a:fillRef idx="1">
-          <a:scrgbClr r="0" g="0" b="0"/>
-        </a:fillRef>
-        <a:effectRef idx="0">
-          <a:scrgbClr r="0" g="0" b="0"/>
-        </a:effectRef>
-        <a:fontRef idx="minor">
-          <a:schemeClr val="lt1"/>
-        </a:fontRef>
-      </dsp:style>
-    </dsp:sp>
-    <dsp:sp modelId="{13E195AE-E1EA-4E19-97C6-55417BA5FEF1}">
-      <dsp:nvSpPr>
-        <dsp:cNvPr id="0" name=""/>
-        <dsp:cNvSpPr/>
-      </dsp:nvSpPr>
-      <dsp:spPr>
-        <a:xfrm>
-          <a:off x="972727" y="2244614"/>
-          <a:ext cx="240965" cy="240965"/>
-        </a:xfrm>
-        <a:prstGeom prst="ellipse">
-          <a:avLst/>
-        </a:prstGeom>
-        <a:solidFill>
-          <a:srgbClr val="0070C0"/>
-        </a:solidFill>
-        <a:ln>
-          <a:noFill/>
-        </a:ln>
-        <a:effectLst/>
-        <a:sp3d extrusionH="381000" contourW="38100" prstMaterial="matte">
-          <a:contourClr>
-            <a:schemeClr val="lt1"/>
-          </a:contourClr>
-        </a:sp3d>
-      </dsp:spPr>
-      <dsp:style>
-        <a:lnRef idx="0">
-          <a:scrgbClr r="0" g="0" b="0"/>
-        </a:lnRef>
-        <a:fillRef idx="1">
-          <a:scrgbClr r="0" g="0" b="0"/>
-        </a:fillRef>
-        <a:effectRef idx="0">
-          <a:scrgbClr r="0" g="0" b="0"/>
-        </a:effectRef>
-        <a:fontRef idx="minor">
-          <a:schemeClr val="lt1"/>
-        </a:fontRef>
-      </dsp:style>
-    </dsp:sp>
-    <dsp:sp modelId="{E33FD6B8-956F-4C60-AB20-1143C5DCC8DD}">
-      <dsp:nvSpPr>
-        <dsp:cNvPr id="0" name=""/>
-        <dsp:cNvSpPr/>
-      </dsp:nvSpPr>
-      <dsp:spPr>
-        <a:xfrm>
-          <a:off x="1297428" y="2185578"/>
-          <a:ext cx="165663" cy="165663"/>
-        </a:xfrm>
-        <a:prstGeom prst="ellipse">
-          <a:avLst/>
-        </a:prstGeom>
-        <a:solidFill>
-          <a:srgbClr val="0070C0"/>
-        </a:solidFill>
-        <a:ln>
-          <a:noFill/>
-        </a:ln>
-        <a:effectLst/>
-        <a:sp3d extrusionH="381000" contourW="38100" prstMaterial="matte">
-          <a:contourClr>
-            <a:schemeClr val="lt1"/>
-          </a:contourClr>
-        </a:sp3d>
-      </dsp:spPr>
-      <dsp:style>
-        <a:lnRef idx="0">
-          <a:scrgbClr r="0" g="0" b="0"/>
-        </a:lnRef>
-        <a:fillRef idx="1">
-          <a:scrgbClr r="0" g="0" b="0"/>
-        </a:fillRef>
-        <a:effectRef idx="0">
-          <a:scrgbClr r="0" g="0" b="0"/>
-        </a:effectRef>
-        <a:fontRef idx="minor">
-          <a:schemeClr val="lt1"/>
-        </a:fontRef>
-      </dsp:style>
-    </dsp:sp>
-    <dsp:sp modelId="{4AC40FF3-008F-4006-B5F6-29CDB6E77DEB}">
-      <dsp:nvSpPr>
-        <dsp:cNvPr id="0" name=""/>
-        <dsp:cNvSpPr/>
-      </dsp:nvSpPr>
-      <dsp:spPr>
-        <a:xfrm>
-          <a:off x="1463091" y="1491653"/>
-          <a:ext cx="486530" cy="928840"/>
-        </a:xfrm>
-        <a:prstGeom prst="chevron">
-          <a:avLst>
-            <a:gd name="adj" fmla="val 62310"/>
-          </a:avLst>
-        </a:prstGeom>
-        <a:solidFill>
-          <a:srgbClr val="0070C0"/>
-        </a:solidFill>
-        <a:ln>
-          <a:noFill/>
-        </a:ln>
-        <a:effectLst/>
-        <a:sp3d z="-52400" extrusionH="181000" contourW="38100" prstMaterial="matte">
-          <a:contourClr>
-            <a:schemeClr val="lt1"/>
-          </a:contourClr>
-        </a:sp3d>
-      </dsp:spPr>
-      <dsp:style>
-        <a:lnRef idx="0">
-          <a:scrgbClr r="0" g="0" b="0"/>
-        </a:lnRef>
-        <a:fillRef idx="1">
-          <a:scrgbClr r="0" g="0" b="0"/>
-        </a:fillRef>
-        <a:effectRef idx="0">
-          <a:scrgbClr r="0" g="0" b="0"/>
-        </a:effectRef>
-        <a:fontRef idx="minor">
-          <a:schemeClr val="lt1"/>
-        </a:fontRef>
-      </dsp:style>
-    </dsp:sp>
-    <dsp:sp modelId="{7E666CA4-5CBD-4C36-BAAC-654BA24805FD}">
-      <dsp:nvSpPr>
-        <dsp:cNvPr id="0" name=""/>
-        <dsp:cNvSpPr/>
-      </dsp:nvSpPr>
-      <dsp:spPr>
-        <a:xfrm>
-          <a:off x="1949622" y="1492104"/>
-          <a:ext cx="1326902" cy="928831"/>
-        </a:xfrm>
-        <a:prstGeom prst="rect">
-          <a:avLst/>
-        </a:prstGeom>
-        <a:noFill/>
-        <a:ln>
-          <a:noFill/>
-        </a:ln>
-        <a:effectLst/>
-      </dsp:spPr>
-      <dsp:style>
-        <a:lnRef idx="0">
-          <a:scrgbClr r="0" g="0" b="0"/>
-        </a:lnRef>
-        <a:fillRef idx="0">
-          <a:scrgbClr r="0" g="0" b="0"/>
-        </a:fillRef>
-        <a:effectRef idx="0">
-          <a:scrgbClr r="0" g="0" b="0"/>
-        </a:effectRef>
-        <a:fontRef idx="minor"/>
-      </dsp:style>
-      <dsp:txBody>
-        <a:bodyPr spcFirstLastPara="0" vert="horz" wrap="square" lIns="20320" tIns="20320" rIns="20320" bIns="20320" numCol="1" spcCol="1270" anchor="ctr" anchorCtr="0">
-          <a:noAutofit/>
-        </a:bodyPr>
-        <a:lstStyle/>
-        <a:p>
-          <a:pPr lvl="0" algn="ctr" defTabSz="711200">
-            <a:lnSpc>
-              <a:spcPct val="90000"/>
-            </a:lnSpc>
-            <a:spcBef>
-              <a:spcPct val="0"/>
-            </a:spcBef>
-            <a:spcAft>
-              <a:spcPct val="35000"/>
-            </a:spcAft>
-          </a:pPr>
-          <a:r>
-            <a:rPr lang="pt-BR" sz="1600" b="1" kern="1200" dirty="0" err="1" smtClean="0">
-              <a:solidFill>
-                <a:srgbClr val="7030A0"/>
-              </a:solidFill>
-            </a:rPr>
-            <a:t>Login</a:t>
-          </a:r>
-          <a:endParaRPr lang="pt-BR" sz="1600" b="1" kern="1200" dirty="0">
-            <a:solidFill>
-              <a:srgbClr val="7030A0"/>
-            </a:solidFill>
-          </a:endParaRPr>
-        </a:p>
-      </dsp:txBody>
-      <dsp:txXfrm>
-        <a:off x="1949622" y="1492104"/>
-        <a:ext cx="1326902" cy="928831"/>
-      </dsp:txXfrm>
-    </dsp:sp>
-    <dsp:sp modelId="{5510BB7F-E98E-4475-A087-C6391C783681}">
-      <dsp:nvSpPr>
-        <dsp:cNvPr id="0" name=""/>
-        <dsp:cNvSpPr/>
-      </dsp:nvSpPr>
-      <dsp:spPr>
-        <a:xfrm>
-          <a:off x="3116786" y="1519556"/>
-          <a:ext cx="486530" cy="928840"/>
-        </a:xfrm>
-        <a:prstGeom prst="chevron">
-          <a:avLst>
-            <a:gd name="adj" fmla="val 62310"/>
-          </a:avLst>
-        </a:prstGeom>
-        <a:solidFill>
-          <a:srgbClr val="0070C0"/>
-        </a:solidFill>
-        <a:ln>
-          <a:noFill/>
-        </a:ln>
-        <a:effectLst/>
-        <a:sp3d z="-52400" extrusionH="181000" contourW="38100" prstMaterial="matte">
-          <a:contourClr>
-            <a:schemeClr val="lt1"/>
-          </a:contourClr>
-        </a:sp3d>
-      </dsp:spPr>
-      <dsp:style>
-        <a:lnRef idx="0">
-          <a:scrgbClr r="0" g="0" b="0"/>
-        </a:lnRef>
-        <a:fillRef idx="1">
-          <a:scrgbClr r="0" g="0" b="0"/>
-        </a:fillRef>
-        <a:effectRef idx="0">
-          <a:scrgbClr r="0" g="0" b="0"/>
-        </a:effectRef>
-        <a:fontRef idx="minor">
-          <a:schemeClr val="lt1"/>
-        </a:fontRef>
-      </dsp:style>
-    </dsp:sp>
-    <dsp:sp modelId="{AFD080A8-E866-41A1-B81A-578F566B068A}">
-      <dsp:nvSpPr>
-        <dsp:cNvPr id="0" name=""/>
-        <dsp:cNvSpPr/>
-      </dsp:nvSpPr>
-      <dsp:spPr>
-        <a:xfrm>
-          <a:off x="3763055" y="1492104"/>
-          <a:ext cx="1326902" cy="928831"/>
-        </a:xfrm>
-        <a:prstGeom prst="rect">
-          <a:avLst/>
-        </a:prstGeom>
-        <a:noFill/>
-        <a:ln>
-          <a:noFill/>
-        </a:ln>
-        <a:effectLst/>
-      </dsp:spPr>
-      <dsp:style>
-        <a:lnRef idx="0">
-          <a:scrgbClr r="0" g="0" b="0"/>
-        </a:lnRef>
-        <a:fillRef idx="0">
-          <a:scrgbClr r="0" g="0" b="0"/>
-        </a:fillRef>
-        <a:effectRef idx="0">
-          <a:scrgbClr r="0" g="0" b="0"/>
-        </a:effectRef>
-        <a:fontRef idx="minor"/>
-      </dsp:style>
-      <dsp:txBody>
-        <a:bodyPr spcFirstLastPara="0" vert="horz" wrap="square" lIns="20320" tIns="20320" rIns="20320" bIns="20320" numCol="1" spcCol="1270" anchor="ctr" anchorCtr="0">
-          <a:noAutofit/>
-        </a:bodyPr>
-        <a:lstStyle/>
-        <a:p>
-          <a:pPr lvl="0" algn="ctr" defTabSz="711200">
-            <a:lnSpc>
-              <a:spcPct val="90000"/>
-            </a:lnSpc>
-            <a:spcBef>
-              <a:spcPct val="0"/>
-            </a:spcBef>
-            <a:spcAft>
-              <a:spcPct val="35000"/>
-            </a:spcAft>
-          </a:pPr>
-          <a:r>
-            <a:rPr lang="pt-BR" sz="1600" b="1" kern="1200" dirty="0" smtClean="0">
-              <a:solidFill>
-                <a:srgbClr val="FFC000"/>
-              </a:solidFill>
-            </a:rPr>
-            <a:t>Serviço ativo</a:t>
-          </a:r>
-          <a:endParaRPr lang="pt-BR" sz="1600" b="1" kern="1200" dirty="0">
-            <a:solidFill>
-              <a:srgbClr val="FFC000"/>
-            </a:solidFill>
-          </a:endParaRPr>
-        </a:p>
-      </dsp:txBody>
-      <dsp:txXfrm>
-        <a:off x="3763055" y="1492104"/>
-        <a:ext cx="1326902" cy="928831"/>
-      </dsp:txXfrm>
-    </dsp:sp>
-    <dsp:sp modelId="{C5065143-8AF7-4AE9-A44E-5E4DF178427E}">
-      <dsp:nvSpPr>
-        <dsp:cNvPr id="0" name=""/>
-        <dsp:cNvSpPr/>
-      </dsp:nvSpPr>
-      <dsp:spPr>
-        <a:xfrm>
-          <a:off x="4907245" y="1519556"/>
-          <a:ext cx="486530" cy="928840"/>
-        </a:xfrm>
-        <a:prstGeom prst="chevron">
-          <a:avLst>
-            <a:gd name="adj" fmla="val 62310"/>
-          </a:avLst>
-        </a:prstGeom>
-        <a:solidFill>
-          <a:srgbClr val="FFC000"/>
-        </a:solidFill>
-        <a:ln>
-          <a:noFill/>
-        </a:ln>
-        <a:effectLst/>
-        <a:sp3d z="-52400" extrusionH="181000" contourW="38100" prstMaterial="matte">
-          <a:contourClr>
-            <a:schemeClr val="lt1"/>
-          </a:contourClr>
-        </a:sp3d>
-      </dsp:spPr>
-      <dsp:style>
-        <a:lnRef idx="0">
-          <a:scrgbClr r="0" g="0" b="0"/>
-        </a:lnRef>
-        <a:fillRef idx="1">
-          <a:scrgbClr r="0" g="0" b="0"/>
-        </a:fillRef>
-        <a:effectRef idx="0">
-          <a:scrgbClr r="0" g="0" b="0"/>
-        </a:effectRef>
-        <a:fontRef idx="minor">
-          <a:schemeClr val="lt1"/>
-        </a:fontRef>
-      </dsp:style>
-    </dsp:sp>
-    <dsp:sp modelId="{731B2C02-8FA5-4821-B98E-CF94C3140B85}">
-      <dsp:nvSpPr>
-        <dsp:cNvPr id="0" name=""/>
-        <dsp:cNvSpPr/>
-      </dsp:nvSpPr>
-      <dsp:spPr>
-        <a:xfrm>
-          <a:off x="5576488" y="1492104"/>
-          <a:ext cx="1326902" cy="928831"/>
-        </a:xfrm>
-        <a:prstGeom prst="rect">
-          <a:avLst/>
-        </a:prstGeom>
-        <a:noFill/>
-        <a:ln>
-          <a:noFill/>
-        </a:ln>
-        <a:effectLst/>
-      </dsp:spPr>
-      <dsp:style>
-        <a:lnRef idx="0">
-          <a:scrgbClr r="0" g="0" b="0"/>
-        </a:lnRef>
-        <a:fillRef idx="0">
-          <a:scrgbClr r="0" g="0" b="0"/>
-        </a:fillRef>
-        <a:effectRef idx="0">
-          <a:scrgbClr r="0" g="0" b="0"/>
-        </a:effectRef>
-        <a:fontRef idx="minor"/>
-      </dsp:style>
-      <dsp:txBody>
-        <a:bodyPr spcFirstLastPara="0" vert="horz" wrap="square" lIns="20320" tIns="20320" rIns="20320" bIns="20320" numCol="1" spcCol="1270" anchor="ctr" anchorCtr="0">
-          <a:noAutofit/>
-        </a:bodyPr>
-        <a:lstStyle/>
-        <a:p>
-          <a:pPr lvl="0" algn="ctr" defTabSz="711200">
-            <a:lnSpc>
-              <a:spcPct val="90000"/>
-            </a:lnSpc>
-            <a:spcBef>
-              <a:spcPct val="0"/>
-            </a:spcBef>
-            <a:spcAft>
-              <a:spcPct val="35000"/>
-            </a:spcAft>
-          </a:pPr>
-          <a:r>
-            <a:rPr lang="pt-BR" sz="1600" b="1" kern="1200" dirty="0" smtClean="0">
-              <a:solidFill>
-                <a:srgbClr val="00B050"/>
-              </a:solidFill>
-            </a:rPr>
-            <a:t>Regularidade de atividades acadêmicas</a:t>
-          </a:r>
-          <a:endParaRPr lang="pt-BR" sz="1600" b="1" kern="1200" dirty="0">
-            <a:solidFill>
-              <a:srgbClr val="00B050"/>
-            </a:solidFill>
-          </a:endParaRPr>
-        </a:p>
-      </dsp:txBody>
-      <dsp:txXfrm>
-        <a:off x="5576488" y="1492104"/>
-        <a:ext cx="1326902" cy="928831"/>
-      </dsp:txXfrm>
-    </dsp:sp>
-    <dsp:sp modelId="{B9E275C6-562A-432D-BC53-BE29329C92C7}">
-      <dsp:nvSpPr>
-        <dsp:cNvPr id="0" name=""/>
-        <dsp:cNvSpPr/>
-      </dsp:nvSpPr>
-      <dsp:spPr>
-        <a:xfrm>
-          <a:off x="6903390" y="1491653"/>
-          <a:ext cx="486530" cy="928840"/>
-        </a:xfrm>
-        <a:prstGeom prst="chevron">
-          <a:avLst>
-            <a:gd name="adj" fmla="val 62310"/>
-          </a:avLst>
-        </a:prstGeom>
-        <a:solidFill>
-          <a:srgbClr val="00B050"/>
-        </a:solidFill>
-        <a:ln>
-          <a:noFill/>
-        </a:ln>
-        <a:effectLst/>
-        <a:sp3d z="-52400" extrusionH="181000" contourW="38100" prstMaterial="matte">
-          <a:contourClr>
-            <a:schemeClr val="lt1"/>
-          </a:contourClr>
-        </a:sp3d>
-      </dsp:spPr>
-      <dsp:style>
-        <a:lnRef idx="0">
-          <a:scrgbClr r="0" g="0" b="0"/>
-        </a:lnRef>
-        <a:fillRef idx="1">
-          <a:scrgbClr r="0" g="0" b="0"/>
-        </a:fillRef>
-        <a:effectRef idx="0">
-          <a:scrgbClr r="0" g="0" b="0"/>
-        </a:effectRef>
-        <a:fontRef idx="minor">
-          <a:schemeClr val="lt1"/>
-        </a:fontRef>
-      </dsp:style>
-    </dsp:sp>
-    <dsp:sp modelId="{BE15EE83-3B00-4A10-B193-E9EE791FF290}">
-      <dsp:nvSpPr>
-        <dsp:cNvPr id="0" name=""/>
-        <dsp:cNvSpPr/>
-      </dsp:nvSpPr>
-      <dsp:spPr>
-        <a:xfrm>
-          <a:off x="7489438" y="1425759"/>
-          <a:ext cx="1127866" cy="1127866"/>
-        </a:xfrm>
-        <a:prstGeom prst="ellipse">
-          <a:avLst/>
-        </a:prstGeom>
-        <a:solidFill>
-          <a:srgbClr val="00B050"/>
-        </a:solidFill>
-        <a:ln>
-          <a:noFill/>
-        </a:ln>
-        <a:effectLst/>
-        <a:sp3d extrusionH="381000" contourW="38100" prstMaterial="matte">
-          <a:contourClr>
-            <a:schemeClr val="lt1"/>
-          </a:contourClr>
-        </a:sp3d>
-      </dsp:spPr>
-      <dsp:style>
-        <a:lnRef idx="0">
-          <a:scrgbClr r="0" g="0" b="0"/>
-        </a:lnRef>
-        <a:fillRef idx="1">
-          <a:scrgbClr r="0" g="0" b="0"/>
-        </a:fillRef>
-        <a:effectRef idx="0">
-          <a:scrgbClr r="0" g="0" b="0"/>
-        </a:effectRef>
-        <a:fontRef idx="minor">
-          <a:schemeClr val="lt1"/>
-        </a:fontRef>
-      </dsp:style>
-      <dsp:txBody>
-        <a:bodyPr spcFirstLastPara="0" vert="horz" wrap="square" lIns="0" tIns="0" rIns="0" bIns="0" numCol="1" spcCol="1270" anchor="ctr" anchorCtr="0">
-          <a:noAutofit/>
-        </a:bodyPr>
-        <a:lstStyle/>
-        <a:p>
-          <a:pPr lvl="0" algn="ctr" defTabSz="711200">
-            <a:lnSpc>
-              <a:spcPct val="90000"/>
-            </a:lnSpc>
-            <a:spcBef>
-              <a:spcPct val="0"/>
-            </a:spcBef>
-            <a:spcAft>
-              <a:spcPct val="35000"/>
-            </a:spcAft>
-          </a:pPr>
-          <a:r>
-            <a:rPr lang="pt-BR" sz="1600" b="1" kern="1200" dirty="0" smtClean="0">
-              <a:ln>
-                <a:solidFill>
-                  <a:schemeClr val="accent6">
-                    <a:lumMod val="20000"/>
-                    <a:lumOff val="80000"/>
-                  </a:schemeClr>
-                </a:solidFill>
-              </a:ln>
-              <a:solidFill>
-                <a:srgbClr val="7030A0"/>
-              </a:solidFill>
-              <a:latin typeface="Calibri Light" pitchFamily="34" charset="0"/>
-              <a:ea typeface="Arial Unicode MS" pitchFamily="34" charset="-128"/>
-              <a:cs typeface="Arial Unicode MS" pitchFamily="34" charset="-128"/>
-            </a:rPr>
-            <a:t>Disparo</a:t>
-          </a:r>
-          <a:endParaRPr lang="pt-BR" sz="1600" b="1" kern="1200" dirty="0">
-            <a:ln>
-              <a:solidFill>
-                <a:schemeClr val="accent6">
-                  <a:lumMod val="20000"/>
-                  <a:lumOff val="80000"/>
-                </a:schemeClr>
-              </a:solidFill>
-            </a:ln>
-            <a:solidFill>
-              <a:srgbClr val="7030A0"/>
-            </a:solidFill>
-            <a:latin typeface="Calibri Light" pitchFamily="34" charset="0"/>
-            <a:ea typeface="Arial Unicode MS" pitchFamily="34" charset="-128"/>
-            <a:cs typeface="Arial Unicode MS" pitchFamily="34" charset="-128"/>
-          </a:endParaRPr>
-        </a:p>
-      </dsp:txBody>
-      <dsp:txXfrm>
-        <a:off x="7654610" y="1590931"/>
-        <a:ext cx="797522" cy="797522"/>
-      </dsp:txXfrm>
-    </dsp:sp>
-    <dsp:sp modelId="{E051B2E9-E0F1-4F67-B203-7076EBD6126A}">
-      <dsp:nvSpPr>
-        <dsp:cNvPr id="0" name=""/>
-        <dsp:cNvSpPr/>
-      </dsp:nvSpPr>
-      <dsp:spPr>
-        <a:xfrm>
-          <a:off x="7389921" y="2629490"/>
-          <a:ext cx="1326902" cy="818256"/>
-        </a:xfrm>
-        <a:prstGeom prst="rect">
-          <a:avLst/>
-        </a:prstGeom>
-        <a:blipFill rotWithShape="0">
-          <a:blip xmlns:r="http://schemas.openxmlformats.org/officeDocument/2006/relationships" r:embed="rId1"/>
-          <a:stretch>
-            <a:fillRect/>
-          </a:stretch>
-        </a:blipFill>
-        <a:ln>
-          <a:noFill/>
-        </a:ln>
-        <a:effectLst/>
-      </dsp:spPr>
-      <dsp:style>
-        <a:lnRef idx="0">
-          <a:scrgbClr r="0" g="0" b="0"/>
-        </a:lnRef>
-        <a:fillRef idx="0">
-          <a:scrgbClr r="0" g="0" b="0"/>
-        </a:fillRef>
-        <a:effectRef idx="0">
-          <a:scrgbClr r="0" g="0" b="0"/>
-        </a:effectRef>
-        <a:fontRef idx="minor"/>
-      </dsp:style>
-      <dsp:txBody>
-        <a:bodyPr spcFirstLastPara="0" vert="horz" wrap="square" lIns="25400" tIns="25400" rIns="25400" bIns="25400" numCol="1" spcCol="1270" anchor="ctr" anchorCtr="0">
-          <a:noAutofit/>
-        </a:bodyPr>
-        <a:lstStyle/>
-        <a:p>
-          <a:pPr lvl="0" algn="ctr" defTabSz="889000">
-            <a:lnSpc>
-              <a:spcPct val="90000"/>
-            </a:lnSpc>
-            <a:spcBef>
-              <a:spcPct val="0"/>
-            </a:spcBef>
-            <a:spcAft>
-              <a:spcPct val="35000"/>
-            </a:spcAft>
-          </a:pPr>
-          <a:r>
-            <a:rPr lang="pt-BR" sz="2000" kern="1200" dirty="0" smtClean="0"/>
-            <a:t>Ação</a:t>
-          </a:r>
-          <a:endParaRPr lang="pt-BR" sz="2000" kern="1200" dirty="0"/>
-        </a:p>
-      </dsp:txBody>
-      <dsp:txXfrm>
-        <a:off x="7389921" y="2629490"/>
-        <a:ext cx="1326902" cy="818256"/>
-      </dsp:txXfrm>
-    </dsp:sp>
   </dsp:spTree>
 </dsp:drawing>
 </file>
@@ -4411,686 +3055,6 @@
       <dsp:cNvGrpSpPr/>
     </dsp:nvGrpSpPr>
     <dsp:grpSpPr/>
-    <dsp:sp modelId="{088FD97E-959C-4713-90E6-3BF325ED2DBE}">
-      <dsp:nvSpPr>
-        <dsp:cNvPr id="0" name=""/>
-        <dsp:cNvSpPr/>
-      </dsp:nvSpPr>
-      <dsp:spPr>
-        <a:xfrm>
-          <a:off x="1467" y="628784"/>
-          <a:ext cx="1134894" cy="1122052"/>
-        </a:xfrm>
-        <a:prstGeom prst="roundRect">
-          <a:avLst>
-            <a:gd name="adj" fmla="val 10000"/>
-          </a:avLst>
-        </a:prstGeom>
-        <a:blipFill rotWithShape="0">
-          <a:blip xmlns:r="http://schemas.openxmlformats.org/officeDocument/2006/relationships" r:embed="rId1"/>
-          <a:stretch>
-            <a:fillRect/>
-          </a:stretch>
-        </a:blipFill>
-        <a:ln w="28575" cap="flat" cmpd="sng" algn="ctr">
-          <a:noFill/>
-          <a:prstDash val="solid"/>
-        </a:ln>
-        <a:effectLst/>
-      </dsp:spPr>
-      <dsp:style>
-        <a:lnRef idx="2">
-          <a:scrgbClr r="0" g="0" b="0"/>
-        </a:lnRef>
-        <a:fillRef idx="1">
-          <a:scrgbClr r="0" g="0" b="0"/>
-        </a:fillRef>
-        <a:effectRef idx="0">
-          <a:scrgbClr r="0" g="0" b="0"/>
-        </a:effectRef>
-        <a:fontRef idx="minor">
-          <a:schemeClr val="lt1"/>
-        </a:fontRef>
-      </dsp:style>
-      <dsp:txBody>
-        <a:bodyPr spcFirstLastPara="0" vert="horz" wrap="square" lIns="39370" tIns="39370" rIns="39370" bIns="39370" numCol="1" spcCol="1270" anchor="ctr" anchorCtr="0">
-          <a:noAutofit/>
-        </a:bodyPr>
-        <a:lstStyle/>
-        <a:p>
-          <a:pPr lvl="0" algn="ctr" defTabSz="2755900">
-            <a:lnSpc>
-              <a:spcPct val="90000"/>
-            </a:lnSpc>
-            <a:spcBef>
-              <a:spcPct val="0"/>
-            </a:spcBef>
-            <a:spcAft>
-              <a:spcPct val="35000"/>
-            </a:spcAft>
-          </a:pPr>
-          <a:endParaRPr lang="pt-BR" sz="6200" b="1" kern="1200" dirty="0">
-            <a:solidFill>
-              <a:srgbClr val="FF0000"/>
-            </a:solidFill>
-          </a:endParaRPr>
-        </a:p>
-      </dsp:txBody>
-      <dsp:txXfrm>
-        <a:off x="34331" y="661648"/>
-        <a:ext cx="1069166" cy="1056324"/>
-      </dsp:txXfrm>
-    </dsp:sp>
-    <dsp:sp modelId="{DEAA91AC-93C3-4E21-ABA3-73EF923A1287}">
-      <dsp:nvSpPr>
-        <dsp:cNvPr id="0" name=""/>
-        <dsp:cNvSpPr/>
-      </dsp:nvSpPr>
-      <dsp:spPr>
-        <a:xfrm>
-          <a:off x="1136362" y="1155665"/>
-          <a:ext cx="519878" cy="68291"/>
-        </a:xfrm>
-        <a:custGeom>
-          <a:avLst/>
-          <a:gdLst/>
-          <a:ahLst/>
-          <a:cxnLst/>
-          <a:rect l="0" t="0" r="0" b="0"/>
-          <a:pathLst>
-            <a:path>
-              <a:moveTo>
-                <a:pt x="0" y="34145"/>
-              </a:moveTo>
-              <a:lnTo>
-                <a:pt x="519878" y="34145"/>
-              </a:lnTo>
-            </a:path>
-          </a:pathLst>
-        </a:custGeom>
-        <a:noFill/>
-        <a:ln w="28575" cap="flat" cmpd="sng" algn="ctr">
-          <a:solidFill>
-            <a:schemeClr val="accent1">
-              <a:shade val="60000"/>
-              <a:hueOff val="0"/>
-              <a:satOff val="0"/>
-              <a:lumOff val="0"/>
-              <a:alphaOff val="0"/>
-            </a:schemeClr>
-          </a:solidFill>
-          <a:prstDash val="solid"/>
-        </a:ln>
-        <a:effectLst/>
-      </dsp:spPr>
-      <dsp:style>
-        <a:lnRef idx="2">
-          <a:scrgbClr r="0" g="0" b="0"/>
-        </a:lnRef>
-        <a:fillRef idx="0">
-          <a:scrgbClr r="0" g="0" b="0"/>
-        </a:fillRef>
-        <a:effectRef idx="0">
-          <a:scrgbClr r="0" g="0" b="0"/>
-        </a:effectRef>
-        <a:fontRef idx="minor"/>
-      </dsp:style>
-      <dsp:txBody>
-        <a:bodyPr spcFirstLastPara="0" vert="horz" wrap="square" lIns="12700" tIns="0" rIns="12700" bIns="0" numCol="1" spcCol="1270" anchor="ctr" anchorCtr="0">
-          <a:noAutofit/>
-        </a:bodyPr>
-        <a:lstStyle/>
-        <a:p>
-          <a:pPr lvl="0" algn="ctr" defTabSz="222250">
-            <a:lnSpc>
-              <a:spcPct val="90000"/>
-            </a:lnSpc>
-            <a:spcBef>
-              <a:spcPct val="0"/>
-            </a:spcBef>
-            <a:spcAft>
-              <a:spcPct val="35000"/>
-            </a:spcAft>
-          </a:pPr>
-          <a:endParaRPr lang="pt-BR" sz="500" kern="1200"/>
-        </a:p>
-      </dsp:txBody>
-      <dsp:txXfrm>
-        <a:off x="1383304" y="1176813"/>
-        <a:ext cx="25993" cy="25993"/>
-      </dsp:txXfrm>
-    </dsp:sp>
-    <dsp:sp modelId="{625AAC6B-A1C6-4FA3-AF6C-57C1E02563C2}">
-      <dsp:nvSpPr>
-        <dsp:cNvPr id="0" name=""/>
-        <dsp:cNvSpPr/>
-      </dsp:nvSpPr>
-      <dsp:spPr>
-        <a:xfrm>
-          <a:off x="1656240" y="628784"/>
-          <a:ext cx="1475249" cy="1122052"/>
-        </a:xfrm>
-        <a:prstGeom prst="roundRect">
-          <a:avLst>
-            <a:gd name="adj" fmla="val 10000"/>
-          </a:avLst>
-        </a:prstGeom>
-        <a:blipFill rotWithShape="0">
-          <a:blip xmlns:r="http://schemas.openxmlformats.org/officeDocument/2006/relationships" r:embed="rId2"/>
-          <a:stretch>
-            <a:fillRect/>
-          </a:stretch>
-        </a:blipFill>
-        <a:ln w="28575" cap="flat" cmpd="sng" algn="ctr">
-          <a:solidFill>
-            <a:schemeClr val="lt1">
-              <a:hueOff val="0"/>
-              <a:satOff val="0"/>
-              <a:lumOff val="0"/>
-              <a:alphaOff val="0"/>
-            </a:schemeClr>
-          </a:solidFill>
-          <a:prstDash val="solid"/>
-        </a:ln>
-        <a:effectLst/>
-      </dsp:spPr>
-      <dsp:style>
-        <a:lnRef idx="2">
-          <a:scrgbClr r="0" g="0" b="0"/>
-        </a:lnRef>
-        <a:fillRef idx="1">
-          <a:scrgbClr r="0" g="0" b="0"/>
-        </a:fillRef>
-        <a:effectRef idx="0">
-          <a:scrgbClr r="0" g="0" b="0"/>
-        </a:effectRef>
-        <a:fontRef idx="minor">
-          <a:schemeClr val="lt1"/>
-        </a:fontRef>
-      </dsp:style>
-      <dsp:txBody>
-        <a:bodyPr spcFirstLastPara="0" vert="horz" wrap="square" lIns="39370" tIns="39370" rIns="39370" bIns="39370" numCol="1" spcCol="1270" anchor="ctr" anchorCtr="0">
-          <a:noAutofit/>
-        </a:bodyPr>
-        <a:lstStyle/>
-        <a:p>
-          <a:pPr lvl="0" algn="ctr" defTabSz="2755900">
-            <a:lnSpc>
-              <a:spcPct val="90000"/>
-            </a:lnSpc>
-            <a:spcBef>
-              <a:spcPct val="0"/>
-            </a:spcBef>
-            <a:spcAft>
-              <a:spcPct val="35000"/>
-            </a:spcAft>
-          </a:pPr>
-          <a:endParaRPr lang="pt-BR" sz="6200" b="1" kern="1200" dirty="0">
-            <a:solidFill>
-              <a:srgbClr val="FF0000"/>
-            </a:solidFill>
-          </a:endParaRPr>
-        </a:p>
-      </dsp:txBody>
-      <dsp:txXfrm>
-        <a:off x="1689104" y="661648"/>
-        <a:ext cx="1409521" cy="1056324"/>
-      </dsp:txXfrm>
-    </dsp:sp>
-    <dsp:sp modelId="{40EC9B65-825A-4CFD-9FF3-3094A2D18072}">
-      <dsp:nvSpPr>
-        <dsp:cNvPr id="0" name=""/>
-        <dsp:cNvSpPr/>
-      </dsp:nvSpPr>
-      <dsp:spPr>
-        <a:xfrm rot="21350655">
-          <a:off x="3130608" y="1131364"/>
-          <a:ext cx="670671" cy="68291"/>
-        </a:xfrm>
-        <a:custGeom>
-          <a:avLst/>
-          <a:gdLst/>
-          <a:ahLst/>
-          <a:cxnLst/>
-          <a:rect l="0" t="0" r="0" b="0"/>
-          <a:pathLst>
-            <a:path>
-              <a:moveTo>
-                <a:pt x="0" y="34145"/>
-              </a:moveTo>
-              <a:lnTo>
-                <a:pt x="670671" y="34145"/>
-              </a:lnTo>
-            </a:path>
-          </a:pathLst>
-        </a:custGeom>
-        <a:noFill/>
-        <a:ln w="28575" cap="flat" cmpd="sng" algn="ctr">
-          <a:solidFill>
-            <a:schemeClr val="accent1">
-              <a:shade val="80000"/>
-              <a:hueOff val="0"/>
-              <a:satOff val="0"/>
-              <a:lumOff val="0"/>
-              <a:alphaOff val="0"/>
-            </a:schemeClr>
-          </a:solidFill>
-          <a:prstDash val="solid"/>
-        </a:ln>
-        <a:effectLst/>
-      </dsp:spPr>
-      <dsp:style>
-        <a:lnRef idx="2">
-          <a:scrgbClr r="0" g="0" b="0"/>
-        </a:lnRef>
-        <a:fillRef idx="0">
-          <a:scrgbClr r="0" g="0" b="0"/>
-        </a:fillRef>
-        <a:effectRef idx="0">
-          <a:scrgbClr r="0" g="0" b="0"/>
-        </a:effectRef>
-        <a:fontRef idx="minor"/>
-      </dsp:style>
-      <dsp:txBody>
-        <a:bodyPr spcFirstLastPara="0" vert="horz" wrap="square" lIns="12700" tIns="0" rIns="12700" bIns="0" numCol="1" spcCol="1270" anchor="ctr" anchorCtr="0">
-          <a:noAutofit/>
-        </a:bodyPr>
-        <a:lstStyle/>
-        <a:p>
-          <a:pPr lvl="0" algn="ctr" defTabSz="222250">
-            <a:lnSpc>
-              <a:spcPct val="90000"/>
-            </a:lnSpc>
-            <a:spcBef>
-              <a:spcPct val="0"/>
-            </a:spcBef>
-            <a:spcAft>
-              <a:spcPct val="35000"/>
-            </a:spcAft>
-          </a:pPr>
-          <a:endParaRPr lang="pt-BR" sz="500" kern="1200"/>
-        </a:p>
-      </dsp:txBody>
-      <dsp:txXfrm>
-        <a:off x="3449177" y="1148742"/>
-        <a:ext cx="33533" cy="33533"/>
-      </dsp:txXfrm>
-    </dsp:sp>
-    <dsp:sp modelId="{3F240D39-27BF-4E23-88E7-47F174716589}">
-      <dsp:nvSpPr>
-        <dsp:cNvPr id="0" name=""/>
-        <dsp:cNvSpPr/>
-      </dsp:nvSpPr>
-      <dsp:spPr>
-        <a:xfrm>
-          <a:off x="3800398" y="562412"/>
-          <a:ext cx="1341783" cy="1157591"/>
-        </a:xfrm>
-        <a:prstGeom prst="roundRect">
-          <a:avLst>
-            <a:gd name="adj" fmla="val 10000"/>
-          </a:avLst>
-        </a:prstGeom>
-        <a:blipFill rotWithShape="0">
-          <a:blip xmlns:r="http://schemas.openxmlformats.org/officeDocument/2006/relationships" r:embed="rId3"/>
-          <a:stretch>
-            <a:fillRect/>
-          </a:stretch>
-        </a:blipFill>
-        <a:ln w="28575" cap="flat" cmpd="sng" algn="ctr">
-          <a:solidFill>
-            <a:schemeClr val="lt1">
-              <a:hueOff val="0"/>
-              <a:satOff val="0"/>
-              <a:lumOff val="0"/>
-              <a:alphaOff val="0"/>
-            </a:schemeClr>
-          </a:solidFill>
-          <a:prstDash val="solid"/>
-        </a:ln>
-        <a:effectLst/>
-      </dsp:spPr>
-      <dsp:style>
-        <a:lnRef idx="2">
-          <a:scrgbClr r="0" g="0" b="0"/>
-        </a:lnRef>
-        <a:fillRef idx="1">
-          <a:scrgbClr r="0" g="0" b="0"/>
-        </a:fillRef>
-        <a:effectRef idx="0">
-          <a:scrgbClr r="0" g="0" b="0"/>
-        </a:effectRef>
-        <a:fontRef idx="minor">
-          <a:schemeClr val="lt1"/>
-        </a:fontRef>
-      </dsp:style>
-      <dsp:txBody>
-        <a:bodyPr spcFirstLastPara="0" vert="horz" wrap="square" lIns="40640" tIns="40640" rIns="40640" bIns="40640" numCol="1" spcCol="1270" anchor="ctr" anchorCtr="0">
-          <a:noAutofit/>
-        </a:bodyPr>
-        <a:lstStyle/>
-        <a:p>
-          <a:pPr lvl="0" algn="ctr" defTabSz="2844800">
-            <a:lnSpc>
-              <a:spcPct val="90000"/>
-            </a:lnSpc>
-            <a:spcBef>
-              <a:spcPct val="0"/>
-            </a:spcBef>
-            <a:spcAft>
-              <a:spcPct val="35000"/>
-            </a:spcAft>
-          </a:pPr>
-          <a:endParaRPr lang="pt-BR" sz="6400" b="1" kern="1200" dirty="0">
-            <a:solidFill>
-              <a:srgbClr val="FF0000"/>
-            </a:solidFill>
-          </a:endParaRPr>
-        </a:p>
-      </dsp:txBody>
-      <dsp:txXfrm>
-        <a:off x="3834303" y="596317"/>
-        <a:ext cx="1273973" cy="1089781"/>
-      </dsp:txXfrm>
-    </dsp:sp>
-    <dsp:sp modelId="{96677CEF-A1B8-4F89-9C60-579502C7ED3D}">
-      <dsp:nvSpPr>
-        <dsp:cNvPr id="0" name=""/>
-        <dsp:cNvSpPr/>
-      </dsp:nvSpPr>
-      <dsp:spPr>
-        <a:xfrm rot="19018365">
-          <a:off x="5043314" y="856248"/>
-          <a:ext cx="735153" cy="68291"/>
-        </a:xfrm>
-        <a:custGeom>
-          <a:avLst/>
-          <a:gdLst/>
-          <a:ahLst/>
-          <a:cxnLst/>
-          <a:rect l="0" t="0" r="0" b="0"/>
-          <a:pathLst>
-            <a:path>
-              <a:moveTo>
-                <a:pt x="0" y="34145"/>
-              </a:moveTo>
-              <a:lnTo>
-                <a:pt x="735153" y="34145"/>
-              </a:lnTo>
-            </a:path>
-          </a:pathLst>
-        </a:custGeom>
-        <a:noFill/>
-        <a:ln w="28575" cap="flat" cmpd="sng" algn="ctr">
-          <a:solidFill>
-            <a:schemeClr val="accent1">
-              <a:shade val="80000"/>
-              <a:hueOff val="0"/>
-              <a:satOff val="0"/>
-              <a:lumOff val="0"/>
-              <a:alphaOff val="0"/>
-            </a:schemeClr>
-          </a:solidFill>
-          <a:prstDash val="solid"/>
-        </a:ln>
-        <a:effectLst/>
-      </dsp:spPr>
-      <dsp:style>
-        <a:lnRef idx="2">
-          <a:scrgbClr r="0" g="0" b="0"/>
-        </a:lnRef>
-        <a:fillRef idx="0">
-          <a:scrgbClr r="0" g="0" b="0"/>
-        </a:fillRef>
-        <a:effectRef idx="0">
-          <a:scrgbClr r="0" g="0" b="0"/>
-        </a:effectRef>
-        <a:fontRef idx="minor"/>
-      </dsp:style>
-      <dsp:txBody>
-        <a:bodyPr spcFirstLastPara="0" vert="horz" wrap="square" lIns="12700" tIns="0" rIns="12700" bIns="0" numCol="1" spcCol="1270" anchor="ctr" anchorCtr="0">
-          <a:noAutofit/>
-        </a:bodyPr>
-        <a:lstStyle/>
-        <a:p>
-          <a:pPr lvl="0" algn="ctr" defTabSz="222250">
-            <a:lnSpc>
-              <a:spcPct val="90000"/>
-            </a:lnSpc>
-            <a:spcBef>
-              <a:spcPct val="0"/>
-            </a:spcBef>
-            <a:spcAft>
-              <a:spcPct val="35000"/>
-            </a:spcAft>
-          </a:pPr>
-          <a:endParaRPr lang="pt-BR" sz="500" kern="1200"/>
-        </a:p>
-      </dsp:txBody>
-      <dsp:txXfrm>
-        <a:off x="5392512" y="872015"/>
-        <a:ext cx="36757" cy="36757"/>
-      </dsp:txXfrm>
-    </dsp:sp>
-    <dsp:sp modelId="{C9FE6AAB-0763-4305-BA94-5BEB7902709A}">
-      <dsp:nvSpPr>
-        <dsp:cNvPr id="0" name=""/>
-        <dsp:cNvSpPr/>
-      </dsp:nvSpPr>
-      <dsp:spPr>
-        <a:xfrm>
-          <a:off x="5679600" y="90347"/>
-          <a:ext cx="1297585" cy="1098463"/>
-        </a:xfrm>
-        <a:prstGeom prst="roundRect">
-          <a:avLst>
-            <a:gd name="adj" fmla="val 10000"/>
-          </a:avLst>
-        </a:prstGeom>
-        <a:blipFill rotWithShape="0">
-          <a:blip xmlns:r="http://schemas.openxmlformats.org/officeDocument/2006/relationships" r:embed="rId4"/>
-          <a:stretch>
-            <a:fillRect/>
-          </a:stretch>
-        </a:blipFill>
-        <a:ln w="28575" cap="flat" cmpd="sng" algn="ctr">
-          <a:noFill/>
-          <a:prstDash val="solid"/>
-        </a:ln>
-        <a:effectLst/>
-      </dsp:spPr>
-      <dsp:style>
-        <a:lnRef idx="2">
-          <a:scrgbClr r="0" g="0" b="0"/>
-        </a:lnRef>
-        <a:fillRef idx="1">
-          <a:scrgbClr r="0" g="0" b="0"/>
-        </a:fillRef>
-        <a:effectRef idx="0">
-          <a:scrgbClr r="0" g="0" b="0"/>
-        </a:effectRef>
-        <a:fontRef idx="minor">
-          <a:schemeClr val="lt1"/>
-        </a:fontRef>
-      </dsp:style>
-      <dsp:txBody>
-        <a:bodyPr spcFirstLastPara="0" vert="horz" wrap="square" lIns="38100" tIns="38100" rIns="38100" bIns="38100" numCol="1" spcCol="1270" anchor="ctr" anchorCtr="0">
-          <a:noAutofit/>
-        </a:bodyPr>
-        <a:lstStyle/>
-        <a:p>
-          <a:pPr lvl="0" algn="ctr" defTabSz="2667000">
-            <a:lnSpc>
-              <a:spcPct val="90000"/>
-            </a:lnSpc>
-            <a:spcBef>
-              <a:spcPct val="0"/>
-            </a:spcBef>
-            <a:spcAft>
-              <a:spcPct val="35000"/>
-            </a:spcAft>
-          </a:pPr>
-          <a:endParaRPr lang="pt-BR" sz="6000" b="1" kern="1200" dirty="0">
-            <a:solidFill>
-              <a:srgbClr val="FF0000"/>
-            </a:solidFill>
-          </a:endParaRPr>
-        </a:p>
-      </dsp:txBody>
-      <dsp:txXfrm>
-        <a:off x="5711773" y="122520"/>
-        <a:ext cx="1233239" cy="1034117"/>
-      </dsp:txXfrm>
-    </dsp:sp>
-    <dsp:sp modelId="{7995B477-DC24-4711-9C2A-A8BDC97B8C53}">
-      <dsp:nvSpPr>
-        <dsp:cNvPr id="0" name=""/>
-        <dsp:cNvSpPr/>
-      </dsp:nvSpPr>
-      <dsp:spPr>
-        <a:xfrm rot="58801">
-          <a:off x="6977151" y="609475"/>
-          <a:ext cx="472665" cy="68291"/>
-        </a:xfrm>
-        <a:custGeom>
-          <a:avLst/>
-          <a:gdLst/>
-          <a:ahLst/>
-          <a:cxnLst/>
-          <a:rect l="0" t="0" r="0" b="0"/>
-          <a:pathLst>
-            <a:path>
-              <a:moveTo>
-                <a:pt x="0" y="34145"/>
-              </a:moveTo>
-              <a:lnTo>
-                <a:pt x="472665" y="34145"/>
-              </a:lnTo>
-            </a:path>
-          </a:pathLst>
-        </a:custGeom>
-        <a:noFill/>
-        <a:ln w="28575" cap="flat" cmpd="sng" algn="ctr">
-          <a:solidFill>
-            <a:schemeClr val="accent1">
-              <a:shade val="80000"/>
-              <a:hueOff val="0"/>
-              <a:satOff val="0"/>
-              <a:lumOff val="0"/>
-              <a:alphaOff val="0"/>
-            </a:schemeClr>
-          </a:solidFill>
-          <a:prstDash val="solid"/>
-        </a:ln>
-        <a:effectLst/>
-      </dsp:spPr>
-      <dsp:style>
-        <a:lnRef idx="2">
-          <a:scrgbClr r="0" g="0" b="0"/>
-        </a:lnRef>
-        <a:fillRef idx="0">
-          <a:scrgbClr r="0" g="0" b="0"/>
-        </a:fillRef>
-        <a:effectRef idx="0">
-          <a:scrgbClr r="0" g="0" b="0"/>
-        </a:effectRef>
-        <a:fontRef idx="minor"/>
-      </dsp:style>
-      <dsp:txBody>
-        <a:bodyPr spcFirstLastPara="0" vert="horz" wrap="square" lIns="12700" tIns="0" rIns="12700" bIns="0" numCol="1" spcCol="1270" anchor="ctr" anchorCtr="0">
-          <a:noAutofit/>
-        </a:bodyPr>
-        <a:lstStyle/>
-        <a:p>
-          <a:pPr lvl="0" algn="ctr" defTabSz="222250">
-            <a:lnSpc>
-              <a:spcPct val="90000"/>
-            </a:lnSpc>
-            <a:spcBef>
-              <a:spcPct val="0"/>
-            </a:spcBef>
-            <a:spcAft>
-              <a:spcPct val="35000"/>
-            </a:spcAft>
-          </a:pPr>
-          <a:endParaRPr lang="pt-BR" sz="500" kern="1200"/>
-        </a:p>
-      </dsp:txBody>
-      <dsp:txXfrm>
-        <a:off x="7201667" y="631804"/>
-        <a:ext cx="23633" cy="23633"/>
-      </dsp:txXfrm>
-    </dsp:sp>
-    <dsp:sp modelId="{A495C0D0-0E80-48DB-8154-D582C59B72C3}">
-      <dsp:nvSpPr>
-        <dsp:cNvPr id="0" name=""/>
-        <dsp:cNvSpPr/>
-      </dsp:nvSpPr>
-      <dsp:spPr>
-        <a:xfrm>
-          <a:off x="7449782" y="99497"/>
-          <a:ext cx="1189464" cy="1096331"/>
-        </a:xfrm>
-        <a:prstGeom prst="roundRect">
-          <a:avLst>
-            <a:gd name="adj" fmla="val 10000"/>
-          </a:avLst>
-        </a:prstGeom>
-        <a:blipFill rotWithShape="0">
-          <a:blip xmlns:r="http://schemas.openxmlformats.org/officeDocument/2006/relationships" r:embed="rId5"/>
-          <a:stretch>
-            <a:fillRect/>
-          </a:stretch>
-        </a:blipFill>
-        <a:ln w="28575" cap="flat" cmpd="sng" algn="ctr">
-          <a:noFill/>
-          <a:prstDash val="solid"/>
-        </a:ln>
-        <a:effectLst/>
-      </dsp:spPr>
-      <dsp:style>
-        <a:lnRef idx="2">
-          <a:scrgbClr r="0" g="0" b="0"/>
-        </a:lnRef>
-        <a:fillRef idx="1">
-          <a:scrgbClr r="0" g="0" b="0"/>
-        </a:fillRef>
-        <a:effectRef idx="0">
-          <a:scrgbClr r="0" g="0" b="0"/>
-        </a:effectRef>
-        <a:fontRef idx="minor">
-          <a:schemeClr val="lt1"/>
-        </a:fontRef>
-      </dsp:style>
-      <dsp:txBody>
-        <a:bodyPr spcFirstLastPara="0" vert="horz" wrap="square" lIns="38100" tIns="38100" rIns="38100" bIns="38100" numCol="1" spcCol="1270" anchor="ctr" anchorCtr="0">
-          <a:noAutofit/>
-        </a:bodyPr>
-        <a:lstStyle/>
-        <a:p>
-          <a:pPr lvl="0" algn="ctr" defTabSz="2667000">
-            <a:lnSpc>
-              <a:spcPct val="90000"/>
-            </a:lnSpc>
-            <a:spcBef>
-              <a:spcPct val="0"/>
-            </a:spcBef>
-            <a:spcAft>
-              <a:spcPct val="35000"/>
-            </a:spcAft>
-          </a:pPr>
-          <a:endParaRPr lang="pt-BR" sz="6000" b="1" kern="1200" dirty="0">
-            <a:solidFill>
-              <a:srgbClr val="FF0000"/>
-            </a:solidFill>
-          </a:endParaRPr>
-        </a:p>
-      </dsp:txBody>
-      <dsp:txXfrm>
-        <a:off x="7481892" y="131607"/>
-        <a:ext cx="1125244" cy="1032111"/>
-      </dsp:txXfrm>
-    </dsp:sp>
   </dsp:spTree>
 </dsp:drawing>
 </file>
@@ -8329,7 +6293,7 @@
           <a:p>
             <a:fld id="{3F5D9F91-5035-469D-968F-FE3C304D0282}" type="datetimeFigureOut">
               <a:rPr lang="pt-BR" smtClean="0"/>
-              <a:t>03/12/2018</a:t>
+              <a:t>04/12/2018</a:t>
             </a:fld>
             <a:endParaRPr lang="pt-BR"/>
           </a:p>
@@ -9233,7 +7197,7 @@
           <a:p>
             <a:fld id="{6170734A-4B5A-4F3B-B573-1E93A2DEC51B}" type="datetimeFigureOut">
               <a:rPr lang="pt-BR" smtClean="0"/>
-              <a:t>03/12/2018</a:t>
+              <a:t>04/12/2018</a:t>
             </a:fld>
             <a:endParaRPr lang="pt-BR"/>
           </a:p>
@@ -9398,7 +7362,7 @@
           <a:p>
             <a:fld id="{6170734A-4B5A-4F3B-B573-1E93A2DEC51B}" type="datetimeFigureOut">
               <a:rPr lang="pt-BR" smtClean="0"/>
-              <a:t>03/12/2018</a:t>
+              <a:t>04/12/2018</a:t>
             </a:fld>
             <a:endParaRPr lang="pt-BR"/>
           </a:p>
@@ -9573,7 +7537,7 @@
           <a:p>
             <a:fld id="{6170734A-4B5A-4F3B-B573-1E93A2DEC51B}" type="datetimeFigureOut">
               <a:rPr lang="pt-BR" smtClean="0"/>
-              <a:t>03/12/2018</a:t>
+              <a:t>04/12/2018</a:t>
             </a:fld>
             <a:endParaRPr lang="pt-BR"/>
           </a:p>
@@ -9756,7 +7720,7 @@
           <a:p>
             <a:fld id="{6170734A-4B5A-4F3B-B573-1E93A2DEC51B}" type="datetimeFigureOut">
               <a:rPr lang="pt-BR" smtClean="0"/>
-              <a:t>03/12/2018</a:t>
+              <a:t>04/12/2018</a:t>
             </a:fld>
             <a:endParaRPr lang="pt-BR"/>
           </a:p>
@@ -10018,7 +7982,7 @@
           <a:p>
             <a:fld id="{6170734A-4B5A-4F3B-B573-1E93A2DEC51B}" type="datetimeFigureOut">
               <a:rPr lang="pt-BR" smtClean="0"/>
-              <a:t>03/12/2018</a:t>
+              <a:t>04/12/2018</a:t>
             </a:fld>
             <a:endParaRPr lang="pt-BR"/>
           </a:p>
@@ -10366,7 +8330,7 @@
           <a:p>
             <a:fld id="{6170734A-4B5A-4F3B-B573-1E93A2DEC51B}" type="datetimeFigureOut">
               <a:rPr lang="pt-BR" smtClean="0"/>
-              <a:t>03/12/2018</a:t>
+              <a:t>04/12/2018</a:t>
             </a:fld>
             <a:endParaRPr lang="pt-BR"/>
           </a:p>
@@ -10674,7 +8638,7 @@
           <a:p>
             <a:fld id="{6170734A-4B5A-4F3B-B573-1E93A2DEC51B}" type="datetimeFigureOut">
               <a:rPr lang="pt-BR" smtClean="0"/>
-              <a:t>03/12/2018</a:t>
+              <a:t>04/12/2018</a:t>
             </a:fld>
             <a:endParaRPr lang="pt-BR"/>
           </a:p>
@@ -10901,7 +8865,7 @@
           <a:p>
             <a:fld id="{6170734A-4B5A-4F3B-B573-1E93A2DEC51B}" type="datetimeFigureOut">
               <a:rPr lang="pt-BR" smtClean="0"/>
-              <a:t>03/12/2018</a:t>
+              <a:t>04/12/2018</a:t>
             </a:fld>
             <a:endParaRPr lang="pt-BR"/>
           </a:p>
@@ -10991,7 +8955,7 @@
           <a:p>
             <a:fld id="{6170734A-4B5A-4F3B-B573-1E93A2DEC51B}" type="datetimeFigureOut">
               <a:rPr lang="pt-BR" smtClean="0"/>
-              <a:t>03/12/2018</a:t>
+              <a:t>04/12/2018</a:t>
             </a:fld>
             <a:endParaRPr lang="pt-BR"/>
           </a:p>
@@ -11279,7 +9243,7 @@
           <a:p>
             <a:fld id="{6170734A-4B5A-4F3B-B573-1E93A2DEC51B}" type="datetimeFigureOut">
               <a:rPr lang="pt-BR" smtClean="0"/>
-              <a:t>03/12/2018</a:t>
+              <a:t>04/12/2018</a:t>
             </a:fld>
             <a:endParaRPr lang="pt-BR"/>
           </a:p>
@@ -11548,7 +9512,7 @@
           <a:p>
             <a:fld id="{6170734A-4B5A-4F3B-B573-1E93A2DEC51B}" type="datetimeFigureOut">
               <a:rPr lang="pt-BR" smtClean="0"/>
-              <a:t>03/12/2018</a:t>
+              <a:t>04/12/2018</a:t>
             </a:fld>
             <a:endParaRPr lang="pt-BR"/>
           </a:p>
@@ -11758,7 +9722,7 @@
           <a:p>
             <a:fld id="{6170734A-4B5A-4F3B-B573-1E93A2DEC51B}" type="datetimeFigureOut">
               <a:rPr lang="pt-BR" smtClean="0"/>
-              <a:t>03/12/2018</a:t>
+              <a:t>04/12/2018</a:t>
             </a:fld>
             <a:endParaRPr lang="pt-BR"/>
           </a:p>

--- a/Documentação final do projeto/Ppt-Final.pptx
+++ b/Documentação final do projeto/Ppt-Final.pptx
@@ -5,7 +5,7 @@
     <p:sldMasterId id="2147483672" r:id="rId1"/>
   </p:sldMasterIdLst>
   <p:notesMasterIdLst>
-    <p:notesMasterId r:id="rId20"/>
+    <p:notesMasterId r:id="rId21"/>
   </p:notesMasterIdLst>
   <p:sldIdLst>
     <p:sldId id="265" r:id="rId2"/>
@@ -24,8 +24,9 @@
     <p:sldId id="305" r:id="rId15"/>
     <p:sldId id="306" r:id="rId16"/>
     <p:sldId id="295" r:id="rId17"/>
-    <p:sldId id="296" r:id="rId18"/>
-    <p:sldId id="299" r:id="rId19"/>
+    <p:sldId id="308" r:id="rId18"/>
+    <p:sldId id="296" r:id="rId19"/>
+    <p:sldId id="299" r:id="rId20"/>
   </p:sldIdLst>
   <p:sldSz cx="9144000" cy="6858000" type="screen4x3"/>
   <p:notesSz cx="6858000" cy="9144000"/>
@@ -126,7 +127,7 @@
   </p:defaultTextStyle>
   <p:extLst>
     <p:ext uri="{EFAFB233-063F-42B5-8137-9DF3F51BA10A}">
-      <p15:sldGuideLst xmlns:p15="http://schemas.microsoft.com/office/powerpoint/2012/main" xmlns="">
+      <p15:sldGuideLst xmlns="" xmlns:p15="http://schemas.microsoft.com/office/powerpoint/2012/main">
         <p15:guide id="1" orient="horz" pos="2160">
           <p15:clr>
             <a:srgbClr val="A4A3A4"/>
@@ -3043,6 +3044,1362 @@
       <dsp:cNvGrpSpPr/>
     </dsp:nvGrpSpPr>
     <dsp:grpSpPr/>
+    <dsp:sp modelId="{1B027B00-893D-4199-B75D-A9C03757194C}">
+      <dsp:nvSpPr>
+        <dsp:cNvPr id="0" name=""/>
+        <dsp:cNvSpPr/>
+      </dsp:nvSpPr>
+      <dsp:spPr>
+        <a:xfrm>
+          <a:off x="88685" y="1742804"/>
+          <a:ext cx="1325309" cy="436749"/>
+        </a:xfrm>
+        <a:prstGeom prst="rect">
+          <a:avLst/>
+        </a:prstGeom>
+        <a:noFill/>
+        <a:ln>
+          <a:noFill/>
+        </a:ln>
+        <a:effectLst/>
+      </dsp:spPr>
+      <dsp:style>
+        <a:lnRef idx="0">
+          <a:scrgbClr r="0" g="0" b="0"/>
+        </a:lnRef>
+        <a:fillRef idx="0">
+          <a:scrgbClr r="0" g="0" b="0"/>
+        </a:fillRef>
+        <a:effectRef idx="0">
+          <a:scrgbClr r="0" g="0" b="0"/>
+        </a:effectRef>
+        <a:fontRef idx="minor"/>
+      </dsp:style>
+      <dsp:txBody>
+        <a:bodyPr spcFirstLastPara="0" vert="horz" wrap="square" lIns="20320" tIns="20320" rIns="20320" bIns="20320" numCol="1" spcCol="1270" anchor="ctr" anchorCtr="0">
+          <a:noAutofit/>
+        </a:bodyPr>
+        <a:lstStyle/>
+        <a:p>
+          <a:pPr lvl="0" algn="ctr" defTabSz="711200">
+            <a:lnSpc>
+              <a:spcPct val="90000"/>
+            </a:lnSpc>
+            <a:spcBef>
+              <a:spcPct val="0"/>
+            </a:spcBef>
+            <a:spcAft>
+              <a:spcPct val="35000"/>
+            </a:spcAft>
+          </a:pPr>
+          <a:r>
+            <a:rPr lang="pt-BR" sz="1600" b="1" kern="1200" dirty="0" smtClean="0">
+              <a:solidFill>
+                <a:srgbClr val="7030A0"/>
+              </a:solidFill>
+            </a:rPr>
+            <a:t>Vínculo acadêmico</a:t>
+          </a:r>
+          <a:endParaRPr lang="pt-BR" sz="1600" b="1" kern="1200" dirty="0">
+            <a:solidFill>
+              <a:srgbClr val="7030A0"/>
+            </a:solidFill>
+          </a:endParaRPr>
+        </a:p>
+      </dsp:txBody>
+      <dsp:txXfrm>
+        <a:off x="88685" y="1742804"/>
+        <a:ext cx="1325309" cy="436749"/>
+      </dsp:txXfrm>
+    </dsp:sp>
+    <dsp:sp modelId="{00580EB5-6E14-41C9-BAE4-5D9B53114EEE}">
+      <dsp:nvSpPr>
+        <dsp:cNvPr id="0" name=""/>
+        <dsp:cNvSpPr/>
+      </dsp:nvSpPr>
+      <dsp:spPr>
+        <a:xfrm>
+          <a:off x="87179" y="1609972"/>
+          <a:ext cx="105422" cy="105422"/>
+        </a:xfrm>
+        <a:prstGeom prst="ellipse">
+          <a:avLst/>
+        </a:prstGeom>
+        <a:solidFill>
+          <a:srgbClr val="0070C0"/>
+        </a:solidFill>
+        <a:ln>
+          <a:noFill/>
+        </a:ln>
+        <a:effectLst/>
+        <a:sp3d extrusionH="381000" contourW="38100" prstMaterial="matte">
+          <a:contourClr>
+            <a:schemeClr val="lt1"/>
+          </a:contourClr>
+        </a:sp3d>
+      </dsp:spPr>
+      <dsp:style>
+        <a:lnRef idx="0">
+          <a:scrgbClr r="0" g="0" b="0"/>
+        </a:lnRef>
+        <a:fillRef idx="1">
+          <a:scrgbClr r="0" g="0" b="0"/>
+        </a:fillRef>
+        <a:effectRef idx="0">
+          <a:scrgbClr r="0" g="0" b="0"/>
+        </a:effectRef>
+        <a:fontRef idx="minor">
+          <a:schemeClr val="lt1"/>
+        </a:fontRef>
+      </dsp:style>
+    </dsp:sp>
+    <dsp:sp modelId="{4448610D-4D4D-41F4-890F-69C4D3D935FC}">
+      <dsp:nvSpPr>
+        <dsp:cNvPr id="0" name=""/>
+        <dsp:cNvSpPr/>
+      </dsp:nvSpPr>
+      <dsp:spPr>
+        <a:xfrm>
+          <a:off x="160974" y="1462380"/>
+          <a:ext cx="105422" cy="105422"/>
+        </a:xfrm>
+        <a:prstGeom prst="ellipse">
+          <a:avLst/>
+        </a:prstGeom>
+        <a:solidFill>
+          <a:srgbClr val="0070C0"/>
+        </a:solidFill>
+        <a:ln>
+          <a:noFill/>
+        </a:ln>
+        <a:effectLst/>
+        <a:sp3d extrusionH="381000" contourW="38100" prstMaterial="matte">
+          <a:contourClr>
+            <a:schemeClr val="lt1"/>
+          </a:contourClr>
+        </a:sp3d>
+      </dsp:spPr>
+      <dsp:style>
+        <a:lnRef idx="0">
+          <a:scrgbClr r="0" g="0" b="0"/>
+        </a:lnRef>
+        <a:fillRef idx="1">
+          <a:scrgbClr r="0" g="0" b="0"/>
+        </a:fillRef>
+        <a:effectRef idx="0">
+          <a:scrgbClr r="0" g="0" b="0"/>
+        </a:effectRef>
+        <a:fontRef idx="minor">
+          <a:schemeClr val="lt1"/>
+        </a:fontRef>
+      </dsp:style>
+    </dsp:sp>
+    <dsp:sp modelId="{E00C693B-520F-47D0-BF8F-47A0DB9CF440}">
+      <dsp:nvSpPr>
+        <dsp:cNvPr id="0" name=""/>
+        <dsp:cNvSpPr/>
+      </dsp:nvSpPr>
+      <dsp:spPr>
+        <a:xfrm>
+          <a:off x="338084" y="1491899"/>
+          <a:ext cx="165663" cy="165663"/>
+        </a:xfrm>
+        <a:prstGeom prst="ellipse">
+          <a:avLst/>
+        </a:prstGeom>
+        <a:solidFill>
+          <a:srgbClr val="0070C0"/>
+        </a:solidFill>
+        <a:ln>
+          <a:noFill/>
+        </a:ln>
+        <a:effectLst/>
+        <a:sp3d extrusionH="381000" contourW="38100" prstMaterial="matte">
+          <a:contourClr>
+            <a:schemeClr val="lt1"/>
+          </a:contourClr>
+        </a:sp3d>
+      </dsp:spPr>
+      <dsp:style>
+        <a:lnRef idx="0">
+          <a:scrgbClr r="0" g="0" b="0"/>
+        </a:lnRef>
+        <a:fillRef idx="1">
+          <a:scrgbClr r="0" g="0" b="0"/>
+        </a:fillRef>
+        <a:effectRef idx="0">
+          <a:scrgbClr r="0" g="0" b="0"/>
+        </a:effectRef>
+        <a:fontRef idx="minor">
+          <a:schemeClr val="lt1"/>
+        </a:fontRef>
+      </dsp:style>
+    </dsp:sp>
+    <dsp:sp modelId="{2069A35E-31CE-4145-B4C3-65945DAC45DF}">
+      <dsp:nvSpPr>
+        <dsp:cNvPr id="0" name=""/>
+        <dsp:cNvSpPr/>
+      </dsp:nvSpPr>
+      <dsp:spPr>
+        <a:xfrm>
+          <a:off x="485675" y="1329548"/>
+          <a:ext cx="105422" cy="105422"/>
+        </a:xfrm>
+        <a:prstGeom prst="ellipse">
+          <a:avLst/>
+        </a:prstGeom>
+        <a:solidFill>
+          <a:schemeClr val="accent3">
+            <a:hueOff val="23"/>
+            <a:satOff val="-8377"/>
+            <a:lumOff val="-1961"/>
+            <a:alphaOff val="0"/>
+          </a:schemeClr>
+        </a:solidFill>
+        <a:ln>
+          <a:noFill/>
+        </a:ln>
+        <a:effectLst/>
+        <a:sp3d extrusionH="381000" contourW="38100" prstMaterial="matte">
+          <a:contourClr>
+            <a:schemeClr val="lt1"/>
+          </a:contourClr>
+        </a:sp3d>
+      </dsp:spPr>
+      <dsp:style>
+        <a:lnRef idx="0">
+          <a:scrgbClr r="0" g="0" b="0"/>
+        </a:lnRef>
+        <a:fillRef idx="1">
+          <a:scrgbClr r="0" g="0" b="0"/>
+        </a:fillRef>
+        <a:effectRef idx="0">
+          <a:scrgbClr r="0" g="0" b="0"/>
+        </a:effectRef>
+        <a:fontRef idx="minor">
+          <a:schemeClr val="lt1"/>
+        </a:fontRef>
+      </dsp:style>
+    </dsp:sp>
+    <dsp:sp modelId="{02060C2B-6DFE-469B-955E-1286E3332045}">
+      <dsp:nvSpPr>
+        <dsp:cNvPr id="0" name=""/>
+        <dsp:cNvSpPr/>
+      </dsp:nvSpPr>
+      <dsp:spPr>
+        <a:xfrm>
+          <a:off x="677544" y="1270512"/>
+          <a:ext cx="105422" cy="105422"/>
+        </a:xfrm>
+        <a:prstGeom prst="ellipse">
+          <a:avLst/>
+        </a:prstGeom>
+        <a:solidFill>
+          <a:schemeClr val="accent3">
+            <a:hueOff val="30"/>
+            <a:satOff val="-11169"/>
+            <a:lumOff val="-2615"/>
+            <a:alphaOff val="0"/>
+          </a:schemeClr>
+        </a:solidFill>
+        <a:ln>
+          <a:noFill/>
+        </a:ln>
+        <a:effectLst/>
+        <a:sp3d extrusionH="381000" contourW="38100" prstMaterial="matte">
+          <a:contourClr>
+            <a:schemeClr val="lt1"/>
+          </a:contourClr>
+        </a:sp3d>
+      </dsp:spPr>
+      <dsp:style>
+        <a:lnRef idx="0">
+          <a:scrgbClr r="0" g="0" b="0"/>
+        </a:lnRef>
+        <a:fillRef idx="1">
+          <a:scrgbClr r="0" g="0" b="0"/>
+        </a:fillRef>
+        <a:effectRef idx="0">
+          <a:scrgbClr r="0" g="0" b="0"/>
+        </a:effectRef>
+        <a:fontRef idx="minor">
+          <a:schemeClr val="lt1"/>
+        </a:fontRef>
+      </dsp:style>
+    </dsp:sp>
+    <dsp:sp modelId="{4A3BB8EA-5318-4840-908C-4C12AD3258F5}">
+      <dsp:nvSpPr>
+        <dsp:cNvPr id="0" name=""/>
+        <dsp:cNvSpPr/>
+      </dsp:nvSpPr>
+      <dsp:spPr>
+        <a:xfrm>
+          <a:off x="913690" y="1373826"/>
+          <a:ext cx="105422" cy="105422"/>
+        </a:xfrm>
+        <a:prstGeom prst="ellipse">
+          <a:avLst/>
+        </a:prstGeom>
+        <a:solidFill>
+          <a:srgbClr val="0070C0"/>
+        </a:solidFill>
+        <a:ln>
+          <a:noFill/>
+        </a:ln>
+        <a:effectLst/>
+        <a:sp3d extrusionH="381000" contourW="38100" prstMaterial="matte">
+          <a:contourClr>
+            <a:schemeClr val="lt1"/>
+          </a:contourClr>
+        </a:sp3d>
+      </dsp:spPr>
+      <dsp:style>
+        <a:lnRef idx="0">
+          <a:scrgbClr r="0" g="0" b="0"/>
+        </a:lnRef>
+        <a:fillRef idx="1">
+          <a:scrgbClr r="0" g="0" b="0"/>
+        </a:fillRef>
+        <a:effectRef idx="0">
+          <a:scrgbClr r="0" g="0" b="0"/>
+        </a:effectRef>
+        <a:fontRef idx="minor">
+          <a:schemeClr val="lt1"/>
+        </a:fontRef>
+      </dsp:style>
+    </dsp:sp>
+    <dsp:sp modelId="{8CBDDA7E-4803-4C44-99D4-124C240D06E5}">
+      <dsp:nvSpPr>
+        <dsp:cNvPr id="0" name=""/>
+        <dsp:cNvSpPr/>
+      </dsp:nvSpPr>
+      <dsp:spPr>
+        <a:xfrm>
+          <a:off x="1061282" y="1447621"/>
+          <a:ext cx="165663" cy="165663"/>
+        </a:xfrm>
+        <a:prstGeom prst="ellipse">
+          <a:avLst/>
+        </a:prstGeom>
+        <a:solidFill>
+          <a:srgbClr val="0070C0"/>
+        </a:solidFill>
+        <a:ln>
+          <a:noFill/>
+        </a:ln>
+        <a:effectLst/>
+        <a:sp3d extrusionH="381000" contourW="38100" prstMaterial="matte">
+          <a:contourClr>
+            <a:schemeClr val="lt1"/>
+          </a:contourClr>
+        </a:sp3d>
+      </dsp:spPr>
+      <dsp:style>
+        <a:lnRef idx="0">
+          <a:scrgbClr r="0" g="0" b="0"/>
+        </a:lnRef>
+        <a:fillRef idx="1">
+          <a:scrgbClr r="0" g="0" b="0"/>
+        </a:fillRef>
+        <a:effectRef idx="0">
+          <a:scrgbClr r="0" g="0" b="0"/>
+        </a:effectRef>
+        <a:fontRef idx="minor">
+          <a:schemeClr val="lt1"/>
+        </a:fontRef>
+      </dsp:style>
+    </dsp:sp>
+    <dsp:sp modelId="{A8EDFAC4-0083-41BA-8FB4-0FBD5B49C7E9}">
+      <dsp:nvSpPr>
+        <dsp:cNvPr id="0" name=""/>
+        <dsp:cNvSpPr/>
+      </dsp:nvSpPr>
+      <dsp:spPr>
+        <a:xfrm>
+          <a:off x="1267909" y="1609972"/>
+          <a:ext cx="105422" cy="105422"/>
+        </a:xfrm>
+        <a:prstGeom prst="ellipse">
+          <a:avLst/>
+        </a:prstGeom>
+        <a:solidFill>
+          <a:srgbClr val="0070C0"/>
+        </a:solidFill>
+        <a:ln>
+          <a:noFill/>
+        </a:ln>
+        <a:effectLst/>
+        <a:sp3d extrusionH="381000" contourW="38100" prstMaterial="matte">
+          <a:contourClr>
+            <a:schemeClr val="lt1"/>
+          </a:contourClr>
+        </a:sp3d>
+      </dsp:spPr>
+      <dsp:style>
+        <a:lnRef idx="0">
+          <a:scrgbClr r="0" g="0" b="0"/>
+        </a:lnRef>
+        <a:fillRef idx="1">
+          <a:scrgbClr r="0" g="0" b="0"/>
+        </a:fillRef>
+        <a:effectRef idx="0">
+          <a:scrgbClr r="0" g="0" b="0"/>
+        </a:effectRef>
+        <a:fontRef idx="minor">
+          <a:schemeClr val="lt1"/>
+        </a:fontRef>
+      </dsp:style>
+    </dsp:sp>
+    <dsp:sp modelId="{F0E3306D-5F74-47EC-AD44-C46708318CFD}">
+      <dsp:nvSpPr>
+        <dsp:cNvPr id="0" name=""/>
+        <dsp:cNvSpPr/>
+      </dsp:nvSpPr>
+      <dsp:spPr>
+        <a:xfrm>
+          <a:off x="1356464" y="1772322"/>
+          <a:ext cx="105422" cy="105422"/>
+        </a:xfrm>
+        <a:prstGeom prst="ellipse">
+          <a:avLst/>
+        </a:prstGeom>
+        <a:solidFill>
+          <a:srgbClr val="0070C0"/>
+        </a:solidFill>
+        <a:ln>
+          <a:noFill/>
+        </a:ln>
+        <a:effectLst/>
+        <a:sp3d extrusionH="381000" contourW="38100" prstMaterial="matte">
+          <a:contourClr>
+            <a:schemeClr val="lt1"/>
+          </a:contourClr>
+        </a:sp3d>
+      </dsp:spPr>
+      <dsp:style>
+        <a:lnRef idx="0">
+          <a:scrgbClr r="0" g="0" b="0"/>
+        </a:lnRef>
+        <a:fillRef idx="1">
+          <a:scrgbClr r="0" g="0" b="0"/>
+        </a:fillRef>
+        <a:effectRef idx="0">
+          <a:scrgbClr r="0" g="0" b="0"/>
+        </a:effectRef>
+        <a:fontRef idx="minor">
+          <a:schemeClr val="lt1"/>
+        </a:fontRef>
+      </dsp:style>
+    </dsp:sp>
+    <dsp:sp modelId="{46AAA524-6750-4A40-81BB-1CA9ABF48930}">
+      <dsp:nvSpPr>
+        <dsp:cNvPr id="0" name=""/>
+        <dsp:cNvSpPr/>
+      </dsp:nvSpPr>
+      <dsp:spPr>
+        <a:xfrm>
+          <a:off x="588989" y="1462380"/>
+          <a:ext cx="271086" cy="271086"/>
+        </a:xfrm>
+        <a:prstGeom prst="ellipse">
+          <a:avLst/>
+        </a:prstGeom>
+        <a:solidFill>
+          <a:srgbClr val="0070C0"/>
+        </a:solidFill>
+        <a:ln>
+          <a:noFill/>
+        </a:ln>
+        <a:effectLst/>
+        <a:sp3d extrusionH="381000" contourW="38100" prstMaterial="matte">
+          <a:contourClr>
+            <a:schemeClr val="lt1"/>
+          </a:contourClr>
+        </a:sp3d>
+      </dsp:spPr>
+      <dsp:style>
+        <a:lnRef idx="0">
+          <a:scrgbClr r="0" g="0" b="0"/>
+        </a:lnRef>
+        <a:fillRef idx="1">
+          <a:scrgbClr r="0" g="0" b="0"/>
+        </a:fillRef>
+        <a:effectRef idx="0">
+          <a:scrgbClr r="0" g="0" b="0"/>
+        </a:effectRef>
+        <a:fontRef idx="minor">
+          <a:schemeClr val="lt1"/>
+        </a:fontRef>
+      </dsp:style>
+    </dsp:sp>
+    <dsp:sp modelId="{4D92DDD5-8D64-4B0E-9FA3-4E4AE1700A15}">
+      <dsp:nvSpPr>
+        <dsp:cNvPr id="0" name=""/>
+        <dsp:cNvSpPr/>
+      </dsp:nvSpPr>
+      <dsp:spPr>
+        <a:xfrm>
+          <a:off x="13383" y="2023227"/>
+          <a:ext cx="105422" cy="105422"/>
+        </a:xfrm>
+        <a:prstGeom prst="ellipse">
+          <a:avLst/>
+        </a:prstGeom>
+        <a:solidFill>
+          <a:srgbClr val="0070C0"/>
+        </a:solidFill>
+        <a:ln>
+          <a:noFill/>
+        </a:ln>
+        <a:effectLst/>
+        <a:sp3d extrusionH="381000" contourW="38100" prstMaterial="matte">
+          <a:contourClr>
+            <a:schemeClr val="lt1"/>
+          </a:contourClr>
+        </a:sp3d>
+      </dsp:spPr>
+      <dsp:style>
+        <a:lnRef idx="0">
+          <a:scrgbClr r="0" g="0" b="0"/>
+        </a:lnRef>
+        <a:fillRef idx="1">
+          <a:scrgbClr r="0" g="0" b="0"/>
+        </a:fillRef>
+        <a:effectRef idx="0">
+          <a:scrgbClr r="0" g="0" b="0"/>
+        </a:effectRef>
+        <a:fontRef idx="minor">
+          <a:schemeClr val="lt1"/>
+        </a:fontRef>
+      </dsp:style>
+    </dsp:sp>
+    <dsp:sp modelId="{91772DB1-3A7D-4EA5-81A7-86DAFFF585F2}">
+      <dsp:nvSpPr>
+        <dsp:cNvPr id="0" name=""/>
+        <dsp:cNvSpPr/>
+      </dsp:nvSpPr>
+      <dsp:spPr>
+        <a:xfrm>
+          <a:off x="101938" y="2156060"/>
+          <a:ext cx="165663" cy="165663"/>
+        </a:xfrm>
+        <a:prstGeom prst="ellipse">
+          <a:avLst/>
+        </a:prstGeom>
+        <a:solidFill>
+          <a:srgbClr val="0070C0"/>
+        </a:solidFill>
+        <a:ln>
+          <a:noFill/>
+        </a:ln>
+        <a:effectLst/>
+        <a:sp3d extrusionH="381000" contourW="38100" prstMaterial="matte">
+          <a:contourClr>
+            <a:schemeClr val="lt1"/>
+          </a:contourClr>
+        </a:sp3d>
+      </dsp:spPr>
+      <dsp:style>
+        <a:lnRef idx="0">
+          <a:scrgbClr r="0" g="0" b="0"/>
+        </a:lnRef>
+        <a:fillRef idx="1">
+          <a:scrgbClr r="0" g="0" b="0"/>
+        </a:fillRef>
+        <a:effectRef idx="0">
+          <a:scrgbClr r="0" g="0" b="0"/>
+        </a:effectRef>
+        <a:fontRef idx="minor">
+          <a:schemeClr val="lt1"/>
+        </a:fontRef>
+      </dsp:style>
+    </dsp:sp>
+    <dsp:sp modelId="{3E862664-DC2C-4985-B968-AD77D73F8587}">
+      <dsp:nvSpPr>
+        <dsp:cNvPr id="0" name=""/>
+        <dsp:cNvSpPr/>
+      </dsp:nvSpPr>
+      <dsp:spPr>
+        <a:xfrm>
+          <a:off x="323325" y="2274133"/>
+          <a:ext cx="240965" cy="240965"/>
+        </a:xfrm>
+        <a:prstGeom prst="ellipse">
+          <a:avLst/>
+        </a:prstGeom>
+        <a:solidFill>
+          <a:srgbClr val="0070C0"/>
+        </a:solidFill>
+        <a:ln>
+          <a:noFill/>
+        </a:ln>
+        <a:effectLst/>
+        <a:sp3d extrusionH="381000" contourW="38100" prstMaterial="matte">
+          <a:contourClr>
+            <a:schemeClr val="lt1"/>
+          </a:contourClr>
+        </a:sp3d>
+      </dsp:spPr>
+      <dsp:style>
+        <a:lnRef idx="0">
+          <a:scrgbClr r="0" g="0" b="0"/>
+        </a:lnRef>
+        <a:fillRef idx="1">
+          <a:scrgbClr r="0" g="0" b="0"/>
+        </a:fillRef>
+        <a:effectRef idx="0">
+          <a:scrgbClr r="0" g="0" b="0"/>
+        </a:effectRef>
+        <a:fontRef idx="minor">
+          <a:schemeClr val="lt1"/>
+        </a:fontRef>
+      </dsp:style>
+    </dsp:sp>
+    <dsp:sp modelId="{5581EE3E-EC0C-436D-8F48-E62FEC748958}">
+      <dsp:nvSpPr>
+        <dsp:cNvPr id="0" name=""/>
+        <dsp:cNvSpPr/>
+      </dsp:nvSpPr>
+      <dsp:spPr>
+        <a:xfrm>
+          <a:off x="633267" y="2466001"/>
+          <a:ext cx="105422" cy="105422"/>
+        </a:xfrm>
+        <a:prstGeom prst="ellipse">
+          <a:avLst/>
+        </a:prstGeom>
+        <a:solidFill>
+          <a:srgbClr val="0070C0"/>
+        </a:solidFill>
+        <a:ln>
+          <a:noFill/>
+        </a:ln>
+        <a:effectLst/>
+        <a:sp3d extrusionH="381000" contourW="38100" prstMaterial="matte">
+          <a:contourClr>
+            <a:schemeClr val="lt1"/>
+          </a:contourClr>
+        </a:sp3d>
+      </dsp:spPr>
+      <dsp:style>
+        <a:lnRef idx="0">
+          <a:scrgbClr r="0" g="0" b="0"/>
+        </a:lnRef>
+        <a:fillRef idx="1">
+          <a:scrgbClr r="0" g="0" b="0"/>
+        </a:fillRef>
+        <a:effectRef idx="0">
+          <a:scrgbClr r="0" g="0" b="0"/>
+        </a:effectRef>
+        <a:fontRef idx="minor">
+          <a:schemeClr val="lt1"/>
+        </a:fontRef>
+      </dsp:style>
+    </dsp:sp>
+    <dsp:sp modelId="{AE908452-2532-491A-B351-C4711C5DE25B}">
+      <dsp:nvSpPr>
+        <dsp:cNvPr id="0" name=""/>
+        <dsp:cNvSpPr/>
+      </dsp:nvSpPr>
+      <dsp:spPr>
+        <a:xfrm>
+          <a:off x="692303" y="2274133"/>
+          <a:ext cx="165663" cy="165663"/>
+        </a:xfrm>
+        <a:prstGeom prst="ellipse">
+          <a:avLst/>
+        </a:prstGeom>
+        <a:solidFill>
+          <a:srgbClr val="0070C0"/>
+        </a:solidFill>
+        <a:ln>
+          <a:noFill/>
+        </a:ln>
+        <a:effectLst/>
+        <a:sp3d extrusionH="381000" contourW="38100" prstMaterial="matte">
+          <a:contourClr>
+            <a:schemeClr val="lt1"/>
+          </a:contourClr>
+        </a:sp3d>
+      </dsp:spPr>
+      <dsp:style>
+        <a:lnRef idx="0">
+          <a:scrgbClr r="0" g="0" b="0"/>
+        </a:lnRef>
+        <a:fillRef idx="1">
+          <a:scrgbClr r="0" g="0" b="0"/>
+        </a:fillRef>
+        <a:effectRef idx="0">
+          <a:scrgbClr r="0" g="0" b="0"/>
+        </a:effectRef>
+        <a:fontRef idx="minor">
+          <a:schemeClr val="lt1"/>
+        </a:fontRef>
+      </dsp:style>
+    </dsp:sp>
+    <dsp:sp modelId="{41C0A3F5-B9FA-480F-9FE9-F65875326FBC}">
+      <dsp:nvSpPr>
+        <dsp:cNvPr id="0" name=""/>
+        <dsp:cNvSpPr/>
+      </dsp:nvSpPr>
+      <dsp:spPr>
+        <a:xfrm>
+          <a:off x="839895" y="2480761"/>
+          <a:ext cx="105422" cy="105422"/>
+        </a:xfrm>
+        <a:prstGeom prst="ellipse">
+          <a:avLst/>
+        </a:prstGeom>
+        <a:solidFill>
+          <a:srgbClr val="0070C0"/>
+        </a:solidFill>
+        <a:ln>
+          <a:noFill/>
+        </a:ln>
+        <a:effectLst/>
+        <a:sp3d extrusionH="381000" contourW="38100" prstMaterial="matte">
+          <a:contourClr>
+            <a:schemeClr val="lt1"/>
+          </a:contourClr>
+        </a:sp3d>
+      </dsp:spPr>
+      <dsp:style>
+        <a:lnRef idx="0">
+          <a:scrgbClr r="0" g="0" b="0"/>
+        </a:lnRef>
+        <a:fillRef idx="1">
+          <a:scrgbClr r="0" g="0" b="0"/>
+        </a:fillRef>
+        <a:effectRef idx="0">
+          <a:scrgbClr r="0" g="0" b="0"/>
+        </a:effectRef>
+        <a:fontRef idx="minor">
+          <a:schemeClr val="lt1"/>
+        </a:fontRef>
+      </dsp:style>
+    </dsp:sp>
+    <dsp:sp modelId="{13E195AE-E1EA-4E19-97C6-55417BA5FEF1}">
+      <dsp:nvSpPr>
+        <dsp:cNvPr id="0" name=""/>
+        <dsp:cNvSpPr/>
+      </dsp:nvSpPr>
+      <dsp:spPr>
+        <a:xfrm>
+          <a:off x="972727" y="2244614"/>
+          <a:ext cx="240965" cy="240965"/>
+        </a:xfrm>
+        <a:prstGeom prst="ellipse">
+          <a:avLst/>
+        </a:prstGeom>
+        <a:solidFill>
+          <a:srgbClr val="0070C0"/>
+        </a:solidFill>
+        <a:ln>
+          <a:noFill/>
+        </a:ln>
+        <a:effectLst/>
+        <a:sp3d extrusionH="381000" contourW="38100" prstMaterial="matte">
+          <a:contourClr>
+            <a:schemeClr val="lt1"/>
+          </a:contourClr>
+        </a:sp3d>
+      </dsp:spPr>
+      <dsp:style>
+        <a:lnRef idx="0">
+          <a:scrgbClr r="0" g="0" b="0"/>
+        </a:lnRef>
+        <a:fillRef idx="1">
+          <a:scrgbClr r="0" g="0" b="0"/>
+        </a:fillRef>
+        <a:effectRef idx="0">
+          <a:scrgbClr r="0" g="0" b="0"/>
+        </a:effectRef>
+        <a:fontRef idx="minor">
+          <a:schemeClr val="lt1"/>
+        </a:fontRef>
+      </dsp:style>
+    </dsp:sp>
+    <dsp:sp modelId="{E33FD6B8-956F-4C60-AB20-1143C5DCC8DD}">
+      <dsp:nvSpPr>
+        <dsp:cNvPr id="0" name=""/>
+        <dsp:cNvSpPr/>
+      </dsp:nvSpPr>
+      <dsp:spPr>
+        <a:xfrm>
+          <a:off x="1297428" y="2185578"/>
+          <a:ext cx="165663" cy="165663"/>
+        </a:xfrm>
+        <a:prstGeom prst="ellipse">
+          <a:avLst/>
+        </a:prstGeom>
+        <a:solidFill>
+          <a:srgbClr val="0070C0"/>
+        </a:solidFill>
+        <a:ln>
+          <a:noFill/>
+        </a:ln>
+        <a:effectLst/>
+        <a:sp3d extrusionH="381000" contourW="38100" prstMaterial="matte">
+          <a:contourClr>
+            <a:schemeClr val="lt1"/>
+          </a:contourClr>
+        </a:sp3d>
+      </dsp:spPr>
+      <dsp:style>
+        <a:lnRef idx="0">
+          <a:scrgbClr r="0" g="0" b="0"/>
+        </a:lnRef>
+        <a:fillRef idx="1">
+          <a:scrgbClr r="0" g="0" b="0"/>
+        </a:fillRef>
+        <a:effectRef idx="0">
+          <a:scrgbClr r="0" g="0" b="0"/>
+        </a:effectRef>
+        <a:fontRef idx="minor">
+          <a:schemeClr val="lt1"/>
+        </a:fontRef>
+      </dsp:style>
+    </dsp:sp>
+    <dsp:sp modelId="{4AC40FF3-008F-4006-B5F6-29CDB6E77DEB}">
+      <dsp:nvSpPr>
+        <dsp:cNvPr id="0" name=""/>
+        <dsp:cNvSpPr/>
+      </dsp:nvSpPr>
+      <dsp:spPr>
+        <a:xfrm>
+          <a:off x="1463091" y="1491653"/>
+          <a:ext cx="486530" cy="928840"/>
+        </a:xfrm>
+        <a:prstGeom prst="chevron">
+          <a:avLst>
+            <a:gd name="adj" fmla="val 62310"/>
+          </a:avLst>
+        </a:prstGeom>
+        <a:solidFill>
+          <a:srgbClr val="0070C0"/>
+        </a:solidFill>
+        <a:ln>
+          <a:noFill/>
+        </a:ln>
+        <a:effectLst/>
+        <a:sp3d z="-52400" extrusionH="181000" contourW="38100" prstMaterial="matte">
+          <a:contourClr>
+            <a:schemeClr val="lt1"/>
+          </a:contourClr>
+        </a:sp3d>
+      </dsp:spPr>
+      <dsp:style>
+        <a:lnRef idx="0">
+          <a:scrgbClr r="0" g="0" b="0"/>
+        </a:lnRef>
+        <a:fillRef idx="1">
+          <a:scrgbClr r="0" g="0" b="0"/>
+        </a:fillRef>
+        <a:effectRef idx="0">
+          <a:scrgbClr r="0" g="0" b="0"/>
+        </a:effectRef>
+        <a:fontRef idx="minor">
+          <a:schemeClr val="lt1"/>
+        </a:fontRef>
+      </dsp:style>
+    </dsp:sp>
+    <dsp:sp modelId="{7E666CA4-5CBD-4C36-BAAC-654BA24805FD}">
+      <dsp:nvSpPr>
+        <dsp:cNvPr id="0" name=""/>
+        <dsp:cNvSpPr/>
+      </dsp:nvSpPr>
+      <dsp:spPr>
+        <a:xfrm>
+          <a:off x="1949622" y="1492104"/>
+          <a:ext cx="1326902" cy="928831"/>
+        </a:xfrm>
+        <a:prstGeom prst="rect">
+          <a:avLst/>
+        </a:prstGeom>
+        <a:noFill/>
+        <a:ln>
+          <a:noFill/>
+        </a:ln>
+        <a:effectLst/>
+      </dsp:spPr>
+      <dsp:style>
+        <a:lnRef idx="0">
+          <a:scrgbClr r="0" g="0" b="0"/>
+        </a:lnRef>
+        <a:fillRef idx="0">
+          <a:scrgbClr r="0" g="0" b="0"/>
+        </a:fillRef>
+        <a:effectRef idx="0">
+          <a:scrgbClr r="0" g="0" b="0"/>
+        </a:effectRef>
+        <a:fontRef idx="minor"/>
+      </dsp:style>
+      <dsp:txBody>
+        <a:bodyPr spcFirstLastPara="0" vert="horz" wrap="square" lIns="20320" tIns="20320" rIns="20320" bIns="20320" numCol="1" spcCol="1270" anchor="ctr" anchorCtr="0">
+          <a:noAutofit/>
+        </a:bodyPr>
+        <a:lstStyle/>
+        <a:p>
+          <a:pPr lvl="0" algn="ctr" defTabSz="711200">
+            <a:lnSpc>
+              <a:spcPct val="90000"/>
+            </a:lnSpc>
+            <a:spcBef>
+              <a:spcPct val="0"/>
+            </a:spcBef>
+            <a:spcAft>
+              <a:spcPct val="35000"/>
+            </a:spcAft>
+          </a:pPr>
+          <a:r>
+            <a:rPr lang="pt-BR" sz="1600" b="1" kern="1200" dirty="0" err="1" smtClean="0">
+              <a:solidFill>
+                <a:srgbClr val="7030A0"/>
+              </a:solidFill>
+            </a:rPr>
+            <a:t>Login</a:t>
+          </a:r>
+          <a:endParaRPr lang="pt-BR" sz="1600" b="1" kern="1200" dirty="0">
+            <a:solidFill>
+              <a:srgbClr val="7030A0"/>
+            </a:solidFill>
+          </a:endParaRPr>
+        </a:p>
+      </dsp:txBody>
+      <dsp:txXfrm>
+        <a:off x="1949622" y="1492104"/>
+        <a:ext cx="1326902" cy="928831"/>
+      </dsp:txXfrm>
+    </dsp:sp>
+    <dsp:sp modelId="{5510BB7F-E98E-4475-A087-C6391C783681}">
+      <dsp:nvSpPr>
+        <dsp:cNvPr id="0" name=""/>
+        <dsp:cNvSpPr/>
+      </dsp:nvSpPr>
+      <dsp:spPr>
+        <a:xfrm>
+          <a:off x="3116786" y="1519556"/>
+          <a:ext cx="486530" cy="928840"/>
+        </a:xfrm>
+        <a:prstGeom prst="chevron">
+          <a:avLst>
+            <a:gd name="adj" fmla="val 62310"/>
+          </a:avLst>
+        </a:prstGeom>
+        <a:solidFill>
+          <a:srgbClr val="0070C0"/>
+        </a:solidFill>
+        <a:ln>
+          <a:noFill/>
+        </a:ln>
+        <a:effectLst/>
+        <a:sp3d z="-52400" extrusionH="181000" contourW="38100" prstMaterial="matte">
+          <a:contourClr>
+            <a:schemeClr val="lt1"/>
+          </a:contourClr>
+        </a:sp3d>
+      </dsp:spPr>
+      <dsp:style>
+        <a:lnRef idx="0">
+          <a:scrgbClr r="0" g="0" b="0"/>
+        </a:lnRef>
+        <a:fillRef idx="1">
+          <a:scrgbClr r="0" g="0" b="0"/>
+        </a:fillRef>
+        <a:effectRef idx="0">
+          <a:scrgbClr r="0" g="0" b="0"/>
+        </a:effectRef>
+        <a:fontRef idx="minor">
+          <a:schemeClr val="lt1"/>
+        </a:fontRef>
+      </dsp:style>
+    </dsp:sp>
+    <dsp:sp modelId="{AFD080A8-E866-41A1-B81A-578F566B068A}">
+      <dsp:nvSpPr>
+        <dsp:cNvPr id="0" name=""/>
+        <dsp:cNvSpPr/>
+      </dsp:nvSpPr>
+      <dsp:spPr>
+        <a:xfrm>
+          <a:off x="3763055" y="1492104"/>
+          <a:ext cx="1326902" cy="928831"/>
+        </a:xfrm>
+        <a:prstGeom prst="rect">
+          <a:avLst/>
+        </a:prstGeom>
+        <a:noFill/>
+        <a:ln>
+          <a:noFill/>
+        </a:ln>
+        <a:effectLst/>
+      </dsp:spPr>
+      <dsp:style>
+        <a:lnRef idx="0">
+          <a:scrgbClr r="0" g="0" b="0"/>
+        </a:lnRef>
+        <a:fillRef idx="0">
+          <a:scrgbClr r="0" g="0" b="0"/>
+        </a:fillRef>
+        <a:effectRef idx="0">
+          <a:scrgbClr r="0" g="0" b="0"/>
+        </a:effectRef>
+        <a:fontRef idx="minor"/>
+      </dsp:style>
+      <dsp:txBody>
+        <a:bodyPr spcFirstLastPara="0" vert="horz" wrap="square" lIns="20320" tIns="20320" rIns="20320" bIns="20320" numCol="1" spcCol="1270" anchor="ctr" anchorCtr="0">
+          <a:noAutofit/>
+        </a:bodyPr>
+        <a:lstStyle/>
+        <a:p>
+          <a:pPr lvl="0" algn="ctr" defTabSz="711200">
+            <a:lnSpc>
+              <a:spcPct val="90000"/>
+            </a:lnSpc>
+            <a:spcBef>
+              <a:spcPct val="0"/>
+            </a:spcBef>
+            <a:spcAft>
+              <a:spcPct val="35000"/>
+            </a:spcAft>
+          </a:pPr>
+          <a:r>
+            <a:rPr lang="pt-BR" sz="1600" b="1" kern="1200" dirty="0" smtClean="0">
+              <a:solidFill>
+                <a:srgbClr val="FFC000"/>
+              </a:solidFill>
+            </a:rPr>
+            <a:t>Serviço ativo</a:t>
+          </a:r>
+          <a:endParaRPr lang="pt-BR" sz="1600" b="1" kern="1200" dirty="0">
+            <a:solidFill>
+              <a:srgbClr val="FFC000"/>
+            </a:solidFill>
+          </a:endParaRPr>
+        </a:p>
+      </dsp:txBody>
+      <dsp:txXfrm>
+        <a:off x="3763055" y="1492104"/>
+        <a:ext cx="1326902" cy="928831"/>
+      </dsp:txXfrm>
+    </dsp:sp>
+    <dsp:sp modelId="{C5065143-8AF7-4AE9-A44E-5E4DF178427E}">
+      <dsp:nvSpPr>
+        <dsp:cNvPr id="0" name=""/>
+        <dsp:cNvSpPr/>
+      </dsp:nvSpPr>
+      <dsp:spPr>
+        <a:xfrm>
+          <a:off x="4907245" y="1519556"/>
+          <a:ext cx="486530" cy="928840"/>
+        </a:xfrm>
+        <a:prstGeom prst="chevron">
+          <a:avLst>
+            <a:gd name="adj" fmla="val 62310"/>
+          </a:avLst>
+        </a:prstGeom>
+        <a:solidFill>
+          <a:srgbClr val="FFC000"/>
+        </a:solidFill>
+        <a:ln>
+          <a:noFill/>
+        </a:ln>
+        <a:effectLst/>
+        <a:sp3d z="-52400" extrusionH="181000" contourW="38100" prstMaterial="matte">
+          <a:contourClr>
+            <a:schemeClr val="lt1"/>
+          </a:contourClr>
+        </a:sp3d>
+      </dsp:spPr>
+      <dsp:style>
+        <a:lnRef idx="0">
+          <a:scrgbClr r="0" g="0" b="0"/>
+        </a:lnRef>
+        <a:fillRef idx="1">
+          <a:scrgbClr r="0" g="0" b="0"/>
+        </a:fillRef>
+        <a:effectRef idx="0">
+          <a:scrgbClr r="0" g="0" b="0"/>
+        </a:effectRef>
+        <a:fontRef idx="minor">
+          <a:schemeClr val="lt1"/>
+        </a:fontRef>
+      </dsp:style>
+    </dsp:sp>
+    <dsp:sp modelId="{731B2C02-8FA5-4821-B98E-CF94C3140B85}">
+      <dsp:nvSpPr>
+        <dsp:cNvPr id="0" name=""/>
+        <dsp:cNvSpPr/>
+      </dsp:nvSpPr>
+      <dsp:spPr>
+        <a:xfrm>
+          <a:off x="5576488" y="1492104"/>
+          <a:ext cx="1326902" cy="928831"/>
+        </a:xfrm>
+        <a:prstGeom prst="rect">
+          <a:avLst/>
+        </a:prstGeom>
+        <a:noFill/>
+        <a:ln>
+          <a:noFill/>
+        </a:ln>
+        <a:effectLst/>
+      </dsp:spPr>
+      <dsp:style>
+        <a:lnRef idx="0">
+          <a:scrgbClr r="0" g="0" b="0"/>
+        </a:lnRef>
+        <a:fillRef idx="0">
+          <a:scrgbClr r="0" g="0" b="0"/>
+        </a:fillRef>
+        <a:effectRef idx="0">
+          <a:scrgbClr r="0" g="0" b="0"/>
+        </a:effectRef>
+        <a:fontRef idx="minor"/>
+      </dsp:style>
+      <dsp:txBody>
+        <a:bodyPr spcFirstLastPara="0" vert="horz" wrap="square" lIns="20320" tIns="20320" rIns="20320" bIns="20320" numCol="1" spcCol="1270" anchor="ctr" anchorCtr="0">
+          <a:noAutofit/>
+        </a:bodyPr>
+        <a:lstStyle/>
+        <a:p>
+          <a:pPr lvl="0" algn="ctr" defTabSz="711200">
+            <a:lnSpc>
+              <a:spcPct val="90000"/>
+            </a:lnSpc>
+            <a:spcBef>
+              <a:spcPct val="0"/>
+            </a:spcBef>
+            <a:spcAft>
+              <a:spcPct val="35000"/>
+            </a:spcAft>
+          </a:pPr>
+          <a:r>
+            <a:rPr lang="pt-BR" sz="1600" b="1" kern="1200" dirty="0" smtClean="0">
+              <a:solidFill>
+                <a:srgbClr val="00B050"/>
+              </a:solidFill>
+            </a:rPr>
+            <a:t>Regularidade de atividades acadêmicas</a:t>
+          </a:r>
+          <a:endParaRPr lang="pt-BR" sz="1600" b="1" kern="1200" dirty="0">
+            <a:solidFill>
+              <a:srgbClr val="00B050"/>
+            </a:solidFill>
+          </a:endParaRPr>
+        </a:p>
+      </dsp:txBody>
+      <dsp:txXfrm>
+        <a:off x="5576488" y="1492104"/>
+        <a:ext cx="1326902" cy="928831"/>
+      </dsp:txXfrm>
+    </dsp:sp>
+    <dsp:sp modelId="{B9E275C6-562A-432D-BC53-BE29329C92C7}">
+      <dsp:nvSpPr>
+        <dsp:cNvPr id="0" name=""/>
+        <dsp:cNvSpPr/>
+      </dsp:nvSpPr>
+      <dsp:spPr>
+        <a:xfrm>
+          <a:off x="6903390" y="1491653"/>
+          <a:ext cx="486530" cy="928840"/>
+        </a:xfrm>
+        <a:prstGeom prst="chevron">
+          <a:avLst>
+            <a:gd name="adj" fmla="val 62310"/>
+          </a:avLst>
+        </a:prstGeom>
+        <a:solidFill>
+          <a:srgbClr val="00B050"/>
+        </a:solidFill>
+        <a:ln>
+          <a:noFill/>
+        </a:ln>
+        <a:effectLst/>
+        <a:sp3d z="-52400" extrusionH="181000" contourW="38100" prstMaterial="matte">
+          <a:contourClr>
+            <a:schemeClr val="lt1"/>
+          </a:contourClr>
+        </a:sp3d>
+      </dsp:spPr>
+      <dsp:style>
+        <a:lnRef idx="0">
+          <a:scrgbClr r="0" g="0" b="0"/>
+        </a:lnRef>
+        <a:fillRef idx="1">
+          <a:scrgbClr r="0" g="0" b="0"/>
+        </a:fillRef>
+        <a:effectRef idx="0">
+          <a:scrgbClr r="0" g="0" b="0"/>
+        </a:effectRef>
+        <a:fontRef idx="minor">
+          <a:schemeClr val="lt1"/>
+        </a:fontRef>
+      </dsp:style>
+    </dsp:sp>
+    <dsp:sp modelId="{BE15EE83-3B00-4A10-B193-E9EE791FF290}">
+      <dsp:nvSpPr>
+        <dsp:cNvPr id="0" name=""/>
+        <dsp:cNvSpPr/>
+      </dsp:nvSpPr>
+      <dsp:spPr>
+        <a:xfrm>
+          <a:off x="7489438" y="1425759"/>
+          <a:ext cx="1127866" cy="1127866"/>
+        </a:xfrm>
+        <a:prstGeom prst="ellipse">
+          <a:avLst/>
+        </a:prstGeom>
+        <a:solidFill>
+          <a:srgbClr val="00B050"/>
+        </a:solidFill>
+        <a:ln>
+          <a:noFill/>
+        </a:ln>
+        <a:effectLst/>
+        <a:sp3d extrusionH="381000" contourW="38100" prstMaterial="matte">
+          <a:contourClr>
+            <a:schemeClr val="lt1"/>
+          </a:contourClr>
+        </a:sp3d>
+      </dsp:spPr>
+      <dsp:style>
+        <a:lnRef idx="0">
+          <a:scrgbClr r="0" g="0" b="0"/>
+        </a:lnRef>
+        <a:fillRef idx="1">
+          <a:scrgbClr r="0" g="0" b="0"/>
+        </a:fillRef>
+        <a:effectRef idx="0">
+          <a:scrgbClr r="0" g="0" b="0"/>
+        </a:effectRef>
+        <a:fontRef idx="minor">
+          <a:schemeClr val="lt1"/>
+        </a:fontRef>
+      </dsp:style>
+      <dsp:txBody>
+        <a:bodyPr spcFirstLastPara="0" vert="horz" wrap="square" lIns="0" tIns="0" rIns="0" bIns="0" numCol="1" spcCol="1270" anchor="ctr" anchorCtr="0">
+          <a:noAutofit/>
+        </a:bodyPr>
+        <a:lstStyle/>
+        <a:p>
+          <a:pPr lvl="0" algn="ctr" defTabSz="711200">
+            <a:lnSpc>
+              <a:spcPct val="90000"/>
+            </a:lnSpc>
+            <a:spcBef>
+              <a:spcPct val="0"/>
+            </a:spcBef>
+            <a:spcAft>
+              <a:spcPct val="35000"/>
+            </a:spcAft>
+          </a:pPr>
+          <a:r>
+            <a:rPr lang="pt-BR" sz="1600" b="1" kern="1200" dirty="0" smtClean="0">
+              <a:ln>
+                <a:solidFill>
+                  <a:schemeClr val="accent6">
+                    <a:lumMod val="20000"/>
+                    <a:lumOff val="80000"/>
+                  </a:schemeClr>
+                </a:solidFill>
+              </a:ln>
+              <a:solidFill>
+                <a:srgbClr val="7030A0"/>
+              </a:solidFill>
+              <a:latin typeface="Calibri Light" pitchFamily="34" charset="0"/>
+              <a:ea typeface="Arial Unicode MS" pitchFamily="34" charset="-128"/>
+              <a:cs typeface="Arial Unicode MS" pitchFamily="34" charset="-128"/>
+            </a:rPr>
+            <a:t>Disparo</a:t>
+          </a:r>
+          <a:endParaRPr lang="pt-BR" sz="1600" b="1" kern="1200" dirty="0">
+            <a:ln>
+              <a:solidFill>
+                <a:schemeClr val="accent6">
+                  <a:lumMod val="20000"/>
+                  <a:lumOff val="80000"/>
+                </a:schemeClr>
+              </a:solidFill>
+            </a:ln>
+            <a:solidFill>
+              <a:srgbClr val="7030A0"/>
+            </a:solidFill>
+            <a:latin typeface="Calibri Light" pitchFamily="34" charset="0"/>
+            <a:ea typeface="Arial Unicode MS" pitchFamily="34" charset="-128"/>
+            <a:cs typeface="Arial Unicode MS" pitchFamily="34" charset="-128"/>
+          </a:endParaRPr>
+        </a:p>
+      </dsp:txBody>
+      <dsp:txXfrm>
+        <a:off x="7654610" y="1590931"/>
+        <a:ext cx="797522" cy="797522"/>
+      </dsp:txXfrm>
+    </dsp:sp>
+    <dsp:sp modelId="{E051B2E9-E0F1-4F67-B203-7076EBD6126A}">
+      <dsp:nvSpPr>
+        <dsp:cNvPr id="0" name=""/>
+        <dsp:cNvSpPr/>
+      </dsp:nvSpPr>
+      <dsp:spPr>
+        <a:xfrm>
+          <a:off x="7389921" y="2629490"/>
+          <a:ext cx="1326902" cy="818256"/>
+        </a:xfrm>
+        <a:prstGeom prst="rect">
+          <a:avLst/>
+        </a:prstGeom>
+        <a:blipFill rotWithShape="0">
+          <a:blip xmlns:r="http://schemas.openxmlformats.org/officeDocument/2006/relationships" r:embed="rId1"/>
+          <a:stretch>
+            <a:fillRect/>
+          </a:stretch>
+        </a:blipFill>
+        <a:ln>
+          <a:noFill/>
+        </a:ln>
+        <a:effectLst/>
+      </dsp:spPr>
+      <dsp:style>
+        <a:lnRef idx="0">
+          <a:scrgbClr r="0" g="0" b="0"/>
+        </a:lnRef>
+        <a:fillRef idx="0">
+          <a:scrgbClr r="0" g="0" b="0"/>
+        </a:fillRef>
+        <a:effectRef idx="0">
+          <a:scrgbClr r="0" g="0" b="0"/>
+        </a:effectRef>
+        <a:fontRef idx="minor"/>
+      </dsp:style>
+      <dsp:txBody>
+        <a:bodyPr spcFirstLastPara="0" vert="horz" wrap="square" lIns="25400" tIns="25400" rIns="25400" bIns="25400" numCol="1" spcCol="1270" anchor="ctr" anchorCtr="0">
+          <a:noAutofit/>
+        </a:bodyPr>
+        <a:lstStyle/>
+        <a:p>
+          <a:pPr lvl="0" algn="ctr" defTabSz="889000">
+            <a:lnSpc>
+              <a:spcPct val="90000"/>
+            </a:lnSpc>
+            <a:spcBef>
+              <a:spcPct val="0"/>
+            </a:spcBef>
+            <a:spcAft>
+              <a:spcPct val="35000"/>
+            </a:spcAft>
+          </a:pPr>
+          <a:r>
+            <a:rPr lang="pt-BR" sz="2000" kern="1200" dirty="0" smtClean="0"/>
+            <a:t>Ação</a:t>
+          </a:r>
+          <a:endParaRPr lang="pt-BR" sz="2000" kern="1200" dirty="0"/>
+        </a:p>
+      </dsp:txBody>
+      <dsp:txXfrm>
+        <a:off x="7389921" y="2629490"/>
+        <a:ext cx="1326902" cy="818256"/>
+      </dsp:txXfrm>
+    </dsp:sp>
   </dsp:spTree>
 </dsp:drawing>
 </file>
@@ -3055,6 +4412,686 @@
       <dsp:cNvGrpSpPr/>
     </dsp:nvGrpSpPr>
     <dsp:grpSpPr/>
+    <dsp:sp modelId="{088FD97E-959C-4713-90E6-3BF325ED2DBE}">
+      <dsp:nvSpPr>
+        <dsp:cNvPr id="0" name=""/>
+        <dsp:cNvSpPr/>
+      </dsp:nvSpPr>
+      <dsp:spPr>
+        <a:xfrm>
+          <a:off x="1467" y="628784"/>
+          <a:ext cx="1134894" cy="1122052"/>
+        </a:xfrm>
+        <a:prstGeom prst="roundRect">
+          <a:avLst>
+            <a:gd name="adj" fmla="val 10000"/>
+          </a:avLst>
+        </a:prstGeom>
+        <a:blipFill rotWithShape="0">
+          <a:blip xmlns:r="http://schemas.openxmlformats.org/officeDocument/2006/relationships" r:embed="rId1"/>
+          <a:stretch>
+            <a:fillRect/>
+          </a:stretch>
+        </a:blipFill>
+        <a:ln w="28575" cap="flat" cmpd="sng" algn="ctr">
+          <a:noFill/>
+          <a:prstDash val="solid"/>
+        </a:ln>
+        <a:effectLst/>
+      </dsp:spPr>
+      <dsp:style>
+        <a:lnRef idx="2">
+          <a:scrgbClr r="0" g="0" b="0"/>
+        </a:lnRef>
+        <a:fillRef idx="1">
+          <a:scrgbClr r="0" g="0" b="0"/>
+        </a:fillRef>
+        <a:effectRef idx="0">
+          <a:scrgbClr r="0" g="0" b="0"/>
+        </a:effectRef>
+        <a:fontRef idx="minor">
+          <a:schemeClr val="lt1"/>
+        </a:fontRef>
+      </dsp:style>
+      <dsp:txBody>
+        <a:bodyPr spcFirstLastPara="0" vert="horz" wrap="square" lIns="39370" tIns="39370" rIns="39370" bIns="39370" numCol="1" spcCol="1270" anchor="ctr" anchorCtr="0">
+          <a:noAutofit/>
+        </a:bodyPr>
+        <a:lstStyle/>
+        <a:p>
+          <a:pPr lvl="0" algn="ctr" defTabSz="2755900">
+            <a:lnSpc>
+              <a:spcPct val="90000"/>
+            </a:lnSpc>
+            <a:spcBef>
+              <a:spcPct val="0"/>
+            </a:spcBef>
+            <a:spcAft>
+              <a:spcPct val="35000"/>
+            </a:spcAft>
+          </a:pPr>
+          <a:endParaRPr lang="pt-BR" sz="6200" b="1" kern="1200" dirty="0">
+            <a:solidFill>
+              <a:srgbClr val="FF0000"/>
+            </a:solidFill>
+          </a:endParaRPr>
+        </a:p>
+      </dsp:txBody>
+      <dsp:txXfrm>
+        <a:off x="34331" y="661648"/>
+        <a:ext cx="1069166" cy="1056324"/>
+      </dsp:txXfrm>
+    </dsp:sp>
+    <dsp:sp modelId="{DEAA91AC-93C3-4E21-ABA3-73EF923A1287}">
+      <dsp:nvSpPr>
+        <dsp:cNvPr id="0" name=""/>
+        <dsp:cNvSpPr/>
+      </dsp:nvSpPr>
+      <dsp:spPr>
+        <a:xfrm>
+          <a:off x="1136362" y="1155665"/>
+          <a:ext cx="519878" cy="68291"/>
+        </a:xfrm>
+        <a:custGeom>
+          <a:avLst/>
+          <a:gdLst/>
+          <a:ahLst/>
+          <a:cxnLst/>
+          <a:rect l="0" t="0" r="0" b="0"/>
+          <a:pathLst>
+            <a:path>
+              <a:moveTo>
+                <a:pt x="0" y="34145"/>
+              </a:moveTo>
+              <a:lnTo>
+                <a:pt x="519878" y="34145"/>
+              </a:lnTo>
+            </a:path>
+          </a:pathLst>
+        </a:custGeom>
+        <a:noFill/>
+        <a:ln w="28575" cap="flat" cmpd="sng" algn="ctr">
+          <a:solidFill>
+            <a:schemeClr val="accent1">
+              <a:shade val="60000"/>
+              <a:hueOff val="0"/>
+              <a:satOff val="0"/>
+              <a:lumOff val="0"/>
+              <a:alphaOff val="0"/>
+            </a:schemeClr>
+          </a:solidFill>
+          <a:prstDash val="solid"/>
+        </a:ln>
+        <a:effectLst/>
+      </dsp:spPr>
+      <dsp:style>
+        <a:lnRef idx="2">
+          <a:scrgbClr r="0" g="0" b="0"/>
+        </a:lnRef>
+        <a:fillRef idx="0">
+          <a:scrgbClr r="0" g="0" b="0"/>
+        </a:fillRef>
+        <a:effectRef idx="0">
+          <a:scrgbClr r="0" g="0" b="0"/>
+        </a:effectRef>
+        <a:fontRef idx="minor"/>
+      </dsp:style>
+      <dsp:txBody>
+        <a:bodyPr spcFirstLastPara="0" vert="horz" wrap="square" lIns="12700" tIns="0" rIns="12700" bIns="0" numCol="1" spcCol="1270" anchor="ctr" anchorCtr="0">
+          <a:noAutofit/>
+        </a:bodyPr>
+        <a:lstStyle/>
+        <a:p>
+          <a:pPr lvl="0" algn="ctr" defTabSz="222250">
+            <a:lnSpc>
+              <a:spcPct val="90000"/>
+            </a:lnSpc>
+            <a:spcBef>
+              <a:spcPct val="0"/>
+            </a:spcBef>
+            <a:spcAft>
+              <a:spcPct val="35000"/>
+            </a:spcAft>
+          </a:pPr>
+          <a:endParaRPr lang="pt-BR" sz="500" kern="1200"/>
+        </a:p>
+      </dsp:txBody>
+      <dsp:txXfrm>
+        <a:off x="1383304" y="1176813"/>
+        <a:ext cx="25993" cy="25993"/>
+      </dsp:txXfrm>
+    </dsp:sp>
+    <dsp:sp modelId="{625AAC6B-A1C6-4FA3-AF6C-57C1E02563C2}">
+      <dsp:nvSpPr>
+        <dsp:cNvPr id="0" name=""/>
+        <dsp:cNvSpPr/>
+      </dsp:nvSpPr>
+      <dsp:spPr>
+        <a:xfrm>
+          <a:off x="1656240" y="628784"/>
+          <a:ext cx="1475249" cy="1122052"/>
+        </a:xfrm>
+        <a:prstGeom prst="roundRect">
+          <a:avLst>
+            <a:gd name="adj" fmla="val 10000"/>
+          </a:avLst>
+        </a:prstGeom>
+        <a:blipFill rotWithShape="0">
+          <a:blip xmlns:r="http://schemas.openxmlformats.org/officeDocument/2006/relationships" r:embed="rId2"/>
+          <a:stretch>
+            <a:fillRect/>
+          </a:stretch>
+        </a:blipFill>
+        <a:ln w="28575" cap="flat" cmpd="sng" algn="ctr">
+          <a:solidFill>
+            <a:schemeClr val="lt1">
+              <a:hueOff val="0"/>
+              <a:satOff val="0"/>
+              <a:lumOff val="0"/>
+              <a:alphaOff val="0"/>
+            </a:schemeClr>
+          </a:solidFill>
+          <a:prstDash val="solid"/>
+        </a:ln>
+        <a:effectLst/>
+      </dsp:spPr>
+      <dsp:style>
+        <a:lnRef idx="2">
+          <a:scrgbClr r="0" g="0" b="0"/>
+        </a:lnRef>
+        <a:fillRef idx="1">
+          <a:scrgbClr r="0" g="0" b="0"/>
+        </a:fillRef>
+        <a:effectRef idx="0">
+          <a:scrgbClr r="0" g="0" b="0"/>
+        </a:effectRef>
+        <a:fontRef idx="minor">
+          <a:schemeClr val="lt1"/>
+        </a:fontRef>
+      </dsp:style>
+      <dsp:txBody>
+        <a:bodyPr spcFirstLastPara="0" vert="horz" wrap="square" lIns="39370" tIns="39370" rIns="39370" bIns="39370" numCol="1" spcCol="1270" anchor="ctr" anchorCtr="0">
+          <a:noAutofit/>
+        </a:bodyPr>
+        <a:lstStyle/>
+        <a:p>
+          <a:pPr lvl="0" algn="ctr" defTabSz="2755900">
+            <a:lnSpc>
+              <a:spcPct val="90000"/>
+            </a:lnSpc>
+            <a:spcBef>
+              <a:spcPct val="0"/>
+            </a:spcBef>
+            <a:spcAft>
+              <a:spcPct val="35000"/>
+            </a:spcAft>
+          </a:pPr>
+          <a:endParaRPr lang="pt-BR" sz="6200" b="1" kern="1200" dirty="0">
+            <a:solidFill>
+              <a:srgbClr val="FF0000"/>
+            </a:solidFill>
+          </a:endParaRPr>
+        </a:p>
+      </dsp:txBody>
+      <dsp:txXfrm>
+        <a:off x="1689104" y="661648"/>
+        <a:ext cx="1409521" cy="1056324"/>
+      </dsp:txXfrm>
+    </dsp:sp>
+    <dsp:sp modelId="{40EC9B65-825A-4CFD-9FF3-3094A2D18072}">
+      <dsp:nvSpPr>
+        <dsp:cNvPr id="0" name=""/>
+        <dsp:cNvSpPr/>
+      </dsp:nvSpPr>
+      <dsp:spPr>
+        <a:xfrm rot="21350655">
+          <a:off x="3130608" y="1131364"/>
+          <a:ext cx="670671" cy="68291"/>
+        </a:xfrm>
+        <a:custGeom>
+          <a:avLst/>
+          <a:gdLst/>
+          <a:ahLst/>
+          <a:cxnLst/>
+          <a:rect l="0" t="0" r="0" b="0"/>
+          <a:pathLst>
+            <a:path>
+              <a:moveTo>
+                <a:pt x="0" y="34145"/>
+              </a:moveTo>
+              <a:lnTo>
+                <a:pt x="670671" y="34145"/>
+              </a:lnTo>
+            </a:path>
+          </a:pathLst>
+        </a:custGeom>
+        <a:noFill/>
+        <a:ln w="28575" cap="flat" cmpd="sng" algn="ctr">
+          <a:solidFill>
+            <a:schemeClr val="accent1">
+              <a:shade val="80000"/>
+              <a:hueOff val="0"/>
+              <a:satOff val="0"/>
+              <a:lumOff val="0"/>
+              <a:alphaOff val="0"/>
+            </a:schemeClr>
+          </a:solidFill>
+          <a:prstDash val="solid"/>
+        </a:ln>
+        <a:effectLst/>
+      </dsp:spPr>
+      <dsp:style>
+        <a:lnRef idx="2">
+          <a:scrgbClr r="0" g="0" b="0"/>
+        </a:lnRef>
+        <a:fillRef idx="0">
+          <a:scrgbClr r="0" g="0" b="0"/>
+        </a:fillRef>
+        <a:effectRef idx="0">
+          <a:scrgbClr r="0" g="0" b="0"/>
+        </a:effectRef>
+        <a:fontRef idx="minor"/>
+      </dsp:style>
+      <dsp:txBody>
+        <a:bodyPr spcFirstLastPara="0" vert="horz" wrap="square" lIns="12700" tIns="0" rIns="12700" bIns="0" numCol="1" spcCol="1270" anchor="ctr" anchorCtr="0">
+          <a:noAutofit/>
+        </a:bodyPr>
+        <a:lstStyle/>
+        <a:p>
+          <a:pPr lvl="0" algn="ctr" defTabSz="222250">
+            <a:lnSpc>
+              <a:spcPct val="90000"/>
+            </a:lnSpc>
+            <a:spcBef>
+              <a:spcPct val="0"/>
+            </a:spcBef>
+            <a:spcAft>
+              <a:spcPct val="35000"/>
+            </a:spcAft>
+          </a:pPr>
+          <a:endParaRPr lang="pt-BR" sz="500" kern="1200"/>
+        </a:p>
+      </dsp:txBody>
+      <dsp:txXfrm>
+        <a:off x="3449177" y="1148742"/>
+        <a:ext cx="33533" cy="33533"/>
+      </dsp:txXfrm>
+    </dsp:sp>
+    <dsp:sp modelId="{3F240D39-27BF-4E23-88E7-47F174716589}">
+      <dsp:nvSpPr>
+        <dsp:cNvPr id="0" name=""/>
+        <dsp:cNvSpPr/>
+      </dsp:nvSpPr>
+      <dsp:spPr>
+        <a:xfrm>
+          <a:off x="3800398" y="562412"/>
+          <a:ext cx="1341783" cy="1157591"/>
+        </a:xfrm>
+        <a:prstGeom prst="roundRect">
+          <a:avLst>
+            <a:gd name="adj" fmla="val 10000"/>
+          </a:avLst>
+        </a:prstGeom>
+        <a:blipFill rotWithShape="0">
+          <a:blip xmlns:r="http://schemas.openxmlformats.org/officeDocument/2006/relationships" r:embed="rId3"/>
+          <a:stretch>
+            <a:fillRect/>
+          </a:stretch>
+        </a:blipFill>
+        <a:ln w="28575" cap="flat" cmpd="sng" algn="ctr">
+          <a:solidFill>
+            <a:schemeClr val="lt1">
+              <a:hueOff val="0"/>
+              <a:satOff val="0"/>
+              <a:lumOff val="0"/>
+              <a:alphaOff val="0"/>
+            </a:schemeClr>
+          </a:solidFill>
+          <a:prstDash val="solid"/>
+        </a:ln>
+        <a:effectLst/>
+      </dsp:spPr>
+      <dsp:style>
+        <a:lnRef idx="2">
+          <a:scrgbClr r="0" g="0" b="0"/>
+        </a:lnRef>
+        <a:fillRef idx="1">
+          <a:scrgbClr r="0" g="0" b="0"/>
+        </a:fillRef>
+        <a:effectRef idx="0">
+          <a:scrgbClr r="0" g="0" b="0"/>
+        </a:effectRef>
+        <a:fontRef idx="minor">
+          <a:schemeClr val="lt1"/>
+        </a:fontRef>
+      </dsp:style>
+      <dsp:txBody>
+        <a:bodyPr spcFirstLastPara="0" vert="horz" wrap="square" lIns="40640" tIns="40640" rIns="40640" bIns="40640" numCol="1" spcCol="1270" anchor="ctr" anchorCtr="0">
+          <a:noAutofit/>
+        </a:bodyPr>
+        <a:lstStyle/>
+        <a:p>
+          <a:pPr lvl="0" algn="ctr" defTabSz="2844800">
+            <a:lnSpc>
+              <a:spcPct val="90000"/>
+            </a:lnSpc>
+            <a:spcBef>
+              <a:spcPct val="0"/>
+            </a:spcBef>
+            <a:spcAft>
+              <a:spcPct val="35000"/>
+            </a:spcAft>
+          </a:pPr>
+          <a:endParaRPr lang="pt-BR" sz="6400" b="1" kern="1200" dirty="0">
+            <a:solidFill>
+              <a:srgbClr val="FF0000"/>
+            </a:solidFill>
+          </a:endParaRPr>
+        </a:p>
+      </dsp:txBody>
+      <dsp:txXfrm>
+        <a:off x="3834303" y="596317"/>
+        <a:ext cx="1273973" cy="1089781"/>
+      </dsp:txXfrm>
+    </dsp:sp>
+    <dsp:sp modelId="{96677CEF-A1B8-4F89-9C60-579502C7ED3D}">
+      <dsp:nvSpPr>
+        <dsp:cNvPr id="0" name=""/>
+        <dsp:cNvSpPr/>
+      </dsp:nvSpPr>
+      <dsp:spPr>
+        <a:xfrm rot="19018365">
+          <a:off x="5043314" y="856248"/>
+          <a:ext cx="735153" cy="68291"/>
+        </a:xfrm>
+        <a:custGeom>
+          <a:avLst/>
+          <a:gdLst/>
+          <a:ahLst/>
+          <a:cxnLst/>
+          <a:rect l="0" t="0" r="0" b="0"/>
+          <a:pathLst>
+            <a:path>
+              <a:moveTo>
+                <a:pt x="0" y="34145"/>
+              </a:moveTo>
+              <a:lnTo>
+                <a:pt x="735153" y="34145"/>
+              </a:lnTo>
+            </a:path>
+          </a:pathLst>
+        </a:custGeom>
+        <a:noFill/>
+        <a:ln w="28575" cap="flat" cmpd="sng" algn="ctr">
+          <a:solidFill>
+            <a:schemeClr val="accent1">
+              <a:shade val="80000"/>
+              <a:hueOff val="0"/>
+              <a:satOff val="0"/>
+              <a:lumOff val="0"/>
+              <a:alphaOff val="0"/>
+            </a:schemeClr>
+          </a:solidFill>
+          <a:prstDash val="solid"/>
+        </a:ln>
+        <a:effectLst/>
+      </dsp:spPr>
+      <dsp:style>
+        <a:lnRef idx="2">
+          <a:scrgbClr r="0" g="0" b="0"/>
+        </a:lnRef>
+        <a:fillRef idx="0">
+          <a:scrgbClr r="0" g="0" b="0"/>
+        </a:fillRef>
+        <a:effectRef idx="0">
+          <a:scrgbClr r="0" g="0" b="0"/>
+        </a:effectRef>
+        <a:fontRef idx="minor"/>
+      </dsp:style>
+      <dsp:txBody>
+        <a:bodyPr spcFirstLastPara="0" vert="horz" wrap="square" lIns="12700" tIns="0" rIns="12700" bIns="0" numCol="1" spcCol="1270" anchor="ctr" anchorCtr="0">
+          <a:noAutofit/>
+        </a:bodyPr>
+        <a:lstStyle/>
+        <a:p>
+          <a:pPr lvl="0" algn="ctr" defTabSz="222250">
+            <a:lnSpc>
+              <a:spcPct val="90000"/>
+            </a:lnSpc>
+            <a:spcBef>
+              <a:spcPct val="0"/>
+            </a:spcBef>
+            <a:spcAft>
+              <a:spcPct val="35000"/>
+            </a:spcAft>
+          </a:pPr>
+          <a:endParaRPr lang="pt-BR" sz="500" kern="1200"/>
+        </a:p>
+      </dsp:txBody>
+      <dsp:txXfrm>
+        <a:off x="5392512" y="872015"/>
+        <a:ext cx="36757" cy="36757"/>
+      </dsp:txXfrm>
+    </dsp:sp>
+    <dsp:sp modelId="{C9FE6AAB-0763-4305-BA94-5BEB7902709A}">
+      <dsp:nvSpPr>
+        <dsp:cNvPr id="0" name=""/>
+        <dsp:cNvSpPr/>
+      </dsp:nvSpPr>
+      <dsp:spPr>
+        <a:xfrm>
+          <a:off x="5679600" y="90347"/>
+          <a:ext cx="1297585" cy="1098463"/>
+        </a:xfrm>
+        <a:prstGeom prst="roundRect">
+          <a:avLst>
+            <a:gd name="adj" fmla="val 10000"/>
+          </a:avLst>
+        </a:prstGeom>
+        <a:blipFill rotWithShape="0">
+          <a:blip xmlns:r="http://schemas.openxmlformats.org/officeDocument/2006/relationships" r:embed="rId4"/>
+          <a:stretch>
+            <a:fillRect/>
+          </a:stretch>
+        </a:blipFill>
+        <a:ln w="28575" cap="flat" cmpd="sng" algn="ctr">
+          <a:noFill/>
+          <a:prstDash val="solid"/>
+        </a:ln>
+        <a:effectLst/>
+      </dsp:spPr>
+      <dsp:style>
+        <a:lnRef idx="2">
+          <a:scrgbClr r="0" g="0" b="0"/>
+        </a:lnRef>
+        <a:fillRef idx="1">
+          <a:scrgbClr r="0" g="0" b="0"/>
+        </a:fillRef>
+        <a:effectRef idx="0">
+          <a:scrgbClr r="0" g="0" b="0"/>
+        </a:effectRef>
+        <a:fontRef idx="minor">
+          <a:schemeClr val="lt1"/>
+        </a:fontRef>
+      </dsp:style>
+      <dsp:txBody>
+        <a:bodyPr spcFirstLastPara="0" vert="horz" wrap="square" lIns="38100" tIns="38100" rIns="38100" bIns="38100" numCol="1" spcCol="1270" anchor="ctr" anchorCtr="0">
+          <a:noAutofit/>
+        </a:bodyPr>
+        <a:lstStyle/>
+        <a:p>
+          <a:pPr lvl="0" algn="ctr" defTabSz="2667000">
+            <a:lnSpc>
+              <a:spcPct val="90000"/>
+            </a:lnSpc>
+            <a:spcBef>
+              <a:spcPct val="0"/>
+            </a:spcBef>
+            <a:spcAft>
+              <a:spcPct val="35000"/>
+            </a:spcAft>
+          </a:pPr>
+          <a:endParaRPr lang="pt-BR" sz="6000" b="1" kern="1200" dirty="0">
+            <a:solidFill>
+              <a:srgbClr val="FF0000"/>
+            </a:solidFill>
+          </a:endParaRPr>
+        </a:p>
+      </dsp:txBody>
+      <dsp:txXfrm>
+        <a:off x="5711773" y="122520"/>
+        <a:ext cx="1233239" cy="1034117"/>
+      </dsp:txXfrm>
+    </dsp:sp>
+    <dsp:sp modelId="{7995B477-DC24-4711-9C2A-A8BDC97B8C53}">
+      <dsp:nvSpPr>
+        <dsp:cNvPr id="0" name=""/>
+        <dsp:cNvSpPr/>
+      </dsp:nvSpPr>
+      <dsp:spPr>
+        <a:xfrm rot="58801">
+          <a:off x="6977151" y="609475"/>
+          <a:ext cx="472665" cy="68291"/>
+        </a:xfrm>
+        <a:custGeom>
+          <a:avLst/>
+          <a:gdLst/>
+          <a:ahLst/>
+          <a:cxnLst/>
+          <a:rect l="0" t="0" r="0" b="0"/>
+          <a:pathLst>
+            <a:path>
+              <a:moveTo>
+                <a:pt x="0" y="34145"/>
+              </a:moveTo>
+              <a:lnTo>
+                <a:pt x="472665" y="34145"/>
+              </a:lnTo>
+            </a:path>
+          </a:pathLst>
+        </a:custGeom>
+        <a:noFill/>
+        <a:ln w="28575" cap="flat" cmpd="sng" algn="ctr">
+          <a:solidFill>
+            <a:schemeClr val="accent1">
+              <a:shade val="80000"/>
+              <a:hueOff val="0"/>
+              <a:satOff val="0"/>
+              <a:lumOff val="0"/>
+              <a:alphaOff val="0"/>
+            </a:schemeClr>
+          </a:solidFill>
+          <a:prstDash val="solid"/>
+        </a:ln>
+        <a:effectLst/>
+      </dsp:spPr>
+      <dsp:style>
+        <a:lnRef idx="2">
+          <a:scrgbClr r="0" g="0" b="0"/>
+        </a:lnRef>
+        <a:fillRef idx="0">
+          <a:scrgbClr r="0" g="0" b="0"/>
+        </a:fillRef>
+        <a:effectRef idx="0">
+          <a:scrgbClr r="0" g="0" b="0"/>
+        </a:effectRef>
+        <a:fontRef idx="minor"/>
+      </dsp:style>
+      <dsp:txBody>
+        <a:bodyPr spcFirstLastPara="0" vert="horz" wrap="square" lIns="12700" tIns="0" rIns="12700" bIns="0" numCol="1" spcCol="1270" anchor="ctr" anchorCtr="0">
+          <a:noAutofit/>
+        </a:bodyPr>
+        <a:lstStyle/>
+        <a:p>
+          <a:pPr lvl="0" algn="ctr" defTabSz="222250">
+            <a:lnSpc>
+              <a:spcPct val="90000"/>
+            </a:lnSpc>
+            <a:spcBef>
+              <a:spcPct val="0"/>
+            </a:spcBef>
+            <a:spcAft>
+              <a:spcPct val="35000"/>
+            </a:spcAft>
+          </a:pPr>
+          <a:endParaRPr lang="pt-BR" sz="500" kern="1200"/>
+        </a:p>
+      </dsp:txBody>
+      <dsp:txXfrm>
+        <a:off x="7201667" y="631804"/>
+        <a:ext cx="23633" cy="23633"/>
+      </dsp:txXfrm>
+    </dsp:sp>
+    <dsp:sp modelId="{A495C0D0-0E80-48DB-8154-D582C59B72C3}">
+      <dsp:nvSpPr>
+        <dsp:cNvPr id="0" name=""/>
+        <dsp:cNvSpPr/>
+      </dsp:nvSpPr>
+      <dsp:spPr>
+        <a:xfrm>
+          <a:off x="7449782" y="99497"/>
+          <a:ext cx="1189464" cy="1096331"/>
+        </a:xfrm>
+        <a:prstGeom prst="roundRect">
+          <a:avLst>
+            <a:gd name="adj" fmla="val 10000"/>
+          </a:avLst>
+        </a:prstGeom>
+        <a:blipFill rotWithShape="0">
+          <a:blip xmlns:r="http://schemas.openxmlformats.org/officeDocument/2006/relationships" r:embed="rId5"/>
+          <a:stretch>
+            <a:fillRect/>
+          </a:stretch>
+        </a:blipFill>
+        <a:ln w="28575" cap="flat" cmpd="sng" algn="ctr">
+          <a:noFill/>
+          <a:prstDash val="solid"/>
+        </a:ln>
+        <a:effectLst/>
+      </dsp:spPr>
+      <dsp:style>
+        <a:lnRef idx="2">
+          <a:scrgbClr r="0" g="0" b="0"/>
+        </a:lnRef>
+        <a:fillRef idx="1">
+          <a:scrgbClr r="0" g="0" b="0"/>
+        </a:fillRef>
+        <a:effectRef idx="0">
+          <a:scrgbClr r="0" g="0" b="0"/>
+        </a:effectRef>
+        <a:fontRef idx="minor">
+          <a:schemeClr val="lt1"/>
+        </a:fontRef>
+      </dsp:style>
+      <dsp:txBody>
+        <a:bodyPr spcFirstLastPara="0" vert="horz" wrap="square" lIns="38100" tIns="38100" rIns="38100" bIns="38100" numCol="1" spcCol="1270" anchor="ctr" anchorCtr="0">
+          <a:noAutofit/>
+        </a:bodyPr>
+        <a:lstStyle/>
+        <a:p>
+          <a:pPr lvl="0" algn="ctr" defTabSz="2667000">
+            <a:lnSpc>
+              <a:spcPct val="90000"/>
+            </a:lnSpc>
+            <a:spcBef>
+              <a:spcPct val="0"/>
+            </a:spcBef>
+            <a:spcAft>
+              <a:spcPct val="35000"/>
+            </a:spcAft>
+          </a:pPr>
+          <a:endParaRPr lang="pt-BR" sz="6000" b="1" kern="1200" dirty="0">
+            <a:solidFill>
+              <a:srgbClr val="FF0000"/>
+            </a:solidFill>
+          </a:endParaRPr>
+        </a:p>
+      </dsp:txBody>
+      <dsp:txXfrm>
+        <a:off x="7481892" y="131607"/>
+        <a:ext cx="1125244" cy="1032111"/>
+      </dsp:txXfrm>
+    </dsp:sp>
   </dsp:spTree>
 </dsp:drawing>
 </file>
@@ -11750,14 +13787,16 @@
       </p:pic>
       <p:pic>
         <p:nvPicPr>
-          <p:cNvPr id="4100" name="Picture 4" descr="Imagem relacionada"/>
+          <p:cNvPr id="4100" name="Picture 4" descr="Imagem relacionada">
+            <a:hlinkClick r:id="rId3" action="ppaction://hlinkfile"/>
+          </p:cNvPr>
           <p:cNvPicPr>
             <a:picLocks noChangeAspect="1" noChangeArrowheads="1"/>
           </p:cNvPicPr>
           <p:nvPr/>
         </p:nvPicPr>
         <p:blipFill>
-          <a:blip r:embed="rId3">
+          <a:blip r:embed="rId4">
             <a:extLst>
               <a:ext uri="{28A0092B-C50C-407E-A947-70E740481C1C}">
                 <a14:useLocalDpi xmlns:a14="http://schemas.microsoft.com/office/drawing/2010/main" val="0"/>
@@ -11771,7 +13810,7 @@
         </p:blipFill>
         <p:spPr bwMode="auto">
           <a:xfrm>
-            <a:off x="2699792" y="2715209"/>
+            <a:off x="2671232" y="2715209"/>
             <a:ext cx="4824536" cy="3240360"/>
           </a:xfrm>
           <a:prstGeom prst="rect">
@@ -11798,7 +13837,7 @@
           <p:nvPr/>
         </p:nvPicPr>
         <p:blipFill>
-          <a:blip r:embed="rId4">
+          <a:blip r:embed="rId5">
             <a:extLst>
               <a:ext uri="{28A0092B-C50C-407E-A947-70E740481C1C}">
                 <a14:useLocalDpi xmlns:a14="http://schemas.microsoft.com/office/drawing/2010/main" val="0"/>
@@ -11851,6 +13890,157 @@
 </file>
 
 <file path=ppt/slides/slide17.xml><?xml version="1.0" encoding="utf-8"?>
+<p:sld xmlns:a="http://schemas.openxmlformats.org/drawingml/2006/main" xmlns:r="http://schemas.openxmlformats.org/officeDocument/2006/relationships" xmlns:p="http://schemas.openxmlformats.org/presentationml/2006/main">
+  <p:cSld>
+    <p:spTree>
+      <p:nvGrpSpPr>
+        <p:cNvPr id="1" name=""/>
+        <p:cNvGrpSpPr/>
+        <p:nvPr/>
+      </p:nvGrpSpPr>
+      <p:grpSpPr>
+        <a:xfrm>
+          <a:off x="0" y="0"/>
+          <a:ext cx="0" cy="0"/>
+          <a:chOff x="0" y="0"/>
+          <a:chExt cx="0" cy="0"/>
+        </a:xfrm>
+      </p:grpSpPr>
+      <p:sp>
+        <p:nvSpPr>
+          <p:cNvPr id="2" name="Título 1"/>
+          <p:cNvSpPr>
+            <a:spLocks noGrp="1"/>
+          </p:cNvSpPr>
+          <p:nvPr>
+            <p:ph type="title"/>
+          </p:nvPr>
+        </p:nvSpPr>
+        <p:spPr>
+          <a:xfrm>
+            <a:off x="827584" y="123986"/>
+            <a:ext cx="8089654" cy="859194"/>
+          </a:xfrm>
+        </p:spPr>
+        <p:txBody>
+          <a:bodyPr/>
+          <a:lstStyle/>
+          <a:p>
+            <a:pPr algn="l"/>
+            <a:r>
+              <a:rPr lang="pt-BR" sz="3200" dirty="0" smtClean="0"/>
+              <a:t>Avaliação</a:t>
+            </a:r>
+            <a:endParaRPr lang="pt-BR" sz="3200" dirty="0"/>
+          </a:p>
+        </p:txBody>
+      </p:sp>
+      <p:pic>
+        <p:nvPicPr>
+          <p:cNvPr id="4" name="Picture 2" descr="https://cdn-images-1.medium.com/max/600/1*YHKQVfSqFafrXvGcc5wUuQ.png"/>
+          <p:cNvPicPr>
+            <a:picLocks noChangeAspect="1" noChangeArrowheads="1"/>
+          </p:cNvPicPr>
+          <p:nvPr/>
+        </p:nvPicPr>
+        <p:blipFill rotWithShape="1">
+          <a:blip r:embed="rId2">
+            <a:extLst>
+              <a:ext uri="{28A0092B-C50C-407E-A947-70E740481C1C}">
+                <a14:useLocalDpi xmlns:a14="http://schemas.microsoft.com/office/drawing/2010/main" val="0"/>
+              </a:ext>
+            </a:extLst>
+          </a:blip>
+          <a:srcRect b="11346"/>
+          <a:stretch/>
+        </p:blipFill>
+        <p:spPr bwMode="auto">
+          <a:xfrm>
+            <a:off x="0" y="-60521"/>
+            <a:ext cx="827584" cy="614104"/>
+          </a:xfrm>
+          <a:prstGeom prst="rect">
+            <a:avLst/>
+          </a:prstGeom>
+          <a:ln>
+            <a:noFill/>
+          </a:ln>
+          <a:effectLst>
+            <a:softEdge rad="112500"/>
+          </a:effectLst>
+          <a:extLst>
+            <a:ext uri="{909E8E84-426E-40DD-AFC4-6F175D3DCCD1}">
+              <a14:hiddenFill xmlns:a14="http://schemas.microsoft.com/office/drawing/2010/main">
+                <a:solidFill>
+                  <a:srgbClr val="FFFFFF"/>
+                </a:solidFill>
+              </a14:hiddenFill>
+            </a:ext>
+          </a:extLst>
+        </p:spPr>
+      </p:pic>
+      <p:pic>
+        <p:nvPicPr>
+          <p:cNvPr id="1026" name="Picture 2" descr="https://cdn-images-1.medium.com/max/880/1*3xsxe8h4oQYCldbP_KoYbQ.png"/>
+          <p:cNvPicPr>
+            <a:picLocks noChangeAspect="1" noChangeArrowheads="1"/>
+          </p:cNvPicPr>
+          <p:nvPr/>
+        </p:nvPicPr>
+        <p:blipFill>
+          <a:blip r:embed="rId3">
+            <a:extLst>
+              <a:ext uri="{28A0092B-C50C-407E-A947-70E740481C1C}">
+                <a14:useLocalDpi xmlns:a14="http://schemas.microsoft.com/office/drawing/2010/main" val="0"/>
+              </a:ext>
+            </a:extLst>
+          </a:blip>
+          <a:srcRect/>
+          <a:stretch>
+            <a:fillRect/>
+          </a:stretch>
+        </p:blipFill>
+        <p:spPr bwMode="auto">
+          <a:xfrm>
+            <a:off x="613048" y="1268760"/>
+            <a:ext cx="8083976" cy="5081905"/>
+          </a:xfrm>
+          <a:prstGeom prst="rect">
+            <a:avLst/>
+          </a:prstGeom>
+          <a:noFill/>
+          <a:extLst>
+            <a:ext uri="{909E8E84-426E-40DD-AFC4-6F175D3DCCD1}">
+              <a14:hiddenFill xmlns:a14="http://schemas.microsoft.com/office/drawing/2010/main">
+                <a:solidFill>
+                  <a:srgbClr val="FFFFFF"/>
+                </a:solidFill>
+              </a14:hiddenFill>
+            </a:ext>
+          </a:extLst>
+        </p:spPr>
+      </p:pic>
+    </p:spTree>
+    <p:extLst>
+      <p:ext uri="{BB962C8B-B14F-4D97-AF65-F5344CB8AC3E}">
+        <p14:creationId xmlns:p14="http://schemas.microsoft.com/office/powerpoint/2010/main" val="1713047175"/>
+      </p:ext>
+    </p:extLst>
+  </p:cSld>
+  <p:clrMapOvr>
+    <a:masterClrMapping/>
+  </p:clrMapOvr>
+  <p:timing>
+    <p:tnLst>
+      <p:par>
+        <p:cTn id="1" dur="indefinite" restart="never" nodeType="tmRoot"/>
+      </p:par>
+    </p:tnLst>
+  </p:timing>
+</p:sld>
+</file>
+
+<file path=ppt/slides/slide18.xml><?xml version="1.0" encoding="utf-8"?>
 <p:sld xmlns:a="http://schemas.openxmlformats.org/drawingml/2006/main" xmlns:r="http://schemas.openxmlformats.org/officeDocument/2006/relationships" xmlns:p="http://schemas.openxmlformats.org/presentationml/2006/main">
   <p:cSld>
     <p:spTree>
@@ -12106,7 +14296,7 @@
 </p:sld>
 </file>
 
-<file path=ppt/slides/slide18.xml><?xml version="1.0" encoding="utf-8"?>
+<file path=ppt/slides/slide19.xml><?xml version="1.0" encoding="utf-8"?>
 <p:sld xmlns:a="http://schemas.openxmlformats.org/drawingml/2006/main" xmlns:r="http://schemas.openxmlformats.org/officeDocument/2006/relationships" xmlns:p="http://schemas.openxmlformats.org/presentationml/2006/main">
   <p:cSld>
     <p:spTree>
@@ -12452,8 +14642,8 @@
         </p:nvSpPr>
         <p:spPr>
           <a:xfrm>
-            <a:off x="4716016" y="1268760"/>
-            <a:ext cx="4427984" cy="5400600"/>
+            <a:off x="4716016" y="1628800"/>
+            <a:ext cx="4427984" cy="5040560"/>
           </a:xfrm>
         </p:spPr>
         <p:txBody>
@@ -12559,23 +14749,7 @@
                   <a:srgbClr val="00B050"/>
                 </a:solidFill>
               </a:rPr>
-              <a:t>Demonstração </a:t>
-            </a:r>
-            <a:r>
-              <a:rPr lang="pt-BR" sz="2000" b="1" dirty="0">
-                <a:solidFill>
-                  <a:srgbClr val="00B050"/>
-                </a:solidFill>
-              </a:rPr>
-              <a:t>do </a:t>
-            </a:r>
-            <a:r>
-              <a:rPr lang="pt-BR" sz="2000" b="1" dirty="0" smtClean="0">
-                <a:solidFill>
-                  <a:srgbClr val="00B050"/>
-                </a:solidFill>
-              </a:rPr>
-              <a:t>MVP</a:t>
+              <a:t>Validação</a:t>
             </a:r>
           </a:p>
         </p:txBody>
@@ -15967,7 +18141,7 @@
         </p:nvSpPr>
         <p:spPr>
           <a:xfrm>
-            <a:off x="5580112" y="1700808"/>
+            <a:off x="5633868" y="2232487"/>
             <a:ext cx="3402628" cy="2448272"/>
           </a:xfrm>
           <a:prstGeom prst="roundRect">
@@ -16015,13 +18189,13 @@
           <p:nvPr>
             <p:extLst>
               <p:ext uri="{D42A27DB-BD31-4B8C-83A1-F6EECF244321}">
-                <p14:modId xmlns:p14="http://schemas.microsoft.com/office/powerpoint/2010/main" val="2224713875"/>
+                <p14:modId xmlns:p14="http://schemas.microsoft.com/office/powerpoint/2010/main" val="679478716"/>
               </p:ext>
             </p:extLst>
           </p:nvPr>
         </p:nvGraphicFramePr>
         <p:xfrm>
-          <a:off x="179512" y="2365516"/>
+          <a:off x="233268" y="2897195"/>
           <a:ext cx="8803228" cy="1944216"/>
         </p:xfrm>
         <a:graphic>
@@ -16038,7 +18212,7 @@
         </p:nvSpPr>
         <p:spPr>
           <a:xfrm>
-            <a:off x="179512" y="2588530"/>
+            <a:off x="251520" y="3087291"/>
             <a:ext cx="1296144" cy="369332"/>
           </a:xfrm>
           <a:prstGeom prst="rect">
@@ -16076,7 +18250,7 @@
         </p:nvSpPr>
         <p:spPr>
           <a:xfrm>
-            <a:off x="4134165" y="2420888"/>
+            <a:off x="4187921" y="2952567"/>
             <a:ext cx="1074333" cy="369332"/>
           </a:xfrm>
           <a:prstGeom prst="rect">
@@ -16114,7 +18288,7 @@
         </p:nvSpPr>
         <p:spPr>
           <a:xfrm>
-            <a:off x="2123728" y="2588530"/>
+            <a:off x="2177484" y="3120209"/>
             <a:ext cx="1056700" cy="369332"/>
           </a:xfrm>
           <a:prstGeom prst="rect">
@@ -16152,7 +18326,7 @@
         </p:nvSpPr>
         <p:spPr>
           <a:xfrm>
-            <a:off x="7740352" y="1700808"/>
+            <a:off x="7794108" y="2232487"/>
             <a:ext cx="1242388" cy="646331"/>
           </a:xfrm>
           <a:prstGeom prst="rect">
@@ -16200,7 +18374,7 @@
         </p:nvSpPr>
         <p:spPr>
           <a:xfrm>
-            <a:off x="6012160" y="1841451"/>
+            <a:off x="6065916" y="2373130"/>
             <a:ext cx="1056700" cy="369332"/>
           </a:xfrm>
           <a:prstGeom prst="rect">
